--- a/asset/Learn_ja/ITA-version-up_ja.pptx
+++ b/asset/Learn_ja/ITA-version-up_ja.pptx
@@ -314,7 +314,7 @@
               <a:rPr kumimoji="1" lang="ja-JP" altLang="en-US" smtClean="0">
                 <a:ea typeface="メイリオ" panose="020B0604030504040204" pitchFamily="50" charset="-128"/>
               </a:rPr>
-              <a:t>2020/7/30</a:t>
+              <a:t>2020/10/2</a:t>
             </a:fld>
             <a:endParaRPr kumimoji="1" lang="ja-JP" altLang="en-US" dirty="0">
               <a:ea typeface="メイリオ" panose="020B0604030504040204" pitchFamily="50" charset="-128"/>
@@ -460,7 +460,7 @@
             <a:fld id="{4B26993D-C081-44EB-B0F5-A9F467792B62}" type="datetimeFigureOut">
               <a:rPr lang="ja-JP" altLang="en-US" smtClean="0"/>
               <a:pPr/>
-              <a:t>2020/7/30</a:t>
+              <a:t>2020/10/2</a:t>
             </a:fld>
             <a:endParaRPr lang="ja-JP" altLang="en-US" dirty="0"/>
           </a:p>
@@ -1083,7 +1083,7 @@
           <a:p>
             <a:fld id="{56F9016B-CCA6-43BE-8BEE-59565A35F4F7}" type="datetimeFigureOut">
               <a:rPr kumimoji="1" lang="ja-JP" altLang="en-US" smtClean="0"/>
-              <a:t>2020/7/30</a:t>
+              <a:t>2020/10/2</a:t>
             </a:fld>
             <a:endParaRPr kumimoji="1" lang="ja-JP" altLang="en-US"/>
           </a:p>
@@ -1285,7 +1285,7 @@
           <a:p>
             <a:fld id="{56F9016B-CCA6-43BE-8BEE-59565A35F4F7}" type="datetimeFigureOut">
               <a:rPr kumimoji="1" lang="ja-JP" altLang="en-US" smtClean="0"/>
-              <a:t>2020/7/30</a:t>
+              <a:t>2020/10/2</a:t>
             </a:fld>
             <a:endParaRPr kumimoji="1" lang="ja-JP" altLang="en-US"/>
           </a:p>
@@ -1531,7 +1531,7 @@
           <a:p>
             <a:fld id="{56F9016B-CCA6-43BE-8BEE-59565A35F4F7}" type="datetimeFigureOut">
               <a:rPr kumimoji="1" lang="ja-JP" altLang="en-US" smtClean="0"/>
-              <a:t>2020/7/30</a:t>
+              <a:t>2020/10/2</a:t>
             </a:fld>
             <a:endParaRPr kumimoji="1" lang="ja-JP" altLang="en-US"/>
           </a:p>
@@ -1827,7 +1827,7 @@
           <a:p>
             <a:fld id="{56F9016B-CCA6-43BE-8BEE-59565A35F4F7}" type="datetimeFigureOut">
               <a:rPr kumimoji="1" lang="ja-JP" altLang="en-US" smtClean="0"/>
-              <a:t>2020/7/30</a:t>
+              <a:t>2020/10/2</a:t>
             </a:fld>
             <a:endParaRPr kumimoji="1" lang="ja-JP" altLang="en-US"/>
           </a:p>
@@ -2258,7 +2258,7 @@
           <a:p>
             <a:fld id="{56F9016B-CCA6-43BE-8BEE-59565A35F4F7}" type="datetimeFigureOut">
               <a:rPr kumimoji="1" lang="ja-JP" altLang="en-US" smtClean="0"/>
-              <a:t>2020/7/30</a:t>
+              <a:t>2020/10/2</a:t>
             </a:fld>
             <a:endParaRPr kumimoji="1" lang="ja-JP" altLang="en-US"/>
           </a:p>
@@ -2376,7 +2376,7 @@
           <a:p>
             <a:fld id="{56F9016B-CCA6-43BE-8BEE-59565A35F4F7}" type="datetimeFigureOut">
               <a:rPr kumimoji="1" lang="ja-JP" altLang="en-US" smtClean="0"/>
-              <a:t>2020/7/30</a:t>
+              <a:t>2020/10/2</a:t>
             </a:fld>
             <a:endParaRPr kumimoji="1" lang="ja-JP" altLang="en-US"/>
           </a:p>
@@ -2471,7 +2471,7 @@
           <a:p>
             <a:fld id="{56F9016B-CCA6-43BE-8BEE-59565A35F4F7}" type="datetimeFigureOut">
               <a:rPr kumimoji="1" lang="ja-JP" altLang="en-US" smtClean="0"/>
-              <a:t>2020/7/30</a:t>
+              <a:t>2020/10/2</a:t>
             </a:fld>
             <a:endParaRPr kumimoji="1" lang="ja-JP" altLang="en-US"/>
           </a:p>
@@ -2780,7 +2780,7 @@
           <a:p>
             <a:fld id="{56F9016B-CCA6-43BE-8BEE-59565A35F4F7}" type="datetimeFigureOut">
               <a:rPr kumimoji="1" lang="ja-JP" altLang="en-US" smtClean="0"/>
-              <a:t>2020/7/30</a:t>
+              <a:t>2020/10/2</a:t>
             </a:fld>
             <a:endParaRPr kumimoji="1" lang="ja-JP" altLang="en-US"/>
           </a:p>
@@ -3033,7 +3033,7 @@
           <a:p>
             <a:fld id="{56F9016B-CCA6-43BE-8BEE-59565A35F4F7}" type="datetimeFigureOut">
               <a:rPr kumimoji="1" lang="ja-JP" altLang="en-US" smtClean="0"/>
-              <a:t>2020/7/30</a:t>
+              <a:t>2020/10/2</a:t>
             </a:fld>
             <a:endParaRPr kumimoji="1" lang="ja-JP" altLang="en-US"/>
           </a:p>
@@ -3310,7 +3310,7 @@
           <a:p>
             <a:fld id="{56F9016B-CCA6-43BE-8BEE-59565A35F4F7}" type="datetimeFigureOut">
               <a:rPr kumimoji="1" lang="ja-JP" altLang="en-US" smtClean="0"/>
-              <a:t>2020/7/30</a:t>
+              <a:t>2020/10/2</a:t>
             </a:fld>
             <a:endParaRPr kumimoji="1" lang="ja-JP" altLang="en-US"/>
           </a:p>
@@ -3522,7 +3522,7 @@
           <a:p>
             <a:fld id="{56F9016B-CCA6-43BE-8BEE-59565A35F4F7}" type="datetimeFigureOut">
               <a:rPr kumimoji="1" lang="ja-JP" altLang="en-US" smtClean="0"/>
-              <a:t>2020/7/30</a:t>
+              <a:t>2020/10/2</a:t>
             </a:fld>
             <a:endParaRPr kumimoji="1" lang="ja-JP" altLang="en-US"/>
           </a:p>
@@ -6581,7 +6581,7 @@
           <a:p>
             <a:fld id="{56F9016B-CCA6-43BE-8BEE-59565A35F4F7}" type="datetimeFigureOut">
               <a:rPr kumimoji="1" lang="ja-JP" altLang="en-US" smtClean="0"/>
-              <a:t>2020/7/30</a:t>
+              <a:t>2020/10/2</a:t>
             </a:fld>
             <a:endParaRPr kumimoji="1" lang="ja-JP" altLang="en-US"/>
           </a:p>
@@ -7647,7 +7647,7 @@
         </p:spPr>
         <p:txBody>
           <a:bodyPr>
-            <a:normAutofit/>
+            <a:normAutofit fontScale="92500" lnSpcReduction="20000"/>
           </a:bodyPr>
           <a:lstStyle/>
           <a:p>
@@ -7768,7 +7768,19 @@
             </a:r>
             <a:r>
               <a:rPr lang="en-US" altLang="ja-JP" sz="1400" dirty="0"/>
-              <a:t> https://github.com/exastro-suite/it-automation/archive/v</a:t>
+              <a:t> https://github.com/exastro-suite/it-automation/releases/download/v</a:t>
+            </a:r>
+            <a:r>
+              <a:rPr lang="en-US" altLang="ja-JP" sz="1400" dirty="0">
+                <a:solidFill>
+                  <a:srgbClr val="FF0000"/>
+                </a:solidFill>
+              </a:rPr>
+              <a:t>x.x.x</a:t>
+            </a:r>
+            <a:r>
+              <a:rPr lang="en-US" altLang="ja-JP" sz="1400" dirty="0"/>
+              <a:t>/exastro-it-automation-</a:t>
             </a:r>
             <a:r>
               <a:rPr lang="en-US" altLang="ja-JP" sz="1400" dirty="0">
@@ -7862,13 +7874,6 @@
               </a:rPr>
               <a:t>は適宜変更してください。</a:t>
             </a:r>
-            <a:r>
-              <a:rPr lang="en-US" altLang="ja-JP" dirty="0" smtClean="0"/>
-              <a:t/>
-            </a:r>
-            <a:br>
-              <a:rPr lang="en-US" altLang="ja-JP" dirty="0" smtClean="0"/>
-            </a:br>
             <a:r>
               <a:rPr lang="en-US" altLang="ja-JP" dirty="0" smtClean="0"/>
               <a:t/>
@@ -7880,12 +7885,74 @@
           </a:p>
           <a:p>
             <a:r>
+              <a:rPr lang="ja-JP" altLang="en-US" dirty="0"/>
+              <a:t>資材の展開</a:t>
+            </a:r>
+            <a:endParaRPr lang="en-US" altLang="ja-JP" dirty="0"/>
+          </a:p>
+          <a:p>
+            <a:pPr lvl="1"/>
+            <a:r>
+              <a:rPr lang="en-US" altLang="ja-JP" dirty="0"/>
+              <a:t>.tar.gz</a:t>
+            </a:r>
+            <a:r>
+              <a:rPr lang="ja-JP" altLang="en-US" dirty="0"/>
+              <a:t>ファイルを解凍します。</a:t>
+            </a:r>
+            <a:r>
+              <a:rPr lang="en-US" altLang="ja-JP" dirty="0"/>
+              <a:t/>
+            </a:r>
+            <a:br>
+              <a:rPr lang="en-US" altLang="ja-JP" dirty="0"/>
+            </a:br>
+            <a:r>
+              <a:rPr lang="en-US" altLang="ja-JP" dirty="0"/>
+              <a:t/>
+            </a:r>
+            <a:br>
+              <a:rPr lang="en-US" altLang="ja-JP" dirty="0"/>
+            </a:br>
+            <a:r>
+              <a:rPr lang="en-US" altLang="ja-JP" sz="1400" dirty="0"/>
+              <a:t># tar </a:t>
+            </a:r>
+            <a:r>
+              <a:rPr lang="en-US" altLang="ja-JP" sz="1400" dirty="0" err="1"/>
+              <a:t>zxf</a:t>
+            </a:r>
+            <a:r>
+              <a:rPr lang="ja-JP" altLang="en-US" sz="1400" dirty="0"/>
+              <a:t> </a:t>
+            </a:r>
+            <a:r>
+              <a:rPr lang="en-US" altLang="ja-JP" sz="1400" dirty="0" smtClean="0"/>
+              <a:t>exastro-it-automation-</a:t>
+            </a:r>
+            <a:r>
+              <a:rPr lang="en-US" altLang="ja-JP" sz="1400" dirty="0" smtClean="0">
+                <a:solidFill>
+                  <a:srgbClr val="FF0000"/>
+                </a:solidFill>
+              </a:rPr>
+              <a:t>x.x.x</a:t>
+            </a:r>
+            <a:r>
+              <a:rPr lang="en-US" altLang="ja-JP" sz="1400" dirty="0" smtClean="0"/>
+              <a:t>.tar.gz</a:t>
+            </a:r>
+          </a:p>
+          <a:p>
+            <a:pPr marL="180000" lvl="1" indent="0">
+              <a:buNone/>
+            </a:pPr>
+            <a:endParaRPr lang="en-US" altLang="ja-JP" dirty="0" smtClean="0"/>
+          </a:p>
+          <a:p>
+            <a:r>
               <a:rPr lang="ja-JP" altLang="en-US" dirty="0" smtClean="0"/>
-              <a:t>ディレクトリ</a:t>
-            </a:r>
-            <a:r>
-              <a:rPr lang="ja-JP" altLang="en-US" dirty="0" smtClean="0"/>
-              <a:t>移動</a:t>
+              <a:t>ディレクトリ移動</a:t>
             </a:r>
             <a:endParaRPr lang="en-US" altLang="ja-JP" dirty="0"/>
           </a:p>
@@ -7897,11 +7964,7 @@
             </a:r>
             <a:r>
               <a:rPr lang="ja-JP" altLang="en-US" dirty="0" smtClean="0"/>
-              <a:t>行うアンサーファイル</a:t>
-            </a:r>
-            <a:r>
-              <a:rPr lang="ja-JP" altLang="en-US" dirty="0" smtClean="0"/>
-              <a:t>とシェルのあるディレクトリに移動します。</a:t>
+              <a:t>行うアンサーファイルとシェルのあるディレクトリに移動します。</a:t>
             </a:r>
             <a:r>
               <a:rPr lang="en-US" altLang="ja-JP" dirty="0"/>
@@ -13578,15 +13641,7 @@
             <a:pPr lvl="1"/>
             <a:r>
               <a:rPr lang="ja-JP" altLang="en-US" dirty="0" smtClean="0"/>
-              <a:t>以下のコマンドで</a:t>
-            </a:r>
-            <a:r>
-              <a:rPr lang="ja-JP" altLang="en-US" dirty="0" smtClean="0"/>
-              <a:t>、バージョンアップツール</a:t>
-            </a:r>
-            <a:r>
-              <a:rPr lang="ja-JP" altLang="en-US" dirty="0" smtClean="0"/>
-              <a:t>を実行します。</a:t>
+              <a:t>以下のコマンドで、バージョンアップツールを実行します。</a:t>
             </a:r>
             <a:endParaRPr lang="en-US" altLang="ja-JP" dirty="0" smtClean="0"/>
           </a:p>
@@ -13794,11 +13849,7 @@
             <a:pPr lvl="1"/>
             <a:r>
               <a:rPr lang="ja-JP" altLang="en-US" dirty="0" smtClean="0"/>
-              <a:t>ログ</a:t>
-            </a:r>
-            <a:r>
-              <a:rPr lang="ja-JP" altLang="en-US" dirty="0" smtClean="0"/>
-              <a:t>格納パス</a:t>
+              <a:t>ログ格納パス</a:t>
             </a:r>
             <a:endParaRPr lang="en-US" altLang="ja-JP" dirty="0" smtClean="0"/>
           </a:p>
@@ -16681,11 +16732,7 @@
             </a:r>
             <a:r>
               <a:rPr lang="ja-JP" altLang="en-US" dirty="0" smtClean="0"/>
-              <a:t>メニューでバージョンが上がっていることを確認してください</a:t>
-            </a:r>
-            <a:r>
-              <a:rPr lang="ja-JP" altLang="en-US" dirty="0" smtClean="0"/>
-              <a:t>。</a:t>
+              <a:t>メニューでバージョンが上がっていることを確認してください。</a:t>
             </a:r>
             <a:endParaRPr lang="ja-JP" altLang="en-US" dirty="0"/>
           </a:p>

--- a/asset/Learn_ja/ITA-version-up_ja.pptx
+++ b/asset/Learn_ja/ITA-version-up_ja.pptx
@@ -316,7 +316,7 @@
               <a:rPr kumimoji="1" lang="ja-JP" altLang="en-US" smtClean="0">
                 <a:ea typeface="メイリオ" panose="020B0604030504040204" pitchFamily="50" charset="-128"/>
               </a:rPr>
-              <a:t>2020/11/30</a:t>
+              <a:t>2020/12/18</a:t>
             </a:fld>
             <a:endParaRPr kumimoji="1" lang="ja-JP" altLang="en-US" dirty="0">
               <a:ea typeface="メイリオ" panose="020B0604030504040204" pitchFamily="50" charset="-128"/>
@@ -462,7 +462,7 @@
             <a:fld id="{4B26993D-C081-44EB-B0F5-A9F467792B62}" type="datetimeFigureOut">
               <a:rPr lang="ja-JP" altLang="en-US" smtClean="0"/>
               <a:pPr/>
-              <a:t>2020/11/30</a:t>
+              <a:t>2020/12/18</a:t>
             </a:fld>
             <a:endParaRPr lang="ja-JP" altLang="en-US" dirty="0"/>
           </a:p>
@@ -1085,7 +1085,7 @@
           <a:p>
             <a:fld id="{56F9016B-CCA6-43BE-8BEE-59565A35F4F7}" type="datetimeFigureOut">
               <a:rPr kumimoji="1" lang="ja-JP" altLang="en-US" smtClean="0"/>
-              <a:t>2020/11/30</a:t>
+              <a:t>2020/12/18</a:t>
             </a:fld>
             <a:endParaRPr kumimoji="1" lang="ja-JP" altLang="en-US"/>
           </a:p>
@@ -1287,7 +1287,7 @@
           <a:p>
             <a:fld id="{56F9016B-CCA6-43BE-8BEE-59565A35F4F7}" type="datetimeFigureOut">
               <a:rPr kumimoji="1" lang="ja-JP" altLang="en-US" smtClean="0"/>
-              <a:t>2020/11/30</a:t>
+              <a:t>2020/12/18</a:t>
             </a:fld>
             <a:endParaRPr kumimoji="1" lang="ja-JP" altLang="en-US"/>
           </a:p>
@@ -1533,7 +1533,7 @@
           <a:p>
             <a:fld id="{56F9016B-CCA6-43BE-8BEE-59565A35F4F7}" type="datetimeFigureOut">
               <a:rPr kumimoji="1" lang="ja-JP" altLang="en-US" smtClean="0"/>
-              <a:t>2020/11/30</a:t>
+              <a:t>2020/12/18</a:t>
             </a:fld>
             <a:endParaRPr kumimoji="1" lang="ja-JP" altLang="en-US"/>
           </a:p>
@@ -1829,7 +1829,7 @@
           <a:p>
             <a:fld id="{56F9016B-CCA6-43BE-8BEE-59565A35F4F7}" type="datetimeFigureOut">
               <a:rPr kumimoji="1" lang="ja-JP" altLang="en-US" smtClean="0"/>
-              <a:t>2020/11/30</a:t>
+              <a:t>2020/12/18</a:t>
             </a:fld>
             <a:endParaRPr kumimoji="1" lang="ja-JP" altLang="en-US"/>
           </a:p>
@@ -2260,7 +2260,7 @@
           <a:p>
             <a:fld id="{56F9016B-CCA6-43BE-8BEE-59565A35F4F7}" type="datetimeFigureOut">
               <a:rPr kumimoji="1" lang="ja-JP" altLang="en-US" smtClean="0"/>
-              <a:t>2020/11/30</a:t>
+              <a:t>2020/12/18</a:t>
             </a:fld>
             <a:endParaRPr kumimoji="1" lang="ja-JP" altLang="en-US"/>
           </a:p>
@@ -2378,7 +2378,7 @@
           <a:p>
             <a:fld id="{56F9016B-CCA6-43BE-8BEE-59565A35F4F7}" type="datetimeFigureOut">
               <a:rPr kumimoji="1" lang="ja-JP" altLang="en-US" smtClean="0"/>
-              <a:t>2020/11/30</a:t>
+              <a:t>2020/12/18</a:t>
             </a:fld>
             <a:endParaRPr kumimoji="1" lang="ja-JP" altLang="en-US"/>
           </a:p>
@@ -2473,7 +2473,7 @@
           <a:p>
             <a:fld id="{56F9016B-CCA6-43BE-8BEE-59565A35F4F7}" type="datetimeFigureOut">
               <a:rPr kumimoji="1" lang="ja-JP" altLang="en-US" smtClean="0"/>
-              <a:t>2020/11/30</a:t>
+              <a:t>2020/12/18</a:t>
             </a:fld>
             <a:endParaRPr kumimoji="1" lang="ja-JP" altLang="en-US"/>
           </a:p>
@@ -2782,7 +2782,7 @@
           <a:p>
             <a:fld id="{56F9016B-CCA6-43BE-8BEE-59565A35F4F7}" type="datetimeFigureOut">
               <a:rPr kumimoji="1" lang="ja-JP" altLang="en-US" smtClean="0"/>
-              <a:t>2020/11/30</a:t>
+              <a:t>2020/12/18</a:t>
             </a:fld>
             <a:endParaRPr kumimoji="1" lang="ja-JP" altLang="en-US"/>
           </a:p>
@@ -3035,7 +3035,7 @@
           <a:p>
             <a:fld id="{56F9016B-CCA6-43BE-8BEE-59565A35F4F7}" type="datetimeFigureOut">
               <a:rPr kumimoji="1" lang="ja-JP" altLang="en-US" smtClean="0"/>
-              <a:t>2020/11/30</a:t>
+              <a:t>2020/12/18</a:t>
             </a:fld>
             <a:endParaRPr kumimoji="1" lang="ja-JP" altLang="en-US"/>
           </a:p>
@@ -3312,7 +3312,7 @@
           <a:p>
             <a:fld id="{56F9016B-CCA6-43BE-8BEE-59565A35F4F7}" type="datetimeFigureOut">
               <a:rPr kumimoji="1" lang="ja-JP" altLang="en-US" smtClean="0"/>
-              <a:t>2020/11/30</a:t>
+              <a:t>2020/12/18</a:t>
             </a:fld>
             <a:endParaRPr kumimoji="1" lang="ja-JP" altLang="en-US"/>
           </a:p>
@@ -3524,7 +3524,7 @@
           <a:p>
             <a:fld id="{56F9016B-CCA6-43BE-8BEE-59565A35F4F7}" type="datetimeFigureOut">
               <a:rPr kumimoji="1" lang="ja-JP" altLang="en-US" smtClean="0"/>
-              <a:t>2020/11/30</a:t>
+              <a:t>2020/12/18</a:t>
             </a:fld>
             <a:endParaRPr kumimoji="1" lang="ja-JP" altLang="en-US"/>
           </a:p>
@@ -6583,7 +6583,7 @@
           <a:p>
             <a:fld id="{56F9016B-CCA6-43BE-8BEE-59565A35F4F7}" type="datetimeFigureOut">
               <a:rPr kumimoji="1" lang="ja-JP" altLang="en-US" smtClean="0"/>
-              <a:t>2020/11/30</a:t>
+              <a:t>2020/12/18</a:t>
             </a:fld>
             <a:endParaRPr kumimoji="1" lang="ja-JP" altLang="en-US"/>
           </a:p>
@@ -7021,7 +7021,7 @@
             </a:r>
             <a:r>
               <a:rPr lang="en-US" altLang="ja-JP" dirty="0" smtClean="0"/>
-              <a:t>1.6</a:t>
+              <a:t>1.6.1</a:t>
             </a:r>
             <a:r>
               <a:rPr lang="ja-JP" altLang="en-US" dirty="0" smtClean="0"/>
@@ -17719,8 +17719,8 @@
         </p:blipFill>
         <p:spPr>
           <a:xfrm>
-            <a:off x="539440" y="1849193"/>
-            <a:ext cx="6120850" cy="3682739"/>
+            <a:off x="643460" y="1849193"/>
+            <a:ext cx="5912810" cy="3682739"/>
           </a:xfrm>
           <a:prstGeom prst="rect">
             <a:avLst/>
@@ -17850,7 +17850,7 @@
         </p:nvSpPr>
         <p:spPr>
           <a:xfrm>
-            <a:off x="1763610" y="1881268"/>
+            <a:off x="1907630" y="1888580"/>
             <a:ext cx="1296180" cy="298906"/>
           </a:xfrm>
           <a:prstGeom prst="rect">
@@ -17901,7 +17901,7 @@
         </p:nvSpPr>
         <p:spPr>
           <a:xfrm>
-            <a:off x="539440" y="5243892"/>
+            <a:off x="630091" y="5243892"/>
             <a:ext cx="1080150" cy="288040"/>
           </a:xfrm>
           <a:prstGeom prst="rect">

--- a/asset/Learn_ja/ITA-version-up_ja.pptx
+++ b/asset/Learn_ja/ITA-version-up_ja.pptx
@@ -316,7 +316,7 @@
               <a:rPr kumimoji="1" lang="ja-JP" altLang="en-US" smtClean="0">
                 <a:ea typeface="メイリオ" panose="020B0604030504040204" pitchFamily="50" charset="-128"/>
               </a:rPr>
-              <a:t>2020/12/18</a:t>
+              <a:t>2021/1/4</a:t>
             </a:fld>
             <a:endParaRPr kumimoji="1" lang="ja-JP" altLang="en-US" dirty="0">
               <a:ea typeface="メイリオ" panose="020B0604030504040204" pitchFamily="50" charset="-128"/>
@@ -462,7 +462,7 @@
             <a:fld id="{4B26993D-C081-44EB-B0F5-A9F467792B62}" type="datetimeFigureOut">
               <a:rPr lang="ja-JP" altLang="en-US" smtClean="0"/>
               <a:pPr/>
-              <a:t>2020/12/18</a:t>
+              <a:t>2021/1/4</a:t>
             </a:fld>
             <a:endParaRPr lang="ja-JP" altLang="en-US" dirty="0"/>
           </a:p>
@@ -1085,7 +1085,7 @@
           <a:p>
             <a:fld id="{56F9016B-CCA6-43BE-8BEE-59565A35F4F7}" type="datetimeFigureOut">
               <a:rPr kumimoji="1" lang="ja-JP" altLang="en-US" smtClean="0"/>
-              <a:t>2020/12/18</a:t>
+              <a:t>2021/1/4</a:t>
             </a:fld>
             <a:endParaRPr kumimoji="1" lang="ja-JP" altLang="en-US"/>
           </a:p>
@@ -1287,7 +1287,7 @@
           <a:p>
             <a:fld id="{56F9016B-CCA6-43BE-8BEE-59565A35F4F7}" type="datetimeFigureOut">
               <a:rPr kumimoji="1" lang="ja-JP" altLang="en-US" smtClean="0"/>
-              <a:t>2020/12/18</a:t>
+              <a:t>2021/1/4</a:t>
             </a:fld>
             <a:endParaRPr kumimoji="1" lang="ja-JP" altLang="en-US"/>
           </a:p>
@@ -1533,7 +1533,7 @@
           <a:p>
             <a:fld id="{56F9016B-CCA6-43BE-8BEE-59565A35F4F7}" type="datetimeFigureOut">
               <a:rPr kumimoji="1" lang="ja-JP" altLang="en-US" smtClean="0"/>
-              <a:t>2020/12/18</a:t>
+              <a:t>2021/1/4</a:t>
             </a:fld>
             <a:endParaRPr kumimoji="1" lang="ja-JP" altLang="en-US"/>
           </a:p>
@@ -1829,7 +1829,7 @@
           <a:p>
             <a:fld id="{56F9016B-CCA6-43BE-8BEE-59565A35F4F7}" type="datetimeFigureOut">
               <a:rPr kumimoji="1" lang="ja-JP" altLang="en-US" smtClean="0"/>
-              <a:t>2020/12/18</a:t>
+              <a:t>2021/1/4</a:t>
             </a:fld>
             <a:endParaRPr kumimoji="1" lang="ja-JP" altLang="en-US"/>
           </a:p>
@@ -2260,7 +2260,7 @@
           <a:p>
             <a:fld id="{56F9016B-CCA6-43BE-8BEE-59565A35F4F7}" type="datetimeFigureOut">
               <a:rPr kumimoji="1" lang="ja-JP" altLang="en-US" smtClean="0"/>
-              <a:t>2020/12/18</a:t>
+              <a:t>2021/1/4</a:t>
             </a:fld>
             <a:endParaRPr kumimoji="1" lang="ja-JP" altLang="en-US"/>
           </a:p>
@@ -2378,7 +2378,7 @@
           <a:p>
             <a:fld id="{56F9016B-CCA6-43BE-8BEE-59565A35F4F7}" type="datetimeFigureOut">
               <a:rPr kumimoji="1" lang="ja-JP" altLang="en-US" smtClean="0"/>
-              <a:t>2020/12/18</a:t>
+              <a:t>2021/1/4</a:t>
             </a:fld>
             <a:endParaRPr kumimoji="1" lang="ja-JP" altLang="en-US"/>
           </a:p>
@@ -2473,7 +2473,7 @@
           <a:p>
             <a:fld id="{56F9016B-CCA6-43BE-8BEE-59565A35F4F7}" type="datetimeFigureOut">
               <a:rPr kumimoji="1" lang="ja-JP" altLang="en-US" smtClean="0"/>
-              <a:t>2020/12/18</a:t>
+              <a:t>2021/1/4</a:t>
             </a:fld>
             <a:endParaRPr kumimoji="1" lang="ja-JP" altLang="en-US"/>
           </a:p>
@@ -2782,7 +2782,7 @@
           <a:p>
             <a:fld id="{56F9016B-CCA6-43BE-8BEE-59565A35F4F7}" type="datetimeFigureOut">
               <a:rPr kumimoji="1" lang="ja-JP" altLang="en-US" smtClean="0"/>
-              <a:t>2020/12/18</a:t>
+              <a:t>2021/1/4</a:t>
             </a:fld>
             <a:endParaRPr kumimoji="1" lang="ja-JP" altLang="en-US"/>
           </a:p>
@@ -3035,7 +3035,7 @@
           <a:p>
             <a:fld id="{56F9016B-CCA6-43BE-8BEE-59565A35F4F7}" type="datetimeFigureOut">
               <a:rPr kumimoji="1" lang="ja-JP" altLang="en-US" smtClean="0"/>
-              <a:t>2020/12/18</a:t>
+              <a:t>2021/1/4</a:t>
             </a:fld>
             <a:endParaRPr kumimoji="1" lang="ja-JP" altLang="en-US"/>
           </a:p>
@@ -3312,7 +3312,7 @@
           <a:p>
             <a:fld id="{56F9016B-CCA6-43BE-8BEE-59565A35F4F7}" type="datetimeFigureOut">
               <a:rPr kumimoji="1" lang="ja-JP" altLang="en-US" smtClean="0"/>
-              <a:t>2020/12/18</a:t>
+              <a:t>2021/1/4</a:t>
             </a:fld>
             <a:endParaRPr kumimoji="1" lang="ja-JP" altLang="en-US"/>
           </a:p>
@@ -3524,7 +3524,7 @@
           <a:p>
             <a:fld id="{56F9016B-CCA6-43BE-8BEE-59565A35F4F7}" type="datetimeFigureOut">
               <a:rPr kumimoji="1" lang="ja-JP" altLang="en-US" smtClean="0"/>
-              <a:t>2020/12/18</a:t>
+              <a:t>2021/1/4</a:t>
             </a:fld>
             <a:endParaRPr kumimoji="1" lang="ja-JP" altLang="en-US"/>
           </a:p>
@@ -6583,7 +6583,7 @@
           <a:p>
             <a:fld id="{56F9016B-CCA6-43BE-8BEE-59565A35F4F7}" type="datetimeFigureOut">
               <a:rPr kumimoji="1" lang="ja-JP" altLang="en-US" smtClean="0"/>
-              <a:t>2020/12/18</a:t>
+              <a:t>2021/1/4</a:t>
             </a:fld>
             <a:endParaRPr kumimoji="1" lang="ja-JP" altLang="en-US"/>
           </a:p>
@@ -7765,12 +7765,12 @@
               <a:t># </a:t>
             </a:r>
             <a:r>
-              <a:rPr lang="en-US" altLang="ja-JP" sz="1400" dirty="0" err="1"/>
-              <a:t>wget</a:t>
+              <a:rPr lang="en-US" altLang="ja-JP" sz="1400" dirty="0" smtClean="0"/>
+              <a:t>curl </a:t>
             </a:r>
             <a:r>
               <a:rPr lang="en-US" altLang="ja-JP" sz="1400" dirty="0"/>
-              <a:t> https://github.com/exastro-suite/it-automation/releases/download/v</a:t>
+              <a:t>-OL https://github.com/exastro-suite/it-automation/releases/download/v</a:t>
             </a:r>
             <a:r>
               <a:rPr lang="en-US" altLang="ja-JP" sz="1400" dirty="0">
@@ -7811,16 +7811,20 @@
               <a:rPr lang="en-US" altLang="ja-JP" dirty="0"/>
             </a:br>
             <a:r>
+              <a:rPr lang="en-US" altLang="ja-JP" dirty="0" smtClean="0"/>
+              <a:t>※</a:t>
+            </a:r>
+            <a:r>
               <a:rPr lang="en-US" altLang="ja-JP" dirty="0"/>
-              <a:t>※</a:t>
-            </a:r>
-            <a:r>
-              <a:rPr lang="en-US" altLang="ja-JP" dirty="0" err="1"/>
-              <a:t>wget</a:t>
+              <a:t> curl</a:t>
+            </a:r>
+            <a:r>
+              <a:rPr lang="ja-JP" altLang="en-US" dirty="0" smtClean="0"/>
+              <a:t>コマンド</a:t>
             </a:r>
             <a:r>
               <a:rPr lang="ja-JP" altLang="en-US" dirty="0"/>
-              <a:t>コマンドは事前にインストールしてください。</a:t>
+              <a:t>は事前にインストールしてください。</a:t>
             </a:r>
             <a:endParaRPr lang="en-US" altLang="ja-JP" dirty="0"/>
           </a:p>

--- a/asset/Learn_ja/ITA-version-up_ja.pptx
+++ b/asset/Learn_ja/ITA-version-up_ja.pptx
@@ -316,7 +316,7 @@
               <a:rPr kumimoji="1" lang="ja-JP" altLang="en-US" smtClean="0">
                 <a:ea typeface="メイリオ" panose="020B0604030504040204" pitchFamily="50" charset="-128"/>
               </a:rPr>
-              <a:t>2021/1/4</a:t>
+              <a:t>2021/1/12</a:t>
             </a:fld>
             <a:endParaRPr kumimoji="1" lang="ja-JP" altLang="en-US" dirty="0">
               <a:ea typeface="メイリオ" panose="020B0604030504040204" pitchFamily="50" charset="-128"/>
@@ -462,7 +462,7 @@
             <a:fld id="{4B26993D-C081-44EB-B0F5-A9F467792B62}" type="datetimeFigureOut">
               <a:rPr lang="ja-JP" altLang="en-US" smtClean="0"/>
               <a:pPr/>
-              <a:t>2021/1/4</a:t>
+              <a:t>2021/1/12</a:t>
             </a:fld>
             <a:endParaRPr lang="ja-JP" altLang="en-US" dirty="0"/>
           </a:p>
@@ -1085,7 +1085,7 @@
           <a:p>
             <a:fld id="{56F9016B-CCA6-43BE-8BEE-59565A35F4F7}" type="datetimeFigureOut">
               <a:rPr kumimoji="1" lang="ja-JP" altLang="en-US" smtClean="0"/>
-              <a:t>2021/1/4</a:t>
+              <a:t>2021/1/12</a:t>
             </a:fld>
             <a:endParaRPr kumimoji="1" lang="ja-JP" altLang="en-US"/>
           </a:p>
@@ -1287,7 +1287,7 @@
           <a:p>
             <a:fld id="{56F9016B-CCA6-43BE-8BEE-59565A35F4F7}" type="datetimeFigureOut">
               <a:rPr kumimoji="1" lang="ja-JP" altLang="en-US" smtClean="0"/>
-              <a:t>2021/1/4</a:t>
+              <a:t>2021/1/12</a:t>
             </a:fld>
             <a:endParaRPr kumimoji="1" lang="ja-JP" altLang="en-US"/>
           </a:p>
@@ -1533,7 +1533,7 @@
           <a:p>
             <a:fld id="{56F9016B-CCA6-43BE-8BEE-59565A35F4F7}" type="datetimeFigureOut">
               <a:rPr kumimoji="1" lang="ja-JP" altLang="en-US" smtClean="0"/>
-              <a:t>2021/1/4</a:t>
+              <a:t>2021/1/12</a:t>
             </a:fld>
             <a:endParaRPr kumimoji="1" lang="ja-JP" altLang="en-US"/>
           </a:p>
@@ -1829,7 +1829,7 @@
           <a:p>
             <a:fld id="{56F9016B-CCA6-43BE-8BEE-59565A35F4F7}" type="datetimeFigureOut">
               <a:rPr kumimoji="1" lang="ja-JP" altLang="en-US" smtClean="0"/>
-              <a:t>2021/1/4</a:t>
+              <a:t>2021/1/12</a:t>
             </a:fld>
             <a:endParaRPr kumimoji="1" lang="ja-JP" altLang="en-US"/>
           </a:p>
@@ -2260,7 +2260,7 @@
           <a:p>
             <a:fld id="{56F9016B-CCA6-43BE-8BEE-59565A35F4F7}" type="datetimeFigureOut">
               <a:rPr kumimoji="1" lang="ja-JP" altLang="en-US" smtClean="0"/>
-              <a:t>2021/1/4</a:t>
+              <a:t>2021/1/12</a:t>
             </a:fld>
             <a:endParaRPr kumimoji="1" lang="ja-JP" altLang="en-US"/>
           </a:p>
@@ -2378,7 +2378,7 @@
           <a:p>
             <a:fld id="{56F9016B-CCA6-43BE-8BEE-59565A35F4F7}" type="datetimeFigureOut">
               <a:rPr kumimoji="1" lang="ja-JP" altLang="en-US" smtClean="0"/>
-              <a:t>2021/1/4</a:t>
+              <a:t>2021/1/12</a:t>
             </a:fld>
             <a:endParaRPr kumimoji="1" lang="ja-JP" altLang="en-US"/>
           </a:p>
@@ -2473,7 +2473,7 @@
           <a:p>
             <a:fld id="{56F9016B-CCA6-43BE-8BEE-59565A35F4F7}" type="datetimeFigureOut">
               <a:rPr kumimoji="1" lang="ja-JP" altLang="en-US" smtClean="0"/>
-              <a:t>2021/1/4</a:t>
+              <a:t>2021/1/12</a:t>
             </a:fld>
             <a:endParaRPr kumimoji="1" lang="ja-JP" altLang="en-US"/>
           </a:p>
@@ -2782,7 +2782,7 @@
           <a:p>
             <a:fld id="{56F9016B-CCA6-43BE-8BEE-59565A35F4F7}" type="datetimeFigureOut">
               <a:rPr kumimoji="1" lang="ja-JP" altLang="en-US" smtClean="0"/>
-              <a:t>2021/1/4</a:t>
+              <a:t>2021/1/12</a:t>
             </a:fld>
             <a:endParaRPr kumimoji="1" lang="ja-JP" altLang="en-US"/>
           </a:p>
@@ -3035,7 +3035,7 @@
           <a:p>
             <a:fld id="{56F9016B-CCA6-43BE-8BEE-59565A35F4F7}" type="datetimeFigureOut">
               <a:rPr kumimoji="1" lang="ja-JP" altLang="en-US" smtClean="0"/>
-              <a:t>2021/1/4</a:t>
+              <a:t>2021/1/12</a:t>
             </a:fld>
             <a:endParaRPr kumimoji="1" lang="ja-JP" altLang="en-US"/>
           </a:p>
@@ -3312,7 +3312,7 @@
           <a:p>
             <a:fld id="{56F9016B-CCA6-43BE-8BEE-59565A35F4F7}" type="datetimeFigureOut">
               <a:rPr kumimoji="1" lang="ja-JP" altLang="en-US" smtClean="0"/>
-              <a:t>2021/1/4</a:t>
+              <a:t>2021/1/12</a:t>
             </a:fld>
             <a:endParaRPr kumimoji="1" lang="ja-JP" altLang="en-US"/>
           </a:p>
@@ -3524,7 +3524,7 @@
           <a:p>
             <a:fld id="{56F9016B-CCA6-43BE-8BEE-59565A35F4F7}" type="datetimeFigureOut">
               <a:rPr kumimoji="1" lang="ja-JP" altLang="en-US" smtClean="0"/>
-              <a:t>2021/1/4</a:t>
+              <a:t>2021/1/12</a:t>
             </a:fld>
             <a:endParaRPr kumimoji="1" lang="ja-JP" altLang="en-US"/>
           </a:p>
@@ -6583,7 +6583,7 @@
           <a:p>
             <a:fld id="{56F9016B-CCA6-43BE-8BEE-59565A35F4F7}" type="datetimeFigureOut">
               <a:rPr kumimoji="1" lang="ja-JP" altLang="en-US" smtClean="0"/>
-              <a:t>2021/1/4</a:t>
+              <a:t>2021/1/12</a:t>
             </a:fld>
             <a:endParaRPr kumimoji="1" lang="ja-JP" altLang="en-US"/>
           </a:p>
@@ -15054,14 +15054,14 @@
           <p:nvPr>
             <p:extLst>
               <p:ext uri="{D42A27DB-BD31-4B8C-83A1-F6EECF244321}">
-                <p14:modId xmlns:p14="http://schemas.microsoft.com/office/powerpoint/2010/main" val="3762539988"/>
+                <p14:modId xmlns:p14="http://schemas.microsoft.com/office/powerpoint/2010/main" val="609166279"/>
               </p:ext>
             </p:extLst>
           </p:nvPr>
         </p:nvGraphicFramePr>
         <p:xfrm>
           <a:off x="179512" y="2518554"/>
-          <a:ext cx="8819131" cy="2710696"/>
+          <a:ext cx="8819131" cy="3168600"/>
         </p:xfrm>
         <a:graphic>
           <a:graphicData uri="http://schemas.openxmlformats.org/drawingml/2006/table">
@@ -17583,6 +17583,186 @@
                   </a:ext>
                 </a:extLst>
               </a:tr>
+              <a:tr h="457904">
+                <a:tc>
+                  <a:txBody>
+                    <a:bodyPr/>
+                    <a:lstStyle/>
+                    <a:p>
+                      <a:pPr algn="just">
+                        <a:spcAft>
+                          <a:spcPts val="0"/>
+                        </a:spcAft>
+                      </a:pPr>
+                      <a:r>
+                        <a:rPr lang="en-US" altLang="ja-JP" sz="1000" kern="100" dirty="0" smtClean="0">
+                          <a:effectLst/>
+                          <a:latin typeface="+mn-ea"/>
+                          <a:ea typeface="+mn-ea"/>
+                          <a:cs typeface="Times New Roman" panose="02020603050405020304" pitchFamily="18" charset="0"/>
+                        </a:rPr>
+                        <a:t>1.6.1</a:t>
+                      </a:r>
+                      <a:endParaRPr lang="ja-JP" sz="1000" kern="100" dirty="0">
+                        <a:effectLst/>
+                        <a:latin typeface="+mn-ea"/>
+                        <a:ea typeface="+mn-ea"/>
+                        <a:cs typeface="Times New Roman" panose="02020603050405020304" pitchFamily="18" charset="0"/>
+                      </a:endParaRPr>
+                    </a:p>
+                  </a:txBody>
+                  <a:tcPr marL="68580" marR="68580" marT="0" marB="0" anchor="ctr">
+                    <a:solidFill>
+                      <a:srgbClr val="002B62"/>
+                    </a:solidFill>
+                  </a:tcPr>
+                </a:tc>
+                <a:tc gridSpan="5">
+                  <a:txBody>
+                    <a:bodyPr/>
+                    <a:lstStyle/>
+                    <a:p>
+                      <a:pPr algn="ctr">
+                        <a:spcAft>
+                          <a:spcPts val="0"/>
+                        </a:spcAft>
+                      </a:pPr>
+                      <a:r>
+                        <a:rPr lang="ja-JP" altLang="en-US" sz="1050" kern="100" dirty="0" smtClean="0">
+                          <a:effectLst/>
+                          <a:latin typeface="+mn-ea"/>
+                          <a:ea typeface="+mn-ea"/>
+                          <a:cs typeface="Times New Roman" panose="02020603050405020304" pitchFamily="18" charset="0"/>
+                        </a:rPr>
+                        <a:t>バージョン</a:t>
+                      </a:r>
+                      <a:r>
+                        <a:rPr lang="en-US" altLang="ja-JP" sz="1050" kern="100" dirty="0" smtClean="0">
+                          <a:effectLst/>
+                          <a:latin typeface="+mn-ea"/>
+                          <a:ea typeface="+mn-ea"/>
+                          <a:cs typeface="Times New Roman" panose="02020603050405020304" pitchFamily="18" charset="0"/>
+                        </a:rPr>
+                        <a:t>1.6.1</a:t>
+                      </a:r>
+                      <a:r>
+                        <a:rPr lang="ja-JP" altLang="en-US" sz="1050" kern="100" dirty="0" smtClean="0">
+                          <a:effectLst/>
+                          <a:latin typeface="+mn-ea"/>
+                          <a:ea typeface="+mn-ea"/>
+                          <a:cs typeface="Times New Roman" panose="02020603050405020304" pitchFamily="18" charset="0"/>
+                        </a:rPr>
+                        <a:t>で</a:t>
+                      </a:r>
+                      <a:r>
+                        <a:rPr lang="ja-JP" altLang="en-US" sz="1050" kern="100" dirty="0" smtClean="0">
+                          <a:effectLst/>
+                          <a:latin typeface="+mn-ea"/>
+                          <a:ea typeface="+mn-ea"/>
+                          <a:cs typeface="Times New Roman" panose="02020603050405020304" pitchFamily="18" charset="0"/>
+                        </a:rPr>
+                        <a:t>追加されたライブラリはありません。</a:t>
+                      </a:r>
+                      <a:endParaRPr lang="ja-JP" sz="1050" kern="100" dirty="0">
+                        <a:effectLst/>
+                        <a:latin typeface="+mn-ea"/>
+                        <a:ea typeface="+mn-ea"/>
+                        <a:cs typeface="Times New Roman" panose="02020603050405020304" pitchFamily="18" charset="0"/>
+                      </a:endParaRPr>
+                    </a:p>
+                  </a:txBody>
+                  <a:tcPr marL="68580" marR="68580" marT="0" marB="0" anchor="ctr">
+                    <a:solidFill>
+                      <a:srgbClr val="CBCDD3"/>
+                    </a:solidFill>
+                  </a:tcPr>
+                </a:tc>
+                <a:tc hMerge="1">
+                  <a:txBody>
+                    <a:bodyPr/>
+                    <a:lstStyle/>
+                    <a:p>
+                      <a:pPr algn="just">
+                        <a:spcAft>
+                          <a:spcPts val="0"/>
+                        </a:spcAft>
+                      </a:pPr>
+                      <a:endParaRPr lang="ja-JP" sz="1050" kern="100" dirty="0">
+                        <a:effectLst/>
+                        <a:latin typeface="Century" panose="02040604050505020304" pitchFamily="18" charset="0"/>
+                        <a:ea typeface="ＭＳ 明朝" panose="02020609040205080304" pitchFamily="17" charset="-128"/>
+                        <a:cs typeface="Times New Roman" panose="02020603050405020304" pitchFamily="18" charset="0"/>
+                      </a:endParaRPr>
+                    </a:p>
+                  </a:txBody>
+                  <a:tcPr marL="68580" marR="68580" marT="0" marB="0" anchor="ctr"/>
+                </a:tc>
+                <a:tc hMerge="1">
+                  <a:txBody>
+                    <a:bodyPr/>
+                    <a:lstStyle/>
+                    <a:p>
+                      <a:pPr algn="just">
+                        <a:spcAft>
+                          <a:spcPts val="0"/>
+                        </a:spcAft>
+                      </a:pPr>
+                      <a:endParaRPr lang="ja-JP" sz="1050" kern="100" dirty="0">
+                        <a:effectLst/>
+                        <a:latin typeface="Segoe UI" panose="020B0502040204020203" pitchFamily="34" charset="0"/>
+                        <a:ea typeface="ＭＳ 明朝" panose="02020609040205080304" pitchFamily="17" charset="-128"/>
+                        <a:cs typeface="Segoe UI" panose="020B0502040204020203" pitchFamily="34" charset="0"/>
+                      </a:endParaRPr>
+                    </a:p>
+                  </a:txBody>
+                  <a:tcPr marL="68580" marR="68580" marT="0" marB="0" anchor="ctr"/>
+                </a:tc>
+                <a:tc hMerge="1">
+                  <a:txBody>
+                    <a:bodyPr/>
+                    <a:lstStyle/>
+                    <a:p>
+                      <a:pPr algn="ctr">
+                        <a:spcAft>
+                          <a:spcPts val="0"/>
+                        </a:spcAft>
+                      </a:pPr>
+                      <a:endParaRPr lang="ja-JP" sz="1050" kern="100" dirty="0">
+                        <a:effectLst/>
+                        <a:latin typeface="+mn-lt"/>
+                        <a:ea typeface="ＭＳ 明朝" panose="02020609040205080304" pitchFamily="17" charset="-128"/>
+                        <a:cs typeface="Segoe UI" panose="020B0502040204020203" pitchFamily="34" charset="0"/>
+                      </a:endParaRPr>
+                    </a:p>
+                  </a:txBody>
+                  <a:tcPr marL="68580" marR="68580" marT="0" marB="0" anchor="ctr"/>
+                </a:tc>
+                <a:tc hMerge="1">
+                  <a:txBody>
+                    <a:bodyPr/>
+                    <a:lstStyle/>
+                    <a:p>
+                      <a:pPr algn="just">
+                        <a:spcAft>
+                          <a:spcPts val="0"/>
+                        </a:spcAft>
+                      </a:pPr>
+                      <a:endParaRPr lang="ja-JP" sz="1050" kern="100" dirty="0">
+                        <a:effectLst/>
+                        <a:latin typeface="+mn-ea"/>
+                        <a:ea typeface="+mn-ea"/>
+                        <a:cs typeface="Segoe UI" panose="020B0502040204020203" pitchFamily="34" charset="0"/>
+                      </a:endParaRPr>
+                    </a:p>
+                  </a:txBody>
+                  <a:tcPr marL="68580" marR="68580" marT="0" marB="0" anchor="ctr"/>
+                </a:tc>
+                <a:extLst>
+                  <a:ext uri="{0D108BD9-81ED-4DB2-BD59-A6C34878D82A}">
+                    <a16:rowId xmlns:a16="http://schemas.microsoft.com/office/drawing/2014/main" val="1728923152"/>
+                  </a:ext>
+                </a:extLst>
+              </a:tr>
             </a:tbl>
           </a:graphicData>
         </a:graphic>

--- a/asset/Learn_ja/ITA-version-up_ja.pptx
+++ b/asset/Learn_ja/ITA-version-up_ja.pptx
@@ -316,7 +316,7 @@
               <a:rPr kumimoji="1" lang="ja-JP" altLang="en-US" smtClean="0">
                 <a:ea typeface="メイリオ" panose="020B0604030504040204" pitchFamily="50" charset="-128"/>
               </a:rPr>
-              <a:t>2021/1/12</a:t>
+              <a:t>2021/3/16</a:t>
             </a:fld>
             <a:endParaRPr kumimoji="1" lang="ja-JP" altLang="en-US" dirty="0">
               <a:ea typeface="メイリオ" panose="020B0604030504040204" pitchFamily="50" charset="-128"/>
@@ -462,7 +462,7 @@
             <a:fld id="{4B26993D-C081-44EB-B0F5-A9F467792B62}" type="datetimeFigureOut">
               <a:rPr lang="ja-JP" altLang="en-US" smtClean="0"/>
               <a:pPr/>
-              <a:t>2021/1/12</a:t>
+              <a:t>2021/3/16</a:t>
             </a:fld>
             <a:endParaRPr lang="ja-JP" altLang="en-US" dirty="0"/>
           </a:p>
@@ -1085,7 +1085,7 @@
           <a:p>
             <a:fld id="{56F9016B-CCA6-43BE-8BEE-59565A35F4F7}" type="datetimeFigureOut">
               <a:rPr kumimoji="1" lang="ja-JP" altLang="en-US" smtClean="0"/>
-              <a:t>2021/1/12</a:t>
+              <a:t>2021/3/16</a:t>
             </a:fld>
             <a:endParaRPr kumimoji="1" lang="ja-JP" altLang="en-US"/>
           </a:p>
@@ -1287,7 +1287,7 @@
           <a:p>
             <a:fld id="{56F9016B-CCA6-43BE-8BEE-59565A35F4F7}" type="datetimeFigureOut">
               <a:rPr kumimoji="1" lang="ja-JP" altLang="en-US" smtClean="0"/>
-              <a:t>2021/1/12</a:t>
+              <a:t>2021/3/16</a:t>
             </a:fld>
             <a:endParaRPr kumimoji="1" lang="ja-JP" altLang="en-US"/>
           </a:p>
@@ -1533,7 +1533,7 @@
           <a:p>
             <a:fld id="{56F9016B-CCA6-43BE-8BEE-59565A35F4F7}" type="datetimeFigureOut">
               <a:rPr kumimoji="1" lang="ja-JP" altLang="en-US" smtClean="0"/>
-              <a:t>2021/1/12</a:t>
+              <a:t>2021/3/16</a:t>
             </a:fld>
             <a:endParaRPr kumimoji="1" lang="ja-JP" altLang="en-US"/>
           </a:p>
@@ -1829,7 +1829,7 @@
           <a:p>
             <a:fld id="{56F9016B-CCA6-43BE-8BEE-59565A35F4F7}" type="datetimeFigureOut">
               <a:rPr kumimoji="1" lang="ja-JP" altLang="en-US" smtClean="0"/>
-              <a:t>2021/1/12</a:t>
+              <a:t>2021/3/16</a:t>
             </a:fld>
             <a:endParaRPr kumimoji="1" lang="ja-JP" altLang="en-US"/>
           </a:p>
@@ -2260,7 +2260,7 @@
           <a:p>
             <a:fld id="{56F9016B-CCA6-43BE-8BEE-59565A35F4F7}" type="datetimeFigureOut">
               <a:rPr kumimoji="1" lang="ja-JP" altLang="en-US" smtClean="0"/>
-              <a:t>2021/1/12</a:t>
+              <a:t>2021/3/16</a:t>
             </a:fld>
             <a:endParaRPr kumimoji="1" lang="ja-JP" altLang="en-US"/>
           </a:p>
@@ -2378,7 +2378,7 @@
           <a:p>
             <a:fld id="{56F9016B-CCA6-43BE-8BEE-59565A35F4F7}" type="datetimeFigureOut">
               <a:rPr kumimoji="1" lang="ja-JP" altLang="en-US" smtClean="0"/>
-              <a:t>2021/1/12</a:t>
+              <a:t>2021/3/16</a:t>
             </a:fld>
             <a:endParaRPr kumimoji="1" lang="ja-JP" altLang="en-US"/>
           </a:p>
@@ -2473,7 +2473,7 @@
           <a:p>
             <a:fld id="{56F9016B-CCA6-43BE-8BEE-59565A35F4F7}" type="datetimeFigureOut">
               <a:rPr kumimoji="1" lang="ja-JP" altLang="en-US" smtClean="0"/>
-              <a:t>2021/1/12</a:t>
+              <a:t>2021/3/16</a:t>
             </a:fld>
             <a:endParaRPr kumimoji="1" lang="ja-JP" altLang="en-US"/>
           </a:p>
@@ -2782,7 +2782,7 @@
           <a:p>
             <a:fld id="{56F9016B-CCA6-43BE-8BEE-59565A35F4F7}" type="datetimeFigureOut">
               <a:rPr kumimoji="1" lang="ja-JP" altLang="en-US" smtClean="0"/>
-              <a:t>2021/1/12</a:t>
+              <a:t>2021/3/16</a:t>
             </a:fld>
             <a:endParaRPr kumimoji="1" lang="ja-JP" altLang="en-US"/>
           </a:p>
@@ -3035,7 +3035,7 @@
           <a:p>
             <a:fld id="{56F9016B-CCA6-43BE-8BEE-59565A35F4F7}" type="datetimeFigureOut">
               <a:rPr kumimoji="1" lang="ja-JP" altLang="en-US" smtClean="0"/>
-              <a:t>2021/1/12</a:t>
+              <a:t>2021/3/16</a:t>
             </a:fld>
             <a:endParaRPr kumimoji="1" lang="ja-JP" altLang="en-US"/>
           </a:p>
@@ -3312,7 +3312,7 @@
           <a:p>
             <a:fld id="{56F9016B-CCA6-43BE-8BEE-59565A35F4F7}" type="datetimeFigureOut">
               <a:rPr kumimoji="1" lang="ja-JP" altLang="en-US" smtClean="0"/>
-              <a:t>2021/1/12</a:t>
+              <a:t>2021/3/16</a:t>
             </a:fld>
             <a:endParaRPr kumimoji="1" lang="ja-JP" altLang="en-US"/>
           </a:p>
@@ -3524,7 +3524,7 @@
           <a:p>
             <a:fld id="{56F9016B-CCA6-43BE-8BEE-59565A35F4F7}" type="datetimeFigureOut">
               <a:rPr kumimoji="1" lang="ja-JP" altLang="en-US" smtClean="0"/>
-              <a:t>2021/1/12</a:t>
+              <a:t>2021/3/16</a:t>
             </a:fld>
             <a:endParaRPr kumimoji="1" lang="ja-JP" altLang="en-US"/>
           </a:p>
@@ -6583,7 +6583,7 @@
           <a:p>
             <a:fld id="{56F9016B-CCA6-43BE-8BEE-59565A35F4F7}" type="datetimeFigureOut">
               <a:rPr kumimoji="1" lang="ja-JP" altLang="en-US" smtClean="0"/>
-              <a:t>2021/1/12</a:t>
+              <a:t>2021/3/16</a:t>
             </a:fld>
             <a:endParaRPr kumimoji="1" lang="ja-JP" altLang="en-US"/>
           </a:p>
@@ -7021,7 +7021,7 @@
             </a:r>
             <a:r>
               <a:rPr lang="en-US" altLang="ja-JP" dirty="0" smtClean="0"/>
-              <a:t>1.6.1</a:t>
+              <a:t>1.6</a:t>
             </a:r>
             <a:r>
               <a:rPr lang="ja-JP" altLang="en-US" dirty="0" smtClean="0"/>
@@ -15054,14 +15054,14 @@
           <p:nvPr>
             <p:extLst>
               <p:ext uri="{D42A27DB-BD31-4B8C-83A1-F6EECF244321}">
-                <p14:modId xmlns:p14="http://schemas.microsoft.com/office/powerpoint/2010/main" val="609166279"/>
+                <p14:modId xmlns:p14="http://schemas.microsoft.com/office/powerpoint/2010/main" val="2681164431"/>
               </p:ext>
             </p:extLst>
           </p:nvPr>
         </p:nvGraphicFramePr>
         <p:xfrm>
-          <a:off x="179512" y="2518554"/>
-          <a:ext cx="8819131" cy="3168600"/>
+          <a:off x="179512" y="2422554"/>
+          <a:ext cx="8819131" cy="3094736"/>
         </p:xfrm>
         <a:graphic>
           <a:graphicData uri="http://schemas.openxmlformats.org/drawingml/2006/table">
@@ -17396,7 +17396,7 @@
                   </a:ext>
                 </a:extLst>
               </a:tr>
-              <a:tr h="457904">
+              <a:tr h="217864">
                 <a:tc>
                   <a:txBody>
                     <a:bodyPr/>
@@ -17583,7 +17583,7 @@
                   </a:ext>
                 </a:extLst>
               </a:tr>
-              <a:tr h="457904">
+              <a:tr h="192020">
                 <a:tc>
                   <a:txBody>
                     <a:bodyPr/>
@@ -17652,16 +17652,7 @@
                           <a:ea typeface="+mn-ea"/>
                           <a:cs typeface="Times New Roman" panose="02020603050405020304" pitchFamily="18" charset="0"/>
                         </a:rPr>
-                        <a:t>で</a:t>
-                      </a:r>
-                      <a:r>
-                        <a:rPr lang="ja-JP" altLang="en-US" sz="1050" kern="100" dirty="0" smtClean="0">
-                          <a:effectLst/>
-                          <a:latin typeface="+mn-ea"/>
-                          <a:ea typeface="+mn-ea"/>
-                          <a:cs typeface="Times New Roman" panose="02020603050405020304" pitchFamily="18" charset="0"/>
-                        </a:rPr>
-                        <a:t>追加されたライブラリはありません。</a:t>
+                        <a:t>で追加されたライブラリはありません。</a:t>
                       </a:r>
                       <a:endParaRPr lang="ja-JP" sz="1050" kern="100" dirty="0">
                         <a:effectLst/>
@@ -17760,6 +17751,292 @@
                 <a:extLst>
                   <a:ext uri="{0D108BD9-81ED-4DB2-BD59-A6C34878D82A}">
                     <a16:rowId xmlns:a16="http://schemas.microsoft.com/office/drawing/2014/main" val="1728923152"/>
+                  </a:ext>
+                </a:extLst>
+              </a:tr>
+              <a:tr h="216030">
+                <a:tc>
+                  <a:txBody>
+                    <a:bodyPr/>
+                    <a:lstStyle/>
+                    <a:p>
+                      <a:pPr algn="just">
+                        <a:spcAft>
+                          <a:spcPts val="0"/>
+                        </a:spcAft>
+                      </a:pPr>
+                      <a:r>
+                        <a:rPr lang="en-US" altLang="ja-JP" sz="1000" kern="100" dirty="0" smtClean="0">
+                          <a:effectLst/>
+                          <a:latin typeface="+mn-ea"/>
+                          <a:ea typeface="+mn-ea"/>
+                          <a:cs typeface="Times New Roman" panose="02020603050405020304" pitchFamily="18" charset="0"/>
+                        </a:rPr>
+                        <a:t>1.6.2</a:t>
+                      </a:r>
+                      <a:endParaRPr lang="ja-JP" sz="1000" kern="100" dirty="0">
+                        <a:effectLst/>
+                        <a:latin typeface="+mn-ea"/>
+                        <a:ea typeface="+mn-ea"/>
+                        <a:cs typeface="Times New Roman" panose="02020603050405020304" pitchFamily="18" charset="0"/>
+                      </a:endParaRPr>
+                    </a:p>
+                  </a:txBody>
+                  <a:tcPr marL="68580" marR="68580" marT="0" marB="0" anchor="ctr">
+                    <a:solidFill>
+                      <a:srgbClr val="002B62"/>
+                    </a:solidFill>
+                  </a:tcPr>
+                </a:tc>
+                <a:tc gridSpan="5">
+                  <a:txBody>
+                    <a:bodyPr/>
+                    <a:lstStyle/>
+                    <a:p>
+                      <a:pPr marL="0" marR="0" lvl="0" indent="0" algn="ctr" defTabSz="914400" rtl="0" eaLnBrk="1" fontAlgn="auto" latinLnBrk="0" hangingPunct="1">
+                        <a:lnSpc>
+                          <a:spcPct val="100000"/>
+                        </a:lnSpc>
+                        <a:spcBef>
+                          <a:spcPts val="0"/>
+                        </a:spcBef>
+                        <a:spcAft>
+                          <a:spcPts val="0"/>
+                        </a:spcAft>
+                        <a:buClrTx/>
+                        <a:buSzTx/>
+                        <a:buFontTx/>
+                        <a:buNone/>
+                        <a:tabLst/>
+                        <a:defRPr/>
+                      </a:pPr>
+                      <a:r>
+                        <a:rPr lang="ja-JP" altLang="en-US" sz="1050" kern="100" dirty="0" smtClean="0">
+                          <a:effectLst/>
+                          <a:latin typeface="+mn-ea"/>
+                          <a:ea typeface="+mn-ea"/>
+                          <a:cs typeface="Times New Roman" panose="02020603050405020304" pitchFamily="18" charset="0"/>
+                        </a:rPr>
+                        <a:t>バージョン</a:t>
+                      </a:r>
+                      <a:r>
+                        <a:rPr lang="en-US" altLang="ja-JP" sz="1050" kern="100" dirty="0" smtClean="0">
+                          <a:effectLst/>
+                          <a:latin typeface="+mn-ea"/>
+                          <a:ea typeface="+mn-ea"/>
+                          <a:cs typeface="Times New Roman" panose="02020603050405020304" pitchFamily="18" charset="0"/>
+                        </a:rPr>
+                        <a:t>1.6.2</a:t>
+                      </a:r>
+                      <a:r>
+                        <a:rPr lang="ja-JP" altLang="en-US" sz="1050" kern="100" dirty="0" smtClean="0">
+                          <a:effectLst/>
+                          <a:latin typeface="+mn-ea"/>
+                          <a:ea typeface="+mn-ea"/>
+                          <a:cs typeface="Times New Roman" panose="02020603050405020304" pitchFamily="18" charset="0"/>
+                        </a:rPr>
+                        <a:t>で追加されたライブラリはありません。</a:t>
+                      </a:r>
+                      <a:endParaRPr lang="ja-JP" altLang="ja-JP" sz="1050" kern="100" dirty="0" smtClean="0">
+                        <a:effectLst/>
+                        <a:latin typeface="+mn-ea"/>
+                        <a:ea typeface="+mn-ea"/>
+                        <a:cs typeface="Times New Roman" panose="02020603050405020304" pitchFamily="18" charset="0"/>
+                      </a:endParaRPr>
+                    </a:p>
+                  </a:txBody>
+                  <a:tcPr marL="68580" marR="68580" marT="0" marB="0" anchor="ctr">
+                    <a:solidFill>
+                      <a:srgbClr val="CBCDD3"/>
+                    </a:solidFill>
+                  </a:tcPr>
+                </a:tc>
+                <a:tc hMerge="1">
+                  <a:txBody>
+                    <a:bodyPr/>
+                    <a:lstStyle/>
+                    <a:p>
+                      <a:endParaRPr kumimoji="1" lang="ja-JP" altLang="en-US"/>
+                    </a:p>
+                  </a:txBody>
+                  <a:tcPr/>
+                </a:tc>
+                <a:tc hMerge="1">
+                  <a:txBody>
+                    <a:bodyPr/>
+                    <a:lstStyle/>
+                    <a:p>
+                      <a:endParaRPr kumimoji="1" lang="ja-JP" altLang="en-US"/>
+                    </a:p>
+                  </a:txBody>
+                  <a:tcPr/>
+                </a:tc>
+                <a:tc hMerge="1">
+                  <a:txBody>
+                    <a:bodyPr/>
+                    <a:lstStyle/>
+                    <a:p>
+                      <a:endParaRPr kumimoji="1" lang="ja-JP" altLang="en-US"/>
+                    </a:p>
+                  </a:txBody>
+                  <a:tcPr/>
+                </a:tc>
+                <a:tc hMerge="1">
+                  <a:txBody>
+                    <a:bodyPr/>
+                    <a:lstStyle/>
+                    <a:p>
+                      <a:endParaRPr kumimoji="1" lang="ja-JP" altLang="en-US"/>
+                    </a:p>
+                  </a:txBody>
+                  <a:tcPr/>
+                </a:tc>
+                <a:extLst>
+                  <a:ext uri="{0D108BD9-81ED-4DB2-BD59-A6C34878D82A}">
+                    <a16:rowId xmlns:a16="http://schemas.microsoft.com/office/drawing/2014/main" val="2797256463"/>
+                  </a:ext>
+                </a:extLst>
+              </a:tr>
+              <a:tr h="216030">
+                <a:tc>
+                  <a:txBody>
+                    <a:bodyPr/>
+                    <a:lstStyle/>
+                    <a:p>
+                      <a:pPr algn="just">
+                        <a:spcAft>
+                          <a:spcPts val="0"/>
+                        </a:spcAft>
+                      </a:pPr>
+                      <a:r>
+                        <a:rPr lang="en-US" altLang="ja-JP" sz="1000" kern="100" dirty="0" smtClean="0">
+                          <a:effectLst/>
+                          <a:latin typeface="+mn-ea"/>
+                          <a:ea typeface="+mn-ea"/>
+                          <a:cs typeface="Times New Roman" panose="02020603050405020304" pitchFamily="18" charset="0"/>
+                        </a:rPr>
+                        <a:t>1.6.3</a:t>
+                      </a:r>
+                      <a:endParaRPr lang="ja-JP" sz="1000" kern="100" dirty="0">
+                        <a:effectLst/>
+                        <a:latin typeface="+mn-ea"/>
+                        <a:ea typeface="+mn-ea"/>
+                        <a:cs typeface="Times New Roman" panose="02020603050405020304" pitchFamily="18" charset="0"/>
+                      </a:endParaRPr>
+                    </a:p>
+                  </a:txBody>
+                  <a:tcPr marL="68580" marR="68580" marT="0" marB="0" anchor="ctr">
+                    <a:solidFill>
+                      <a:srgbClr val="002B62"/>
+                    </a:solidFill>
+                  </a:tcPr>
+                </a:tc>
+                <a:tc gridSpan="5">
+                  <a:txBody>
+                    <a:bodyPr/>
+                    <a:lstStyle/>
+                    <a:p>
+                      <a:pPr marL="0" marR="0" lvl="0" indent="0" algn="ctr" defTabSz="914400" rtl="0" eaLnBrk="1" fontAlgn="auto" latinLnBrk="0" hangingPunct="1">
+                        <a:lnSpc>
+                          <a:spcPct val="100000"/>
+                        </a:lnSpc>
+                        <a:spcBef>
+                          <a:spcPts val="0"/>
+                        </a:spcBef>
+                        <a:spcAft>
+                          <a:spcPts val="0"/>
+                        </a:spcAft>
+                        <a:buClrTx/>
+                        <a:buSzTx/>
+                        <a:buFontTx/>
+                        <a:buNone/>
+                        <a:tabLst/>
+                        <a:defRPr/>
+                      </a:pPr>
+                      <a:r>
+                        <a:rPr lang="ja-JP" altLang="en-US" sz="1050" kern="100" dirty="0" smtClean="0">
+                          <a:effectLst/>
+                          <a:latin typeface="+mn-ea"/>
+                          <a:ea typeface="+mn-ea"/>
+                          <a:cs typeface="Times New Roman" panose="02020603050405020304" pitchFamily="18" charset="0"/>
+                        </a:rPr>
+                        <a:t>バージョン</a:t>
+                      </a:r>
+                      <a:r>
+                        <a:rPr lang="en-US" altLang="ja-JP" sz="1050" kern="100" dirty="0" smtClean="0">
+                          <a:effectLst/>
+                          <a:latin typeface="+mn-ea"/>
+                          <a:ea typeface="+mn-ea"/>
+                          <a:cs typeface="Times New Roman" panose="02020603050405020304" pitchFamily="18" charset="0"/>
+                        </a:rPr>
+                        <a:t>1.6.3</a:t>
+                      </a:r>
+                      <a:r>
+                        <a:rPr lang="ja-JP" altLang="en-US" sz="1050" kern="100" dirty="0" smtClean="0">
+                          <a:effectLst/>
+                          <a:latin typeface="+mn-ea"/>
+                          <a:ea typeface="+mn-ea"/>
+                          <a:cs typeface="Times New Roman" panose="02020603050405020304" pitchFamily="18" charset="0"/>
+                        </a:rPr>
+                        <a:t>で追加されたライブラリはありません。</a:t>
+                      </a:r>
+                      <a:endParaRPr lang="ja-JP" altLang="ja-JP" sz="1050" kern="100" dirty="0" smtClean="0">
+                        <a:effectLst/>
+                        <a:latin typeface="+mn-ea"/>
+                        <a:ea typeface="+mn-ea"/>
+                        <a:cs typeface="Times New Roman" panose="02020603050405020304" pitchFamily="18" charset="0"/>
+                      </a:endParaRPr>
+                    </a:p>
+                  </a:txBody>
+                  <a:tcPr marL="68580" marR="68580" marT="0" marB="0" anchor="ctr">
+                    <a:solidFill>
+                      <a:srgbClr val="CBCDD3"/>
+                    </a:solidFill>
+                  </a:tcPr>
+                </a:tc>
+                <a:tc hMerge="1">
+                  <a:txBody>
+                    <a:bodyPr/>
+                    <a:lstStyle/>
+                    <a:p>
+                      <a:endParaRPr kumimoji="1" lang="ja-JP" altLang="en-US"/>
+                    </a:p>
+                  </a:txBody>
+                  <a:tcPr/>
+                </a:tc>
+                <a:tc hMerge="1">
+                  <a:txBody>
+                    <a:bodyPr/>
+                    <a:lstStyle/>
+                    <a:p>
+                      <a:endParaRPr kumimoji="1" lang="ja-JP" altLang="en-US"/>
+                    </a:p>
+                  </a:txBody>
+                  <a:tcPr/>
+                </a:tc>
+                <a:tc hMerge="1">
+                  <a:txBody>
+                    <a:bodyPr/>
+                    <a:lstStyle/>
+                    <a:p>
+                      <a:endParaRPr kumimoji="1" lang="ja-JP" altLang="en-US"/>
+                    </a:p>
+                  </a:txBody>
+                  <a:tcPr/>
+                </a:tc>
+                <a:tc hMerge="1">
+                  <a:txBody>
+                    <a:bodyPr/>
+                    <a:lstStyle/>
+                    <a:p>
+                      <a:endParaRPr kumimoji="1" lang="ja-JP" altLang="en-US"/>
+                    </a:p>
+                  </a:txBody>
+                  <a:tcPr/>
+                </a:tc>
+                <a:extLst>
+                  <a:ext uri="{0D108BD9-81ED-4DB2-BD59-A6C34878D82A}">
+                    <a16:rowId xmlns:a16="http://schemas.microsoft.com/office/drawing/2014/main" val="2432908759"/>
                   </a:ext>
                 </a:extLst>
               </a:tr>

--- a/asset/Learn_ja/ITA-version-up_ja.pptx
+++ b/asset/Learn_ja/ITA-version-up_ja.pptx
@@ -316,7 +316,7 @@
               <a:rPr kumimoji="1" lang="ja-JP" altLang="en-US" smtClean="0">
                 <a:ea typeface="メイリオ" panose="020B0604030504040204" pitchFamily="50" charset="-128"/>
               </a:rPr>
-              <a:t>2021/3/16</a:t>
+              <a:t>2021/4/28</a:t>
             </a:fld>
             <a:endParaRPr kumimoji="1" lang="ja-JP" altLang="en-US" dirty="0">
               <a:ea typeface="メイリオ" panose="020B0604030504040204" pitchFamily="50" charset="-128"/>
@@ -462,7 +462,7 @@
             <a:fld id="{4B26993D-C081-44EB-B0F5-A9F467792B62}" type="datetimeFigureOut">
               <a:rPr lang="ja-JP" altLang="en-US" smtClean="0"/>
               <a:pPr/>
-              <a:t>2021/3/16</a:t>
+              <a:t>2021/4/28</a:t>
             </a:fld>
             <a:endParaRPr lang="ja-JP" altLang="en-US" dirty="0"/>
           </a:p>
@@ -1085,7 +1085,7 @@
           <a:p>
             <a:fld id="{56F9016B-CCA6-43BE-8BEE-59565A35F4F7}" type="datetimeFigureOut">
               <a:rPr kumimoji="1" lang="ja-JP" altLang="en-US" smtClean="0"/>
-              <a:t>2021/3/16</a:t>
+              <a:t>2021/4/28</a:t>
             </a:fld>
             <a:endParaRPr kumimoji="1" lang="ja-JP" altLang="en-US"/>
           </a:p>
@@ -1287,7 +1287,7 @@
           <a:p>
             <a:fld id="{56F9016B-CCA6-43BE-8BEE-59565A35F4F7}" type="datetimeFigureOut">
               <a:rPr kumimoji="1" lang="ja-JP" altLang="en-US" smtClean="0"/>
-              <a:t>2021/3/16</a:t>
+              <a:t>2021/4/28</a:t>
             </a:fld>
             <a:endParaRPr kumimoji="1" lang="ja-JP" altLang="en-US"/>
           </a:p>
@@ -1533,7 +1533,7 @@
           <a:p>
             <a:fld id="{56F9016B-CCA6-43BE-8BEE-59565A35F4F7}" type="datetimeFigureOut">
               <a:rPr kumimoji="1" lang="ja-JP" altLang="en-US" smtClean="0"/>
-              <a:t>2021/3/16</a:t>
+              <a:t>2021/4/28</a:t>
             </a:fld>
             <a:endParaRPr kumimoji="1" lang="ja-JP" altLang="en-US"/>
           </a:p>
@@ -1829,7 +1829,7 @@
           <a:p>
             <a:fld id="{56F9016B-CCA6-43BE-8BEE-59565A35F4F7}" type="datetimeFigureOut">
               <a:rPr kumimoji="1" lang="ja-JP" altLang="en-US" smtClean="0"/>
-              <a:t>2021/3/16</a:t>
+              <a:t>2021/4/28</a:t>
             </a:fld>
             <a:endParaRPr kumimoji="1" lang="ja-JP" altLang="en-US"/>
           </a:p>
@@ -2260,7 +2260,7 @@
           <a:p>
             <a:fld id="{56F9016B-CCA6-43BE-8BEE-59565A35F4F7}" type="datetimeFigureOut">
               <a:rPr kumimoji="1" lang="ja-JP" altLang="en-US" smtClean="0"/>
-              <a:t>2021/3/16</a:t>
+              <a:t>2021/4/28</a:t>
             </a:fld>
             <a:endParaRPr kumimoji="1" lang="ja-JP" altLang="en-US"/>
           </a:p>
@@ -2378,7 +2378,7 @@
           <a:p>
             <a:fld id="{56F9016B-CCA6-43BE-8BEE-59565A35F4F7}" type="datetimeFigureOut">
               <a:rPr kumimoji="1" lang="ja-JP" altLang="en-US" smtClean="0"/>
-              <a:t>2021/3/16</a:t>
+              <a:t>2021/4/28</a:t>
             </a:fld>
             <a:endParaRPr kumimoji="1" lang="ja-JP" altLang="en-US"/>
           </a:p>
@@ -2473,7 +2473,7 @@
           <a:p>
             <a:fld id="{56F9016B-CCA6-43BE-8BEE-59565A35F4F7}" type="datetimeFigureOut">
               <a:rPr kumimoji="1" lang="ja-JP" altLang="en-US" smtClean="0"/>
-              <a:t>2021/3/16</a:t>
+              <a:t>2021/4/28</a:t>
             </a:fld>
             <a:endParaRPr kumimoji="1" lang="ja-JP" altLang="en-US"/>
           </a:p>
@@ -2782,7 +2782,7 @@
           <a:p>
             <a:fld id="{56F9016B-CCA6-43BE-8BEE-59565A35F4F7}" type="datetimeFigureOut">
               <a:rPr kumimoji="1" lang="ja-JP" altLang="en-US" smtClean="0"/>
-              <a:t>2021/3/16</a:t>
+              <a:t>2021/4/28</a:t>
             </a:fld>
             <a:endParaRPr kumimoji="1" lang="ja-JP" altLang="en-US"/>
           </a:p>
@@ -3035,7 +3035,7 @@
           <a:p>
             <a:fld id="{56F9016B-CCA6-43BE-8BEE-59565A35F4F7}" type="datetimeFigureOut">
               <a:rPr kumimoji="1" lang="ja-JP" altLang="en-US" smtClean="0"/>
-              <a:t>2021/3/16</a:t>
+              <a:t>2021/4/28</a:t>
             </a:fld>
             <a:endParaRPr kumimoji="1" lang="ja-JP" altLang="en-US"/>
           </a:p>
@@ -3312,7 +3312,7 @@
           <a:p>
             <a:fld id="{56F9016B-CCA6-43BE-8BEE-59565A35F4F7}" type="datetimeFigureOut">
               <a:rPr kumimoji="1" lang="ja-JP" altLang="en-US" smtClean="0"/>
-              <a:t>2021/3/16</a:t>
+              <a:t>2021/4/28</a:t>
             </a:fld>
             <a:endParaRPr kumimoji="1" lang="ja-JP" altLang="en-US"/>
           </a:p>
@@ -3524,7 +3524,7 @@
           <a:p>
             <a:fld id="{56F9016B-CCA6-43BE-8BEE-59565A35F4F7}" type="datetimeFigureOut">
               <a:rPr kumimoji="1" lang="ja-JP" altLang="en-US" smtClean="0"/>
-              <a:t>2021/3/16</a:t>
+              <a:t>2021/4/28</a:t>
             </a:fld>
             <a:endParaRPr kumimoji="1" lang="ja-JP" altLang="en-US"/>
           </a:p>
@@ -6583,7 +6583,7 @@
           <a:p>
             <a:fld id="{56F9016B-CCA6-43BE-8BEE-59565A35F4F7}" type="datetimeFigureOut">
               <a:rPr kumimoji="1" lang="ja-JP" altLang="en-US" smtClean="0"/>
-              <a:t>2021/3/16</a:t>
+              <a:t>2021/4/28</a:t>
             </a:fld>
             <a:endParaRPr kumimoji="1" lang="ja-JP" altLang="en-US"/>
           </a:p>
@@ -7021,7 +7021,7 @@
             </a:r>
             <a:r>
               <a:rPr lang="en-US" altLang="ja-JP" dirty="0" smtClean="0"/>
-              <a:t>1.6</a:t>
+              <a:t>1.7</a:t>
             </a:r>
             <a:r>
               <a:rPr lang="ja-JP" altLang="en-US" dirty="0" smtClean="0"/>
@@ -7761,19 +7761,19 @@
               <a:rPr lang="en-US" altLang="ja-JP" dirty="0"/>
             </a:br>
             <a:r>
-              <a:rPr lang="en-US" altLang="ja-JP" sz="1400" dirty="0"/>
+              <a:rPr lang="en-US" altLang="ja-JP" sz="1200" dirty="0"/>
               <a:t># </a:t>
             </a:r>
             <a:r>
-              <a:rPr lang="en-US" altLang="ja-JP" sz="1400" dirty="0" smtClean="0"/>
+              <a:rPr lang="en-US" altLang="ja-JP" sz="1200" dirty="0" smtClean="0"/>
               <a:t>curl </a:t>
             </a:r>
             <a:r>
-              <a:rPr lang="en-US" altLang="ja-JP" sz="1400" dirty="0"/>
+              <a:rPr lang="en-US" altLang="ja-JP" sz="1200" dirty="0"/>
               <a:t>-OL https://github.com/exastro-suite/it-automation/releases/download/v</a:t>
             </a:r>
             <a:r>
-              <a:rPr lang="en-US" altLang="ja-JP" sz="1400" dirty="0">
+              <a:rPr lang="en-US" altLang="ja-JP" sz="1200" dirty="0">
                 <a:solidFill>
                   <a:srgbClr val="FF0000"/>
                 </a:solidFill>
@@ -7781,11 +7781,11 @@
               <a:t>x.x.x</a:t>
             </a:r>
             <a:r>
-              <a:rPr lang="en-US" altLang="ja-JP" sz="1400" dirty="0"/>
+              <a:rPr lang="en-US" altLang="ja-JP" sz="1200" dirty="0"/>
               <a:t>/exastro-it-automation-</a:t>
             </a:r>
             <a:r>
-              <a:rPr lang="en-US" altLang="ja-JP" sz="1400" dirty="0">
+              <a:rPr lang="en-US" altLang="ja-JP" sz="1200" dirty="0">
                 <a:solidFill>
                   <a:srgbClr val="FF0000"/>
                 </a:solidFill>
@@ -7793,15 +7793,15 @@
               <a:t>x.x.x</a:t>
             </a:r>
             <a:r>
-              <a:rPr lang="en-US" altLang="ja-JP" sz="1400" dirty="0"/>
+              <a:rPr lang="en-US" altLang="ja-JP" sz="1200" dirty="0"/>
               <a:t>.tar.gz</a:t>
             </a:r>
             <a:r>
-              <a:rPr lang="en-US" altLang="ja-JP" dirty="0"/>
+              <a:rPr lang="en-US" altLang="ja-JP" sz="1300" dirty="0"/>
               <a:t/>
             </a:r>
             <a:br>
-              <a:rPr lang="en-US" altLang="ja-JP" dirty="0"/>
+              <a:rPr lang="en-US" altLang="ja-JP" sz="1300" dirty="0"/>
             </a:br>
             <a:r>
               <a:rPr lang="en-US" altLang="ja-JP" dirty="0"/>
@@ -8274,7 +8274,7 @@
           <p:nvPr>
             <p:extLst>
               <p:ext uri="{D42A27DB-BD31-4B8C-83A1-F6EECF244321}">
-                <p14:modId xmlns:p14="http://schemas.microsoft.com/office/powerpoint/2010/main" val="1017807624"/>
+                <p14:modId xmlns:p14="http://schemas.microsoft.com/office/powerpoint/2010/main" val="257794149"/>
               </p:ext>
             </p:extLst>
           </p:nvPr>
@@ -8940,10 +8940,16 @@
                         </a:spcAft>
                       </a:pPr>
                       <a:r>
-                        <a:rPr lang="ja-JP" sz="1000" kern="100" dirty="0">
-                          <a:effectLst/>
-                        </a:rPr>
-                        <a:t>－</a:t>
+                        <a:rPr lang="en-US" altLang="ja-JP" sz="1000" kern="100" dirty="0" smtClean="0">
+                          <a:effectLst/>
+                        </a:rPr>
+                        <a:t>/</a:t>
+                      </a:r>
+                      <a:r>
+                        <a:rPr lang="en-US" altLang="ja-JP" sz="1000" kern="100" dirty="0" err="1" smtClean="0">
+                          <a:effectLst/>
+                        </a:rPr>
+                        <a:t>exastro</a:t>
                       </a:r>
                       <a:endParaRPr lang="ja-JP" sz="1000" kern="100" dirty="0">
                         <a:effectLst/>
@@ -9142,10 +9148,10 @@
                         </a:spcAft>
                       </a:pPr>
                       <a:r>
-                        <a:rPr lang="en-US" sz="1000" kern="100" dirty="0" smtClean="0">
-                          <a:effectLst/>
-                        </a:rPr>
-                        <a:t>en_US</a:t>
+                        <a:rPr lang="en-US" sz="1000" kern="100" dirty="0" err="1" smtClean="0">
+                          <a:effectLst/>
+                        </a:rPr>
+                        <a:t>Ja_JP</a:t>
                       </a:r>
                       <a:endParaRPr lang="ja-JP" sz="1000" kern="100" dirty="0">
                         <a:effectLst/>
@@ -12089,7 +12095,7 @@
                 <a:ea typeface="ＭＳ 明朝" panose="02020609040205080304" pitchFamily="17" charset="-128"/>
                 <a:cs typeface="Times New Roman" panose="02020603050405020304" pitchFamily="18" charset="0"/>
               </a:rPr>
-              <a:t>ita_language:en_US</a:t>
+              <a:t>ita_language:ja_JP</a:t>
             </a:r>
             <a:endParaRPr kumimoji="0" lang="en-US" sz="900" kern="100" dirty="0">
               <a:solidFill>
@@ -15054,20 +15060,20 @@
           <p:nvPr>
             <p:extLst>
               <p:ext uri="{D42A27DB-BD31-4B8C-83A1-F6EECF244321}">
-                <p14:modId xmlns:p14="http://schemas.microsoft.com/office/powerpoint/2010/main" val="2681164431"/>
+                <p14:modId xmlns:p14="http://schemas.microsoft.com/office/powerpoint/2010/main" val="1950887151"/>
               </p:ext>
             </p:extLst>
           </p:nvPr>
         </p:nvGraphicFramePr>
         <p:xfrm>
-          <a:off x="179512" y="2422554"/>
-          <a:ext cx="8819131" cy="3094736"/>
+          <a:off x="179512" y="2492870"/>
+          <a:ext cx="8819131" cy="3400015"/>
         </p:xfrm>
         <a:graphic>
           <a:graphicData uri="http://schemas.openxmlformats.org/drawingml/2006/table">
             <a:tbl>
               <a:tblPr firstRow="1" firstCol="1" bandRow="1">
-                <a:tableStyleId>{5C22544A-7EE6-4342-B048-85BDC9FD1C3A}</a:tableStyleId>
+                <a:tableStyleId>{93296810-A885-4BE3-A3E7-6D5BEEA58F35}</a:tableStyleId>
               </a:tblPr>
               <a:tblGrid>
                 <a:gridCol w="936130">
@@ -15127,9 +15133,6 @@
                       <a:r>
                         <a:rPr lang="ja-JP" altLang="en-US" sz="1050" kern="100" dirty="0" smtClean="0">
                           <a:effectLst/>
-                          <a:latin typeface="+mn-lt"/>
-                          <a:ea typeface="+mn-ea"/>
-                          <a:cs typeface="+mn-cs"/>
                         </a:rPr>
                         <a:t>バージョン</a:t>
                       </a:r>
@@ -15141,11 +15144,7 @@
                       </a:endParaRPr>
                     </a:p>
                   </a:txBody>
-                  <a:tcPr marL="68580" marR="68580" marT="0" marB="0" anchor="ctr">
-                    <a:solidFill>
-                      <a:srgbClr val="002B62"/>
-                    </a:solidFill>
-                  </a:tcPr>
+                  <a:tcPr marL="68580" marR="68580" marT="0" marB="0" anchor="ctr"/>
                 </a:tc>
                 <a:tc>
                   <a:txBody>
@@ -15187,11 +15186,7 @@
                       </a:endParaRPr>
                     </a:p>
                   </a:txBody>
-                  <a:tcPr marL="68580" marR="68580" marT="0" marB="0" anchor="ctr">
-                    <a:solidFill>
-                      <a:srgbClr val="002B62"/>
-                    </a:solidFill>
-                  </a:tcPr>
+                  <a:tcPr marL="68580" marR="68580" marT="0" marB="0" anchor="ctr"/>
                 </a:tc>
                 <a:tc>
                   <a:txBody>
@@ -15223,11 +15218,7 @@
                       </a:endParaRPr>
                     </a:p>
                   </a:txBody>
-                  <a:tcPr marL="68580" marR="68580" marT="0" marB="0" anchor="ctr">
-                    <a:solidFill>
-                      <a:srgbClr val="002B62"/>
-                    </a:solidFill>
-                  </a:tcPr>
+                  <a:tcPr marL="68580" marR="68580" marT="0" marB="0" anchor="ctr"/>
                 </a:tc>
                 <a:tc>
                   <a:txBody>
@@ -15253,11 +15244,7 @@
                       </a:endParaRPr>
                     </a:p>
                   </a:txBody>
-                  <a:tcPr marL="68580" marR="68580" marT="0" marB="0" anchor="ctr">
-                    <a:solidFill>
-                      <a:srgbClr val="002B62"/>
-                    </a:solidFill>
-                  </a:tcPr>
+                  <a:tcPr marL="68580" marR="68580" marT="0" marB="0" anchor="ctr"/>
                 </a:tc>
                 <a:tc>
                   <a:txBody>
@@ -15272,9 +15259,6 @@
                       <a:r>
                         <a:rPr lang="ja-JP" altLang="en-US" sz="1050" kern="100" dirty="0" smtClean="0">
                           <a:effectLst/>
-                          <a:latin typeface="+mj-ea"/>
-                          <a:ea typeface="+mj-ea"/>
-                          <a:cs typeface="Times New Roman" panose="02020603050405020304" pitchFamily="18" charset="0"/>
                         </a:rPr>
                         <a:t>必須</a:t>
                       </a:r>
@@ -15286,11 +15270,7 @@
                       </a:endParaRPr>
                     </a:p>
                   </a:txBody>
-                  <a:tcPr marL="68580" marR="68580" marT="0" marB="0" anchor="ctr">
-                    <a:solidFill>
-                      <a:srgbClr val="002B62"/>
-                    </a:solidFill>
-                  </a:tcPr>
+                  <a:tcPr marL="68580" marR="68580" marT="0" marB="0" anchor="ctr"/>
                 </a:tc>
                 <a:tc>
                   <a:txBody>
@@ -15305,9 +15285,6 @@
                       <a:r>
                         <a:rPr lang="ja-JP" altLang="en-US" sz="1050" kern="100" dirty="0" smtClean="0">
                           <a:effectLst/>
-                          <a:latin typeface="+mj-ea"/>
-                          <a:ea typeface="+mj-ea"/>
-                          <a:cs typeface="+mn-cs"/>
                         </a:rPr>
                         <a:t>用途</a:t>
                       </a:r>
@@ -15319,11 +15296,7 @@
                       </a:endParaRPr>
                     </a:p>
                   </a:txBody>
-                  <a:tcPr marL="68580" marR="68580" marT="0" marB="0" anchor="ctr">
-                    <a:solidFill>
-                      <a:srgbClr val="002B62"/>
-                    </a:solidFill>
-                  </a:tcPr>
+                  <a:tcPr marL="68580" marR="68580" marT="0" marB="0" anchor="ctr"/>
                 </a:tc>
                 <a:extLst>
                   <a:ext uri="{0D108BD9-81ED-4DB2-BD59-A6C34878D82A}">
@@ -15356,11 +15329,7 @@
                       </a:endParaRPr>
                     </a:p>
                   </a:txBody>
-                  <a:tcPr marL="68580" marR="68580" marT="0" marB="0" anchor="ctr">
-                    <a:solidFill>
-                      <a:srgbClr val="002B62"/>
-                    </a:solidFill>
-                  </a:tcPr>
+                  <a:tcPr marL="68580" marR="68580" marT="0" marB="0" anchor="ctr"/>
                 </a:tc>
                 <a:tc rowSpan="5">
                   <a:txBody>
@@ -15386,11 +15355,7 @@
                       </a:endParaRPr>
                     </a:p>
                   </a:txBody>
-                  <a:tcPr marL="68580" marR="68580" marT="0" marB="0" anchor="ctr">
-                    <a:solidFill>
-                      <a:srgbClr val="CBCDD3"/>
-                    </a:solidFill>
-                  </a:tcPr>
+                  <a:tcPr marL="68580" marR="68580" marT="0" marB="0" anchor="ctr"/>
                 </a:tc>
                 <a:tc>
                   <a:txBody>
@@ -15416,11 +15381,7 @@
                       </a:endParaRPr>
                     </a:p>
                   </a:txBody>
-                  <a:tcPr marL="68580" marR="68580" marT="0" marB="0" anchor="ctr">
-                    <a:solidFill>
-                      <a:srgbClr val="CBCDD3"/>
-                    </a:solidFill>
-                  </a:tcPr>
+                  <a:tcPr marL="68580" marR="68580" marT="0" marB="0" anchor="ctr"/>
                 </a:tc>
                 <a:tc>
                   <a:txBody>
@@ -15435,18 +15396,12 @@
                       <a:r>
                         <a:rPr lang="en-US" sz="1050" kern="100" dirty="0" smtClean="0">
                           <a:effectLst/>
-                          <a:latin typeface="Segoe UI" panose="020B0502040204020203" pitchFamily="34" charset="0"/>
-                          <a:ea typeface="Segoe UI" panose="020B0502040204020203" pitchFamily="34" charset="0"/>
-                          <a:cs typeface="Segoe UI" panose="020B0502040204020203" pitchFamily="34" charset="0"/>
                         </a:rPr>
                         <a:t>yum install –y </a:t>
                       </a:r>
                       <a:r>
                         <a:rPr lang="en-US" sz="1050" kern="100" dirty="0" err="1" smtClean="0">
                           <a:effectLst/>
-                          <a:latin typeface="Segoe UI" panose="020B0502040204020203" pitchFamily="34" charset="0"/>
-                          <a:ea typeface="Segoe UI" panose="020B0502040204020203" pitchFamily="34" charset="0"/>
-                          <a:cs typeface="Segoe UI" panose="020B0502040204020203" pitchFamily="34" charset="0"/>
                         </a:rPr>
                         <a:t>php-devel</a:t>
                       </a:r>
@@ -15458,11 +15413,7 @@
                       </a:endParaRPr>
                     </a:p>
                   </a:txBody>
-                  <a:tcPr marL="68580" marR="68580" marT="0" marB="0" anchor="ctr">
-                    <a:solidFill>
-                      <a:srgbClr val="CBCDD3"/>
-                    </a:solidFill>
-                  </a:tcPr>
+                  <a:tcPr marL="68580" marR="68580" marT="0" marB="0" anchor="ctr"/>
                 </a:tc>
                 <a:tc>
                   <a:txBody>
@@ -15477,9 +15428,6 @@
                       <a:r>
                         <a:rPr lang="ja-JP" altLang="en-US" sz="1050" kern="100" dirty="0" smtClean="0">
                           <a:effectLst/>
-                          <a:latin typeface="+mn-lt"/>
-                          <a:ea typeface="ＭＳ 明朝" panose="02020609040205080304" pitchFamily="17" charset="-128"/>
-                          <a:cs typeface="Segoe UI" panose="020B0502040204020203" pitchFamily="34" charset="0"/>
                         </a:rPr>
                         <a:t>〇</a:t>
                       </a:r>
@@ -15491,11 +15439,7 @@
                       </a:endParaRPr>
                     </a:p>
                   </a:txBody>
-                  <a:tcPr marL="68580" marR="68580" marT="0" marB="0" anchor="ctr">
-                    <a:solidFill>
-                      <a:srgbClr val="CBCDD3"/>
-                    </a:solidFill>
-                  </a:tcPr>
+                  <a:tcPr marL="68580" marR="68580" marT="0" marB="0" anchor="ctr"/>
                 </a:tc>
                 <a:tc>
                   <a:txBody>
@@ -15510,54 +15454,36 @@
                       <a:r>
                         <a:rPr lang="en-US" altLang="ja-JP" sz="1050" kern="100" dirty="0" smtClean="0">
                           <a:effectLst/>
-                          <a:latin typeface="+mn-ea"/>
-                          <a:ea typeface="+mn-ea"/>
-                          <a:cs typeface="Segoe UI" panose="020B0502040204020203" pitchFamily="34" charset="0"/>
                         </a:rPr>
                         <a:t>YAML</a:t>
                       </a:r>
                       <a:r>
                         <a:rPr lang="ja-JP" altLang="en-US" sz="1050" kern="100" dirty="0" smtClean="0">
                           <a:effectLst/>
-                          <a:latin typeface="+mn-ea"/>
-                          <a:ea typeface="+mn-ea"/>
-                          <a:cs typeface="Segoe UI" panose="020B0502040204020203" pitchFamily="34" charset="0"/>
                         </a:rPr>
                         <a:t>解析ライブラリ</a:t>
                       </a:r>
                       <a:r>
                         <a:rPr lang="en-US" altLang="ja-JP" sz="1050" kern="100" dirty="0" smtClean="0">
                           <a:effectLst/>
-                          <a:latin typeface="+mn-ea"/>
-                          <a:ea typeface="+mn-ea"/>
-                          <a:cs typeface="Segoe UI" panose="020B0502040204020203" pitchFamily="34" charset="0"/>
                         </a:rPr>
                         <a:t>(</a:t>
                       </a:r>
                       <a:r>
                         <a:rPr lang="en-US" altLang="ja-JP" sz="1050" kern="100" dirty="0" err="1" smtClean="0">
                           <a:effectLst/>
-                          <a:latin typeface="+mn-ea"/>
-                          <a:ea typeface="+mn-ea"/>
-                          <a:cs typeface="Segoe UI" panose="020B0502040204020203" pitchFamily="34" charset="0"/>
                         </a:rPr>
                         <a:t>yaml</a:t>
                       </a:r>
                       <a:r>
                         <a:rPr lang="en-US" altLang="ja-JP" sz="1050" kern="100" dirty="0" smtClean="0">
                           <a:effectLst/>
-                          <a:latin typeface="+mn-ea"/>
-                          <a:ea typeface="+mn-ea"/>
-                          <a:cs typeface="Segoe UI" panose="020B0502040204020203" pitchFamily="34" charset="0"/>
                         </a:rPr>
                         <a:t>)</a:t>
                       </a:r>
                       <a:r>
                         <a:rPr lang="ja-JP" altLang="en-US" sz="1050" kern="100" dirty="0" smtClean="0">
                           <a:effectLst/>
-                          <a:latin typeface="+mn-ea"/>
-                          <a:ea typeface="+mn-ea"/>
-                          <a:cs typeface="Segoe UI" panose="020B0502040204020203" pitchFamily="34" charset="0"/>
                         </a:rPr>
                         <a:t>に使用。</a:t>
                       </a:r>
@@ -15569,11 +15495,7 @@
                       </a:endParaRPr>
                     </a:p>
                   </a:txBody>
-                  <a:tcPr marL="68580" marR="68580" marT="0" marB="0" anchor="ctr">
-                    <a:solidFill>
-                      <a:srgbClr val="CBCDD3"/>
-                    </a:solidFill>
-                  </a:tcPr>
+                  <a:tcPr marL="68580" marR="68580" marT="0" marB="0" anchor="ctr"/>
                 </a:tc>
                 <a:extLst>
                   <a:ext uri="{0D108BD9-81ED-4DB2-BD59-A6C34878D82A}">
@@ -15643,9 +15565,6 @@
                       <a:r>
                         <a:rPr lang="en-US" altLang="ja-JP" sz="1050" kern="100" dirty="0" err="1" smtClean="0">
                           <a:effectLst/>
-                          <a:latin typeface="+mn-lt"/>
-                          <a:ea typeface="+mn-ea"/>
-                          <a:cs typeface="+mn-cs"/>
                         </a:rPr>
                         <a:t>libyaml</a:t>
                       </a:r>
@@ -15657,11 +15576,7 @@
                       </a:endParaRPr>
                     </a:p>
                   </a:txBody>
-                  <a:tcPr marL="68580" marR="68580" marT="0" marB="0" anchor="ctr">
-                    <a:solidFill>
-                      <a:srgbClr val="E7E8EA"/>
-                    </a:solidFill>
-                  </a:tcPr>
+                  <a:tcPr marL="68580" marR="68580" marT="0" marB="0" anchor="ctr"/>
                 </a:tc>
                 <a:tc>
                   <a:txBody>
@@ -15676,18 +15591,12 @@
                       <a:r>
                         <a:rPr lang="en-US" altLang="ja-JP" sz="1050" kern="100" dirty="0" smtClean="0">
                           <a:effectLst/>
-                          <a:latin typeface="Segoe UI" panose="020B0502040204020203" pitchFamily="34" charset="0"/>
-                          <a:ea typeface="Segoe UI" panose="020B0502040204020203" pitchFamily="34" charset="0"/>
-                          <a:cs typeface="Segoe UI" panose="020B0502040204020203" pitchFamily="34" charset="0"/>
                         </a:rPr>
                         <a:t>yum install –y </a:t>
                       </a:r>
                       <a:r>
                         <a:rPr lang="en-US" altLang="ja-JP" sz="1050" kern="100" dirty="0" err="1" smtClean="0">
                           <a:effectLst/>
-                          <a:latin typeface="Segoe UI" panose="020B0502040204020203" pitchFamily="34" charset="0"/>
-                          <a:ea typeface="Segoe UI" panose="020B0502040204020203" pitchFamily="34" charset="0"/>
-                          <a:cs typeface="Segoe UI" panose="020B0502040204020203" pitchFamily="34" charset="0"/>
                         </a:rPr>
                         <a:t>libyaml</a:t>
                       </a:r>
@@ -15699,11 +15608,7 @@
                       </a:endParaRPr>
                     </a:p>
                   </a:txBody>
-                  <a:tcPr marL="68580" marR="68580" marT="0" marB="0" anchor="ctr">
-                    <a:solidFill>
-                      <a:srgbClr val="E7E8EA"/>
-                    </a:solidFill>
-                  </a:tcPr>
+                  <a:tcPr marL="68580" marR="68580" marT="0" marB="0" anchor="ctr"/>
                 </a:tc>
                 <a:tc>
                   <a:txBody>
@@ -15728,19 +15633,13 @@
                         <a:defRPr/>
                       </a:pPr>
                       <a:r>
-                        <a:rPr kumimoji="1" lang="ja-JP" altLang="en-US" sz="1050" b="0" i="0" u="none" strike="noStrike" kern="100" cap="none" spc="0" normalizeH="0" baseline="0" noProof="0" dirty="0" smtClean="0">
+                        <a:rPr kumimoji="1" lang="ja-JP" altLang="en-US" sz="1050" u="none" strike="noStrike" kern="100" cap="none" spc="0" normalizeH="0" baseline="0" noProof="0" dirty="0" smtClean="0">
                           <a:ln>
                             <a:noFill/>
                           </a:ln>
-                          <a:solidFill>
-                            <a:srgbClr val="000000"/>
-                          </a:solidFill>
                           <a:effectLst/>
                           <a:uLnTx/>
                           <a:uFillTx/>
-                          <a:latin typeface="メイリオ"/>
-                          <a:ea typeface="ＭＳ 明朝" panose="02020609040205080304" pitchFamily="17" charset="-128"/>
-                          <a:cs typeface="Segoe UI" panose="020B0502040204020203" pitchFamily="34" charset="0"/>
                         </a:rPr>
                         <a:t>〇</a:t>
                       </a:r>
@@ -15760,11 +15659,7 @@
                       </a:endParaRPr>
                     </a:p>
                   </a:txBody>
-                  <a:tcPr marL="68580" marR="68580" marT="0" marB="0" anchor="ctr">
-                    <a:solidFill>
-                      <a:srgbClr val="E7E8EA"/>
-                    </a:solidFill>
-                  </a:tcPr>
+                  <a:tcPr marL="68580" marR="68580" marT="0" marB="0" anchor="ctr"/>
                 </a:tc>
                 <a:tc>
                   <a:txBody>
@@ -15789,96 +15684,63 @@
                         <a:defRPr/>
                       </a:pPr>
                       <a:r>
-                        <a:rPr kumimoji="1" lang="en-US" altLang="ja-JP" sz="1050" b="0" i="0" u="none" strike="noStrike" kern="100" cap="none" spc="0" normalizeH="0" baseline="0" noProof="0" dirty="0" smtClean="0">
+                        <a:rPr kumimoji="1" lang="en-US" altLang="ja-JP" sz="1050" u="none" strike="noStrike" kern="100" cap="none" spc="0" normalizeH="0" baseline="0" noProof="0" dirty="0" smtClean="0">
                           <a:ln>
                             <a:noFill/>
                           </a:ln>
-                          <a:solidFill>
-                            <a:srgbClr val="000000"/>
-                          </a:solidFill>
                           <a:effectLst/>
                           <a:uLnTx/>
                           <a:uFillTx/>
-                          <a:latin typeface="+mn-ea"/>
-                          <a:ea typeface="+mn-ea"/>
-                          <a:cs typeface="Segoe UI" panose="020B0502040204020203" pitchFamily="34" charset="0"/>
                         </a:rPr>
                         <a:t>YAML</a:t>
                       </a:r>
                       <a:r>
-                        <a:rPr kumimoji="1" lang="ja-JP" altLang="en-US" sz="1050" b="0" i="0" u="none" strike="noStrike" kern="100" cap="none" spc="0" normalizeH="0" baseline="0" noProof="0" dirty="0" smtClean="0">
+                        <a:rPr kumimoji="1" lang="ja-JP" altLang="en-US" sz="1050" u="none" strike="noStrike" kern="100" cap="none" spc="0" normalizeH="0" baseline="0" noProof="0" dirty="0" smtClean="0">
                           <a:ln>
                             <a:noFill/>
                           </a:ln>
-                          <a:solidFill>
-                            <a:srgbClr val="000000"/>
-                          </a:solidFill>
                           <a:effectLst/>
                           <a:uLnTx/>
                           <a:uFillTx/>
-                          <a:latin typeface="+mn-ea"/>
-                          <a:ea typeface="+mn-ea"/>
-                          <a:cs typeface="Segoe UI" panose="020B0502040204020203" pitchFamily="34" charset="0"/>
                         </a:rPr>
                         <a:t>解析ライブラリ</a:t>
                       </a:r>
                       <a:r>
-                        <a:rPr kumimoji="1" lang="en-US" altLang="ja-JP" sz="1050" b="0" i="0" u="none" strike="noStrike" kern="100" cap="none" spc="0" normalizeH="0" baseline="0" noProof="0" dirty="0" smtClean="0">
+                        <a:rPr kumimoji="1" lang="en-US" altLang="ja-JP" sz="1050" u="none" strike="noStrike" kern="100" cap="none" spc="0" normalizeH="0" baseline="0" noProof="0" dirty="0" smtClean="0">
                           <a:ln>
                             <a:noFill/>
                           </a:ln>
-                          <a:solidFill>
-                            <a:srgbClr val="000000"/>
-                          </a:solidFill>
                           <a:effectLst/>
                           <a:uLnTx/>
                           <a:uFillTx/>
-                          <a:latin typeface="+mn-ea"/>
-                          <a:ea typeface="+mn-ea"/>
-                          <a:cs typeface="Segoe UI" panose="020B0502040204020203" pitchFamily="34" charset="0"/>
                         </a:rPr>
                         <a:t>(</a:t>
                       </a:r>
                       <a:r>
                         <a:rPr lang="en-US" altLang="ja-JP" sz="1050" kern="100" dirty="0" err="1" smtClean="0">
                           <a:effectLst/>
-                          <a:latin typeface="+mn-ea"/>
-                          <a:ea typeface="+mn-ea"/>
-                          <a:cs typeface="Segoe UI" panose="020B0502040204020203" pitchFamily="34" charset="0"/>
                         </a:rPr>
                         <a:t>yaml</a:t>
                       </a:r>
                       <a:r>
-                        <a:rPr kumimoji="1" lang="en-US" altLang="ja-JP" sz="1050" b="0" i="0" u="none" strike="noStrike" kern="100" cap="none" spc="0" normalizeH="0" baseline="0" noProof="0" dirty="0" smtClean="0">
+                        <a:rPr kumimoji="1" lang="en-US" altLang="ja-JP" sz="1050" u="none" strike="noStrike" kern="100" cap="none" spc="0" normalizeH="0" baseline="0" noProof="0" dirty="0" smtClean="0">
                           <a:ln>
                             <a:noFill/>
                           </a:ln>
-                          <a:solidFill>
-                            <a:srgbClr val="000000"/>
-                          </a:solidFill>
                           <a:effectLst/>
                           <a:uLnTx/>
                           <a:uFillTx/>
-                          <a:latin typeface="+mn-ea"/>
-                          <a:ea typeface="+mn-ea"/>
-                          <a:cs typeface="Segoe UI" panose="020B0502040204020203" pitchFamily="34" charset="0"/>
                         </a:rPr>
                         <a:t>)</a:t>
                       </a:r>
                       <a:r>
-                        <a:rPr kumimoji="1" lang="ja-JP" altLang="en-US" sz="1050" b="0" i="0" u="none" strike="noStrike" kern="100" cap="none" spc="0" normalizeH="0" baseline="0" noProof="0" dirty="0" smtClean="0">
+                        <a:rPr kumimoji="1" lang="ja-JP" altLang="en-US" sz="1050" u="none" strike="noStrike" kern="100" cap="none" spc="0" normalizeH="0" baseline="0" noProof="0" dirty="0" smtClean="0">
                           <a:ln>
                             <a:noFill/>
                           </a:ln>
-                          <a:solidFill>
-                            <a:srgbClr val="000000"/>
-                          </a:solidFill>
                           <a:effectLst/>
                           <a:uLnTx/>
                           <a:uFillTx/>
-                          <a:latin typeface="+mn-ea"/>
-                          <a:ea typeface="+mn-ea"/>
-                          <a:cs typeface="Segoe UI" panose="020B0502040204020203" pitchFamily="34" charset="0"/>
                         </a:rPr>
                         <a:t>に使用。</a:t>
                       </a:r>
@@ -15898,11 +15760,7 @@
                       </a:endParaRPr>
                     </a:p>
                   </a:txBody>
-                  <a:tcPr marL="68580" marR="68580" marT="0" marB="0" anchor="ctr">
-                    <a:solidFill>
-                      <a:srgbClr val="E7E8EA"/>
-                    </a:solidFill>
-                  </a:tcPr>
+                  <a:tcPr marL="68580" marR="68580" marT="0" marB="0" anchor="ctr"/>
                 </a:tc>
                 <a:extLst>
                   <a:ext uri="{0D108BD9-81ED-4DB2-BD59-A6C34878D82A}">
@@ -15974,9 +15832,6 @@
                       </a:pPr>
                       <a:r>
                         <a:rPr lang="en-US" sz="1050" kern="100" dirty="0" err="1" smtClean="0">
-                          <a:solidFill>
-                            <a:schemeClr val="tx1"/>
-                          </a:solidFill>
                           <a:effectLst/>
                         </a:rPr>
                         <a:t>libyaml-devel</a:t>
@@ -15992,11 +15847,7 @@
                       </a:endParaRPr>
                     </a:p>
                   </a:txBody>
-                  <a:tcPr marL="68580" marR="68580" marT="0" marB="0" anchor="ctr">
-                    <a:solidFill>
-                      <a:srgbClr val="CBCDD3"/>
-                    </a:solidFill>
-                  </a:tcPr>
+                  <a:tcPr marL="68580" marR="68580" marT="0" marB="0" anchor="ctr"/>
                 </a:tc>
                 <a:tc>
                   <a:txBody>
@@ -16011,18 +15862,12 @@
                       <a:r>
                         <a:rPr lang="en-US" altLang="ja-JP" sz="1050" kern="100" dirty="0" smtClean="0">
                           <a:effectLst/>
-                          <a:latin typeface="Segoe UI" panose="020B0502040204020203" pitchFamily="34" charset="0"/>
-                          <a:ea typeface="Segoe UI" panose="020B0502040204020203" pitchFamily="34" charset="0"/>
-                          <a:cs typeface="Segoe UI" panose="020B0502040204020203" pitchFamily="34" charset="0"/>
                         </a:rPr>
                         <a:t>yum install –y </a:t>
                       </a:r>
                       <a:r>
                         <a:rPr lang="en-US" altLang="ja-JP" sz="1050" kern="100" dirty="0" err="1" smtClean="0">
                           <a:effectLst/>
-                          <a:latin typeface="Segoe UI" panose="020B0502040204020203" pitchFamily="34" charset="0"/>
-                          <a:ea typeface="Segoe UI" panose="020B0502040204020203" pitchFamily="34" charset="0"/>
-                          <a:cs typeface="Segoe UI" panose="020B0502040204020203" pitchFamily="34" charset="0"/>
                         </a:rPr>
                         <a:t>libyaml-devel</a:t>
                       </a:r>
@@ -16034,11 +15879,7 @@
                       </a:endParaRPr>
                     </a:p>
                   </a:txBody>
-                  <a:tcPr marL="68580" marR="68580" marT="0" marB="0" anchor="ctr">
-                    <a:solidFill>
-                      <a:srgbClr val="CBCDD3"/>
-                    </a:solidFill>
-                  </a:tcPr>
+                  <a:tcPr marL="68580" marR="68580" marT="0" marB="0" anchor="ctr"/>
                 </a:tc>
                 <a:tc>
                   <a:txBody>
@@ -16063,19 +15904,13 @@
                         <a:defRPr/>
                       </a:pPr>
                       <a:r>
-                        <a:rPr kumimoji="1" lang="ja-JP" altLang="en-US" sz="1050" b="0" i="0" u="none" strike="noStrike" kern="100" cap="none" spc="0" normalizeH="0" baseline="0" noProof="0" dirty="0" smtClean="0">
+                        <a:rPr kumimoji="1" lang="ja-JP" altLang="en-US" sz="1050" u="none" strike="noStrike" kern="100" cap="none" spc="0" normalizeH="0" baseline="0" noProof="0" dirty="0" smtClean="0">
                           <a:ln>
                             <a:noFill/>
                           </a:ln>
-                          <a:solidFill>
-                            <a:srgbClr val="000000"/>
-                          </a:solidFill>
                           <a:effectLst/>
                           <a:uLnTx/>
                           <a:uFillTx/>
-                          <a:latin typeface="メイリオ"/>
-                          <a:ea typeface="ＭＳ 明朝" panose="02020609040205080304" pitchFamily="17" charset="-128"/>
-                          <a:cs typeface="Segoe UI" panose="020B0502040204020203" pitchFamily="34" charset="0"/>
                         </a:rPr>
                         <a:t>〇</a:t>
                       </a:r>
@@ -16095,11 +15930,7 @@
                       </a:endParaRPr>
                     </a:p>
                   </a:txBody>
-                  <a:tcPr marL="68580" marR="68580" marT="0" marB="0" anchor="ctr">
-                    <a:solidFill>
-                      <a:srgbClr val="CBCDD3"/>
-                    </a:solidFill>
-                  </a:tcPr>
+                  <a:tcPr marL="68580" marR="68580" marT="0" marB="0" anchor="ctr"/>
                 </a:tc>
                 <a:tc>
                   <a:txBody>
@@ -16124,96 +15955,63 @@
                         <a:defRPr/>
                       </a:pPr>
                       <a:r>
-                        <a:rPr kumimoji="1" lang="en-US" altLang="ja-JP" sz="1050" b="0" i="0" u="none" strike="noStrike" kern="100" cap="none" spc="0" normalizeH="0" baseline="0" noProof="0" dirty="0" smtClean="0">
+                        <a:rPr kumimoji="1" lang="en-US" altLang="ja-JP" sz="1050" u="none" strike="noStrike" kern="100" cap="none" spc="0" normalizeH="0" baseline="0" noProof="0" dirty="0" smtClean="0">
                           <a:ln>
                             <a:noFill/>
                           </a:ln>
-                          <a:solidFill>
-                            <a:srgbClr val="000000"/>
-                          </a:solidFill>
                           <a:effectLst/>
                           <a:uLnTx/>
                           <a:uFillTx/>
-                          <a:latin typeface="+mn-ea"/>
-                          <a:ea typeface="+mn-ea"/>
-                          <a:cs typeface="Segoe UI" panose="020B0502040204020203" pitchFamily="34" charset="0"/>
                         </a:rPr>
                         <a:t>YAML</a:t>
                       </a:r>
                       <a:r>
-                        <a:rPr kumimoji="1" lang="ja-JP" altLang="en-US" sz="1050" b="0" i="0" u="none" strike="noStrike" kern="100" cap="none" spc="0" normalizeH="0" baseline="0" noProof="0" dirty="0" smtClean="0">
+                        <a:rPr kumimoji="1" lang="ja-JP" altLang="en-US" sz="1050" u="none" strike="noStrike" kern="100" cap="none" spc="0" normalizeH="0" baseline="0" noProof="0" dirty="0" smtClean="0">
                           <a:ln>
                             <a:noFill/>
                           </a:ln>
-                          <a:solidFill>
-                            <a:srgbClr val="000000"/>
-                          </a:solidFill>
                           <a:effectLst/>
                           <a:uLnTx/>
                           <a:uFillTx/>
-                          <a:latin typeface="+mn-ea"/>
-                          <a:ea typeface="+mn-ea"/>
-                          <a:cs typeface="Segoe UI" panose="020B0502040204020203" pitchFamily="34" charset="0"/>
                         </a:rPr>
                         <a:t>解析ライブラリ</a:t>
                       </a:r>
                       <a:r>
-                        <a:rPr kumimoji="1" lang="en-US" altLang="ja-JP" sz="1050" b="0" i="0" u="none" strike="noStrike" kern="100" cap="none" spc="0" normalizeH="0" baseline="0" noProof="0" dirty="0" smtClean="0">
+                        <a:rPr kumimoji="1" lang="en-US" altLang="ja-JP" sz="1050" u="none" strike="noStrike" kern="100" cap="none" spc="0" normalizeH="0" baseline="0" noProof="0" dirty="0" smtClean="0">
                           <a:ln>
                             <a:noFill/>
                           </a:ln>
-                          <a:solidFill>
-                            <a:srgbClr val="000000"/>
-                          </a:solidFill>
                           <a:effectLst/>
                           <a:uLnTx/>
                           <a:uFillTx/>
-                          <a:latin typeface="+mn-ea"/>
-                          <a:ea typeface="+mn-ea"/>
-                          <a:cs typeface="Segoe UI" panose="020B0502040204020203" pitchFamily="34" charset="0"/>
                         </a:rPr>
                         <a:t>(</a:t>
                       </a:r>
                       <a:r>
                         <a:rPr lang="en-US" altLang="ja-JP" sz="1050" kern="100" dirty="0" err="1" smtClean="0">
                           <a:effectLst/>
-                          <a:latin typeface="+mn-ea"/>
-                          <a:ea typeface="+mn-ea"/>
-                          <a:cs typeface="Segoe UI" panose="020B0502040204020203" pitchFamily="34" charset="0"/>
                         </a:rPr>
                         <a:t>yaml</a:t>
                       </a:r>
                       <a:r>
-                        <a:rPr kumimoji="1" lang="en-US" altLang="ja-JP" sz="1050" b="0" i="0" u="none" strike="noStrike" kern="100" cap="none" spc="0" normalizeH="0" baseline="0" noProof="0" dirty="0" smtClean="0">
+                        <a:rPr kumimoji="1" lang="en-US" altLang="ja-JP" sz="1050" u="none" strike="noStrike" kern="100" cap="none" spc="0" normalizeH="0" baseline="0" noProof="0" dirty="0" smtClean="0">
                           <a:ln>
                             <a:noFill/>
                           </a:ln>
-                          <a:solidFill>
-                            <a:srgbClr val="000000"/>
-                          </a:solidFill>
                           <a:effectLst/>
                           <a:uLnTx/>
                           <a:uFillTx/>
-                          <a:latin typeface="+mn-ea"/>
-                          <a:ea typeface="+mn-ea"/>
-                          <a:cs typeface="Segoe UI" panose="020B0502040204020203" pitchFamily="34" charset="0"/>
                         </a:rPr>
                         <a:t>)</a:t>
                       </a:r>
                       <a:r>
-                        <a:rPr kumimoji="1" lang="ja-JP" altLang="en-US" sz="1050" b="0" i="0" u="none" strike="noStrike" kern="100" cap="none" spc="0" normalizeH="0" baseline="0" noProof="0" dirty="0" smtClean="0">
+                        <a:rPr kumimoji="1" lang="ja-JP" altLang="en-US" sz="1050" u="none" strike="noStrike" kern="100" cap="none" spc="0" normalizeH="0" baseline="0" noProof="0" dirty="0" smtClean="0">
                           <a:ln>
                             <a:noFill/>
                           </a:ln>
-                          <a:solidFill>
-                            <a:srgbClr val="000000"/>
-                          </a:solidFill>
                           <a:effectLst/>
                           <a:uLnTx/>
                           <a:uFillTx/>
-                          <a:latin typeface="+mn-ea"/>
-                          <a:ea typeface="+mn-ea"/>
-                          <a:cs typeface="Segoe UI" panose="020B0502040204020203" pitchFamily="34" charset="0"/>
                         </a:rPr>
                         <a:t>に使用。</a:t>
                       </a:r>
@@ -16233,11 +16031,7 @@
                       </a:endParaRPr>
                     </a:p>
                   </a:txBody>
-                  <a:tcPr marL="68580" marR="68580" marT="0" marB="0" anchor="ctr">
-                    <a:solidFill>
-                      <a:srgbClr val="CBCDD3"/>
-                    </a:solidFill>
-                  </a:tcPr>
+                  <a:tcPr marL="68580" marR="68580" marT="0" marB="0" anchor="ctr"/>
                 </a:tc>
                 <a:extLst>
                   <a:ext uri="{0D108BD9-81ED-4DB2-BD59-A6C34878D82A}">
@@ -16318,11 +16112,7 @@
                       </a:endParaRPr>
                     </a:p>
                   </a:txBody>
-                  <a:tcPr marL="68580" marR="68580" marT="0" marB="0" anchor="ctr">
-                    <a:solidFill>
-                      <a:srgbClr val="E7E8EA"/>
-                    </a:solidFill>
-                  </a:tcPr>
+                  <a:tcPr marL="68580" marR="68580" marT="0" marB="0" anchor="ctr"/>
                 </a:tc>
                 <a:tc>
                   <a:txBody>
@@ -16337,9 +16127,6 @@
                       <a:r>
                         <a:rPr lang="en-US" altLang="ja-JP" sz="1050" kern="100" dirty="0" smtClean="0">
                           <a:effectLst/>
-                          <a:latin typeface="Segoe UI" panose="020B0502040204020203" pitchFamily="34" charset="0"/>
-                          <a:ea typeface="Segoe UI" panose="020B0502040204020203" pitchFamily="34" charset="0"/>
-                          <a:cs typeface="Segoe UI" panose="020B0502040204020203" pitchFamily="34" charset="0"/>
                         </a:rPr>
                         <a:t>yum install –y make</a:t>
                       </a:r>
@@ -16351,11 +16138,7 @@
                       </a:endParaRPr>
                     </a:p>
                   </a:txBody>
-                  <a:tcPr marL="68580" marR="68580" marT="0" marB="0" anchor="ctr">
-                    <a:solidFill>
-                      <a:srgbClr val="E7E8EA"/>
-                    </a:solidFill>
-                  </a:tcPr>
+                  <a:tcPr marL="68580" marR="68580" marT="0" marB="0" anchor="ctr"/>
                 </a:tc>
                 <a:tc>
                   <a:txBody>
@@ -16380,19 +16163,13 @@
                         <a:defRPr/>
                       </a:pPr>
                       <a:r>
-                        <a:rPr kumimoji="1" lang="ja-JP" altLang="en-US" sz="1050" b="0" i="0" u="none" strike="noStrike" kern="100" cap="none" spc="0" normalizeH="0" baseline="0" noProof="0" dirty="0" smtClean="0">
+                        <a:rPr kumimoji="1" lang="ja-JP" altLang="en-US" sz="1050" u="none" strike="noStrike" kern="100" cap="none" spc="0" normalizeH="0" baseline="0" noProof="0" dirty="0" smtClean="0">
                           <a:ln>
                             <a:noFill/>
                           </a:ln>
-                          <a:solidFill>
-                            <a:srgbClr val="000000"/>
-                          </a:solidFill>
                           <a:effectLst/>
                           <a:uLnTx/>
                           <a:uFillTx/>
-                          <a:latin typeface="メイリオ"/>
-                          <a:ea typeface="ＭＳ 明朝" panose="02020609040205080304" pitchFamily="17" charset="-128"/>
-                          <a:cs typeface="Segoe UI" panose="020B0502040204020203" pitchFamily="34" charset="0"/>
                         </a:rPr>
                         <a:t>〇</a:t>
                       </a:r>
@@ -16412,11 +16189,7 @@
                       </a:endParaRPr>
                     </a:p>
                   </a:txBody>
-                  <a:tcPr marL="68580" marR="68580" marT="0" marB="0" anchor="ctr">
-                    <a:solidFill>
-                      <a:srgbClr val="E7E8EA"/>
-                    </a:solidFill>
-                  </a:tcPr>
+                  <a:tcPr marL="68580" marR="68580" marT="0" marB="0" anchor="ctr"/>
                 </a:tc>
                 <a:tc>
                   <a:txBody>
@@ -16441,96 +16214,63 @@
                         <a:defRPr/>
                       </a:pPr>
                       <a:r>
-                        <a:rPr kumimoji="1" lang="en-US" altLang="ja-JP" sz="1050" b="0" i="0" u="none" strike="noStrike" kern="100" cap="none" spc="0" normalizeH="0" baseline="0" noProof="0" dirty="0" smtClean="0">
+                        <a:rPr kumimoji="1" lang="en-US" altLang="ja-JP" sz="1050" u="none" strike="noStrike" kern="100" cap="none" spc="0" normalizeH="0" baseline="0" noProof="0" dirty="0" smtClean="0">
                           <a:ln>
                             <a:noFill/>
                           </a:ln>
-                          <a:solidFill>
-                            <a:srgbClr val="000000"/>
-                          </a:solidFill>
                           <a:effectLst/>
                           <a:uLnTx/>
                           <a:uFillTx/>
-                          <a:latin typeface="+mn-ea"/>
-                          <a:ea typeface="+mn-ea"/>
-                          <a:cs typeface="Segoe UI" panose="020B0502040204020203" pitchFamily="34" charset="0"/>
                         </a:rPr>
                         <a:t>YAML</a:t>
                       </a:r>
                       <a:r>
-                        <a:rPr kumimoji="1" lang="ja-JP" altLang="en-US" sz="1050" b="0" i="0" u="none" strike="noStrike" kern="100" cap="none" spc="0" normalizeH="0" baseline="0" noProof="0" dirty="0" smtClean="0">
+                        <a:rPr kumimoji="1" lang="ja-JP" altLang="en-US" sz="1050" u="none" strike="noStrike" kern="100" cap="none" spc="0" normalizeH="0" baseline="0" noProof="0" dirty="0" smtClean="0">
                           <a:ln>
                             <a:noFill/>
                           </a:ln>
-                          <a:solidFill>
-                            <a:srgbClr val="000000"/>
-                          </a:solidFill>
                           <a:effectLst/>
                           <a:uLnTx/>
                           <a:uFillTx/>
-                          <a:latin typeface="+mn-ea"/>
-                          <a:ea typeface="+mn-ea"/>
-                          <a:cs typeface="Segoe UI" panose="020B0502040204020203" pitchFamily="34" charset="0"/>
                         </a:rPr>
                         <a:t>解析ライブラリ</a:t>
                       </a:r>
                       <a:r>
-                        <a:rPr kumimoji="1" lang="en-US" altLang="ja-JP" sz="1050" b="0" i="0" u="none" strike="noStrike" kern="100" cap="none" spc="0" normalizeH="0" baseline="0" noProof="0" dirty="0" smtClean="0">
+                        <a:rPr kumimoji="1" lang="en-US" altLang="ja-JP" sz="1050" u="none" strike="noStrike" kern="100" cap="none" spc="0" normalizeH="0" baseline="0" noProof="0" dirty="0" smtClean="0">
                           <a:ln>
                             <a:noFill/>
                           </a:ln>
-                          <a:solidFill>
-                            <a:srgbClr val="000000"/>
-                          </a:solidFill>
                           <a:effectLst/>
                           <a:uLnTx/>
                           <a:uFillTx/>
-                          <a:latin typeface="+mn-ea"/>
-                          <a:ea typeface="+mn-ea"/>
-                          <a:cs typeface="Segoe UI" panose="020B0502040204020203" pitchFamily="34" charset="0"/>
                         </a:rPr>
                         <a:t>(</a:t>
                       </a:r>
                       <a:r>
                         <a:rPr lang="en-US" altLang="ja-JP" sz="1050" kern="100" dirty="0" err="1" smtClean="0">
                           <a:effectLst/>
-                          <a:latin typeface="+mn-ea"/>
-                          <a:ea typeface="+mn-ea"/>
-                          <a:cs typeface="Segoe UI" panose="020B0502040204020203" pitchFamily="34" charset="0"/>
                         </a:rPr>
                         <a:t>yaml</a:t>
                       </a:r>
                       <a:r>
-                        <a:rPr kumimoji="1" lang="en-US" altLang="ja-JP" sz="1050" b="0" i="0" u="none" strike="noStrike" kern="100" cap="none" spc="0" normalizeH="0" baseline="0" noProof="0" dirty="0" smtClean="0">
+                        <a:rPr kumimoji="1" lang="en-US" altLang="ja-JP" sz="1050" u="none" strike="noStrike" kern="100" cap="none" spc="0" normalizeH="0" baseline="0" noProof="0" dirty="0" smtClean="0">
                           <a:ln>
                             <a:noFill/>
                           </a:ln>
-                          <a:solidFill>
-                            <a:srgbClr val="000000"/>
-                          </a:solidFill>
                           <a:effectLst/>
                           <a:uLnTx/>
                           <a:uFillTx/>
-                          <a:latin typeface="+mn-ea"/>
-                          <a:ea typeface="+mn-ea"/>
-                          <a:cs typeface="Segoe UI" panose="020B0502040204020203" pitchFamily="34" charset="0"/>
                         </a:rPr>
                         <a:t>)</a:t>
                       </a:r>
                       <a:r>
-                        <a:rPr kumimoji="1" lang="ja-JP" altLang="en-US" sz="1050" b="0" i="0" u="none" strike="noStrike" kern="100" cap="none" spc="0" normalizeH="0" baseline="0" noProof="0" dirty="0" smtClean="0">
+                        <a:rPr kumimoji="1" lang="ja-JP" altLang="en-US" sz="1050" u="none" strike="noStrike" kern="100" cap="none" spc="0" normalizeH="0" baseline="0" noProof="0" dirty="0" smtClean="0">
                           <a:ln>
                             <a:noFill/>
                           </a:ln>
-                          <a:solidFill>
-                            <a:srgbClr val="000000"/>
-                          </a:solidFill>
                           <a:effectLst/>
                           <a:uLnTx/>
                           <a:uFillTx/>
-                          <a:latin typeface="+mn-ea"/>
-                          <a:ea typeface="+mn-ea"/>
-                          <a:cs typeface="Segoe UI" panose="020B0502040204020203" pitchFamily="34" charset="0"/>
                         </a:rPr>
                         <a:t>に使用。</a:t>
                       </a:r>
@@ -16550,11 +16290,7 @@
                       </a:endParaRPr>
                     </a:p>
                   </a:txBody>
-                  <a:tcPr marL="68580" marR="68580" marT="0" marB="0" anchor="ctr">
-                    <a:solidFill>
-                      <a:srgbClr val="E7E8EA"/>
-                    </a:solidFill>
-                  </a:tcPr>
+                  <a:tcPr marL="68580" marR="68580" marT="0" marB="0" anchor="ctr"/>
                 </a:tc>
                 <a:extLst>
                   <a:ext uri="{0D108BD9-81ED-4DB2-BD59-A6C34878D82A}">
@@ -16635,11 +16371,7 @@
                       </a:endParaRPr>
                     </a:p>
                   </a:txBody>
-                  <a:tcPr marL="68580" marR="68580" marT="0" marB="0" anchor="ctr">
-                    <a:solidFill>
-                      <a:srgbClr val="E7E8EA"/>
-                    </a:solidFill>
-                  </a:tcPr>
+                  <a:tcPr marL="68580" marR="68580" marT="0" marB="0" anchor="ctr"/>
                 </a:tc>
                 <a:tc>
                   <a:txBody>
@@ -16657,27 +16389,18 @@
                       <a:r>
                         <a:rPr lang="en-US" altLang="ja-JP" sz="1050" kern="100" dirty="0" err="1" smtClean="0">
                           <a:effectLst/>
-                          <a:latin typeface="Segoe UI" panose="020B0502040204020203" pitchFamily="34" charset="0"/>
-                          <a:ea typeface="Segoe UI" panose="020B0502040204020203" pitchFamily="34" charset="0"/>
-                          <a:cs typeface="Segoe UI" panose="020B0502040204020203" pitchFamily="34" charset="0"/>
                         </a:rPr>
                         <a:t>pecl</a:t>
                       </a:r>
                       <a:r>
                         <a:rPr lang="en-US" altLang="ja-JP" sz="1050" kern="100" dirty="0" smtClean="0">
                           <a:effectLst/>
-                          <a:latin typeface="Segoe UI" panose="020B0502040204020203" pitchFamily="34" charset="0"/>
-                          <a:ea typeface="Segoe UI" panose="020B0502040204020203" pitchFamily="34" charset="0"/>
-                          <a:cs typeface="Segoe UI" panose="020B0502040204020203" pitchFamily="34" charset="0"/>
                         </a:rPr>
                         <a:t> install </a:t>
                       </a:r>
                       <a:r>
                         <a:rPr lang="en-US" altLang="ja-JP" sz="1050" kern="100" dirty="0" err="1" smtClean="0">
                           <a:effectLst/>
-                          <a:latin typeface="Segoe UI" panose="020B0502040204020203" pitchFamily="34" charset="0"/>
-                          <a:ea typeface="Segoe UI" panose="020B0502040204020203" pitchFamily="34" charset="0"/>
-                          <a:cs typeface="Segoe UI" panose="020B0502040204020203" pitchFamily="34" charset="0"/>
                         </a:rPr>
                         <a:t>yaml</a:t>
                       </a:r>
@@ -16689,11 +16412,7 @@
                       </a:endParaRPr>
                     </a:p>
                   </a:txBody>
-                  <a:tcPr marL="68580" marR="68580" marT="0" marB="0" anchor="ctr">
-                    <a:solidFill>
-                      <a:srgbClr val="E7E8EA"/>
-                    </a:solidFill>
-                  </a:tcPr>
+                  <a:tcPr marL="68580" marR="68580" marT="0" marB="0" anchor="ctr"/>
                 </a:tc>
                 <a:tc>
                   <a:txBody>
@@ -16718,19 +16437,13 @@
                         <a:defRPr/>
                       </a:pPr>
                       <a:r>
-                        <a:rPr kumimoji="1" lang="ja-JP" altLang="en-US" sz="1050" b="0" i="0" u="none" strike="noStrike" kern="100" cap="none" spc="0" normalizeH="0" baseline="0" noProof="0" dirty="0" smtClean="0">
+                        <a:rPr kumimoji="1" lang="ja-JP" altLang="en-US" sz="1050" u="none" strike="noStrike" kern="100" cap="none" spc="0" normalizeH="0" baseline="0" noProof="0" dirty="0" smtClean="0">
                           <a:ln>
                             <a:noFill/>
                           </a:ln>
-                          <a:solidFill>
-                            <a:srgbClr val="000000"/>
-                          </a:solidFill>
                           <a:effectLst/>
                           <a:uLnTx/>
                           <a:uFillTx/>
-                          <a:latin typeface="メイリオ"/>
-                          <a:ea typeface="ＭＳ 明朝" panose="02020609040205080304" pitchFamily="17" charset="-128"/>
-                          <a:cs typeface="Segoe UI" panose="020B0502040204020203" pitchFamily="34" charset="0"/>
                         </a:rPr>
                         <a:t>〇</a:t>
                       </a:r>
@@ -16750,11 +16463,7 @@
                       </a:endParaRPr>
                     </a:p>
                   </a:txBody>
-                  <a:tcPr marL="68580" marR="68580" marT="0" marB="0" anchor="ctr">
-                    <a:solidFill>
-                      <a:srgbClr val="E7E8EA"/>
-                    </a:solidFill>
-                  </a:tcPr>
+                  <a:tcPr marL="68580" marR="68580" marT="0" marB="0" anchor="ctr"/>
                 </a:tc>
                 <a:tc>
                   <a:txBody>
@@ -16779,96 +16488,63 @@
                         <a:defRPr/>
                       </a:pPr>
                       <a:r>
-                        <a:rPr kumimoji="1" lang="en-US" altLang="ja-JP" sz="1050" b="0" i="0" u="none" strike="noStrike" kern="100" cap="none" spc="0" normalizeH="0" baseline="0" noProof="0" dirty="0" smtClean="0">
+                        <a:rPr kumimoji="1" lang="en-US" altLang="ja-JP" sz="1050" u="none" strike="noStrike" kern="100" cap="none" spc="0" normalizeH="0" baseline="0" noProof="0" dirty="0" smtClean="0">
                           <a:ln>
                             <a:noFill/>
                           </a:ln>
-                          <a:solidFill>
-                            <a:srgbClr val="000000"/>
-                          </a:solidFill>
                           <a:effectLst/>
                           <a:uLnTx/>
                           <a:uFillTx/>
-                          <a:latin typeface="+mn-ea"/>
-                          <a:ea typeface="+mn-ea"/>
-                          <a:cs typeface="Segoe UI" panose="020B0502040204020203" pitchFamily="34" charset="0"/>
                         </a:rPr>
                         <a:t>YAML</a:t>
                       </a:r>
                       <a:r>
-                        <a:rPr kumimoji="1" lang="ja-JP" altLang="en-US" sz="1050" b="0" i="0" u="none" strike="noStrike" kern="100" cap="none" spc="0" normalizeH="0" baseline="0" noProof="0" dirty="0" smtClean="0">
+                        <a:rPr kumimoji="1" lang="ja-JP" altLang="en-US" sz="1050" u="none" strike="noStrike" kern="100" cap="none" spc="0" normalizeH="0" baseline="0" noProof="0" dirty="0" smtClean="0">
                           <a:ln>
                             <a:noFill/>
                           </a:ln>
-                          <a:solidFill>
-                            <a:srgbClr val="000000"/>
-                          </a:solidFill>
                           <a:effectLst/>
                           <a:uLnTx/>
                           <a:uFillTx/>
-                          <a:latin typeface="+mn-ea"/>
-                          <a:ea typeface="+mn-ea"/>
-                          <a:cs typeface="Segoe UI" panose="020B0502040204020203" pitchFamily="34" charset="0"/>
                         </a:rPr>
                         <a:t>解析ライブラリ</a:t>
                       </a:r>
                       <a:r>
-                        <a:rPr kumimoji="1" lang="en-US" altLang="ja-JP" sz="1050" b="0" i="0" u="none" strike="noStrike" kern="100" cap="none" spc="0" normalizeH="0" baseline="0" noProof="0" dirty="0" smtClean="0">
+                        <a:rPr kumimoji="1" lang="en-US" altLang="ja-JP" sz="1050" u="none" strike="noStrike" kern="100" cap="none" spc="0" normalizeH="0" baseline="0" noProof="0" dirty="0" smtClean="0">
                           <a:ln>
                             <a:noFill/>
                           </a:ln>
-                          <a:solidFill>
-                            <a:srgbClr val="000000"/>
-                          </a:solidFill>
                           <a:effectLst/>
                           <a:uLnTx/>
                           <a:uFillTx/>
-                          <a:latin typeface="+mn-ea"/>
-                          <a:ea typeface="+mn-ea"/>
-                          <a:cs typeface="Segoe UI" panose="020B0502040204020203" pitchFamily="34" charset="0"/>
                         </a:rPr>
                         <a:t>(</a:t>
                       </a:r>
                       <a:r>
                         <a:rPr lang="en-US" altLang="ja-JP" sz="1050" kern="100" dirty="0" err="1" smtClean="0">
                           <a:effectLst/>
-                          <a:latin typeface="+mn-ea"/>
-                          <a:ea typeface="+mn-ea"/>
-                          <a:cs typeface="Segoe UI" panose="020B0502040204020203" pitchFamily="34" charset="0"/>
                         </a:rPr>
                         <a:t>yaml</a:t>
                       </a:r>
                       <a:r>
-                        <a:rPr kumimoji="1" lang="en-US" altLang="ja-JP" sz="1050" b="0" i="0" u="none" strike="noStrike" kern="100" cap="none" spc="0" normalizeH="0" baseline="0" noProof="0" dirty="0" smtClean="0">
+                        <a:rPr kumimoji="1" lang="en-US" altLang="ja-JP" sz="1050" u="none" strike="noStrike" kern="100" cap="none" spc="0" normalizeH="0" baseline="0" noProof="0" dirty="0" smtClean="0">
                           <a:ln>
                             <a:noFill/>
                           </a:ln>
-                          <a:solidFill>
-                            <a:srgbClr val="000000"/>
-                          </a:solidFill>
                           <a:effectLst/>
                           <a:uLnTx/>
                           <a:uFillTx/>
-                          <a:latin typeface="+mn-ea"/>
-                          <a:ea typeface="+mn-ea"/>
-                          <a:cs typeface="Segoe UI" panose="020B0502040204020203" pitchFamily="34" charset="0"/>
                         </a:rPr>
                         <a:t>)</a:t>
                       </a:r>
                       <a:r>
-                        <a:rPr kumimoji="1" lang="ja-JP" altLang="en-US" sz="1050" b="0" i="0" u="none" strike="noStrike" kern="100" cap="none" spc="0" normalizeH="0" baseline="0" noProof="0" dirty="0" smtClean="0">
+                        <a:rPr kumimoji="1" lang="ja-JP" altLang="en-US" sz="1050" u="none" strike="noStrike" kern="100" cap="none" spc="0" normalizeH="0" baseline="0" noProof="0" dirty="0" smtClean="0">
                           <a:ln>
                             <a:noFill/>
                           </a:ln>
-                          <a:solidFill>
-                            <a:srgbClr val="000000"/>
-                          </a:solidFill>
                           <a:effectLst/>
                           <a:uLnTx/>
                           <a:uFillTx/>
-                          <a:latin typeface="+mn-ea"/>
-                          <a:ea typeface="+mn-ea"/>
-                          <a:cs typeface="Segoe UI" panose="020B0502040204020203" pitchFamily="34" charset="0"/>
                         </a:rPr>
                         <a:t>に使用。</a:t>
                       </a:r>
@@ -16888,11 +16564,7 @@
                       </a:endParaRPr>
                     </a:p>
                   </a:txBody>
-                  <a:tcPr marL="68580" marR="68580" marT="0" marB="0" anchor="ctr">
-                    <a:solidFill>
-                      <a:srgbClr val="E7E8EA"/>
-                    </a:solidFill>
-                  </a:tcPr>
+                  <a:tcPr marL="68580" marR="68580" marT="0" marB="0" anchor="ctr"/>
                 </a:tc>
                 <a:extLst>
                   <a:ext uri="{0D108BD9-81ED-4DB2-BD59-A6C34878D82A}">
@@ -16955,11 +16627,7 @@
                       </a:endParaRPr>
                     </a:p>
                   </a:txBody>
-                  <a:tcPr marL="68580" marR="68580" marT="0" marB="0" anchor="ctr">
-                    <a:solidFill>
-                      <a:srgbClr val="CBCDD3"/>
-                    </a:solidFill>
-                  </a:tcPr>
+                  <a:tcPr marL="68580" marR="68580" marT="0" marB="0" anchor="ctr"/>
                 </a:tc>
                 <a:tc>
                   <a:txBody>
@@ -16985,11 +16653,7 @@
                       </a:endParaRPr>
                     </a:p>
                   </a:txBody>
-                  <a:tcPr marL="68580" marR="68580" marT="0" marB="0" anchor="ctr">
-                    <a:solidFill>
-                      <a:srgbClr val="CBCDD3"/>
-                    </a:solidFill>
-                  </a:tcPr>
+                  <a:tcPr marL="68580" marR="68580" marT="0" marB="0" anchor="ctr"/>
                 </a:tc>
                 <a:tc>
                   <a:txBody>
@@ -17004,18 +16668,12 @@
                       <a:r>
                         <a:rPr lang="en-US" altLang="ja-JP" sz="1050" kern="100" dirty="0" smtClean="0">
                           <a:effectLst/>
-                          <a:latin typeface="Segoe UI" panose="020B0502040204020203" pitchFamily="34" charset="0"/>
-                          <a:ea typeface="Segoe UI" panose="020B0502040204020203" pitchFamily="34" charset="0"/>
-                          <a:cs typeface="Segoe UI" panose="020B0502040204020203" pitchFamily="34" charset="0"/>
                         </a:rPr>
                         <a:t>yum install –y </a:t>
                       </a:r>
                       <a:r>
                         <a:rPr lang="en-US" altLang="ja-JP" sz="1050" kern="100" dirty="0" err="1" smtClean="0">
                           <a:effectLst/>
-                          <a:latin typeface="Segoe UI" panose="020B0502040204020203" pitchFamily="34" charset="0"/>
-                          <a:ea typeface="Segoe UI" panose="020B0502040204020203" pitchFamily="34" charset="0"/>
-                          <a:cs typeface="Segoe UI" panose="020B0502040204020203" pitchFamily="34" charset="0"/>
                         </a:rPr>
                         <a:t>nc</a:t>
                       </a:r>
@@ -17027,11 +16685,7 @@
                       </a:endParaRPr>
                     </a:p>
                   </a:txBody>
-                  <a:tcPr marL="68580" marR="68580" marT="0" marB="0" anchor="ctr">
-                    <a:solidFill>
-                      <a:srgbClr val="CBCDD3"/>
-                    </a:solidFill>
-                  </a:tcPr>
+                  <a:tcPr marL="68580" marR="68580" marT="0" marB="0" anchor="ctr"/>
                 </a:tc>
                 <a:tc>
                   <a:txBody>
@@ -17046,9 +16700,6 @@
                       <a:r>
                         <a:rPr lang="en-US" altLang="ja-JP" sz="1050" kern="100" dirty="0" smtClean="0">
                           <a:effectLst/>
-                          <a:latin typeface="+mn-lt"/>
-                          <a:ea typeface="ＭＳ 明朝" panose="02020609040205080304" pitchFamily="17" charset="-128"/>
-                          <a:cs typeface="Segoe UI" panose="020B0502040204020203" pitchFamily="34" charset="0"/>
                         </a:rPr>
                         <a:t>-</a:t>
                       </a:r>
@@ -17060,11 +16711,7 @@
                       </a:endParaRPr>
                     </a:p>
                   </a:txBody>
-                  <a:tcPr marL="68580" marR="68580" marT="0" marB="0" anchor="ctr">
-                    <a:solidFill>
-                      <a:srgbClr val="CBCDD3"/>
-                    </a:solidFill>
-                  </a:tcPr>
+                  <a:tcPr marL="68580" marR="68580" marT="0" marB="0" anchor="ctr"/>
                 </a:tc>
                 <a:tc>
                   <a:txBody>
@@ -17079,108 +16726,72 @@
                       <a:r>
                         <a:rPr lang="ja-JP" altLang="en-US" sz="1050" kern="100" dirty="0" smtClean="0">
                           <a:effectLst/>
-                          <a:latin typeface="+mn-ea"/>
-                          <a:ea typeface="+mn-ea"/>
-                          <a:cs typeface="Segoe UI" panose="020B0502040204020203" pitchFamily="34" charset="0"/>
                         </a:rPr>
                         <a:t>プロキシ環境下の</a:t>
                       </a:r>
                       <a:r>
                         <a:rPr lang="en-US" altLang="ja-JP" sz="1050" kern="100" dirty="0" smtClean="0">
                           <a:effectLst/>
-                          <a:latin typeface="+mn-ea"/>
-                          <a:ea typeface="+mn-ea"/>
-                          <a:cs typeface="Segoe UI" panose="020B0502040204020203" pitchFamily="34" charset="0"/>
                         </a:rPr>
                         <a:t>ITA</a:t>
                       </a:r>
                       <a:r>
                         <a:rPr lang="ja-JP" altLang="en-US" sz="1050" kern="100" dirty="0" smtClean="0">
                           <a:effectLst/>
-                          <a:latin typeface="+mn-ea"/>
-                          <a:ea typeface="+mn-ea"/>
-                          <a:cs typeface="Segoe UI" panose="020B0502040204020203" pitchFamily="34" charset="0"/>
                         </a:rPr>
                         <a:t>から</a:t>
                       </a:r>
                       <a:r>
                         <a:rPr lang="en-US" altLang="ja-JP" sz="1050" kern="100" dirty="0" smtClean="0">
                           <a:effectLst/>
-                          <a:latin typeface="+mn-ea"/>
-                          <a:ea typeface="+mn-ea"/>
-                          <a:cs typeface="Segoe UI" panose="020B0502040204020203" pitchFamily="34" charset="0"/>
                         </a:rPr>
                         <a:t>AWS</a:t>
                       </a:r>
                       <a:r>
                         <a:rPr lang="ja-JP" altLang="en-US" sz="1050" kern="100" dirty="0" smtClean="0">
                           <a:effectLst/>
-                          <a:latin typeface="+mn-ea"/>
-                          <a:ea typeface="+mn-ea"/>
-                          <a:cs typeface="Segoe UI" panose="020B0502040204020203" pitchFamily="34" charset="0"/>
                         </a:rPr>
                         <a:t>などの対外サーバにプロキシサーバ経由で</a:t>
                       </a:r>
                       <a:r>
                         <a:rPr lang="en-US" altLang="ja-JP" sz="1050" kern="100" dirty="0" smtClean="0">
                           <a:effectLst/>
-                          <a:latin typeface="+mn-ea"/>
-                          <a:ea typeface="+mn-ea"/>
-                          <a:cs typeface="Segoe UI" panose="020B0502040204020203" pitchFamily="34" charset="0"/>
                         </a:rPr>
                         <a:t>SSH</a:t>
                       </a:r>
                       <a:r>
                         <a:rPr lang="ja-JP" altLang="en-US" sz="1050" kern="100" dirty="0" smtClean="0">
                           <a:effectLst/>
-                          <a:latin typeface="+mn-ea"/>
-                          <a:ea typeface="+mn-ea"/>
-                          <a:cs typeface="Segoe UI" panose="020B0502040204020203" pitchFamily="34" charset="0"/>
                         </a:rPr>
                         <a:t>接続し</a:t>
                       </a:r>
                       <a:r>
                         <a:rPr lang="en-US" altLang="ja-JP" sz="1050" kern="100" dirty="0" err="1" smtClean="0">
                           <a:effectLst/>
-                          <a:latin typeface="+mn-ea"/>
-                          <a:ea typeface="+mn-ea"/>
-                          <a:cs typeface="Segoe UI" panose="020B0502040204020203" pitchFamily="34" charset="0"/>
                         </a:rPr>
                         <a:t>Ansible</a:t>
                       </a:r>
                       <a:r>
                         <a:rPr lang="en-US" altLang="ja-JP" sz="1050" kern="100" dirty="0" smtClean="0">
                           <a:effectLst/>
-                          <a:latin typeface="+mn-ea"/>
-                          <a:ea typeface="+mn-ea"/>
-                          <a:cs typeface="Segoe UI" panose="020B0502040204020203" pitchFamily="34" charset="0"/>
                         </a:rPr>
                         <a:t> Playbook</a:t>
                       </a:r>
                       <a:r>
                         <a:rPr lang="ja-JP" altLang="en-US" sz="1050" kern="100" dirty="0" smtClean="0">
                           <a:effectLst/>
-                          <a:latin typeface="+mn-ea"/>
-                          <a:ea typeface="+mn-ea"/>
-                          <a:cs typeface="Segoe UI" panose="020B0502040204020203" pitchFamily="34" charset="0"/>
                         </a:rPr>
                         <a:t>実行する際の</a:t>
                       </a:r>
                       <a:r>
                         <a:rPr lang="en-US" altLang="ja-JP" sz="1050" kern="100" dirty="0" smtClean="0">
                           <a:effectLst/>
-                          <a:latin typeface="+mn-ea"/>
-                          <a:ea typeface="+mn-ea"/>
-                          <a:cs typeface="Segoe UI" panose="020B0502040204020203" pitchFamily="34" charset="0"/>
                         </a:rPr>
                         <a:t>SSH</a:t>
                       </a:r>
                       <a:r>
                         <a:rPr lang="ja-JP" altLang="en-US" sz="1050" kern="100" dirty="0" smtClean="0">
                           <a:effectLst/>
-                          <a:latin typeface="+mn-ea"/>
-                          <a:ea typeface="+mn-ea"/>
-                          <a:cs typeface="Segoe UI" panose="020B0502040204020203" pitchFamily="34" charset="0"/>
                         </a:rPr>
                         <a:t>コマンドオプションに使用。</a:t>
                       </a:r>
@@ -17192,11 +16803,7 @@
                       </a:endParaRPr>
                     </a:p>
                   </a:txBody>
-                  <a:tcPr marL="68580" marR="68580" marT="0" marB="0" anchor="ctr">
-                    <a:solidFill>
-                      <a:srgbClr val="CBCDD3"/>
-                    </a:solidFill>
-                  </a:tcPr>
+                  <a:tcPr marL="68580" marR="68580" marT="0" marB="0" anchor="ctr"/>
                 </a:tc>
                 <a:extLst>
                   <a:ext uri="{0D108BD9-81ED-4DB2-BD59-A6C34878D82A}">
@@ -17249,11 +16856,7 @@
                       </a:endParaRPr>
                     </a:p>
                   </a:txBody>
-                  <a:tcPr marL="68580" marR="68580" marT="0" marB="0" anchor="ctr">
-                    <a:solidFill>
-                      <a:srgbClr val="CBCDD3"/>
-                    </a:solidFill>
-                  </a:tcPr>
+                  <a:tcPr marL="68580" marR="68580" marT="0" marB="0" anchor="ctr"/>
                 </a:tc>
                 <a:tc>
                   <a:txBody>
@@ -17268,18 +16871,12 @@
                       <a:r>
                         <a:rPr lang="en-US" sz="1050" kern="100" dirty="0" smtClean="0">
                           <a:effectLst/>
-                          <a:latin typeface="Segoe UI" panose="020B0502040204020203" pitchFamily="34" charset="0"/>
-                          <a:ea typeface="Segoe UI" panose="020B0502040204020203" pitchFamily="34" charset="0"/>
-                          <a:cs typeface="Segoe UI" panose="020B0502040204020203" pitchFamily="34" charset="0"/>
                         </a:rPr>
                         <a:t>pip3 install </a:t>
                       </a:r>
                       <a:r>
                         <a:rPr lang="en-US" sz="1050" kern="100" dirty="0" err="1" smtClean="0">
                           <a:effectLst/>
-                          <a:latin typeface="Segoe UI" panose="020B0502040204020203" pitchFamily="34" charset="0"/>
-                          <a:ea typeface="Segoe UI" panose="020B0502040204020203" pitchFamily="34" charset="0"/>
-                          <a:cs typeface="Segoe UI" panose="020B0502040204020203" pitchFamily="34" charset="0"/>
                         </a:rPr>
                         <a:t>paramiko</a:t>
                       </a:r>
@@ -17291,11 +16888,7 @@
                       </a:endParaRPr>
                     </a:p>
                   </a:txBody>
-                  <a:tcPr marL="68580" marR="68580" marT="0" marB="0" anchor="ctr">
-                    <a:solidFill>
-                      <a:srgbClr val="CBCDD3"/>
-                    </a:solidFill>
-                  </a:tcPr>
+                  <a:tcPr marL="68580" marR="68580" marT="0" marB="0" anchor="ctr"/>
                 </a:tc>
                 <a:tc>
                   <a:txBody>
@@ -17310,9 +16903,6 @@
                       <a:r>
                         <a:rPr lang="en-US" altLang="ja-JP" sz="1050" kern="100" dirty="0" smtClean="0">
                           <a:effectLst/>
-                          <a:latin typeface="+mn-lt"/>
-                          <a:ea typeface="ＭＳ 明朝" panose="02020609040205080304" pitchFamily="17" charset="-128"/>
-                          <a:cs typeface="Segoe UI" panose="020B0502040204020203" pitchFamily="34" charset="0"/>
                         </a:rPr>
                         <a:t>-</a:t>
                       </a:r>
@@ -17324,11 +16914,7 @@
                       </a:endParaRPr>
                     </a:p>
                   </a:txBody>
-                  <a:tcPr marL="68580" marR="68580" marT="0" marB="0" anchor="ctr">
-                    <a:solidFill>
-                      <a:srgbClr val="CBCDD3"/>
-                    </a:solidFill>
-                  </a:tcPr>
+                  <a:tcPr marL="68580" marR="68580" marT="0" marB="0" anchor="ctr"/>
                 </a:tc>
                 <a:tc>
                   <a:txBody>
@@ -17343,36 +16929,24 @@
                       <a:r>
                         <a:rPr lang="en-US" altLang="ja-JP" sz="1050" kern="100" dirty="0" err="1" smtClean="0">
                           <a:effectLst/>
-                          <a:latin typeface="+mn-ea"/>
-                          <a:ea typeface="+mn-ea"/>
-                          <a:cs typeface="Segoe UI" panose="020B0502040204020203" pitchFamily="34" charset="0"/>
                         </a:rPr>
                         <a:t>ansible_connection</a:t>
                       </a:r>
                       <a:r>
                         <a:rPr lang="ja-JP" altLang="en-US" sz="1050" kern="100" dirty="0" smtClean="0">
                           <a:effectLst/>
-                          <a:latin typeface="+mn-ea"/>
-                          <a:ea typeface="+mn-ea"/>
-                          <a:cs typeface="Segoe UI" panose="020B0502040204020203" pitchFamily="34" charset="0"/>
                         </a:rPr>
                         <a:t>に</a:t>
                       </a:r>
                       <a:r>
                         <a:rPr lang="en-US" altLang="ja-JP" sz="1050" kern="100" dirty="0" err="1" smtClean="0">
                           <a:effectLst/>
-                          <a:latin typeface="+mn-ea"/>
-                          <a:ea typeface="+mn-ea"/>
-                          <a:cs typeface="Segoe UI" panose="020B0502040204020203" pitchFamily="34" charset="0"/>
                         </a:rPr>
                         <a:t>network_cli</a:t>
                       </a:r>
                       <a:r>
                         <a:rPr lang="ja-JP" altLang="en-US" sz="1050" kern="100" dirty="0" smtClean="0">
                           <a:effectLst/>
-                          <a:latin typeface="+mn-ea"/>
-                          <a:ea typeface="+mn-ea"/>
-                          <a:cs typeface="Segoe UI" panose="020B0502040204020203" pitchFamily="34" charset="0"/>
                         </a:rPr>
                         <a:t>を指定してネットワーク機器に接続するために必要。</a:t>
                       </a:r>
@@ -17384,11 +16958,7 @@
                       </a:endParaRPr>
                     </a:p>
                   </a:txBody>
-                  <a:tcPr marL="68580" marR="68580" marT="0" marB="0" anchor="ctr">
-                    <a:solidFill>
-                      <a:srgbClr val="CBCDD3"/>
-                    </a:solidFill>
-                  </a:tcPr>
+                  <a:tcPr marL="68580" marR="68580" marT="0" marB="0" anchor="ctr"/>
                 </a:tc>
                 <a:extLst>
                   <a:ext uri="{0D108BD9-81ED-4DB2-BD59-A6C34878D82A}">
@@ -17410,9 +16980,6 @@
                       <a:r>
                         <a:rPr lang="en-US" altLang="ja-JP" sz="1000" kern="100" dirty="0" smtClean="0">
                           <a:effectLst/>
-                          <a:latin typeface="+mn-ea"/>
-                          <a:ea typeface="+mn-ea"/>
-                          <a:cs typeface="Times New Roman" panose="02020603050405020304" pitchFamily="18" charset="0"/>
                         </a:rPr>
                         <a:t>1.6.0</a:t>
                       </a:r>
@@ -17424,11 +16991,7 @@
                       </a:endParaRPr>
                     </a:p>
                   </a:txBody>
-                  <a:tcPr marL="68580" marR="68580" marT="0" marB="0" anchor="ctr">
-                    <a:solidFill>
-                      <a:srgbClr val="002B62"/>
-                    </a:solidFill>
-                  </a:tcPr>
+                  <a:tcPr marL="68580" marR="68580" marT="0" marB="0" anchor="ctr"/>
                 </a:tc>
                 <a:tc gridSpan="5">
                   <a:txBody>
@@ -17443,27 +17006,18 @@
                       <a:r>
                         <a:rPr lang="ja-JP" altLang="en-US" sz="1050" kern="100" dirty="0" smtClean="0">
                           <a:effectLst/>
-                          <a:latin typeface="+mn-ea"/>
-                          <a:ea typeface="+mn-ea"/>
-                          <a:cs typeface="Times New Roman" panose="02020603050405020304" pitchFamily="18" charset="0"/>
                         </a:rPr>
                         <a:t>バージョン</a:t>
                       </a:r>
                       <a:r>
                         <a:rPr lang="en-US" altLang="ja-JP" sz="1050" kern="100" dirty="0" smtClean="0">
                           <a:effectLst/>
-                          <a:latin typeface="+mn-ea"/>
-                          <a:ea typeface="+mn-ea"/>
-                          <a:cs typeface="Times New Roman" panose="02020603050405020304" pitchFamily="18" charset="0"/>
                         </a:rPr>
                         <a:t>1.6.0</a:t>
                       </a:r>
                       <a:r>
                         <a:rPr lang="ja-JP" altLang="en-US" sz="1050" kern="100" dirty="0" smtClean="0">
                           <a:effectLst/>
-                          <a:latin typeface="+mn-ea"/>
-                          <a:ea typeface="+mn-ea"/>
-                          <a:cs typeface="Times New Roman" panose="02020603050405020304" pitchFamily="18" charset="0"/>
                         </a:rPr>
                         <a:t>で追加されたライブラリはありません。</a:t>
                       </a:r>
@@ -17475,11 +17029,7 @@
                       </a:endParaRPr>
                     </a:p>
                   </a:txBody>
-                  <a:tcPr marL="68580" marR="68580" marT="0" marB="0" anchor="ctr">
-                    <a:solidFill>
-                      <a:srgbClr val="CBCDD3"/>
-                    </a:solidFill>
-                  </a:tcPr>
+                  <a:tcPr marL="68580" marR="68580" marT="0" marB="0" anchor="ctr"/>
                 </a:tc>
                 <a:tc hMerge="1">
                   <a:txBody>
@@ -17597,9 +17147,6 @@
                       <a:r>
                         <a:rPr lang="en-US" altLang="ja-JP" sz="1000" kern="100" dirty="0" smtClean="0">
                           <a:effectLst/>
-                          <a:latin typeface="+mn-ea"/>
-                          <a:ea typeface="+mn-ea"/>
-                          <a:cs typeface="Times New Roman" panose="02020603050405020304" pitchFamily="18" charset="0"/>
                         </a:rPr>
                         <a:t>1.6.1</a:t>
                       </a:r>
@@ -17611,11 +17158,7 @@
                       </a:endParaRPr>
                     </a:p>
                   </a:txBody>
-                  <a:tcPr marL="68580" marR="68580" marT="0" marB="0" anchor="ctr">
-                    <a:solidFill>
-                      <a:srgbClr val="002B62"/>
-                    </a:solidFill>
-                  </a:tcPr>
+                  <a:tcPr marL="68580" marR="68580" marT="0" marB="0" anchor="ctr"/>
                 </a:tc>
                 <a:tc gridSpan="5">
                   <a:txBody>
@@ -17630,27 +17173,18 @@
                       <a:r>
                         <a:rPr lang="ja-JP" altLang="en-US" sz="1050" kern="100" dirty="0" smtClean="0">
                           <a:effectLst/>
-                          <a:latin typeface="+mn-ea"/>
-                          <a:ea typeface="+mn-ea"/>
-                          <a:cs typeface="Times New Roman" panose="02020603050405020304" pitchFamily="18" charset="0"/>
                         </a:rPr>
                         <a:t>バージョン</a:t>
                       </a:r>
                       <a:r>
                         <a:rPr lang="en-US" altLang="ja-JP" sz="1050" kern="100" dirty="0" smtClean="0">
                           <a:effectLst/>
-                          <a:latin typeface="+mn-ea"/>
-                          <a:ea typeface="+mn-ea"/>
-                          <a:cs typeface="Times New Roman" panose="02020603050405020304" pitchFamily="18" charset="0"/>
                         </a:rPr>
                         <a:t>1.6.1</a:t>
                       </a:r>
                       <a:r>
                         <a:rPr lang="ja-JP" altLang="en-US" sz="1050" kern="100" dirty="0" smtClean="0">
                           <a:effectLst/>
-                          <a:latin typeface="+mn-ea"/>
-                          <a:ea typeface="+mn-ea"/>
-                          <a:cs typeface="Times New Roman" panose="02020603050405020304" pitchFamily="18" charset="0"/>
                         </a:rPr>
                         <a:t>で追加されたライブラリはありません。</a:t>
                       </a:r>
@@ -17662,11 +17196,7 @@
                       </a:endParaRPr>
                     </a:p>
                   </a:txBody>
-                  <a:tcPr marL="68580" marR="68580" marT="0" marB="0" anchor="ctr">
-                    <a:solidFill>
-                      <a:srgbClr val="CBCDD3"/>
-                    </a:solidFill>
-                  </a:tcPr>
+                  <a:tcPr marL="68580" marR="68580" marT="0" marB="0" anchor="ctr"/>
                 </a:tc>
                 <a:tc hMerge="1">
                   <a:txBody>
@@ -17768,9 +17298,6 @@
                       <a:r>
                         <a:rPr lang="en-US" altLang="ja-JP" sz="1000" kern="100" dirty="0" smtClean="0">
                           <a:effectLst/>
-                          <a:latin typeface="+mn-ea"/>
-                          <a:ea typeface="+mn-ea"/>
-                          <a:cs typeface="Times New Roman" panose="02020603050405020304" pitchFamily="18" charset="0"/>
                         </a:rPr>
                         <a:t>1.6.2</a:t>
                       </a:r>
@@ -17782,11 +17309,7 @@
                       </a:endParaRPr>
                     </a:p>
                   </a:txBody>
-                  <a:tcPr marL="68580" marR="68580" marT="0" marB="0" anchor="ctr">
-                    <a:solidFill>
-                      <a:srgbClr val="002B62"/>
-                    </a:solidFill>
-                  </a:tcPr>
+                  <a:tcPr marL="68580" marR="68580" marT="0" marB="0" anchor="ctr"/>
                 </a:tc>
                 <a:tc gridSpan="5">
                   <a:txBody>
@@ -17813,27 +17336,18 @@
                       <a:r>
                         <a:rPr lang="ja-JP" altLang="en-US" sz="1050" kern="100" dirty="0" smtClean="0">
                           <a:effectLst/>
-                          <a:latin typeface="+mn-ea"/>
-                          <a:ea typeface="+mn-ea"/>
-                          <a:cs typeface="Times New Roman" panose="02020603050405020304" pitchFamily="18" charset="0"/>
                         </a:rPr>
                         <a:t>バージョン</a:t>
                       </a:r>
                       <a:r>
                         <a:rPr lang="en-US" altLang="ja-JP" sz="1050" kern="100" dirty="0" smtClean="0">
                           <a:effectLst/>
-                          <a:latin typeface="+mn-ea"/>
-                          <a:ea typeface="+mn-ea"/>
-                          <a:cs typeface="Times New Roman" panose="02020603050405020304" pitchFamily="18" charset="0"/>
                         </a:rPr>
                         <a:t>1.6.2</a:t>
                       </a:r>
                       <a:r>
                         <a:rPr lang="ja-JP" altLang="en-US" sz="1050" kern="100" dirty="0" smtClean="0">
                           <a:effectLst/>
-                          <a:latin typeface="+mn-ea"/>
-                          <a:ea typeface="+mn-ea"/>
-                          <a:cs typeface="Times New Roman" panose="02020603050405020304" pitchFamily="18" charset="0"/>
                         </a:rPr>
                         <a:t>で追加されたライブラリはありません。</a:t>
                       </a:r>
@@ -17845,11 +17359,7 @@
                       </a:endParaRPr>
                     </a:p>
                   </a:txBody>
-                  <a:tcPr marL="68580" marR="68580" marT="0" marB="0" anchor="ctr">
-                    <a:solidFill>
-                      <a:srgbClr val="CBCDD3"/>
-                    </a:solidFill>
-                  </a:tcPr>
+                  <a:tcPr marL="68580" marR="68580" marT="0" marB="0" anchor="ctr"/>
                 </a:tc>
                 <a:tc hMerge="1">
                   <a:txBody>
@@ -17911,9 +17421,6 @@
                       <a:r>
                         <a:rPr lang="en-US" altLang="ja-JP" sz="1000" kern="100" dirty="0" smtClean="0">
                           <a:effectLst/>
-                          <a:latin typeface="+mn-ea"/>
-                          <a:ea typeface="+mn-ea"/>
-                          <a:cs typeface="Times New Roman" panose="02020603050405020304" pitchFamily="18" charset="0"/>
                         </a:rPr>
                         <a:t>1.6.3</a:t>
                       </a:r>
@@ -17925,11 +17432,7 @@
                       </a:endParaRPr>
                     </a:p>
                   </a:txBody>
-                  <a:tcPr marL="68580" marR="68580" marT="0" marB="0" anchor="ctr">
-                    <a:solidFill>
-                      <a:srgbClr val="002B62"/>
-                    </a:solidFill>
-                  </a:tcPr>
+                  <a:tcPr marL="68580" marR="68580" marT="0" marB="0" anchor="ctr"/>
                 </a:tc>
                 <a:tc gridSpan="5">
                   <a:txBody>
@@ -17956,27 +17459,18 @@
                       <a:r>
                         <a:rPr lang="ja-JP" altLang="en-US" sz="1050" kern="100" dirty="0" smtClean="0">
                           <a:effectLst/>
-                          <a:latin typeface="+mn-ea"/>
-                          <a:ea typeface="+mn-ea"/>
-                          <a:cs typeface="Times New Roman" panose="02020603050405020304" pitchFamily="18" charset="0"/>
                         </a:rPr>
                         <a:t>バージョン</a:t>
                       </a:r>
                       <a:r>
                         <a:rPr lang="en-US" altLang="ja-JP" sz="1050" kern="100" dirty="0" smtClean="0">
                           <a:effectLst/>
-                          <a:latin typeface="+mn-ea"/>
-                          <a:ea typeface="+mn-ea"/>
-                          <a:cs typeface="Times New Roman" panose="02020603050405020304" pitchFamily="18" charset="0"/>
                         </a:rPr>
                         <a:t>1.6.3</a:t>
                       </a:r>
                       <a:r>
                         <a:rPr lang="ja-JP" altLang="en-US" sz="1050" kern="100" dirty="0" smtClean="0">
                           <a:effectLst/>
-                          <a:latin typeface="+mn-ea"/>
-                          <a:ea typeface="+mn-ea"/>
-                          <a:cs typeface="Times New Roman" panose="02020603050405020304" pitchFamily="18" charset="0"/>
                         </a:rPr>
                         <a:t>で追加されたライブラリはありません。</a:t>
                       </a:r>
@@ -17988,11 +17482,7 @@
                       </a:endParaRPr>
                     </a:p>
                   </a:txBody>
-                  <a:tcPr marL="68580" marR="68580" marT="0" marB="0" anchor="ctr">
-                    <a:solidFill>
-                      <a:srgbClr val="CBCDD3"/>
-                    </a:solidFill>
-                  </a:tcPr>
+                  <a:tcPr marL="68580" marR="68580" marT="0" marB="0" anchor="ctr"/>
                 </a:tc>
                 <a:tc hMerge="1">
                   <a:txBody>
@@ -18037,6 +17527,202 @@
                 <a:extLst>
                   <a:ext uri="{0D108BD9-81ED-4DB2-BD59-A6C34878D82A}">
                     <a16:rowId xmlns:a16="http://schemas.microsoft.com/office/drawing/2014/main" val="2432908759"/>
+                  </a:ext>
+                </a:extLst>
+              </a:tr>
+              <a:tr h="202309">
+                <a:tc>
+                  <a:txBody>
+                    <a:bodyPr/>
+                    <a:lstStyle/>
+                    <a:p>
+                      <a:pPr algn="just">
+                        <a:spcAft>
+                          <a:spcPts val="0"/>
+                        </a:spcAft>
+                      </a:pPr>
+                      <a:r>
+                        <a:rPr lang="en-US" sz="1000" kern="0" dirty="0" smtClean="0">
+                          <a:effectLst/>
+                        </a:rPr>
+                        <a:t>1.7.0</a:t>
+                      </a:r>
+                      <a:endParaRPr lang="ja-JP" sz="1000" kern="100" dirty="0">
+                        <a:effectLst/>
+                        <a:latin typeface="Century" panose="02040604050505020304" pitchFamily="18" charset="0"/>
+                        <a:ea typeface="ＭＳ 明朝" panose="02020609040205080304" pitchFamily="17" charset="-128"/>
+                        <a:cs typeface="Times New Roman" panose="02020603050405020304" pitchFamily="18" charset="0"/>
+                      </a:endParaRPr>
+                    </a:p>
+                  </a:txBody>
+                  <a:tcPr marL="68580" marR="68580" marT="0" marB="0" anchor="ctr"/>
+                </a:tc>
+                <a:tc>
+                  <a:txBody>
+                    <a:bodyPr/>
+                    <a:lstStyle/>
+                    <a:p>
+                      <a:pPr algn="just">
+                        <a:spcAft>
+                          <a:spcPts val="0"/>
+                        </a:spcAft>
+                      </a:pPr>
+                      <a:r>
+                        <a:rPr lang="en-US" altLang="ja-JP" sz="1050" kern="100" dirty="0" err="1" smtClean="0">
+                          <a:effectLst/>
+                        </a:rPr>
+                        <a:t>ansible</a:t>
+                      </a:r>
+                      <a:r>
+                        <a:rPr lang="en-US" altLang="ja-JP" sz="1050" kern="100" dirty="0" smtClean="0">
+                          <a:effectLst/>
+                        </a:rPr>
+                        <a:t>-driver</a:t>
+                      </a:r>
+                      <a:endParaRPr lang="ja-JP" sz="1050" kern="100" dirty="0">
+                        <a:effectLst/>
+                        <a:latin typeface="Century" panose="02040604050505020304" pitchFamily="18" charset="0"/>
+                        <a:ea typeface="ＭＳ 明朝" panose="02020609040205080304" pitchFamily="17" charset="-128"/>
+                        <a:cs typeface="Times New Roman" panose="02020603050405020304" pitchFamily="18" charset="0"/>
+                      </a:endParaRPr>
+                    </a:p>
+                  </a:txBody>
+                  <a:tcPr marL="68580" marR="68580" marT="0" marB="0" anchor="ctr"/>
+                </a:tc>
+                <a:tc>
+                  <a:txBody>
+                    <a:bodyPr/>
+                    <a:lstStyle/>
+                    <a:p>
+                      <a:pPr algn="just">
+                        <a:spcAft>
+                          <a:spcPts val="0"/>
+                        </a:spcAft>
+                      </a:pPr>
+                      <a:r>
+                        <a:rPr lang="en-US" altLang="ja-JP" sz="1050" kern="100" dirty="0" err="1" smtClean="0">
+                          <a:effectLst/>
+                          <a:latin typeface="+mn-lt"/>
+                          <a:ea typeface="+mn-ea"/>
+                          <a:cs typeface="+mn-cs"/>
+                        </a:rPr>
+                        <a:t>boto</a:t>
+                      </a:r>
+                      <a:endParaRPr lang="ja-JP" sz="1050" kern="100" dirty="0">
+                        <a:effectLst/>
+                        <a:latin typeface="Century" panose="02040604050505020304" pitchFamily="18" charset="0"/>
+                        <a:ea typeface="ＭＳ 明朝" panose="02020609040205080304" pitchFamily="17" charset="-128"/>
+                        <a:cs typeface="Times New Roman" panose="02020603050405020304" pitchFamily="18" charset="0"/>
+                      </a:endParaRPr>
+                    </a:p>
+                  </a:txBody>
+                  <a:tcPr marL="68580" marR="68580" marT="0" marB="0" anchor="ctr"/>
+                </a:tc>
+                <a:tc>
+                  <a:txBody>
+                    <a:bodyPr/>
+                    <a:lstStyle/>
+                    <a:p>
+                      <a:pPr algn="just">
+                        <a:spcAft>
+                          <a:spcPts val="0"/>
+                        </a:spcAft>
+                      </a:pPr>
+                      <a:r>
+                        <a:rPr lang="en-US" sz="1050" kern="100" dirty="0" smtClean="0">
+                          <a:effectLst/>
+                        </a:rPr>
+                        <a:t>Pip3 install </a:t>
+                      </a:r>
+                      <a:r>
+                        <a:rPr lang="en-US" sz="1050" kern="100" dirty="0" err="1" smtClean="0">
+                          <a:effectLst/>
+                        </a:rPr>
+                        <a:t>boto</a:t>
+                      </a:r>
+                      <a:endParaRPr lang="ja-JP" sz="1050" kern="100" dirty="0">
+                        <a:effectLst/>
+                        <a:latin typeface="Segoe UI" panose="020B0502040204020203" pitchFamily="34" charset="0"/>
+                        <a:ea typeface="ＭＳ 明朝" panose="02020609040205080304" pitchFamily="17" charset="-128"/>
+                        <a:cs typeface="Segoe UI" panose="020B0502040204020203" pitchFamily="34" charset="0"/>
+                      </a:endParaRPr>
+                    </a:p>
+                  </a:txBody>
+                  <a:tcPr marL="68580" marR="68580" marT="0" marB="0" anchor="ctr"/>
+                </a:tc>
+                <a:tc>
+                  <a:txBody>
+                    <a:bodyPr/>
+                    <a:lstStyle/>
+                    <a:p>
+                      <a:pPr algn="ctr">
+                        <a:spcAft>
+                          <a:spcPts val="0"/>
+                        </a:spcAft>
+                      </a:pPr>
+                      <a:r>
+                        <a:rPr lang="en-US" altLang="ja-JP" sz="1050" kern="100" dirty="0" smtClean="0">
+                          <a:effectLst/>
+                        </a:rPr>
+                        <a:t>-</a:t>
+                      </a:r>
+                      <a:endParaRPr lang="ja-JP" sz="1050" kern="100" dirty="0">
+                        <a:effectLst/>
+                        <a:latin typeface="+mn-lt"/>
+                        <a:ea typeface="ＭＳ 明朝" panose="02020609040205080304" pitchFamily="17" charset="-128"/>
+                        <a:cs typeface="Segoe UI" panose="020B0502040204020203" pitchFamily="34" charset="0"/>
+                      </a:endParaRPr>
+                    </a:p>
+                  </a:txBody>
+                  <a:tcPr marL="68580" marR="68580" marT="0" marB="0" anchor="ctr"/>
+                </a:tc>
+                <a:tc>
+                  <a:txBody>
+                    <a:bodyPr/>
+                    <a:lstStyle/>
+                    <a:p>
+                      <a:pPr algn="just">
+                        <a:spcAft>
+                          <a:spcPts val="0"/>
+                        </a:spcAft>
+                      </a:pPr>
+                      <a:r>
+                        <a:rPr lang="en-US" altLang="ja-JP" sz="1050" kern="100" dirty="0" err="1" smtClean="0">
+                          <a:effectLst/>
+                        </a:rPr>
+                        <a:t>Ansible</a:t>
+                      </a:r>
+                      <a:r>
+                        <a:rPr lang="ja-JP" altLang="en-US" sz="1050" kern="100" dirty="0" smtClean="0">
+                          <a:effectLst/>
+                        </a:rPr>
+                        <a:t>モジュールの</a:t>
+                      </a:r>
+                      <a:r>
+                        <a:rPr lang="en-US" altLang="ja-JP" sz="1050" kern="100" dirty="0" err="1" smtClean="0">
+                          <a:effectLst/>
+                        </a:rPr>
+                        <a:t>community.aws.iam</a:t>
+                      </a:r>
+                      <a:r>
+                        <a:rPr lang="ja-JP" altLang="en-US" sz="1050" kern="100" dirty="0" smtClean="0">
+                          <a:effectLst/>
+                        </a:rPr>
+                        <a:t>で使用。</a:t>
+                      </a:r>
+                      <a:endParaRPr lang="ja-JP" sz="1050" kern="100" dirty="0">
+                        <a:effectLst/>
+                        <a:latin typeface="+mn-ea"/>
+                        <a:ea typeface="+mn-ea"/>
+                        <a:cs typeface="Segoe UI" panose="020B0502040204020203" pitchFamily="34" charset="0"/>
+                      </a:endParaRPr>
+                    </a:p>
+                  </a:txBody>
+                  <a:tcPr marL="68580" marR="68580" marT="0" marB="0" anchor="ctr"/>
+                </a:tc>
+                <a:extLst>
+                  <a:ext uri="{0D108BD9-81ED-4DB2-BD59-A6C34878D82A}">
+                    <a16:rowId xmlns:a16="http://schemas.microsoft.com/office/drawing/2014/main" val="294697293"/>
                   </a:ext>
                 </a:extLst>
               </a:tr>
@@ -18160,28 +17846,22 @@
       </p:grpSpPr>
       <p:pic>
         <p:nvPicPr>
-          <p:cNvPr id="7" name="図 6"/>
+          <p:cNvPr id="4" name="図 3"/>
           <p:cNvPicPr>
             <a:picLocks noChangeAspect="1"/>
           </p:cNvPicPr>
           <p:nvPr/>
         </p:nvPicPr>
         <p:blipFill>
-          <a:blip r:embed="rId2">
-            <a:extLst>
-              <a:ext uri="{28A0092B-C50C-407E-A947-70E740481C1C}">
-                <a14:useLocalDpi xmlns:a14="http://schemas.microsoft.com/office/drawing/2010/main" val="0"/>
-              </a:ext>
-            </a:extLst>
-          </a:blip>
+          <a:blip r:embed="rId2"/>
           <a:stretch>
             <a:fillRect/>
           </a:stretch>
         </p:blipFill>
         <p:spPr>
           <a:xfrm>
-            <a:off x="643460" y="1849193"/>
-            <a:ext cx="5912810" cy="3682739"/>
+            <a:off x="395420" y="1772770"/>
+            <a:ext cx="6730383" cy="4269024"/>
           </a:xfrm>
           <a:prstGeom prst="rect">
             <a:avLst/>
@@ -18362,8 +18042,8 @@
         </p:nvSpPr>
         <p:spPr>
           <a:xfrm>
-            <a:off x="630091" y="5243892"/>
-            <a:ext cx="1080150" cy="288040"/>
+            <a:off x="408490" y="5661310"/>
+            <a:ext cx="1211100" cy="288040"/>
           </a:xfrm>
           <a:prstGeom prst="rect">
             <a:avLst/>

--- a/asset/Learn_ja/ITA-version-up_ja.pptx
+++ b/asset/Learn_ja/ITA-version-up_ja.pptx
@@ -316,7 +316,7 @@
               <a:rPr kumimoji="1" lang="ja-JP" altLang="en-US" smtClean="0">
                 <a:ea typeface="メイリオ" panose="020B0604030504040204" pitchFamily="50" charset="-128"/>
               </a:rPr>
-              <a:t>2021/4/28</a:t>
+              <a:t>2021/5/11</a:t>
             </a:fld>
             <a:endParaRPr kumimoji="1" lang="ja-JP" altLang="en-US" dirty="0">
               <a:ea typeface="メイリオ" panose="020B0604030504040204" pitchFamily="50" charset="-128"/>
@@ -462,7 +462,7 @@
             <a:fld id="{4B26993D-C081-44EB-B0F5-A9F467792B62}" type="datetimeFigureOut">
               <a:rPr lang="ja-JP" altLang="en-US" smtClean="0"/>
               <a:pPr/>
-              <a:t>2021/4/28</a:t>
+              <a:t>2021/5/11</a:t>
             </a:fld>
             <a:endParaRPr lang="ja-JP" altLang="en-US" dirty="0"/>
           </a:p>
@@ -1085,7 +1085,7 @@
           <a:p>
             <a:fld id="{56F9016B-CCA6-43BE-8BEE-59565A35F4F7}" type="datetimeFigureOut">
               <a:rPr kumimoji="1" lang="ja-JP" altLang="en-US" smtClean="0"/>
-              <a:t>2021/4/28</a:t>
+              <a:t>2021/5/11</a:t>
             </a:fld>
             <a:endParaRPr kumimoji="1" lang="ja-JP" altLang="en-US"/>
           </a:p>
@@ -1287,7 +1287,7 @@
           <a:p>
             <a:fld id="{56F9016B-CCA6-43BE-8BEE-59565A35F4F7}" type="datetimeFigureOut">
               <a:rPr kumimoji="1" lang="ja-JP" altLang="en-US" smtClean="0"/>
-              <a:t>2021/4/28</a:t>
+              <a:t>2021/5/11</a:t>
             </a:fld>
             <a:endParaRPr kumimoji="1" lang="ja-JP" altLang="en-US"/>
           </a:p>
@@ -1533,7 +1533,7 @@
           <a:p>
             <a:fld id="{56F9016B-CCA6-43BE-8BEE-59565A35F4F7}" type="datetimeFigureOut">
               <a:rPr kumimoji="1" lang="ja-JP" altLang="en-US" smtClean="0"/>
-              <a:t>2021/4/28</a:t>
+              <a:t>2021/5/11</a:t>
             </a:fld>
             <a:endParaRPr kumimoji="1" lang="ja-JP" altLang="en-US"/>
           </a:p>
@@ -1829,7 +1829,7 @@
           <a:p>
             <a:fld id="{56F9016B-CCA6-43BE-8BEE-59565A35F4F7}" type="datetimeFigureOut">
               <a:rPr kumimoji="1" lang="ja-JP" altLang="en-US" smtClean="0"/>
-              <a:t>2021/4/28</a:t>
+              <a:t>2021/5/11</a:t>
             </a:fld>
             <a:endParaRPr kumimoji="1" lang="ja-JP" altLang="en-US"/>
           </a:p>
@@ -2260,7 +2260,7 @@
           <a:p>
             <a:fld id="{56F9016B-CCA6-43BE-8BEE-59565A35F4F7}" type="datetimeFigureOut">
               <a:rPr kumimoji="1" lang="ja-JP" altLang="en-US" smtClean="0"/>
-              <a:t>2021/4/28</a:t>
+              <a:t>2021/5/11</a:t>
             </a:fld>
             <a:endParaRPr kumimoji="1" lang="ja-JP" altLang="en-US"/>
           </a:p>
@@ -2378,7 +2378,7 @@
           <a:p>
             <a:fld id="{56F9016B-CCA6-43BE-8BEE-59565A35F4F7}" type="datetimeFigureOut">
               <a:rPr kumimoji="1" lang="ja-JP" altLang="en-US" smtClean="0"/>
-              <a:t>2021/4/28</a:t>
+              <a:t>2021/5/11</a:t>
             </a:fld>
             <a:endParaRPr kumimoji="1" lang="ja-JP" altLang="en-US"/>
           </a:p>
@@ -2473,7 +2473,7 @@
           <a:p>
             <a:fld id="{56F9016B-CCA6-43BE-8BEE-59565A35F4F7}" type="datetimeFigureOut">
               <a:rPr kumimoji="1" lang="ja-JP" altLang="en-US" smtClean="0"/>
-              <a:t>2021/4/28</a:t>
+              <a:t>2021/5/11</a:t>
             </a:fld>
             <a:endParaRPr kumimoji="1" lang="ja-JP" altLang="en-US"/>
           </a:p>
@@ -2782,7 +2782,7 @@
           <a:p>
             <a:fld id="{56F9016B-CCA6-43BE-8BEE-59565A35F4F7}" type="datetimeFigureOut">
               <a:rPr kumimoji="1" lang="ja-JP" altLang="en-US" smtClean="0"/>
-              <a:t>2021/4/28</a:t>
+              <a:t>2021/5/11</a:t>
             </a:fld>
             <a:endParaRPr kumimoji="1" lang="ja-JP" altLang="en-US"/>
           </a:p>
@@ -3035,7 +3035,7 @@
           <a:p>
             <a:fld id="{56F9016B-CCA6-43BE-8BEE-59565A35F4F7}" type="datetimeFigureOut">
               <a:rPr kumimoji="1" lang="ja-JP" altLang="en-US" smtClean="0"/>
-              <a:t>2021/4/28</a:t>
+              <a:t>2021/5/11</a:t>
             </a:fld>
             <a:endParaRPr kumimoji="1" lang="ja-JP" altLang="en-US"/>
           </a:p>
@@ -3312,7 +3312,7 @@
           <a:p>
             <a:fld id="{56F9016B-CCA6-43BE-8BEE-59565A35F4F7}" type="datetimeFigureOut">
               <a:rPr kumimoji="1" lang="ja-JP" altLang="en-US" smtClean="0"/>
-              <a:t>2021/4/28</a:t>
+              <a:t>2021/5/11</a:t>
             </a:fld>
             <a:endParaRPr kumimoji="1" lang="ja-JP" altLang="en-US"/>
           </a:p>
@@ -3524,7 +3524,7 @@
           <a:p>
             <a:fld id="{56F9016B-CCA6-43BE-8BEE-59565A35F4F7}" type="datetimeFigureOut">
               <a:rPr kumimoji="1" lang="ja-JP" altLang="en-US" smtClean="0"/>
-              <a:t>2021/4/28</a:t>
+              <a:t>2021/5/11</a:t>
             </a:fld>
             <a:endParaRPr kumimoji="1" lang="ja-JP" altLang="en-US"/>
           </a:p>
@@ -6583,7 +6583,7 @@
           <a:p>
             <a:fld id="{56F9016B-CCA6-43BE-8BEE-59565A35F4F7}" type="datetimeFigureOut">
               <a:rPr kumimoji="1" lang="ja-JP" altLang="en-US" smtClean="0"/>
-              <a:t>2021/4/28</a:t>
+              <a:t>2021/5/11</a:t>
             </a:fld>
             <a:endParaRPr kumimoji="1" lang="ja-JP" altLang="en-US"/>
           </a:p>
@@ -15060,14 +15060,14 @@
           <p:nvPr>
             <p:extLst>
               <p:ext uri="{D42A27DB-BD31-4B8C-83A1-F6EECF244321}">
-                <p14:modId xmlns:p14="http://schemas.microsoft.com/office/powerpoint/2010/main" val="1950887151"/>
+                <p14:modId xmlns:p14="http://schemas.microsoft.com/office/powerpoint/2010/main" val="116547220"/>
               </p:ext>
             </p:extLst>
           </p:nvPr>
         </p:nvGraphicFramePr>
         <p:xfrm>
           <a:off x="179512" y="2492870"/>
-          <a:ext cx="8819131" cy="3400015"/>
+          <a:ext cx="8819131" cy="3602324"/>
         </p:xfrm>
         <a:graphic>
           <a:graphicData uri="http://schemas.openxmlformats.org/drawingml/2006/table">
@@ -17723,6 +17723,181 @@
                 <a:extLst>
                   <a:ext uri="{0D108BD9-81ED-4DB2-BD59-A6C34878D82A}">
                     <a16:rowId xmlns:a16="http://schemas.microsoft.com/office/drawing/2014/main" val="294697293"/>
+                  </a:ext>
+                </a:extLst>
+              </a:tr>
+              <a:tr h="202309">
+                <a:tc>
+                  <a:txBody>
+                    <a:bodyPr/>
+                    <a:lstStyle/>
+                    <a:p>
+                      <a:pPr marL="0" marR="0" lvl="0" indent="0" algn="just" defTabSz="914400" rtl="0" eaLnBrk="1" fontAlgn="auto" latinLnBrk="0" hangingPunct="1">
+                        <a:lnSpc>
+                          <a:spcPct val="100000"/>
+                        </a:lnSpc>
+                        <a:spcBef>
+                          <a:spcPts val="0"/>
+                        </a:spcBef>
+                        <a:spcAft>
+                          <a:spcPts val="0"/>
+                        </a:spcAft>
+                        <a:buClrTx/>
+                        <a:buSzTx/>
+                        <a:buFontTx/>
+                        <a:buNone/>
+                        <a:tabLst/>
+                        <a:defRPr/>
+                      </a:pPr>
+                      <a:r>
+                        <a:rPr lang="en-US" altLang="ja-JP" sz="1000" kern="0" dirty="0" smtClean="0">
+                          <a:effectLst/>
+                        </a:rPr>
+                        <a:t>1.7.1</a:t>
+                      </a:r>
+                      <a:endParaRPr lang="ja-JP" altLang="ja-JP" sz="1000" kern="100" dirty="0" smtClean="0">
+                        <a:effectLst/>
+                        <a:latin typeface="Century" panose="02040604050505020304" pitchFamily="18" charset="0"/>
+                        <a:ea typeface="ＭＳ 明朝" panose="02020609040205080304" pitchFamily="17" charset="-128"/>
+                        <a:cs typeface="Times New Roman" panose="02020603050405020304" pitchFamily="18" charset="0"/>
+                      </a:endParaRPr>
+                    </a:p>
+                  </a:txBody>
+                  <a:tcPr marL="68580" marR="68580" marT="0" marB="0" anchor="ctr"/>
+                </a:tc>
+                <a:tc gridSpan="5">
+                  <a:txBody>
+                    <a:bodyPr/>
+                    <a:lstStyle/>
+                    <a:p>
+                      <a:pPr marL="0" marR="0" lvl="0" indent="0" algn="ctr" defTabSz="914400" rtl="0" eaLnBrk="1" fontAlgn="auto" latinLnBrk="0" hangingPunct="1">
+                        <a:lnSpc>
+                          <a:spcPct val="100000"/>
+                        </a:lnSpc>
+                        <a:spcBef>
+                          <a:spcPts val="0"/>
+                        </a:spcBef>
+                        <a:spcAft>
+                          <a:spcPts val="0"/>
+                        </a:spcAft>
+                        <a:buClrTx/>
+                        <a:buSzTx/>
+                        <a:buFontTx/>
+                        <a:buNone/>
+                        <a:tabLst/>
+                        <a:defRPr/>
+                      </a:pPr>
+                      <a:r>
+                        <a:rPr lang="ja-JP" altLang="en-US" sz="1050" kern="100" dirty="0" smtClean="0">
+                          <a:effectLst/>
+                        </a:rPr>
+                        <a:t>バージョン</a:t>
+                      </a:r>
+                      <a:r>
+                        <a:rPr lang="en-US" altLang="ja-JP" sz="1050" kern="100" dirty="0" smtClean="0">
+                          <a:effectLst/>
+                        </a:rPr>
+                        <a:t>1.7.1</a:t>
+                      </a:r>
+                      <a:r>
+                        <a:rPr lang="ja-JP" altLang="en-US" sz="1050" kern="100" dirty="0" smtClean="0">
+                          <a:effectLst/>
+                        </a:rPr>
+                        <a:t>で追加されたライブラリはありません。</a:t>
+                      </a:r>
+                      <a:endParaRPr lang="ja-JP" altLang="ja-JP" sz="1050" kern="100" dirty="0" smtClean="0">
+                        <a:effectLst/>
+                        <a:latin typeface="+mn-ea"/>
+                        <a:ea typeface="+mn-ea"/>
+                        <a:cs typeface="Times New Roman" panose="02020603050405020304" pitchFamily="18" charset="0"/>
+                      </a:endParaRPr>
+                    </a:p>
+                  </a:txBody>
+                  <a:tcPr marL="68580" marR="68580" marT="0" marB="0" anchor="ctr"/>
+                </a:tc>
+                <a:tc hMerge="1">
+                  <a:txBody>
+                    <a:bodyPr/>
+                    <a:lstStyle/>
+                    <a:p>
+                      <a:pPr algn="just">
+                        <a:spcAft>
+                          <a:spcPts val="0"/>
+                        </a:spcAft>
+                      </a:pPr>
+                      <a:endParaRPr lang="ja-JP" sz="1050" kern="100" dirty="0">
+                        <a:effectLst/>
+                        <a:latin typeface="Century" panose="02040604050505020304" pitchFamily="18" charset="0"/>
+                        <a:ea typeface="ＭＳ 明朝" panose="02020609040205080304" pitchFamily="17" charset="-128"/>
+                        <a:cs typeface="Times New Roman" panose="02020603050405020304" pitchFamily="18" charset="0"/>
+                      </a:endParaRPr>
+                    </a:p>
+                  </a:txBody>
+                  <a:tcPr marL="68580" marR="68580" marT="0" marB="0" anchor="ctr"/>
+                </a:tc>
+                <a:tc hMerge="1">
+                  <a:txBody>
+                    <a:bodyPr/>
+                    <a:lstStyle/>
+                    <a:p>
+                      <a:pPr algn="just">
+                        <a:spcAft>
+                          <a:spcPts val="0"/>
+                        </a:spcAft>
+                      </a:pPr>
+                      <a:endParaRPr lang="ja-JP" sz="1050" kern="100" dirty="0">
+                        <a:effectLst/>
+                        <a:latin typeface="Segoe UI" panose="020B0502040204020203" pitchFamily="34" charset="0"/>
+                        <a:ea typeface="ＭＳ 明朝" panose="02020609040205080304" pitchFamily="17" charset="-128"/>
+                        <a:cs typeface="Segoe UI" panose="020B0502040204020203" pitchFamily="34" charset="0"/>
+                      </a:endParaRPr>
+                    </a:p>
+                  </a:txBody>
+                  <a:tcPr marL="68580" marR="68580" marT="0" marB="0" anchor="ctr"/>
+                </a:tc>
+                <a:tc hMerge="1">
+                  <a:txBody>
+                    <a:bodyPr/>
+                    <a:lstStyle/>
+                    <a:p>
+                      <a:pPr algn="ctr">
+                        <a:spcAft>
+                          <a:spcPts val="0"/>
+                        </a:spcAft>
+                      </a:pPr>
+                      <a:endParaRPr lang="ja-JP" sz="1050" kern="100" dirty="0">
+                        <a:effectLst/>
+                        <a:latin typeface="+mn-lt"/>
+                        <a:ea typeface="ＭＳ 明朝" panose="02020609040205080304" pitchFamily="17" charset="-128"/>
+                        <a:cs typeface="Segoe UI" panose="020B0502040204020203" pitchFamily="34" charset="0"/>
+                      </a:endParaRPr>
+                    </a:p>
+                  </a:txBody>
+                  <a:tcPr marL="68580" marR="68580" marT="0" marB="0" anchor="ctr"/>
+                </a:tc>
+                <a:tc hMerge="1">
+                  <a:txBody>
+                    <a:bodyPr/>
+                    <a:lstStyle/>
+                    <a:p>
+                      <a:pPr algn="just">
+                        <a:spcAft>
+                          <a:spcPts val="0"/>
+                        </a:spcAft>
+                      </a:pPr>
+                      <a:endParaRPr lang="ja-JP" sz="1050" kern="100" dirty="0">
+                        <a:effectLst/>
+                        <a:latin typeface="+mn-ea"/>
+                        <a:ea typeface="+mn-ea"/>
+                        <a:cs typeface="Segoe UI" panose="020B0502040204020203" pitchFamily="34" charset="0"/>
+                      </a:endParaRPr>
+                    </a:p>
+                  </a:txBody>
+                  <a:tcPr marL="68580" marR="68580" marT="0" marB="0" anchor="ctr"/>
+                </a:tc>
+                <a:extLst>
+                  <a:ext uri="{0D108BD9-81ED-4DB2-BD59-A6C34878D82A}">
+                    <a16:rowId xmlns:a16="http://schemas.microsoft.com/office/drawing/2014/main" val="377419927"/>
                   </a:ext>
                 </a:extLst>
               </a:tr>

--- a/asset/Learn_ja/ITA-version-up_ja.pptx
+++ b/asset/Learn_ja/ITA-version-up_ja.pptx
@@ -316,7 +316,7 @@
               <a:rPr kumimoji="1" lang="ja-JP" altLang="en-US" smtClean="0">
                 <a:ea typeface="メイリオ" panose="020B0604030504040204" pitchFamily="50" charset="-128"/>
               </a:rPr>
-              <a:t>2021/5/11</a:t>
+              <a:t>2021/6/3</a:t>
             </a:fld>
             <a:endParaRPr kumimoji="1" lang="ja-JP" altLang="en-US" dirty="0">
               <a:ea typeface="メイリオ" panose="020B0604030504040204" pitchFamily="50" charset="-128"/>
@@ -462,7 +462,7 @@
             <a:fld id="{4B26993D-C081-44EB-B0F5-A9F467792B62}" type="datetimeFigureOut">
               <a:rPr lang="ja-JP" altLang="en-US" smtClean="0"/>
               <a:pPr/>
-              <a:t>2021/5/11</a:t>
+              <a:t>2021/6/3</a:t>
             </a:fld>
             <a:endParaRPr lang="ja-JP" altLang="en-US" dirty="0"/>
           </a:p>
@@ -1085,7 +1085,7 @@
           <a:p>
             <a:fld id="{56F9016B-CCA6-43BE-8BEE-59565A35F4F7}" type="datetimeFigureOut">
               <a:rPr kumimoji="1" lang="ja-JP" altLang="en-US" smtClean="0"/>
-              <a:t>2021/5/11</a:t>
+              <a:t>2021/6/3</a:t>
             </a:fld>
             <a:endParaRPr kumimoji="1" lang="ja-JP" altLang="en-US"/>
           </a:p>
@@ -1287,7 +1287,7 @@
           <a:p>
             <a:fld id="{56F9016B-CCA6-43BE-8BEE-59565A35F4F7}" type="datetimeFigureOut">
               <a:rPr kumimoji="1" lang="ja-JP" altLang="en-US" smtClean="0"/>
-              <a:t>2021/5/11</a:t>
+              <a:t>2021/6/3</a:t>
             </a:fld>
             <a:endParaRPr kumimoji="1" lang="ja-JP" altLang="en-US"/>
           </a:p>
@@ -1533,7 +1533,7 @@
           <a:p>
             <a:fld id="{56F9016B-CCA6-43BE-8BEE-59565A35F4F7}" type="datetimeFigureOut">
               <a:rPr kumimoji="1" lang="ja-JP" altLang="en-US" smtClean="0"/>
-              <a:t>2021/5/11</a:t>
+              <a:t>2021/6/3</a:t>
             </a:fld>
             <a:endParaRPr kumimoji="1" lang="ja-JP" altLang="en-US"/>
           </a:p>
@@ -1829,7 +1829,7 @@
           <a:p>
             <a:fld id="{56F9016B-CCA6-43BE-8BEE-59565A35F4F7}" type="datetimeFigureOut">
               <a:rPr kumimoji="1" lang="ja-JP" altLang="en-US" smtClean="0"/>
-              <a:t>2021/5/11</a:t>
+              <a:t>2021/6/3</a:t>
             </a:fld>
             <a:endParaRPr kumimoji="1" lang="ja-JP" altLang="en-US"/>
           </a:p>
@@ -2260,7 +2260,7 @@
           <a:p>
             <a:fld id="{56F9016B-CCA6-43BE-8BEE-59565A35F4F7}" type="datetimeFigureOut">
               <a:rPr kumimoji="1" lang="ja-JP" altLang="en-US" smtClean="0"/>
-              <a:t>2021/5/11</a:t>
+              <a:t>2021/6/3</a:t>
             </a:fld>
             <a:endParaRPr kumimoji="1" lang="ja-JP" altLang="en-US"/>
           </a:p>
@@ -2378,7 +2378,7 @@
           <a:p>
             <a:fld id="{56F9016B-CCA6-43BE-8BEE-59565A35F4F7}" type="datetimeFigureOut">
               <a:rPr kumimoji="1" lang="ja-JP" altLang="en-US" smtClean="0"/>
-              <a:t>2021/5/11</a:t>
+              <a:t>2021/6/3</a:t>
             </a:fld>
             <a:endParaRPr kumimoji="1" lang="ja-JP" altLang="en-US"/>
           </a:p>
@@ -2473,7 +2473,7 @@
           <a:p>
             <a:fld id="{56F9016B-CCA6-43BE-8BEE-59565A35F4F7}" type="datetimeFigureOut">
               <a:rPr kumimoji="1" lang="ja-JP" altLang="en-US" smtClean="0"/>
-              <a:t>2021/5/11</a:t>
+              <a:t>2021/6/3</a:t>
             </a:fld>
             <a:endParaRPr kumimoji="1" lang="ja-JP" altLang="en-US"/>
           </a:p>
@@ -2782,7 +2782,7 @@
           <a:p>
             <a:fld id="{56F9016B-CCA6-43BE-8BEE-59565A35F4F7}" type="datetimeFigureOut">
               <a:rPr kumimoji="1" lang="ja-JP" altLang="en-US" smtClean="0"/>
-              <a:t>2021/5/11</a:t>
+              <a:t>2021/6/3</a:t>
             </a:fld>
             <a:endParaRPr kumimoji="1" lang="ja-JP" altLang="en-US"/>
           </a:p>
@@ -3035,7 +3035,7 @@
           <a:p>
             <a:fld id="{56F9016B-CCA6-43BE-8BEE-59565A35F4F7}" type="datetimeFigureOut">
               <a:rPr kumimoji="1" lang="ja-JP" altLang="en-US" smtClean="0"/>
-              <a:t>2021/5/11</a:t>
+              <a:t>2021/6/3</a:t>
             </a:fld>
             <a:endParaRPr kumimoji="1" lang="ja-JP" altLang="en-US"/>
           </a:p>
@@ -3312,7 +3312,7 @@
           <a:p>
             <a:fld id="{56F9016B-CCA6-43BE-8BEE-59565A35F4F7}" type="datetimeFigureOut">
               <a:rPr kumimoji="1" lang="ja-JP" altLang="en-US" smtClean="0"/>
-              <a:t>2021/5/11</a:t>
+              <a:t>2021/6/3</a:t>
             </a:fld>
             <a:endParaRPr kumimoji="1" lang="ja-JP" altLang="en-US"/>
           </a:p>
@@ -3524,7 +3524,7 @@
           <a:p>
             <a:fld id="{56F9016B-CCA6-43BE-8BEE-59565A35F4F7}" type="datetimeFigureOut">
               <a:rPr kumimoji="1" lang="ja-JP" altLang="en-US" smtClean="0"/>
-              <a:t>2021/5/11</a:t>
+              <a:t>2021/6/3</a:t>
             </a:fld>
             <a:endParaRPr kumimoji="1" lang="ja-JP" altLang="en-US"/>
           </a:p>
@@ -6583,7 +6583,7 @@
           <a:p>
             <a:fld id="{56F9016B-CCA6-43BE-8BEE-59565A35F4F7}" type="datetimeFigureOut">
               <a:rPr kumimoji="1" lang="ja-JP" altLang="en-US" smtClean="0"/>
-              <a:t>2021/5/11</a:t>
+              <a:t>2021/6/3</a:t>
             </a:fld>
             <a:endParaRPr kumimoji="1" lang="ja-JP" altLang="en-US"/>
           </a:p>
@@ -15060,14 +15060,14 @@
           <p:nvPr>
             <p:extLst>
               <p:ext uri="{D42A27DB-BD31-4B8C-83A1-F6EECF244321}">
-                <p14:modId xmlns:p14="http://schemas.microsoft.com/office/powerpoint/2010/main" val="116547220"/>
+                <p14:modId xmlns:p14="http://schemas.microsoft.com/office/powerpoint/2010/main" val="897375536"/>
               </p:ext>
             </p:extLst>
           </p:nvPr>
         </p:nvGraphicFramePr>
         <p:xfrm>
           <a:off x="179512" y="2492870"/>
-          <a:ext cx="8819131" cy="3602324"/>
+          <a:ext cx="8819131" cy="3804633"/>
         </p:xfrm>
         <a:graphic>
           <a:graphicData uri="http://schemas.openxmlformats.org/drawingml/2006/table">
@@ -17898,6 +17898,187 @@
                 <a:extLst>
                   <a:ext uri="{0D108BD9-81ED-4DB2-BD59-A6C34878D82A}">
                     <a16:rowId xmlns:a16="http://schemas.microsoft.com/office/drawing/2014/main" val="377419927"/>
+                  </a:ext>
+                </a:extLst>
+              </a:tr>
+              <a:tr h="202309">
+                <a:tc>
+                  <a:txBody>
+                    <a:bodyPr/>
+                    <a:lstStyle/>
+                    <a:p>
+                      <a:pPr marL="0" marR="0" lvl="0" indent="0" algn="just" defTabSz="914400" rtl="0" eaLnBrk="1" fontAlgn="auto" latinLnBrk="0" hangingPunct="1">
+                        <a:lnSpc>
+                          <a:spcPct val="100000"/>
+                        </a:lnSpc>
+                        <a:spcBef>
+                          <a:spcPts val="0"/>
+                        </a:spcBef>
+                        <a:spcAft>
+                          <a:spcPts val="0"/>
+                        </a:spcAft>
+                        <a:buClrTx/>
+                        <a:buSzTx/>
+                        <a:buFontTx/>
+                        <a:buNone/>
+                        <a:tabLst/>
+                        <a:defRPr/>
+                      </a:pPr>
+                      <a:r>
+                        <a:rPr lang="en-US" altLang="ja-JP" sz="1000" kern="0" dirty="0" smtClean="0">
+                          <a:effectLst/>
+                        </a:rPr>
+                        <a:t>1.7.2</a:t>
+                      </a:r>
+                      <a:endParaRPr lang="ja-JP" altLang="ja-JP" sz="1000" kern="100" dirty="0" smtClean="0">
+                        <a:effectLst/>
+                        <a:latin typeface="Century" panose="02040604050505020304" pitchFamily="18" charset="0"/>
+                        <a:ea typeface="ＭＳ 明朝" panose="02020609040205080304" pitchFamily="17" charset="-128"/>
+                        <a:cs typeface="Times New Roman" panose="02020603050405020304" pitchFamily="18" charset="0"/>
+                      </a:endParaRPr>
+                    </a:p>
+                  </a:txBody>
+                  <a:tcPr marL="68580" marR="68580" marT="0" marB="0" anchor="ctr"/>
+                </a:tc>
+                <a:tc gridSpan="5">
+                  <a:txBody>
+                    <a:bodyPr/>
+                    <a:lstStyle/>
+                    <a:p>
+                      <a:pPr marL="0" marR="0" lvl="0" indent="0" algn="ctr" defTabSz="914400" rtl="0" eaLnBrk="1" fontAlgn="auto" latinLnBrk="0" hangingPunct="1">
+                        <a:lnSpc>
+                          <a:spcPct val="100000"/>
+                        </a:lnSpc>
+                        <a:spcBef>
+                          <a:spcPts val="0"/>
+                        </a:spcBef>
+                        <a:spcAft>
+                          <a:spcPts val="0"/>
+                        </a:spcAft>
+                        <a:buClrTx/>
+                        <a:buSzTx/>
+                        <a:buFontTx/>
+                        <a:buNone/>
+                        <a:tabLst/>
+                        <a:defRPr/>
+                      </a:pPr>
+                      <a:r>
+                        <a:rPr lang="ja-JP" altLang="en-US" sz="1050" kern="100" dirty="0" smtClean="0">
+                          <a:effectLst/>
+                        </a:rPr>
+                        <a:t>バージョン</a:t>
+                      </a:r>
+                      <a:r>
+                        <a:rPr lang="en-US" altLang="ja-JP" sz="1050" kern="100" dirty="0" smtClean="0">
+                          <a:effectLst/>
+                        </a:rPr>
+                        <a:t>1.7.2</a:t>
+                      </a:r>
+                      <a:r>
+                        <a:rPr lang="ja-JP" altLang="en-US" sz="1050" kern="100" dirty="0" smtClean="0">
+                          <a:effectLst/>
+                        </a:rPr>
+                        <a:t>で</a:t>
+                      </a:r>
+                      <a:r>
+                        <a:rPr lang="ja-JP" altLang="en-US" sz="1050" kern="100" dirty="0" smtClean="0">
+                          <a:effectLst/>
+                        </a:rPr>
+                        <a:t>追加されたライブラリはありません。</a:t>
+                      </a:r>
+                      <a:endParaRPr lang="ja-JP" altLang="ja-JP" sz="1050" kern="100" dirty="0" smtClean="0">
+                        <a:effectLst/>
+                        <a:latin typeface="+mn-ea"/>
+                        <a:ea typeface="+mn-ea"/>
+                        <a:cs typeface="Times New Roman" panose="02020603050405020304" pitchFamily="18" charset="0"/>
+                      </a:endParaRPr>
+                    </a:p>
+                  </a:txBody>
+                  <a:tcPr marL="68580" marR="68580" marT="0" marB="0" anchor="ctr"/>
+                </a:tc>
+                <a:tc hMerge="1">
+                  <a:txBody>
+                    <a:bodyPr/>
+                    <a:lstStyle/>
+                    <a:p>
+                      <a:pPr algn="just">
+                        <a:spcAft>
+                          <a:spcPts val="0"/>
+                        </a:spcAft>
+                      </a:pPr>
+                      <a:endParaRPr lang="ja-JP" sz="1050" kern="100" dirty="0">
+                        <a:effectLst/>
+                        <a:latin typeface="Century" panose="02040604050505020304" pitchFamily="18" charset="0"/>
+                        <a:ea typeface="ＭＳ 明朝" panose="02020609040205080304" pitchFamily="17" charset="-128"/>
+                        <a:cs typeface="Times New Roman" panose="02020603050405020304" pitchFamily="18" charset="0"/>
+                      </a:endParaRPr>
+                    </a:p>
+                  </a:txBody>
+                  <a:tcPr marL="68580" marR="68580" marT="0" marB="0" anchor="ctr"/>
+                </a:tc>
+                <a:tc hMerge="1">
+                  <a:txBody>
+                    <a:bodyPr/>
+                    <a:lstStyle/>
+                    <a:p>
+                      <a:pPr algn="just">
+                        <a:spcAft>
+                          <a:spcPts val="0"/>
+                        </a:spcAft>
+                      </a:pPr>
+                      <a:endParaRPr lang="ja-JP" sz="1050" kern="100" dirty="0">
+                        <a:effectLst/>
+                        <a:latin typeface="Segoe UI" panose="020B0502040204020203" pitchFamily="34" charset="0"/>
+                        <a:ea typeface="ＭＳ 明朝" panose="02020609040205080304" pitchFamily="17" charset="-128"/>
+                        <a:cs typeface="Segoe UI" panose="020B0502040204020203" pitchFamily="34" charset="0"/>
+                      </a:endParaRPr>
+                    </a:p>
+                  </a:txBody>
+                  <a:tcPr marL="68580" marR="68580" marT="0" marB="0" anchor="ctr"/>
+                </a:tc>
+                <a:tc hMerge="1">
+                  <a:txBody>
+                    <a:bodyPr/>
+                    <a:lstStyle/>
+                    <a:p>
+                      <a:pPr algn="ctr">
+                        <a:spcAft>
+                          <a:spcPts val="0"/>
+                        </a:spcAft>
+                      </a:pPr>
+                      <a:endParaRPr lang="ja-JP" sz="1050" kern="100" dirty="0">
+                        <a:effectLst/>
+                        <a:latin typeface="+mn-lt"/>
+                        <a:ea typeface="ＭＳ 明朝" panose="02020609040205080304" pitchFamily="17" charset="-128"/>
+                        <a:cs typeface="Segoe UI" panose="020B0502040204020203" pitchFamily="34" charset="0"/>
+                      </a:endParaRPr>
+                    </a:p>
+                  </a:txBody>
+                  <a:tcPr marL="68580" marR="68580" marT="0" marB="0" anchor="ctr"/>
+                </a:tc>
+                <a:tc hMerge="1">
+                  <a:txBody>
+                    <a:bodyPr/>
+                    <a:lstStyle/>
+                    <a:p>
+                      <a:pPr algn="just">
+                        <a:spcAft>
+                          <a:spcPts val="0"/>
+                        </a:spcAft>
+                      </a:pPr>
+                      <a:endParaRPr lang="ja-JP" sz="1050" kern="100" dirty="0">
+                        <a:effectLst/>
+                        <a:latin typeface="+mn-ea"/>
+                        <a:ea typeface="+mn-ea"/>
+                        <a:cs typeface="Segoe UI" panose="020B0502040204020203" pitchFamily="34" charset="0"/>
+                      </a:endParaRPr>
+                    </a:p>
+                  </a:txBody>
+                  <a:tcPr marL="68580" marR="68580" marT="0" marB="0" anchor="ctr"/>
+                </a:tc>
+                <a:extLst>
+                  <a:ext uri="{0D108BD9-81ED-4DB2-BD59-A6C34878D82A}">
+                    <a16:rowId xmlns:a16="http://schemas.microsoft.com/office/drawing/2014/main" val="1597249696"/>
                   </a:ext>
                 </a:extLst>
               </a:tr>

--- a/asset/Learn_ja/ITA-version-up_ja.pptx
+++ b/asset/Learn_ja/ITA-version-up_ja.pptx
@@ -316,7 +316,7 @@
               <a:rPr kumimoji="1" lang="ja-JP" altLang="en-US" smtClean="0">
                 <a:ea typeface="メイリオ" panose="020B0604030504040204" pitchFamily="50" charset="-128"/>
               </a:rPr>
-              <a:t>2021/6/3</a:t>
+              <a:t>2021/8/7</a:t>
             </a:fld>
             <a:endParaRPr kumimoji="1" lang="ja-JP" altLang="en-US" dirty="0">
               <a:ea typeface="メイリオ" panose="020B0604030504040204" pitchFamily="50" charset="-128"/>
@@ -462,7 +462,7 @@
             <a:fld id="{4B26993D-C081-44EB-B0F5-A9F467792B62}" type="datetimeFigureOut">
               <a:rPr lang="ja-JP" altLang="en-US" smtClean="0"/>
               <a:pPr/>
-              <a:t>2021/6/3</a:t>
+              <a:t>2021/8/7</a:t>
             </a:fld>
             <a:endParaRPr lang="ja-JP" altLang="en-US" dirty="0"/>
           </a:p>
@@ -1085,7 +1085,7 @@
           <a:p>
             <a:fld id="{56F9016B-CCA6-43BE-8BEE-59565A35F4F7}" type="datetimeFigureOut">
               <a:rPr kumimoji="1" lang="ja-JP" altLang="en-US" smtClean="0"/>
-              <a:t>2021/6/3</a:t>
+              <a:t>2021/8/7</a:t>
             </a:fld>
             <a:endParaRPr kumimoji="1" lang="ja-JP" altLang="en-US"/>
           </a:p>
@@ -1287,7 +1287,7 @@
           <a:p>
             <a:fld id="{56F9016B-CCA6-43BE-8BEE-59565A35F4F7}" type="datetimeFigureOut">
               <a:rPr kumimoji="1" lang="ja-JP" altLang="en-US" smtClean="0"/>
-              <a:t>2021/6/3</a:t>
+              <a:t>2021/8/7</a:t>
             </a:fld>
             <a:endParaRPr kumimoji="1" lang="ja-JP" altLang="en-US"/>
           </a:p>
@@ -1533,7 +1533,7 @@
           <a:p>
             <a:fld id="{56F9016B-CCA6-43BE-8BEE-59565A35F4F7}" type="datetimeFigureOut">
               <a:rPr kumimoji="1" lang="ja-JP" altLang="en-US" smtClean="0"/>
-              <a:t>2021/6/3</a:t>
+              <a:t>2021/8/7</a:t>
             </a:fld>
             <a:endParaRPr kumimoji="1" lang="ja-JP" altLang="en-US"/>
           </a:p>
@@ -1829,7 +1829,7 @@
           <a:p>
             <a:fld id="{56F9016B-CCA6-43BE-8BEE-59565A35F4F7}" type="datetimeFigureOut">
               <a:rPr kumimoji="1" lang="ja-JP" altLang="en-US" smtClean="0"/>
-              <a:t>2021/6/3</a:t>
+              <a:t>2021/8/7</a:t>
             </a:fld>
             <a:endParaRPr kumimoji="1" lang="ja-JP" altLang="en-US"/>
           </a:p>
@@ -2260,7 +2260,7 @@
           <a:p>
             <a:fld id="{56F9016B-CCA6-43BE-8BEE-59565A35F4F7}" type="datetimeFigureOut">
               <a:rPr kumimoji="1" lang="ja-JP" altLang="en-US" smtClean="0"/>
-              <a:t>2021/6/3</a:t>
+              <a:t>2021/8/7</a:t>
             </a:fld>
             <a:endParaRPr kumimoji="1" lang="ja-JP" altLang="en-US"/>
           </a:p>
@@ -2378,7 +2378,7 @@
           <a:p>
             <a:fld id="{56F9016B-CCA6-43BE-8BEE-59565A35F4F7}" type="datetimeFigureOut">
               <a:rPr kumimoji="1" lang="ja-JP" altLang="en-US" smtClean="0"/>
-              <a:t>2021/6/3</a:t>
+              <a:t>2021/8/7</a:t>
             </a:fld>
             <a:endParaRPr kumimoji="1" lang="ja-JP" altLang="en-US"/>
           </a:p>
@@ -2473,7 +2473,7 @@
           <a:p>
             <a:fld id="{56F9016B-CCA6-43BE-8BEE-59565A35F4F7}" type="datetimeFigureOut">
               <a:rPr kumimoji="1" lang="ja-JP" altLang="en-US" smtClean="0"/>
-              <a:t>2021/6/3</a:t>
+              <a:t>2021/8/7</a:t>
             </a:fld>
             <a:endParaRPr kumimoji="1" lang="ja-JP" altLang="en-US"/>
           </a:p>
@@ -2782,7 +2782,7 @@
           <a:p>
             <a:fld id="{56F9016B-CCA6-43BE-8BEE-59565A35F4F7}" type="datetimeFigureOut">
               <a:rPr kumimoji="1" lang="ja-JP" altLang="en-US" smtClean="0"/>
-              <a:t>2021/6/3</a:t>
+              <a:t>2021/8/7</a:t>
             </a:fld>
             <a:endParaRPr kumimoji="1" lang="ja-JP" altLang="en-US"/>
           </a:p>
@@ -3035,7 +3035,7 @@
           <a:p>
             <a:fld id="{56F9016B-CCA6-43BE-8BEE-59565A35F4F7}" type="datetimeFigureOut">
               <a:rPr kumimoji="1" lang="ja-JP" altLang="en-US" smtClean="0"/>
-              <a:t>2021/6/3</a:t>
+              <a:t>2021/8/7</a:t>
             </a:fld>
             <a:endParaRPr kumimoji="1" lang="ja-JP" altLang="en-US"/>
           </a:p>
@@ -3312,7 +3312,7 @@
           <a:p>
             <a:fld id="{56F9016B-CCA6-43BE-8BEE-59565A35F4F7}" type="datetimeFigureOut">
               <a:rPr kumimoji="1" lang="ja-JP" altLang="en-US" smtClean="0"/>
-              <a:t>2021/6/3</a:t>
+              <a:t>2021/8/7</a:t>
             </a:fld>
             <a:endParaRPr kumimoji="1" lang="ja-JP" altLang="en-US"/>
           </a:p>
@@ -3524,7 +3524,7 @@
           <a:p>
             <a:fld id="{56F9016B-CCA6-43BE-8BEE-59565A35F4F7}" type="datetimeFigureOut">
               <a:rPr kumimoji="1" lang="ja-JP" altLang="en-US" smtClean="0"/>
-              <a:t>2021/6/3</a:t>
+              <a:t>2021/8/7</a:t>
             </a:fld>
             <a:endParaRPr kumimoji="1" lang="ja-JP" altLang="en-US"/>
           </a:p>
@@ -6583,7 +6583,7 @@
           <a:p>
             <a:fld id="{56F9016B-CCA6-43BE-8BEE-59565A35F4F7}" type="datetimeFigureOut">
               <a:rPr kumimoji="1" lang="ja-JP" altLang="en-US" smtClean="0"/>
-              <a:t>2021/6/3</a:t>
+              <a:t>2021/8/7</a:t>
             </a:fld>
             <a:endParaRPr kumimoji="1" lang="ja-JP" altLang="en-US"/>
           </a:p>
@@ -7016,22 +7016,17 @@
           <a:lstStyle/>
           <a:p>
             <a:r>
-              <a:rPr lang="ja-JP" altLang="en-US" dirty="0" smtClean="0"/>
-              <a:t>第</a:t>
-            </a:r>
-            <a:r>
-              <a:rPr lang="en-US" altLang="ja-JP" dirty="0" smtClean="0"/>
-              <a:t>1.7</a:t>
-            </a:r>
-            <a:r>
-              <a:rPr lang="ja-JP" altLang="en-US" dirty="0" smtClean="0"/>
-              <a:t>版</a:t>
-            </a:r>
-            <a:endParaRPr lang="en-US" altLang="ja-JP" dirty="0" smtClean="0"/>
-          </a:p>
-          <a:p>
-            <a:r>
-              <a:rPr lang="en-US" altLang="ja-JP" dirty="0" smtClean="0"/>
+              <a:rPr lang="en-US" altLang="ja-JP" dirty="0" err="1"/>
+              <a:t>Exastro</a:t>
+            </a:r>
+            <a:r>
+              <a:rPr lang="en-US" altLang="ja-JP" dirty="0"/>
+              <a:t> IT Automation Version 1.8.0 </a:t>
+            </a:r>
+          </a:p>
+          <a:p>
+            <a:r>
+              <a:rPr lang="en-US" altLang="ja-JP" dirty="0" err="1" smtClean="0"/>
               <a:t>Exastro</a:t>
             </a:r>
             <a:r>
@@ -15060,14 +15055,14 @@
           <p:nvPr>
             <p:extLst>
               <p:ext uri="{D42A27DB-BD31-4B8C-83A1-F6EECF244321}">
-                <p14:modId xmlns:p14="http://schemas.microsoft.com/office/powerpoint/2010/main" val="897375536"/>
+                <p14:modId xmlns:p14="http://schemas.microsoft.com/office/powerpoint/2010/main" val="268436787"/>
               </p:ext>
             </p:extLst>
           </p:nvPr>
         </p:nvGraphicFramePr>
         <p:xfrm>
           <a:off x="179512" y="2492870"/>
-          <a:ext cx="8819131" cy="3804633"/>
+          <a:ext cx="8819131" cy="4006942"/>
         </p:xfrm>
         <a:graphic>
           <a:graphicData uri="http://schemas.openxmlformats.org/drawingml/2006/table">
@@ -17978,13 +17973,7 @@
                         <a:rPr lang="ja-JP" altLang="en-US" sz="1050" kern="100" dirty="0" smtClean="0">
                           <a:effectLst/>
                         </a:rPr>
-                        <a:t>で</a:t>
-                      </a:r>
-                      <a:r>
-                        <a:rPr lang="ja-JP" altLang="en-US" sz="1050" kern="100" dirty="0" smtClean="0">
-                          <a:effectLst/>
-                        </a:rPr>
-                        <a:t>追加されたライブラリはありません。</a:t>
+                        <a:t>で追加されたライブラリはありません。</a:t>
                       </a:r>
                       <a:endParaRPr lang="ja-JP" altLang="ja-JP" sz="1050" kern="100" dirty="0" smtClean="0">
                         <a:effectLst/>
@@ -18082,6 +18071,187 @@
                   </a:ext>
                 </a:extLst>
               </a:tr>
+              <a:tr h="202309">
+                <a:tc>
+                  <a:txBody>
+                    <a:bodyPr/>
+                    <a:lstStyle/>
+                    <a:p>
+                      <a:pPr marL="0" marR="0" lvl="0" indent="0" algn="just" defTabSz="914400" rtl="0" eaLnBrk="1" fontAlgn="auto" latinLnBrk="0" hangingPunct="1">
+                        <a:lnSpc>
+                          <a:spcPct val="100000"/>
+                        </a:lnSpc>
+                        <a:spcBef>
+                          <a:spcPts val="0"/>
+                        </a:spcBef>
+                        <a:spcAft>
+                          <a:spcPts val="0"/>
+                        </a:spcAft>
+                        <a:buClrTx/>
+                        <a:buSzTx/>
+                        <a:buFontTx/>
+                        <a:buNone/>
+                        <a:tabLst/>
+                        <a:defRPr/>
+                      </a:pPr>
+                      <a:r>
+                        <a:rPr lang="en-US" altLang="ja-JP" sz="1000" kern="0" dirty="0" smtClean="0">
+                          <a:effectLst/>
+                        </a:rPr>
+                        <a:t>1.8.0</a:t>
+                      </a:r>
+                      <a:endParaRPr lang="ja-JP" altLang="ja-JP" sz="1000" kern="100" dirty="0" smtClean="0">
+                        <a:effectLst/>
+                        <a:latin typeface="Century" panose="02040604050505020304" pitchFamily="18" charset="0"/>
+                        <a:ea typeface="ＭＳ 明朝" panose="02020609040205080304" pitchFamily="17" charset="-128"/>
+                        <a:cs typeface="Times New Roman" panose="02020603050405020304" pitchFamily="18" charset="0"/>
+                      </a:endParaRPr>
+                    </a:p>
+                  </a:txBody>
+                  <a:tcPr marL="68580" marR="68580" marT="0" marB="0" anchor="ctr"/>
+                </a:tc>
+                <a:tc gridSpan="5">
+                  <a:txBody>
+                    <a:bodyPr/>
+                    <a:lstStyle/>
+                    <a:p>
+                      <a:pPr marL="0" marR="0" lvl="0" indent="0" algn="ctr" defTabSz="914400" rtl="0" eaLnBrk="1" fontAlgn="auto" latinLnBrk="0" hangingPunct="1">
+                        <a:lnSpc>
+                          <a:spcPct val="100000"/>
+                        </a:lnSpc>
+                        <a:spcBef>
+                          <a:spcPts val="0"/>
+                        </a:spcBef>
+                        <a:spcAft>
+                          <a:spcPts val="0"/>
+                        </a:spcAft>
+                        <a:buClrTx/>
+                        <a:buSzTx/>
+                        <a:buFontTx/>
+                        <a:buNone/>
+                        <a:tabLst/>
+                        <a:defRPr/>
+                      </a:pPr>
+                      <a:r>
+                        <a:rPr lang="ja-JP" altLang="en-US" sz="1050" kern="100" dirty="0" smtClean="0">
+                          <a:effectLst/>
+                        </a:rPr>
+                        <a:t>バージョン</a:t>
+                      </a:r>
+                      <a:r>
+                        <a:rPr lang="en-US" altLang="ja-JP" sz="1050" kern="100" dirty="0" smtClean="0">
+                          <a:effectLst/>
+                        </a:rPr>
+                        <a:t>1.8.0</a:t>
+                      </a:r>
+                      <a:r>
+                        <a:rPr lang="ja-JP" altLang="en-US" sz="1050" kern="100" dirty="0" smtClean="0">
+                          <a:effectLst/>
+                        </a:rPr>
+                        <a:t>で</a:t>
+                      </a:r>
+                      <a:r>
+                        <a:rPr lang="ja-JP" altLang="en-US" sz="1050" kern="100" dirty="0" smtClean="0">
+                          <a:effectLst/>
+                        </a:rPr>
+                        <a:t>追加されたライブラリはありません。</a:t>
+                      </a:r>
+                      <a:endParaRPr lang="ja-JP" altLang="ja-JP" sz="1050" kern="100" dirty="0" smtClean="0">
+                        <a:effectLst/>
+                        <a:latin typeface="+mn-ea"/>
+                        <a:ea typeface="+mn-ea"/>
+                        <a:cs typeface="Times New Roman" panose="02020603050405020304" pitchFamily="18" charset="0"/>
+                      </a:endParaRPr>
+                    </a:p>
+                  </a:txBody>
+                  <a:tcPr marL="68580" marR="68580" marT="0" marB="0" anchor="ctr"/>
+                </a:tc>
+                <a:tc hMerge="1">
+                  <a:txBody>
+                    <a:bodyPr/>
+                    <a:lstStyle/>
+                    <a:p>
+                      <a:pPr algn="just">
+                        <a:spcAft>
+                          <a:spcPts val="0"/>
+                        </a:spcAft>
+                      </a:pPr>
+                      <a:endParaRPr lang="ja-JP" sz="1050" kern="100" dirty="0">
+                        <a:effectLst/>
+                        <a:latin typeface="Century" panose="02040604050505020304" pitchFamily="18" charset="0"/>
+                        <a:ea typeface="ＭＳ 明朝" panose="02020609040205080304" pitchFamily="17" charset="-128"/>
+                        <a:cs typeface="Times New Roman" panose="02020603050405020304" pitchFamily="18" charset="0"/>
+                      </a:endParaRPr>
+                    </a:p>
+                  </a:txBody>
+                  <a:tcPr marL="68580" marR="68580" marT="0" marB="0" anchor="ctr"/>
+                </a:tc>
+                <a:tc hMerge="1">
+                  <a:txBody>
+                    <a:bodyPr/>
+                    <a:lstStyle/>
+                    <a:p>
+                      <a:pPr algn="just">
+                        <a:spcAft>
+                          <a:spcPts val="0"/>
+                        </a:spcAft>
+                      </a:pPr>
+                      <a:endParaRPr lang="ja-JP" sz="1050" kern="100" dirty="0">
+                        <a:effectLst/>
+                        <a:latin typeface="Segoe UI" panose="020B0502040204020203" pitchFamily="34" charset="0"/>
+                        <a:ea typeface="ＭＳ 明朝" panose="02020609040205080304" pitchFamily="17" charset="-128"/>
+                        <a:cs typeface="Segoe UI" panose="020B0502040204020203" pitchFamily="34" charset="0"/>
+                      </a:endParaRPr>
+                    </a:p>
+                  </a:txBody>
+                  <a:tcPr marL="68580" marR="68580" marT="0" marB="0" anchor="ctr"/>
+                </a:tc>
+                <a:tc hMerge="1">
+                  <a:txBody>
+                    <a:bodyPr/>
+                    <a:lstStyle/>
+                    <a:p>
+                      <a:pPr algn="ctr">
+                        <a:spcAft>
+                          <a:spcPts val="0"/>
+                        </a:spcAft>
+                      </a:pPr>
+                      <a:endParaRPr lang="ja-JP" sz="1050" kern="100" dirty="0">
+                        <a:effectLst/>
+                        <a:latin typeface="+mn-lt"/>
+                        <a:ea typeface="ＭＳ 明朝" panose="02020609040205080304" pitchFamily="17" charset="-128"/>
+                        <a:cs typeface="Segoe UI" panose="020B0502040204020203" pitchFamily="34" charset="0"/>
+                      </a:endParaRPr>
+                    </a:p>
+                  </a:txBody>
+                  <a:tcPr marL="68580" marR="68580" marT="0" marB="0" anchor="ctr"/>
+                </a:tc>
+                <a:tc hMerge="1">
+                  <a:txBody>
+                    <a:bodyPr/>
+                    <a:lstStyle/>
+                    <a:p>
+                      <a:pPr algn="just">
+                        <a:spcAft>
+                          <a:spcPts val="0"/>
+                        </a:spcAft>
+                      </a:pPr>
+                      <a:endParaRPr lang="ja-JP" sz="1050" kern="100" dirty="0">
+                        <a:effectLst/>
+                        <a:latin typeface="+mn-ea"/>
+                        <a:ea typeface="+mn-ea"/>
+                        <a:cs typeface="Segoe UI" panose="020B0502040204020203" pitchFamily="34" charset="0"/>
+                      </a:endParaRPr>
+                    </a:p>
+                  </a:txBody>
+                  <a:tcPr marL="68580" marR="68580" marT="0" marB="0" anchor="ctr"/>
+                </a:tc>
+                <a:extLst>
+                  <a:ext uri="{0D108BD9-81ED-4DB2-BD59-A6C34878D82A}">
+                    <a16:rowId xmlns:a16="http://schemas.microsoft.com/office/drawing/2014/main" val="1204998051"/>
+                  </a:ext>
+                </a:extLst>
+              </a:tr>
             </a:tbl>
           </a:graphicData>
         </a:graphic>
@@ -18202,7 +18372,7 @@
       </p:grpSpPr>
       <p:pic>
         <p:nvPicPr>
-          <p:cNvPr id="4" name="図 3"/>
+          <p:cNvPr id="7" name="図 6"/>
           <p:cNvPicPr>
             <a:picLocks noChangeAspect="1"/>
           </p:cNvPicPr>
@@ -18216,8 +18386,8 @@
         </p:blipFill>
         <p:spPr>
           <a:xfrm>
-            <a:off x="395420" y="1772770"/>
-            <a:ext cx="6730383" cy="4269024"/>
+            <a:off x="344933" y="1739217"/>
+            <a:ext cx="5523247" cy="4642193"/>
           </a:xfrm>
           <a:prstGeom prst="rect">
             <a:avLst/>
@@ -18347,7 +18517,7 @@
         </p:nvSpPr>
         <p:spPr>
           <a:xfrm>
-            <a:off x="1907630" y="1888580"/>
+            <a:off x="2123660" y="1844780"/>
             <a:ext cx="1296180" cy="298906"/>
           </a:xfrm>
           <a:prstGeom prst="rect">
@@ -18398,8 +18568,8 @@
         </p:nvSpPr>
         <p:spPr>
           <a:xfrm>
-            <a:off x="408490" y="5661310"/>
-            <a:ext cx="1211100" cy="288040"/>
+            <a:off x="344932" y="6021360"/>
+            <a:ext cx="1274657" cy="360050"/>
           </a:xfrm>
           <a:prstGeom prst="rect">
             <a:avLst/>

--- a/asset/Learn_ja/ITA-version-up_ja.pptx
+++ b/asset/Learn_ja/ITA-version-up_ja.pptx
@@ -316,7 +316,7 @@
               <a:rPr kumimoji="1" lang="ja-JP" altLang="en-US" smtClean="0">
                 <a:ea typeface="メイリオ" panose="020B0604030504040204" pitchFamily="50" charset="-128"/>
               </a:rPr>
-              <a:t>2021/8/7</a:t>
+              <a:t>2021/8/27</a:t>
             </a:fld>
             <a:endParaRPr kumimoji="1" lang="ja-JP" altLang="en-US" dirty="0">
               <a:ea typeface="メイリオ" panose="020B0604030504040204" pitchFamily="50" charset="-128"/>
@@ -462,7 +462,7 @@
             <a:fld id="{4B26993D-C081-44EB-B0F5-A9F467792B62}" type="datetimeFigureOut">
               <a:rPr lang="ja-JP" altLang="en-US" smtClean="0"/>
               <a:pPr/>
-              <a:t>2021/8/7</a:t>
+              <a:t>2021/8/27</a:t>
             </a:fld>
             <a:endParaRPr lang="ja-JP" altLang="en-US" dirty="0"/>
           </a:p>
@@ -1085,7 +1085,7 @@
           <a:p>
             <a:fld id="{56F9016B-CCA6-43BE-8BEE-59565A35F4F7}" type="datetimeFigureOut">
               <a:rPr kumimoji="1" lang="ja-JP" altLang="en-US" smtClean="0"/>
-              <a:t>2021/8/7</a:t>
+              <a:t>2021/8/27</a:t>
             </a:fld>
             <a:endParaRPr kumimoji="1" lang="ja-JP" altLang="en-US"/>
           </a:p>
@@ -1287,7 +1287,7 @@
           <a:p>
             <a:fld id="{56F9016B-CCA6-43BE-8BEE-59565A35F4F7}" type="datetimeFigureOut">
               <a:rPr kumimoji="1" lang="ja-JP" altLang="en-US" smtClean="0"/>
-              <a:t>2021/8/7</a:t>
+              <a:t>2021/8/27</a:t>
             </a:fld>
             <a:endParaRPr kumimoji="1" lang="ja-JP" altLang="en-US"/>
           </a:p>
@@ -1533,7 +1533,7 @@
           <a:p>
             <a:fld id="{56F9016B-CCA6-43BE-8BEE-59565A35F4F7}" type="datetimeFigureOut">
               <a:rPr kumimoji="1" lang="ja-JP" altLang="en-US" smtClean="0"/>
-              <a:t>2021/8/7</a:t>
+              <a:t>2021/8/27</a:t>
             </a:fld>
             <a:endParaRPr kumimoji="1" lang="ja-JP" altLang="en-US"/>
           </a:p>
@@ -1829,7 +1829,7 @@
           <a:p>
             <a:fld id="{56F9016B-CCA6-43BE-8BEE-59565A35F4F7}" type="datetimeFigureOut">
               <a:rPr kumimoji="1" lang="ja-JP" altLang="en-US" smtClean="0"/>
-              <a:t>2021/8/7</a:t>
+              <a:t>2021/8/27</a:t>
             </a:fld>
             <a:endParaRPr kumimoji="1" lang="ja-JP" altLang="en-US"/>
           </a:p>
@@ -2260,7 +2260,7 @@
           <a:p>
             <a:fld id="{56F9016B-CCA6-43BE-8BEE-59565A35F4F7}" type="datetimeFigureOut">
               <a:rPr kumimoji="1" lang="ja-JP" altLang="en-US" smtClean="0"/>
-              <a:t>2021/8/7</a:t>
+              <a:t>2021/8/27</a:t>
             </a:fld>
             <a:endParaRPr kumimoji="1" lang="ja-JP" altLang="en-US"/>
           </a:p>
@@ -2378,7 +2378,7 @@
           <a:p>
             <a:fld id="{56F9016B-CCA6-43BE-8BEE-59565A35F4F7}" type="datetimeFigureOut">
               <a:rPr kumimoji="1" lang="ja-JP" altLang="en-US" smtClean="0"/>
-              <a:t>2021/8/7</a:t>
+              <a:t>2021/8/27</a:t>
             </a:fld>
             <a:endParaRPr kumimoji="1" lang="ja-JP" altLang="en-US"/>
           </a:p>
@@ -2473,7 +2473,7 @@
           <a:p>
             <a:fld id="{56F9016B-CCA6-43BE-8BEE-59565A35F4F7}" type="datetimeFigureOut">
               <a:rPr kumimoji="1" lang="ja-JP" altLang="en-US" smtClean="0"/>
-              <a:t>2021/8/7</a:t>
+              <a:t>2021/8/27</a:t>
             </a:fld>
             <a:endParaRPr kumimoji="1" lang="ja-JP" altLang="en-US"/>
           </a:p>
@@ -2782,7 +2782,7 @@
           <a:p>
             <a:fld id="{56F9016B-CCA6-43BE-8BEE-59565A35F4F7}" type="datetimeFigureOut">
               <a:rPr kumimoji="1" lang="ja-JP" altLang="en-US" smtClean="0"/>
-              <a:t>2021/8/7</a:t>
+              <a:t>2021/8/27</a:t>
             </a:fld>
             <a:endParaRPr kumimoji="1" lang="ja-JP" altLang="en-US"/>
           </a:p>
@@ -3035,7 +3035,7 @@
           <a:p>
             <a:fld id="{56F9016B-CCA6-43BE-8BEE-59565A35F4F7}" type="datetimeFigureOut">
               <a:rPr kumimoji="1" lang="ja-JP" altLang="en-US" smtClean="0"/>
-              <a:t>2021/8/7</a:t>
+              <a:t>2021/8/27</a:t>
             </a:fld>
             <a:endParaRPr kumimoji="1" lang="ja-JP" altLang="en-US"/>
           </a:p>
@@ -3312,7 +3312,7 @@
           <a:p>
             <a:fld id="{56F9016B-CCA6-43BE-8BEE-59565A35F4F7}" type="datetimeFigureOut">
               <a:rPr kumimoji="1" lang="ja-JP" altLang="en-US" smtClean="0"/>
-              <a:t>2021/8/7</a:t>
+              <a:t>2021/8/27</a:t>
             </a:fld>
             <a:endParaRPr kumimoji="1" lang="ja-JP" altLang="en-US"/>
           </a:p>
@@ -3524,7 +3524,7 @@
           <a:p>
             <a:fld id="{56F9016B-CCA6-43BE-8BEE-59565A35F4F7}" type="datetimeFigureOut">
               <a:rPr kumimoji="1" lang="ja-JP" altLang="en-US" smtClean="0"/>
-              <a:t>2021/8/7</a:t>
+              <a:t>2021/8/27</a:t>
             </a:fld>
             <a:endParaRPr kumimoji="1" lang="ja-JP" altLang="en-US"/>
           </a:p>
@@ -6583,7 +6583,7 @@
           <a:p>
             <a:fld id="{56F9016B-CCA6-43BE-8BEE-59565A35F4F7}" type="datetimeFigureOut">
               <a:rPr kumimoji="1" lang="ja-JP" altLang="en-US" smtClean="0"/>
-              <a:t>2021/8/7</a:t>
+              <a:t>2021/8/27</a:t>
             </a:fld>
             <a:endParaRPr kumimoji="1" lang="ja-JP" altLang="en-US"/>
           </a:p>
@@ -7021,8 +7021,13 @@
             </a:r>
             <a:r>
               <a:rPr lang="en-US" altLang="ja-JP" dirty="0"/>
-              <a:t> IT Automation Version 1.8.0 </a:t>
-            </a:r>
+              <a:t> IT Automation Version </a:t>
+            </a:r>
+            <a:r>
+              <a:rPr lang="en-US" altLang="ja-JP" dirty="0" smtClean="0"/>
+              <a:t>1.8.1 </a:t>
+            </a:r>
+            <a:endParaRPr lang="en-US" altLang="ja-JP" dirty="0"/>
           </a:p>
           <a:p>
             <a:r>
@@ -14934,53 +14939,53 @@
           <a:p>
             <a:pPr lvl="1"/>
             <a:r>
-              <a:rPr lang="ja-JP" altLang="en-US" dirty="0"/>
+              <a:rPr lang="ja-JP" altLang="en-US" sz="1400" dirty="0"/>
               <a:t>アンサーファイル（</a:t>
             </a:r>
             <a:r>
-              <a:rPr lang="en-US" altLang="ja-JP" dirty="0"/>
+              <a:rPr lang="en-US" altLang="ja-JP" sz="1400" dirty="0"/>
               <a:t>ita_answers.txt</a:t>
             </a:r>
             <a:r>
-              <a:rPr lang="ja-JP" altLang="en-US" dirty="0"/>
+              <a:rPr lang="ja-JP" altLang="en-US" sz="1400" dirty="0"/>
               <a:t>）の「</a:t>
             </a:r>
             <a:r>
-              <a:rPr lang="en-US" altLang="ja-JP" dirty="0" err="1"/>
+              <a:rPr lang="en-US" altLang="ja-JP" sz="1400" dirty="0" err="1"/>
               <a:t>install_mode</a:t>
             </a:r>
             <a:r>
-              <a:rPr lang="ja-JP" altLang="en-US" dirty="0" smtClean="0"/>
+              <a:rPr lang="ja-JP" altLang="en-US" sz="1400" dirty="0" smtClean="0"/>
               <a:t>」に「</a:t>
             </a:r>
             <a:r>
-              <a:rPr lang="en-US" altLang="ja-JP" dirty="0" err="1"/>
+              <a:rPr lang="en-US" altLang="ja-JP" sz="1400" dirty="0" err="1"/>
               <a:t>Versionup_All</a:t>
             </a:r>
             <a:r>
-              <a:rPr lang="ja-JP" altLang="en-US" dirty="0" smtClean="0"/>
+              <a:rPr lang="ja-JP" altLang="en-US" sz="1400" dirty="0" smtClean="0"/>
               <a:t>」を入力した場合は、インストール済のドライバに応じて以下のライブラリが自動でインストールされます。</a:t>
             </a:r>
             <a:r>
-              <a:rPr lang="en-US" altLang="ja-JP" dirty="0" smtClean="0"/>
+              <a:rPr lang="en-US" altLang="ja-JP" sz="1400" dirty="0" smtClean="0"/>
               <a:t/>
             </a:r>
             <a:br>
-              <a:rPr lang="en-US" altLang="ja-JP" dirty="0" smtClean="0"/>
+              <a:rPr lang="en-US" altLang="ja-JP" sz="1400" dirty="0" smtClean="0"/>
             </a:br>
             <a:r>
-              <a:rPr lang="ja-JP" altLang="en-US" dirty="0" smtClean="0"/>
+              <a:rPr lang="ja-JP" altLang="en-US" sz="1400" dirty="0" smtClean="0"/>
               <a:t>「</a:t>
             </a:r>
             <a:r>
-              <a:rPr lang="en-US" altLang="ja-JP" dirty="0" err="1" smtClean="0"/>
+              <a:rPr lang="en-US" altLang="ja-JP" sz="1400" dirty="0" err="1" smtClean="0"/>
               <a:t>VersionUP_ITA</a:t>
             </a:r>
             <a:r>
-              <a:rPr lang="ja-JP" altLang="en-US" dirty="0" smtClean="0"/>
+              <a:rPr lang="ja-JP" altLang="en-US" sz="1400" dirty="0" smtClean="0"/>
               <a:t>」を入力した場合は、手動でライブラリのインストールを実施してください。</a:t>
             </a:r>
-            <a:endParaRPr lang="en-US" altLang="ja-JP" dirty="0" smtClean="0"/>
+            <a:endParaRPr lang="en-US" altLang="ja-JP" sz="1400" dirty="0" smtClean="0"/>
           </a:p>
           <a:p>
             <a:pPr lvl="1"/>
@@ -15055,14 +15060,14 @@
           <p:nvPr>
             <p:extLst>
               <p:ext uri="{D42A27DB-BD31-4B8C-83A1-F6EECF244321}">
-                <p14:modId xmlns:p14="http://schemas.microsoft.com/office/powerpoint/2010/main" val="268436787"/>
+                <p14:modId xmlns:p14="http://schemas.microsoft.com/office/powerpoint/2010/main" val="659084112"/>
               </p:ext>
             </p:extLst>
           </p:nvPr>
         </p:nvGraphicFramePr>
         <p:xfrm>
-          <a:off x="179512" y="2492870"/>
-          <a:ext cx="8819131" cy="4006942"/>
+          <a:off x="179512" y="2060810"/>
+          <a:ext cx="8819131" cy="4209251"/>
         </p:xfrm>
         <a:graphic>
           <a:graphicData uri="http://schemas.openxmlformats.org/drawingml/2006/table">
@@ -18148,13 +18153,7 @@
                         <a:rPr lang="ja-JP" altLang="en-US" sz="1050" kern="100" dirty="0" smtClean="0">
                           <a:effectLst/>
                         </a:rPr>
-                        <a:t>で</a:t>
-                      </a:r>
-                      <a:r>
-                        <a:rPr lang="ja-JP" altLang="en-US" sz="1050" kern="100" dirty="0" smtClean="0">
-                          <a:effectLst/>
-                        </a:rPr>
-                        <a:t>追加されたライブラリはありません。</a:t>
+                        <a:t>で追加されたライブラリはありません。</a:t>
                       </a:r>
                       <a:endParaRPr lang="ja-JP" altLang="ja-JP" sz="1050" kern="100" dirty="0" smtClean="0">
                         <a:effectLst/>
@@ -18249,6 +18248,187 @@
                 <a:extLst>
                   <a:ext uri="{0D108BD9-81ED-4DB2-BD59-A6C34878D82A}">
                     <a16:rowId xmlns:a16="http://schemas.microsoft.com/office/drawing/2014/main" val="1204998051"/>
+                  </a:ext>
+                </a:extLst>
+              </a:tr>
+              <a:tr h="202309">
+                <a:tc>
+                  <a:txBody>
+                    <a:bodyPr/>
+                    <a:lstStyle/>
+                    <a:p>
+                      <a:pPr marL="0" marR="0" lvl="0" indent="0" algn="just" defTabSz="914400" rtl="0" eaLnBrk="1" fontAlgn="auto" latinLnBrk="0" hangingPunct="1">
+                        <a:lnSpc>
+                          <a:spcPct val="100000"/>
+                        </a:lnSpc>
+                        <a:spcBef>
+                          <a:spcPts val="0"/>
+                        </a:spcBef>
+                        <a:spcAft>
+                          <a:spcPts val="0"/>
+                        </a:spcAft>
+                        <a:buClrTx/>
+                        <a:buSzTx/>
+                        <a:buFontTx/>
+                        <a:buNone/>
+                        <a:tabLst/>
+                        <a:defRPr/>
+                      </a:pPr>
+                      <a:r>
+                        <a:rPr lang="en-US" altLang="ja-JP" sz="1000" kern="0" dirty="0" smtClean="0">
+                          <a:effectLst/>
+                        </a:rPr>
+                        <a:t>1.8.1</a:t>
+                      </a:r>
+                      <a:endParaRPr lang="ja-JP" altLang="ja-JP" sz="1000" kern="100" dirty="0" smtClean="0">
+                        <a:effectLst/>
+                        <a:latin typeface="Century" panose="02040604050505020304" pitchFamily="18" charset="0"/>
+                        <a:ea typeface="ＭＳ 明朝" panose="02020609040205080304" pitchFamily="17" charset="-128"/>
+                        <a:cs typeface="Times New Roman" panose="02020603050405020304" pitchFamily="18" charset="0"/>
+                      </a:endParaRPr>
+                    </a:p>
+                  </a:txBody>
+                  <a:tcPr marL="68580" marR="68580" marT="0" marB="0" anchor="ctr"/>
+                </a:tc>
+                <a:tc gridSpan="5">
+                  <a:txBody>
+                    <a:bodyPr/>
+                    <a:lstStyle/>
+                    <a:p>
+                      <a:pPr marL="0" marR="0" lvl="0" indent="0" algn="ctr" defTabSz="914400" rtl="0" eaLnBrk="1" fontAlgn="auto" latinLnBrk="0" hangingPunct="1">
+                        <a:lnSpc>
+                          <a:spcPct val="100000"/>
+                        </a:lnSpc>
+                        <a:spcBef>
+                          <a:spcPts val="0"/>
+                        </a:spcBef>
+                        <a:spcAft>
+                          <a:spcPts val="0"/>
+                        </a:spcAft>
+                        <a:buClrTx/>
+                        <a:buSzTx/>
+                        <a:buFontTx/>
+                        <a:buNone/>
+                        <a:tabLst/>
+                        <a:defRPr/>
+                      </a:pPr>
+                      <a:r>
+                        <a:rPr lang="ja-JP" altLang="en-US" sz="1050" kern="100" dirty="0" smtClean="0">
+                          <a:effectLst/>
+                        </a:rPr>
+                        <a:t>バージョン</a:t>
+                      </a:r>
+                      <a:r>
+                        <a:rPr lang="en-US" altLang="ja-JP" sz="1050" kern="100" dirty="0" smtClean="0">
+                          <a:effectLst/>
+                        </a:rPr>
+                        <a:t>1.8.1</a:t>
+                      </a:r>
+                      <a:r>
+                        <a:rPr lang="ja-JP" altLang="en-US" sz="1050" kern="100" dirty="0" smtClean="0">
+                          <a:effectLst/>
+                        </a:rPr>
+                        <a:t>で</a:t>
+                      </a:r>
+                      <a:r>
+                        <a:rPr lang="ja-JP" altLang="en-US" sz="1050" kern="100" dirty="0" smtClean="0">
+                          <a:effectLst/>
+                        </a:rPr>
+                        <a:t>追加されたライブラリはありません。</a:t>
+                      </a:r>
+                      <a:endParaRPr lang="ja-JP" altLang="ja-JP" sz="1050" kern="100" dirty="0" smtClean="0">
+                        <a:effectLst/>
+                        <a:latin typeface="+mn-ea"/>
+                        <a:ea typeface="+mn-ea"/>
+                        <a:cs typeface="Times New Roman" panose="02020603050405020304" pitchFamily="18" charset="0"/>
+                      </a:endParaRPr>
+                    </a:p>
+                  </a:txBody>
+                  <a:tcPr marL="68580" marR="68580" marT="0" marB="0" anchor="ctr"/>
+                </a:tc>
+                <a:tc hMerge="1">
+                  <a:txBody>
+                    <a:bodyPr/>
+                    <a:lstStyle/>
+                    <a:p>
+                      <a:pPr algn="just">
+                        <a:spcAft>
+                          <a:spcPts val="0"/>
+                        </a:spcAft>
+                      </a:pPr>
+                      <a:endParaRPr lang="ja-JP" sz="1050" kern="100" dirty="0">
+                        <a:effectLst/>
+                        <a:latin typeface="Century" panose="02040604050505020304" pitchFamily="18" charset="0"/>
+                        <a:ea typeface="ＭＳ 明朝" panose="02020609040205080304" pitchFamily="17" charset="-128"/>
+                        <a:cs typeface="Times New Roman" panose="02020603050405020304" pitchFamily="18" charset="0"/>
+                      </a:endParaRPr>
+                    </a:p>
+                  </a:txBody>
+                  <a:tcPr marL="68580" marR="68580" marT="0" marB="0" anchor="ctr"/>
+                </a:tc>
+                <a:tc hMerge="1">
+                  <a:txBody>
+                    <a:bodyPr/>
+                    <a:lstStyle/>
+                    <a:p>
+                      <a:pPr algn="just">
+                        <a:spcAft>
+                          <a:spcPts val="0"/>
+                        </a:spcAft>
+                      </a:pPr>
+                      <a:endParaRPr lang="ja-JP" sz="1050" kern="100" dirty="0">
+                        <a:effectLst/>
+                        <a:latin typeface="Segoe UI" panose="020B0502040204020203" pitchFamily="34" charset="0"/>
+                        <a:ea typeface="ＭＳ 明朝" panose="02020609040205080304" pitchFamily="17" charset="-128"/>
+                        <a:cs typeface="Segoe UI" panose="020B0502040204020203" pitchFamily="34" charset="0"/>
+                      </a:endParaRPr>
+                    </a:p>
+                  </a:txBody>
+                  <a:tcPr marL="68580" marR="68580" marT="0" marB="0" anchor="ctr"/>
+                </a:tc>
+                <a:tc hMerge="1">
+                  <a:txBody>
+                    <a:bodyPr/>
+                    <a:lstStyle/>
+                    <a:p>
+                      <a:pPr algn="ctr">
+                        <a:spcAft>
+                          <a:spcPts val="0"/>
+                        </a:spcAft>
+                      </a:pPr>
+                      <a:endParaRPr lang="ja-JP" sz="1050" kern="100" dirty="0">
+                        <a:effectLst/>
+                        <a:latin typeface="+mn-lt"/>
+                        <a:ea typeface="ＭＳ 明朝" panose="02020609040205080304" pitchFamily="17" charset="-128"/>
+                        <a:cs typeface="Segoe UI" panose="020B0502040204020203" pitchFamily="34" charset="0"/>
+                      </a:endParaRPr>
+                    </a:p>
+                  </a:txBody>
+                  <a:tcPr marL="68580" marR="68580" marT="0" marB="0" anchor="ctr"/>
+                </a:tc>
+                <a:tc hMerge="1">
+                  <a:txBody>
+                    <a:bodyPr/>
+                    <a:lstStyle/>
+                    <a:p>
+                      <a:pPr algn="just">
+                        <a:spcAft>
+                          <a:spcPts val="0"/>
+                        </a:spcAft>
+                      </a:pPr>
+                      <a:endParaRPr lang="ja-JP" sz="1050" kern="100" dirty="0">
+                        <a:effectLst/>
+                        <a:latin typeface="+mn-ea"/>
+                        <a:ea typeface="+mn-ea"/>
+                        <a:cs typeface="Segoe UI" panose="020B0502040204020203" pitchFamily="34" charset="0"/>
+                      </a:endParaRPr>
+                    </a:p>
+                  </a:txBody>
+                  <a:tcPr marL="68580" marR="68580" marT="0" marB="0" anchor="ctr"/>
+                </a:tc>
+                <a:extLst>
+                  <a:ext uri="{0D108BD9-81ED-4DB2-BD59-A6C34878D82A}">
+                    <a16:rowId xmlns:a16="http://schemas.microsoft.com/office/drawing/2014/main" val="3287663881"/>
                   </a:ext>
                 </a:extLst>
               </a:tr>

--- a/asset/Learn_ja/ITA-version-up_ja.pptx
+++ b/asset/Learn_ja/ITA-version-up_ja.pptx
@@ -316,7 +316,7 @@
               <a:rPr kumimoji="1" lang="ja-JP" altLang="en-US" smtClean="0">
                 <a:ea typeface="メイリオ" panose="020B0604030504040204" pitchFamily="50" charset="-128"/>
               </a:rPr>
-              <a:t>2021/8/27</a:t>
+              <a:t>2021/10/29</a:t>
             </a:fld>
             <a:endParaRPr kumimoji="1" lang="ja-JP" altLang="en-US" dirty="0">
               <a:ea typeface="メイリオ" panose="020B0604030504040204" pitchFamily="50" charset="-128"/>
@@ -462,7 +462,7 @@
             <a:fld id="{4B26993D-C081-44EB-B0F5-A9F467792B62}" type="datetimeFigureOut">
               <a:rPr lang="ja-JP" altLang="en-US" smtClean="0"/>
               <a:pPr/>
-              <a:t>2021/8/27</a:t>
+              <a:t>2021/10/29</a:t>
             </a:fld>
             <a:endParaRPr lang="ja-JP" altLang="en-US" dirty="0"/>
           </a:p>
@@ -1085,7 +1085,7 @@
           <a:p>
             <a:fld id="{56F9016B-CCA6-43BE-8BEE-59565A35F4F7}" type="datetimeFigureOut">
               <a:rPr kumimoji="1" lang="ja-JP" altLang="en-US" smtClean="0"/>
-              <a:t>2021/8/27</a:t>
+              <a:t>2021/10/29</a:t>
             </a:fld>
             <a:endParaRPr kumimoji="1" lang="ja-JP" altLang="en-US"/>
           </a:p>
@@ -1287,7 +1287,7 @@
           <a:p>
             <a:fld id="{56F9016B-CCA6-43BE-8BEE-59565A35F4F7}" type="datetimeFigureOut">
               <a:rPr kumimoji="1" lang="ja-JP" altLang="en-US" smtClean="0"/>
-              <a:t>2021/8/27</a:t>
+              <a:t>2021/10/29</a:t>
             </a:fld>
             <a:endParaRPr kumimoji="1" lang="ja-JP" altLang="en-US"/>
           </a:p>
@@ -1533,7 +1533,7 @@
           <a:p>
             <a:fld id="{56F9016B-CCA6-43BE-8BEE-59565A35F4F7}" type="datetimeFigureOut">
               <a:rPr kumimoji="1" lang="ja-JP" altLang="en-US" smtClean="0"/>
-              <a:t>2021/8/27</a:t>
+              <a:t>2021/10/29</a:t>
             </a:fld>
             <a:endParaRPr kumimoji="1" lang="ja-JP" altLang="en-US"/>
           </a:p>
@@ -1829,7 +1829,7 @@
           <a:p>
             <a:fld id="{56F9016B-CCA6-43BE-8BEE-59565A35F4F7}" type="datetimeFigureOut">
               <a:rPr kumimoji="1" lang="ja-JP" altLang="en-US" smtClean="0"/>
-              <a:t>2021/8/27</a:t>
+              <a:t>2021/10/29</a:t>
             </a:fld>
             <a:endParaRPr kumimoji="1" lang="ja-JP" altLang="en-US"/>
           </a:p>
@@ -2260,7 +2260,7 @@
           <a:p>
             <a:fld id="{56F9016B-CCA6-43BE-8BEE-59565A35F4F7}" type="datetimeFigureOut">
               <a:rPr kumimoji="1" lang="ja-JP" altLang="en-US" smtClean="0"/>
-              <a:t>2021/8/27</a:t>
+              <a:t>2021/10/29</a:t>
             </a:fld>
             <a:endParaRPr kumimoji="1" lang="ja-JP" altLang="en-US"/>
           </a:p>
@@ -2378,7 +2378,7 @@
           <a:p>
             <a:fld id="{56F9016B-CCA6-43BE-8BEE-59565A35F4F7}" type="datetimeFigureOut">
               <a:rPr kumimoji="1" lang="ja-JP" altLang="en-US" smtClean="0"/>
-              <a:t>2021/8/27</a:t>
+              <a:t>2021/10/29</a:t>
             </a:fld>
             <a:endParaRPr kumimoji="1" lang="ja-JP" altLang="en-US"/>
           </a:p>
@@ -2473,7 +2473,7 @@
           <a:p>
             <a:fld id="{56F9016B-CCA6-43BE-8BEE-59565A35F4F7}" type="datetimeFigureOut">
               <a:rPr kumimoji="1" lang="ja-JP" altLang="en-US" smtClean="0"/>
-              <a:t>2021/8/27</a:t>
+              <a:t>2021/10/29</a:t>
             </a:fld>
             <a:endParaRPr kumimoji="1" lang="ja-JP" altLang="en-US"/>
           </a:p>
@@ -2782,7 +2782,7 @@
           <a:p>
             <a:fld id="{56F9016B-CCA6-43BE-8BEE-59565A35F4F7}" type="datetimeFigureOut">
               <a:rPr kumimoji="1" lang="ja-JP" altLang="en-US" smtClean="0"/>
-              <a:t>2021/8/27</a:t>
+              <a:t>2021/10/29</a:t>
             </a:fld>
             <a:endParaRPr kumimoji="1" lang="ja-JP" altLang="en-US"/>
           </a:p>
@@ -3035,7 +3035,7 @@
           <a:p>
             <a:fld id="{56F9016B-CCA6-43BE-8BEE-59565A35F4F7}" type="datetimeFigureOut">
               <a:rPr kumimoji="1" lang="ja-JP" altLang="en-US" smtClean="0"/>
-              <a:t>2021/8/27</a:t>
+              <a:t>2021/10/29</a:t>
             </a:fld>
             <a:endParaRPr kumimoji="1" lang="ja-JP" altLang="en-US"/>
           </a:p>
@@ -3312,7 +3312,7 @@
           <a:p>
             <a:fld id="{56F9016B-CCA6-43BE-8BEE-59565A35F4F7}" type="datetimeFigureOut">
               <a:rPr kumimoji="1" lang="ja-JP" altLang="en-US" smtClean="0"/>
-              <a:t>2021/8/27</a:t>
+              <a:t>2021/10/29</a:t>
             </a:fld>
             <a:endParaRPr kumimoji="1" lang="ja-JP" altLang="en-US"/>
           </a:p>
@@ -3524,7 +3524,7 @@
           <a:p>
             <a:fld id="{56F9016B-CCA6-43BE-8BEE-59565A35F4F7}" type="datetimeFigureOut">
               <a:rPr kumimoji="1" lang="ja-JP" altLang="en-US" smtClean="0"/>
-              <a:t>2021/8/27</a:t>
+              <a:t>2021/10/29</a:t>
             </a:fld>
             <a:endParaRPr kumimoji="1" lang="ja-JP" altLang="en-US"/>
           </a:p>
@@ -6583,7 +6583,7 @@
           <a:p>
             <a:fld id="{56F9016B-CCA6-43BE-8BEE-59565A35F4F7}" type="datetimeFigureOut">
               <a:rPr kumimoji="1" lang="ja-JP" altLang="en-US" smtClean="0"/>
-              <a:t>2021/8/27</a:t>
+              <a:t>2021/10/29</a:t>
             </a:fld>
             <a:endParaRPr kumimoji="1" lang="ja-JP" altLang="en-US"/>
           </a:p>
@@ -7025,7 +7025,7 @@
             </a:r>
             <a:r>
               <a:rPr lang="en-US" altLang="ja-JP" dirty="0" smtClean="0"/>
-              <a:t>1.8.1 </a:t>
+              <a:t>1.8 </a:t>
             </a:r>
             <a:endParaRPr lang="en-US" altLang="ja-JP" dirty="0"/>
           </a:p>
@@ -15060,14 +15060,14 @@
           <p:nvPr>
             <p:extLst>
               <p:ext uri="{D42A27DB-BD31-4B8C-83A1-F6EECF244321}">
-                <p14:modId xmlns:p14="http://schemas.microsoft.com/office/powerpoint/2010/main" val="659084112"/>
+                <p14:modId xmlns:p14="http://schemas.microsoft.com/office/powerpoint/2010/main" val="3470295128"/>
               </p:ext>
             </p:extLst>
           </p:nvPr>
         </p:nvGraphicFramePr>
         <p:xfrm>
           <a:off x="179512" y="2060810"/>
-          <a:ext cx="8819131" cy="4209251"/>
+          <a:ext cx="8819131" cy="4411560"/>
         </p:xfrm>
         <a:graphic>
           <a:graphicData uri="http://schemas.openxmlformats.org/drawingml/2006/table">
@@ -18328,13 +18328,7 @@
                         <a:rPr lang="ja-JP" altLang="en-US" sz="1050" kern="100" dirty="0" smtClean="0">
                           <a:effectLst/>
                         </a:rPr>
-                        <a:t>で</a:t>
-                      </a:r>
-                      <a:r>
-                        <a:rPr lang="ja-JP" altLang="en-US" sz="1050" kern="100" dirty="0" smtClean="0">
-                          <a:effectLst/>
-                        </a:rPr>
-                        <a:t>追加されたライブラリはありません。</a:t>
+                        <a:t>で追加されたライブラリはありません。</a:t>
                       </a:r>
                       <a:endParaRPr lang="ja-JP" altLang="ja-JP" sz="1050" kern="100" dirty="0" smtClean="0">
                         <a:effectLst/>
@@ -18429,6 +18423,141 @@
                 <a:extLst>
                   <a:ext uri="{0D108BD9-81ED-4DB2-BD59-A6C34878D82A}">
                     <a16:rowId xmlns:a16="http://schemas.microsoft.com/office/drawing/2014/main" val="3287663881"/>
+                  </a:ext>
+                </a:extLst>
+              </a:tr>
+              <a:tr h="202309">
+                <a:tc>
+                  <a:txBody>
+                    <a:bodyPr/>
+                    <a:lstStyle/>
+                    <a:p>
+                      <a:pPr marL="0" marR="0" lvl="0" indent="0" algn="just" defTabSz="914400" rtl="0" eaLnBrk="1" fontAlgn="auto" latinLnBrk="0" hangingPunct="1">
+                        <a:lnSpc>
+                          <a:spcPct val="100000"/>
+                        </a:lnSpc>
+                        <a:spcBef>
+                          <a:spcPts val="0"/>
+                        </a:spcBef>
+                        <a:spcAft>
+                          <a:spcPts val="0"/>
+                        </a:spcAft>
+                        <a:buClrTx/>
+                        <a:buSzTx/>
+                        <a:buFontTx/>
+                        <a:buNone/>
+                        <a:tabLst/>
+                        <a:defRPr/>
+                      </a:pPr>
+                      <a:r>
+                        <a:rPr lang="en-US" altLang="ja-JP" sz="1000" kern="0" dirty="0" smtClean="0">
+                          <a:effectLst/>
+                        </a:rPr>
+                        <a:t>1.8.2</a:t>
+                      </a:r>
+                      <a:endParaRPr lang="ja-JP" altLang="ja-JP" sz="1000" kern="100" dirty="0" smtClean="0">
+                        <a:effectLst/>
+                        <a:latin typeface="Century" panose="02040604050505020304" pitchFamily="18" charset="0"/>
+                        <a:ea typeface="ＭＳ 明朝" panose="02020609040205080304" pitchFamily="17" charset="-128"/>
+                        <a:cs typeface="Times New Roman" panose="02020603050405020304" pitchFamily="18" charset="0"/>
+                      </a:endParaRPr>
+                    </a:p>
+                  </a:txBody>
+                  <a:tcPr marL="68580" marR="68580" marT="0" marB="0" anchor="ctr"/>
+                </a:tc>
+                <a:tc gridSpan="5">
+                  <a:txBody>
+                    <a:bodyPr/>
+                    <a:lstStyle/>
+                    <a:p>
+                      <a:pPr marL="0" marR="0" lvl="0" indent="0" algn="ctr" defTabSz="914400" rtl="0" eaLnBrk="1" fontAlgn="auto" latinLnBrk="0" hangingPunct="1">
+                        <a:lnSpc>
+                          <a:spcPct val="100000"/>
+                        </a:lnSpc>
+                        <a:spcBef>
+                          <a:spcPts val="0"/>
+                        </a:spcBef>
+                        <a:spcAft>
+                          <a:spcPts val="0"/>
+                        </a:spcAft>
+                        <a:buClrTx/>
+                        <a:buSzTx/>
+                        <a:buFontTx/>
+                        <a:buNone/>
+                        <a:tabLst/>
+                        <a:defRPr/>
+                      </a:pPr>
+                      <a:r>
+                        <a:rPr lang="ja-JP" altLang="en-US" sz="1050" kern="100" dirty="0" smtClean="0">
+                          <a:effectLst/>
+                        </a:rPr>
+                        <a:t>バージョン</a:t>
+                      </a:r>
+                      <a:r>
+                        <a:rPr lang="en-US" altLang="ja-JP" sz="1050" kern="100" dirty="0" smtClean="0">
+                          <a:effectLst/>
+                        </a:rPr>
+                        <a:t>1.8.2</a:t>
+                      </a:r>
+                      <a:r>
+                        <a:rPr lang="ja-JP" altLang="en-US" sz="1050" kern="100" dirty="0" smtClean="0">
+                          <a:effectLst/>
+                        </a:rPr>
+                        <a:t>で追加されたライブラリはありません。</a:t>
+                      </a:r>
+                      <a:endParaRPr lang="ja-JP" altLang="ja-JP" sz="1050" kern="100" dirty="0" smtClean="0">
+                        <a:effectLst/>
+                        <a:latin typeface="+mn-ea"/>
+                        <a:ea typeface="+mn-ea"/>
+                        <a:cs typeface="Times New Roman" panose="02020603050405020304" pitchFamily="18" charset="0"/>
+                      </a:endParaRPr>
+                    </a:p>
+                  </a:txBody>
+                  <a:tcPr marL="68580" marR="68580" marT="0" marB="0" anchor="ctr"/>
+                </a:tc>
+                <a:tc hMerge="1">
+                  <a:txBody>
+                    <a:bodyPr/>
+                    <a:lstStyle/>
+                    <a:p>
+                      <a:endParaRPr kumimoji="1" lang="ja-JP" altLang="en-US"/>
+                    </a:p>
+                  </a:txBody>
+                  <a:tcPr/>
+                </a:tc>
+                <a:tc hMerge="1">
+                  <a:txBody>
+                    <a:bodyPr/>
+                    <a:lstStyle/>
+                    <a:p>
+                      <a:endParaRPr kumimoji="1" lang="ja-JP" altLang="en-US"/>
+                    </a:p>
+                  </a:txBody>
+                  <a:tcPr/>
+                </a:tc>
+                <a:tc hMerge="1">
+                  <a:txBody>
+                    <a:bodyPr/>
+                    <a:lstStyle/>
+                    <a:p>
+                      <a:endParaRPr kumimoji="1" lang="ja-JP" altLang="en-US"/>
+                    </a:p>
+                  </a:txBody>
+                  <a:tcPr/>
+                </a:tc>
+                <a:tc hMerge="1">
+                  <a:txBody>
+                    <a:bodyPr/>
+                    <a:lstStyle/>
+                    <a:p>
+                      <a:endParaRPr kumimoji="1" lang="ja-JP" altLang="en-US"/>
+                    </a:p>
+                  </a:txBody>
+                  <a:tcPr/>
+                </a:tc>
+                <a:extLst>
+                  <a:ext uri="{0D108BD9-81ED-4DB2-BD59-A6C34878D82A}">
+                    <a16:rowId xmlns:a16="http://schemas.microsoft.com/office/drawing/2014/main" val="1023465845"/>
                   </a:ext>
                 </a:extLst>
               </a:tr>

--- a/asset/Learn_ja/ITA-version-up_ja.pptx
+++ b/asset/Learn_ja/ITA-version-up_ja.pptx
@@ -6,10 +6,10 @@
     <p:sldMasterId id="2147483703" r:id="rId2"/>
   </p:sldMasterIdLst>
   <p:notesMasterIdLst>
-    <p:notesMasterId r:id="rId21"/>
+    <p:notesMasterId r:id="rId23"/>
   </p:notesMasterIdLst>
   <p:handoutMasterIdLst>
-    <p:handoutMasterId r:id="rId22"/>
+    <p:handoutMasterId r:id="rId24"/>
   </p:handoutMasterIdLst>
   <p:sldIdLst>
     <p:sldId id="262" r:id="rId3"/>
@@ -27,9 +27,11 @@
     <p:sldId id="521" r:id="rId15"/>
     <p:sldId id="522" r:id="rId16"/>
     <p:sldId id="523" r:id="rId17"/>
-    <p:sldId id="524" r:id="rId18"/>
-    <p:sldId id="527" r:id="rId19"/>
-    <p:sldId id="318" r:id="rId20"/>
+    <p:sldId id="537" r:id="rId18"/>
+    <p:sldId id="524" r:id="rId19"/>
+    <p:sldId id="527" r:id="rId20"/>
+    <p:sldId id="538" r:id="rId21"/>
+    <p:sldId id="318" r:id="rId22"/>
   </p:sldIdLst>
   <p:sldSz cx="9144000" cy="6858000" type="screen4x3"/>
   <p:notesSz cx="6807200" cy="9939338"/>
@@ -161,12 +163,14 @@
             <p14:sldId id="521"/>
             <p14:sldId id="522"/>
             <p14:sldId id="523"/>
+            <p14:sldId id="537"/>
           </p14:sldIdLst>
         </p14:section>
         <p14:section name="4.　ITA動作確認" id="{997E25C5-536A-441F-84BA-3CB1FBC6F6F3}">
           <p14:sldIdLst>
             <p14:sldId id="524"/>
             <p14:sldId id="527"/>
+            <p14:sldId id="538"/>
             <p14:sldId id="318"/>
           </p14:sldIdLst>
         </p14:section>
@@ -316,7 +320,7 @@
               <a:rPr kumimoji="1" lang="ja-JP" altLang="en-US" smtClean="0">
                 <a:ea typeface="メイリオ" panose="020B0604030504040204" pitchFamily="50" charset="-128"/>
               </a:rPr>
-              <a:t>2021/10/29</a:t>
+              <a:t>2021/11/25</a:t>
             </a:fld>
             <a:endParaRPr kumimoji="1" lang="ja-JP" altLang="en-US" dirty="0">
               <a:ea typeface="メイリオ" panose="020B0604030504040204" pitchFamily="50" charset="-128"/>
@@ -462,7 +466,7 @@
             <a:fld id="{4B26993D-C081-44EB-B0F5-A9F467792B62}" type="datetimeFigureOut">
               <a:rPr lang="ja-JP" altLang="en-US" smtClean="0"/>
               <a:pPr/>
-              <a:t>2021/10/29</a:t>
+              <a:t>2021/11/25</a:t>
             </a:fld>
             <a:endParaRPr lang="ja-JP" altLang="en-US" dirty="0"/>
           </a:p>
@@ -1085,7 +1089,7 @@
           <a:p>
             <a:fld id="{56F9016B-CCA6-43BE-8BEE-59565A35F4F7}" type="datetimeFigureOut">
               <a:rPr kumimoji="1" lang="ja-JP" altLang="en-US" smtClean="0"/>
-              <a:t>2021/10/29</a:t>
+              <a:t>2021/11/25</a:t>
             </a:fld>
             <a:endParaRPr kumimoji="1" lang="ja-JP" altLang="en-US"/>
           </a:p>
@@ -1287,7 +1291,7 @@
           <a:p>
             <a:fld id="{56F9016B-CCA6-43BE-8BEE-59565A35F4F7}" type="datetimeFigureOut">
               <a:rPr kumimoji="1" lang="ja-JP" altLang="en-US" smtClean="0"/>
-              <a:t>2021/10/29</a:t>
+              <a:t>2021/11/25</a:t>
             </a:fld>
             <a:endParaRPr kumimoji="1" lang="ja-JP" altLang="en-US"/>
           </a:p>
@@ -1533,7 +1537,7 @@
           <a:p>
             <a:fld id="{56F9016B-CCA6-43BE-8BEE-59565A35F4F7}" type="datetimeFigureOut">
               <a:rPr kumimoji="1" lang="ja-JP" altLang="en-US" smtClean="0"/>
-              <a:t>2021/10/29</a:t>
+              <a:t>2021/11/25</a:t>
             </a:fld>
             <a:endParaRPr kumimoji="1" lang="ja-JP" altLang="en-US"/>
           </a:p>
@@ -1829,7 +1833,7 @@
           <a:p>
             <a:fld id="{56F9016B-CCA6-43BE-8BEE-59565A35F4F7}" type="datetimeFigureOut">
               <a:rPr kumimoji="1" lang="ja-JP" altLang="en-US" smtClean="0"/>
-              <a:t>2021/10/29</a:t>
+              <a:t>2021/11/25</a:t>
             </a:fld>
             <a:endParaRPr kumimoji="1" lang="ja-JP" altLang="en-US"/>
           </a:p>
@@ -2260,7 +2264,7 @@
           <a:p>
             <a:fld id="{56F9016B-CCA6-43BE-8BEE-59565A35F4F7}" type="datetimeFigureOut">
               <a:rPr kumimoji="1" lang="ja-JP" altLang="en-US" smtClean="0"/>
-              <a:t>2021/10/29</a:t>
+              <a:t>2021/11/25</a:t>
             </a:fld>
             <a:endParaRPr kumimoji="1" lang="ja-JP" altLang="en-US"/>
           </a:p>
@@ -2378,7 +2382,7 @@
           <a:p>
             <a:fld id="{56F9016B-CCA6-43BE-8BEE-59565A35F4F7}" type="datetimeFigureOut">
               <a:rPr kumimoji="1" lang="ja-JP" altLang="en-US" smtClean="0"/>
-              <a:t>2021/10/29</a:t>
+              <a:t>2021/11/25</a:t>
             </a:fld>
             <a:endParaRPr kumimoji="1" lang="ja-JP" altLang="en-US"/>
           </a:p>
@@ -2473,7 +2477,7 @@
           <a:p>
             <a:fld id="{56F9016B-CCA6-43BE-8BEE-59565A35F4F7}" type="datetimeFigureOut">
               <a:rPr kumimoji="1" lang="ja-JP" altLang="en-US" smtClean="0"/>
-              <a:t>2021/10/29</a:t>
+              <a:t>2021/11/25</a:t>
             </a:fld>
             <a:endParaRPr kumimoji="1" lang="ja-JP" altLang="en-US"/>
           </a:p>
@@ -2782,7 +2786,7 @@
           <a:p>
             <a:fld id="{56F9016B-CCA6-43BE-8BEE-59565A35F4F7}" type="datetimeFigureOut">
               <a:rPr kumimoji="1" lang="ja-JP" altLang="en-US" smtClean="0"/>
-              <a:t>2021/10/29</a:t>
+              <a:t>2021/11/25</a:t>
             </a:fld>
             <a:endParaRPr kumimoji="1" lang="ja-JP" altLang="en-US"/>
           </a:p>
@@ -3035,7 +3039,7 @@
           <a:p>
             <a:fld id="{56F9016B-CCA6-43BE-8BEE-59565A35F4F7}" type="datetimeFigureOut">
               <a:rPr kumimoji="1" lang="ja-JP" altLang="en-US" smtClean="0"/>
-              <a:t>2021/10/29</a:t>
+              <a:t>2021/11/25</a:t>
             </a:fld>
             <a:endParaRPr kumimoji="1" lang="ja-JP" altLang="en-US"/>
           </a:p>
@@ -3312,7 +3316,7 @@
           <a:p>
             <a:fld id="{56F9016B-CCA6-43BE-8BEE-59565A35F4F7}" type="datetimeFigureOut">
               <a:rPr kumimoji="1" lang="ja-JP" altLang="en-US" smtClean="0"/>
-              <a:t>2021/10/29</a:t>
+              <a:t>2021/11/25</a:t>
             </a:fld>
             <a:endParaRPr kumimoji="1" lang="ja-JP" altLang="en-US"/>
           </a:p>
@@ -3524,7 +3528,7 @@
           <a:p>
             <a:fld id="{56F9016B-CCA6-43BE-8BEE-59565A35F4F7}" type="datetimeFigureOut">
               <a:rPr kumimoji="1" lang="ja-JP" altLang="en-US" smtClean="0"/>
-              <a:t>2021/10/29</a:t>
+              <a:t>2021/11/25</a:t>
             </a:fld>
             <a:endParaRPr kumimoji="1" lang="ja-JP" altLang="en-US"/>
           </a:p>
@@ -6583,7 +6587,7 @@
           <a:p>
             <a:fld id="{56F9016B-CCA6-43BE-8BEE-59565A35F4F7}" type="datetimeFigureOut">
               <a:rPr kumimoji="1" lang="ja-JP" altLang="en-US" smtClean="0"/>
-              <a:t>2021/10/29</a:t>
+              <a:t>2021/11/25</a:t>
             </a:fld>
             <a:endParaRPr kumimoji="1" lang="ja-JP" altLang="en-US"/>
           </a:p>
@@ -7025,7 +7029,7 @@
             </a:r>
             <a:r>
               <a:rPr lang="en-US" altLang="ja-JP" dirty="0" smtClean="0"/>
-              <a:t>1.8 </a:t>
+              <a:t>1.9 </a:t>
             </a:r>
             <a:endParaRPr lang="en-US" altLang="ja-JP" dirty="0"/>
           </a:p>
@@ -7621,7 +7625,7 @@
             </a:r>
             <a:r>
               <a:rPr lang="en-US" altLang="ja-JP" dirty="0" smtClean="0"/>
-              <a:t>1/6</a:t>
+              <a:t>1/7</a:t>
             </a:r>
             <a:r>
               <a:rPr lang="ja-JP" altLang="en-US" dirty="0" smtClean="0"/>
@@ -8096,7 +8100,7 @@
             </a:r>
             <a:r>
               <a:rPr lang="en-US" altLang="ja-JP" dirty="0" smtClean="0"/>
-              <a:t>2/6</a:t>
+              <a:t>2/7</a:t>
             </a:r>
             <a:r>
               <a:rPr lang="ja-JP" altLang="en-US" dirty="0" smtClean="0"/>
@@ -10768,7 +10772,7 @@
             </a:r>
             <a:r>
               <a:rPr lang="en-US" altLang="ja-JP" dirty="0" smtClean="0"/>
-              <a:t>3/6</a:t>
+              <a:t>3/7</a:t>
             </a:r>
             <a:r>
               <a:rPr lang="ja-JP" altLang="en-US" dirty="0" smtClean="0"/>
@@ -11058,7 +11062,7 @@
             </a:r>
             <a:r>
               <a:rPr lang="en-US" altLang="ja-JP" dirty="0" smtClean="0"/>
-              <a:t>4/6</a:t>
+              <a:t>4/7</a:t>
             </a:r>
             <a:r>
               <a:rPr lang="ja-JP" altLang="en-US" dirty="0" smtClean="0"/>
@@ -14505,12 +14509,8 @@
               <a:t>バージョンアップ（</a:t>
             </a:r>
             <a:r>
-              <a:rPr lang="en-US" altLang="ja-JP" dirty="0"/>
-              <a:t>5</a:t>
-            </a:r>
-            <a:r>
               <a:rPr lang="en-US" altLang="ja-JP" dirty="0" smtClean="0"/>
-              <a:t>/6</a:t>
+              <a:t>5/7</a:t>
             </a:r>
             <a:r>
               <a:rPr lang="ja-JP" altLang="en-US" dirty="0" smtClean="0"/>
@@ -14885,12 +14885,8 @@
               <a:t>バージョンアップ（</a:t>
             </a:r>
             <a:r>
-              <a:rPr lang="en-US" altLang="ja-JP" dirty="0"/>
-              <a:t>6</a:t>
-            </a:r>
-            <a:r>
               <a:rPr lang="en-US" altLang="ja-JP" dirty="0" smtClean="0"/>
-              <a:t>/6</a:t>
+              <a:t>6/7</a:t>
             </a:r>
             <a:r>
               <a:rPr lang="ja-JP" altLang="en-US" dirty="0" smtClean="0"/>
@@ -15060,14 +15056,14 @@
           <p:nvPr>
             <p:extLst>
               <p:ext uri="{D42A27DB-BD31-4B8C-83A1-F6EECF244321}">
-                <p14:modId xmlns:p14="http://schemas.microsoft.com/office/powerpoint/2010/main" val="3470295128"/>
+                <p14:modId xmlns:p14="http://schemas.microsoft.com/office/powerpoint/2010/main" val="1655430068"/>
               </p:ext>
             </p:extLst>
           </p:nvPr>
         </p:nvGraphicFramePr>
         <p:xfrm>
-          <a:off x="179512" y="2060810"/>
-          <a:ext cx="8819131" cy="4411560"/>
+          <a:off x="179512" y="2204830"/>
+          <a:ext cx="8819131" cy="3804633"/>
         </p:xfrm>
         <a:graphic>
           <a:graphicData uri="http://schemas.openxmlformats.org/drawingml/2006/table">
@@ -18076,6 +18072,343 @@
                   </a:ext>
                 </a:extLst>
               </a:tr>
+            </a:tbl>
+          </a:graphicData>
+        </a:graphic>
+      </p:graphicFrame>
+    </p:spTree>
+    <p:extLst>
+      <p:ext uri="{BB962C8B-B14F-4D97-AF65-F5344CB8AC3E}">
+        <p14:creationId xmlns:p14="http://schemas.microsoft.com/office/powerpoint/2010/main" val="799422608"/>
+      </p:ext>
+    </p:extLst>
+  </p:cSld>
+  <p:clrMapOvr>
+    <a:masterClrMapping/>
+  </p:clrMapOvr>
+  <p:timing>
+    <p:tnLst>
+      <p:par>
+        <p:cTn id="1" dur="indefinite" restart="never" nodeType="tmRoot"/>
+      </p:par>
+    </p:tnLst>
+  </p:timing>
+</p:sld>
+</file>
+
+<file path=ppt/slides/slide16.xml><?xml version="1.0" encoding="utf-8"?>
+<p:sld xmlns:a="http://schemas.openxmlformats.org/drawingml/2006/main" xmlns:r="http://schemas.openxmlformats.org/officeDocument/2006/relationships" xmlns:p="http://schemas.openxmlformats.org/presentationml/2006/main">
+  <p:cSld>
+    <p:spTree>
+      <p:nvGrpSpPr>
+        <p:cNvPr id="1" name=""/>
+        <p:cNvGrpSpPr/>
+        <p:nvPr/>
+      </p:nvGrpSpPr>
+      <p:grpSpPr>
+        <a:xfrm>
+          <a:off x="0" y="0"/>
+          <a:ext cx="0" cy="0"/>
+          <a:chOff x="0" y="0"/>
+          <a:chExt cx="0" cy="0"/>
+        </a:xfrm>
+      </p:grpSpPr>
+      <p:sp>
+        <p:nvSpPr>
+          <p:cNvPr id="2" name="タイトル 1"/>
+          <p:cNvSpPr>
+            <a:spLocks noGrp="1"/>
+          </p:cNvSpPr>
+          <p:nvPr>
+            <p:ph type="title"/>
+          </p:nvPr>
+        </p:nvSpPr>
+        <p:spPr/>
+        <p:txBody>
+          <a:bodyPr/>
+          <a:lstStyle/>
+          <a:p>
+            <a:r>
+              <a:rPr lang="en-US" altLang="ja-JP" dirty="0" smtClean="0"/>
+              <a:t>3.8</a:t>
+            </a:r>
+            <a:r>
+              <a:rPr lang="ja-JP" altLang="en-US" dirty="0"/>
+              <a:t>　</a:t>
+            </a:r>
+            <a:r>
+              <a:rPr lang="ja-JP" altLang="en-US" dirty="0" smtClean="0"/>
+              <a:t>バージョンアップ</a:t>
+            </a:r>
+            <a:r>
+              <a:rPr lang="ja-JP" altLang="en-US" dirty="0" smtClean="0"/>
+              <a:t>（</a:t>
+            </a:r>
+            <a:r>
+              <a:rPr lang="en-US" altLang="ja-JP" dirty="0" smtClean="0"/>
+              <a:t>7/7</a:t>
+            </a:r>
+            <a:r>
+              <a:rPr lang="ja-JP" altLang="en-US" dirty="0" smtClean="0"/>
+              <a:t>）</a:t>
+            </a:r>
+            <a:endParaRPr kumimoji="1" lang="ja-JP" altLang="en-US" dirty="0"/>
+          </a:p>
+        </p:txBody>
+      </p:sp>
+      <p:graphicFrame>
+        <p:nvGraphicFramePr>
+          <p:cNvPr id="6" name="表 5"/>
+          <p:cNvGraphicFramePr>
+            <a:graphicFrameLocks noGrp="1"/>
+          </p:cNvGraphicFramePr>
+          <p:nvPr>
+            <p:extLst>
+              <p:ext uri="{D42A27DB-BD31-4B8C-83A1-F6EECF244321}">
+                <p14:modId xmlns:p14="http://schemas.microsoft.com/office/powerpoint/2010/main" val="2816200761"/>
+              </p:ext>
+            </p:extLst>
+          </p:nvPr>
+        </p:nvGraphicFramePr>
+        <p:xfrm>
+          <a:off x="179512" y="908650"/>
+          <a:ext cx="8819131" cy="1219966"/>
+        </p:xfrm>
+        <a:graphic>
+          <a:graphicData uri="http://schemas.openxmlformats.org/drawingml/2006/table">
+            <a:tbl>
+              <a:tblPr firstRow="1" firstCol="1" bandRow="1">
+                <a:tableStyleId>{93296810-A885-4BE3-A3E7-6D5BEEA58F35}</a:tableStyleId>
+              </a:tblPr>
+              <a:tblGrid>
+                <a:gridCol w="936130">
+                  <a:extLst>
+                    <a:ext uri="{9D8B030D-6E8A-4147-A177-3AD203B41FA5}">
+                      <a16:colId xmlns:a16="http://schemas.microsoft.com/office/drawing/2014/main" val="20000"/>
+                    </a:ext>
+                  </a:extLst>
+                </a:gridCol>
+                <a:gridCol w="1115060">
+                  <a:extLst>
+                    <a:ext uri="{9D8B030D-6E8A-4147-A177-3AD203B41FA5}">
+                      <a16:colId xmlns:a16="http://schemas.microsoft.com/office/drawing/2014/main" val="152993547"/>
+                    </a:ext>
+                  </a:extLst>
+                </a:gridCol>
+                <a:gridCol w="1035050">
+                  <a:extLst>
+                    <a:ext uri="{9D8B030D-6E8A-4147-A177-3AD203B41FA5}">
+                      <a16:colId xmlns:a16="http://schemas.microsoft.com/office/drawing/2014/main" val="20001"/>
+                    </a:ext>
+                  </a:extLst>
+                </a:gridCol>
+                <a:gridCol w="1798511">
+                  <a:extLst>
+                    <a:ext uri="{9D8B030D-6E8A-4147-A177-3AD203B41FA5}">
+                      <a16:colId xmlns:a16="http://schemas.microsoft.com/office/drawing/2014/main" val="20002"/>
+                    </a:ext>
+                  </a:extLst>
+                </a:gridCol>
+                <a:gridCol w="549910">
+                  <a:extLst>
+                    <a:ext uri="{9D8B030D-6E8A-4147-A177-3AD203B41FA5}">
+                      <a16:colId xmlns:a16="http://schemas.microsoft.com/office/drawing/2014/main" val="2782429275"/>
+                    </a:ext>
+                  </a:extLst>
+                </a:gridCol>
+                <a:gridCol w="3384470">
+                  <a:extLst>
+                    <a:ext uri="{9D8B030D-6E8A-4147-A177-3AD203B41FA5}">
+                      <a16:colId xmlns:a16="http://schemas.microsoft.com/office/drawing/2014/main" val="1389011001"/>
+                    </a:ext>
+                  </a:extLst>
+                </a:gridCol>
+              </a:tblGrid>
+              <a:tr h="410730">
+                <a:tc>
+                  <a:txBody>
+                    <a:bodyPr/>
+                    <a:lstStyle/>
+                    <a:p>
+                      <a:pPr algn="ctr">
+                        <a:spcAft>
+                          <a:spcPts val="0"/>
+                        </a:spcAft>
+                      </a:pPr>
+                      <a:r>
+                        <a:rPr lang="ja-JP" altLang="en-US" sz="1050" kern="100" dirty="0" smtClean="0">
+                          <a:effectLst/>
+                        </a:rPr>
+                        <a:t>バージョン</a:t>
+                      </a:r>
+                      <a:endParaRPr lang="ja-JP" sz="1050" kern="100" dirty="0">
+                        <a:effectLst/>
+                        <a:latin typeface="Century" panose="02040604050505020304" pitchFamily="18" charset="0"/>
+                        <a:ea typeface="ＭＳ 明朝" panose="02020609040205080304" pitchFamily="17" charset="-128"/>
+                        <a:cs typeface="Times New Roman" panose="02020603050405020304" pitchFamily="18" charset="0"/>
+                      </a:endParaRPr>
+                    </a:p>
+                  </a:txBody>
+                  <a:tcPr marL="68580" marR="68580" marT="0" marB="0" anchor="ctr"/>
+                </a:tc>
+                <a:tc>
+                  <a:txBody>
+                    <a:bodyPr/>
+                    <a:lstStyle/>
+                    <a:p>
+                      <a:pPr algn="ctr">
+                        <a:spcAft>
+                          <a:spcPts val="0"/>
+                        </a:spcAft>
+                      </a:pPr>
+                      <a:r>
+                        <a:rPr lang="ja-JP" altLang="en-US" sz="1050" kern="0" dirty="0" smtClean="0">
+                          <a:effectLst/>
+                        </a:rPr>
+                        <a:t>インストール済</a:t>
+                      </a:r>
+                      <a:endParaRPr lang="en-US" altLang="ja-JP" sz="1050" kern="0" dirty="0" smtClean="0">
+                        <a:effectLst/>
+                      </a:endParaRPr>
+                    </a:p>
+                    <a:p>
+                      <a:pPr algn="ctr">
+                        <a:spcAft>
+                          <a:spcPts val="0"/>
+                        </a:spcAft>
+                      </a:pPr>
+                      <a:r>
+                        <a:rPr lang="ja-JP" altLang="en-US" sz="1050" kern="0" dirty="0" smtClean="0">
+                          <a:effectLst/>
+                        </a:rPr>
+                        <a:t>ドライバ</a:t>
+                      </a:r>
+                      <a:endParaRPr lang="ja-JP" sz="1050" kern="100" dirty="0">
+                        <a:effectLst/>
+                        <a:latin typeface="Century" panose="02040604050505020304" pitchFamily="18" charset="0"/>
+                        <a:ea typeface="ＭＳ 明朝" panose="02020609040205080304" pitchFamily="17" charset="-128"/>
+                        <a:cs typeface="Times New Roman" panose="02020603050405020304" pitchFamily="18" charset="0"/>
+                      </a:endParaRPr>
+                    </a:p>
+                  </a:txBody>
+                  <a:tcPr marL="68580" marR="68580" marT="0" marB="0" anchor="ctr"/>
+                </a:tc>
+                <a:tc>
+                  <a:txBody>
+                    <a:bodyPr/>
+                    <a:lstStyle/>
+                    <a:p>
+                      <a:pPr algn="ctr">
+                        <a:spcAft>
+                          <a:spcPts val="0"/>
+                        </a:spcAft>
+                      </a:pPr>
+                      <a:r>
+                        <a:rPr lang="ja-JP" sz="1050" kern="0" dirty="0" smtClean="0">
+                          <a:effectLst/>
+                        </a:rPr>
+                        <a:t>ライブラリ</a:t>
+                      </a:r>
+                      <a:r>
+                        <a:rPr lang="ja-JP" altLang="en-US" sz="1050" kern="0" dirty="0" smtClean="0">
+                          <a:effectLst/>
+                        </a:rPr>
+                        <a:t>名</a:t>
+                      </a:r>
+                      <a:endParaRPr lang="ja-JP" sz="1050" kern="100" dirty="0">
+                        <a:effectLst/>
+                        <a:latin typeface="Century" panose="02040604050505020304" pitchFamily="18" charset="0"/>
+                        <a:ea typeface="ＭＳ 明朝" panose="02020609040205080304" pitchFamily="17" charset="-128"/>
+                        <a:cs typeface="Times New Roman" panose="02020603050405020304" pitchFamily="18" charset="0"/>
+                      </a:endParaRPr>
+                    </a:p>
+                  </a:txBody>
+                  <a:tcPr marL="68580" marR="68580" marT="0" marB="0" anchor="ctr"/>
+                </a:tc>
+                <a:tc>
+                  <a:txBody>
+                    <a:bodyPr/>
+                    <a:lstStyle/>
+                    <a:p>
+                      <a:pPr algn="ctr">
+                        <a:spcAft>
+                          <a:spcPts val="0"/>
+                        </a:spcAft>
+                      </a:pPr>
+                      <a:r>
+                        <a:rPr lang="ja-JP" altLang="en-US" sz="1050" kern="100" dirty="0" smtClean="0">
+                          <a:effectLst/>
+                        </a:rPr>
+                        <a:t>インストールコマンド</a:t>
+                      </a:r>
+                      <a:endParaRPr lang="ja-JP" sz="1050" kern="100" dirty="0">
+                        <a:effectLst/>
+                        <a:latin typeface="Century" panose="02040604050505020304" pitchFamily="18" charset="0"/>
+                        <a:ea typeface="ＭＳ 明朝" panose="02020609040205080304" pitchFamily="17" charset="-128"/>
+                        <a:cs typeface="Times New Roman" panose="02020603050405020304" pitchFamily="18" charset="0"/>
+                      </a:endParaRPr>
+                    </a:p>
+                  </a:txBody>
+                  <a:tcPr marL="68580" marR="68580" marT="0" marB="0" anchor="ctr"/>
+                </a:tc>
+                <a:tc>
+                  <a:txBody>
+                    <a:bodyPr/>
+                    <a:lstStyle/>
+                    <a:p>
+                      <a:pPr algn="ctr">
+                        <a:spcAft>
+                          <a:spcPts val="0"/>
+                        </a:spcAft>
+                      </a:pPr>
+                      <a:r>
+                        <a:rPr lang="ja-JP" altLang="en-US" sz="1050" kern="100" dirty="0" smtClean="0">
+                          <a:effectLst/>
+                        </a:rPr>
+                        <a:t>必須</a:t>
+                      </a:r>
+                      <a:endParaRPr lang="en-US" altLang="ja-JP" sz="1050" kern="100" dirty="0" smtClean="0">
+                        <a:effectLst/>
+                        <a:latin typeface="+mj-ea"/>
+                        <a:ea typeface="+mj-ea"/>
+                        <a:cs typeface="Times New Roman" panose="02020603050405020304" pitchFamily="18" charset="0"/>
+                      </a:endParaRPr>
+                    </a:p>
+                  </a:txBody>
+                  <a:tcPr marL="68580" marR="68580" marT="0" marB="0" anchor="ctr"/>
+                </a:tc>
+                <a:tc>
+                  <a:txBody>
+                    <a:bodyPr/>
+                    <a:lstStyle/>
+                    <a:p>
+                      <a:pPr algn="ctr">
+                        <a:spcAft>
+                          <a:spcPts val="0"/>
+                        </a:spcAft>
+                      </a:pPr>
+                      <a:r>
+                        <a:rPr lang="ja-JP" altLang="en-US" sz="1050" kern="100" dirty="0" smtClean="0">
+                          <a:effectLst/>
+                        </a:rPr>
+                        <a:t>用途</a:t>
+                      </a:r>
+                      <a:endParaRPr lang="ja-JP" altLang="ja-JP" sz="1050" kern="100" dirty="0">
+                        <a:effectLst/>
+                        <a:latin typeface="+mj-ea"/>
+                        <a:ea typeface="+mj-ea"/>
+                        <a:cs typeface="Times New Roman" panose="02020603050405020304" pitchFamily="18" charset="0"/>
+                      </a:endParaRPr>
+                    </a:p>
+                  </a:txBody>
+                  <a:tcPr marL="68580" marR="68580" marT="0" marB="0" anchor="ctr"/>
+                </a:tc>
+                <a:extLst>
+                  <a:ext uri="{0D108BD9-81ED-4DB2-BD59-A6C34878D82A}">
+                    <a16:rowId xmlns:a16="http://schemas.microsoft.com/office/drawing/2014/main" val="10000"/>
+                  </a:ext>
+                </a:extLst>
+              </a:tr>
               <a:tr h="202309">
                 <a:tc>
                   <a:txBody>
@@ -18561,6 +18894,147 @@
                   </a:ext>
                 </a:extLst>
               </a:tr>
+              <a:tr h="202309">
+                <a:tc>
+                  <a:txBody>
+                    <a:bodyPr/>
+                    <a:lstStyle/>
+                    <a:p>
+                      <a:pPr marL="0" marR="0" lvl="0" indent="0" algn="just" defTabSz="914400" rtl="0" eaLnBrk="1" fontAlgn="auto" latinLnBrk="0" hangingPunct="1">
+                        <a:lnSpc>
+                          <a:spcPct val="100000"/>
+                        </a:lnSpc>
+                        <a:spcBef>
+                          <a:spcPts val="0"/>
+                        </a:spcBef>
+                        <a:spcAft>
+                          <a:spcPts val="0"/>
+                        </a:spcAft>
+                        <a:buClrTx/>
+                        <a:buSzTx/>
+                        <a:buFontTx/>
+                        <a:buNone/>
+                        <a:tabLst/>
+                        <a:defRPr/>
+                      </a:pPr>
+                      <a:r>
+                        <a:rPr lang="en-US" altLang="ja-JP" sz="1000" kern="0" dirty="0" smtClean="0">
+                          <a:effectLst/>
+                        </a:rPr>
+                        <a:t>1.9.0</a:t>
+                      </a:r>
+                      <a:endParaRPr lang="ja-JP" altLang="ja-JP" sz="1000" kern="100" dirty="0" smtClean="0">
+                        <a:effectLst/>
+                        <a:latin typeface="Century" panose="02040604050505020304" pitchFamily="18" charset="0"/>
+                        <a:ea typeface="ＭＳ 明朝" panose="02020609040205080304" pitchFamily="17" charset="-128"/>
+                        <a:cs typeface="Times New Roman" panose="02020603050405020304" pitchFamily="18" charset="0"/>
+                      </a:endParaRPr>
+                    </a:p>
+                  </a:txBody>
+                  <a:tcPr marL="68580" marR="68580" marT="0" marB="0" anchor="ctr"/>
+                </a:tc>
+                <a:tc gridSpan="5">
+                  <a:txBody>
+                    <a:bodyPr/>
+                    <a:lstStyle/>
+                    <a:p>
+                      <a:pPr marL="0" marR="0" lvl="0" indent="0" algn="ctr" defTabSz="914400" rtl="0" eaLnBrk="1" fontAlgn="auto" latinLnBrk="0" hangingPunct="1">
+                        <a:lnSpc>
+                          <a:spcPct val="100000"/>
+                        </a:lnSpc>
+                        <a:spcBef>
+                          <a:spcPts val="0"/>
+                        </a:spcBef>
+                        <a:spcAft>
+                          <a:spcPts val="0"/>
+                        </a:spcAft>
+                        <a:buClrTx/>
+                        <a:buSzTx/>
+                        <a:buFontTx/>
+                        <a:buNone/>
+                        <a:tabLst/>
+                        <a:defRPr/>
+                      </a:pPr>
+                      <a:r>
+                        <a:rPr lang="ja-JP" altLang="en-US" sz="1050" kern="100" dirty="0" smtClean="0">
+                          <a:effectLst/>
+                        </a:rPr>
+                        <a:t>バージョン</a:t>
+                      </a:r>
+                      <a:r>
+                        <a:rPr lang="en-US" altLang="ja-JP" sz="1050" kern="100" dirty="0" smtClean="0">
+                          <a:effectLst/>
+                        </a:rPr>
+                        <a:t>1.9.0</a:t>
+                      </a:r>
+                      <a:r>
+                        <a:rPr lang="ja-JP" altLang="en-US" sz="1050" kern="100" dirty="0" smtClean="0">
+                          <a:effectLst/>
+                        </a:rPr>
+                        <a:t>で</a:t>
+                      </a:r>
+                      <a:r>
+                        <a:rPr lang="ja-JP" altLang="en-US" sz="1050" kern="100" dirty="0" smtClean="0">
+                          <a:effectLst/>
+                        </a:rPr>
+                        <a:t>追加されたライブラリはありません。</a:t>
+                      </a:r>
+                      <a:endParaRPr lang="ja-JP" altLang="ja-JP" sz="1050" kern="100" dirty="0" smtClean="0">
+                        <a:effectLst/>
+                        <a:latin typeface="+mn-ea"/>
+                        <a:ea typeface="+mn-ea"/>
+                        <a:cs typeface="Times New Roman" panose="02020603050405020304" pitchFamily="18" charset="0"/>
+                      </a:endParaRPr>
+                    </a:p>
+                  </a:txBody>
+                  <a:tcPr marL="68580" marR="68580" marT="0" marB="0" anchor="ctr"/>
+                </a:tc>
+                <a:tc hMerge="1">
+                  <a:txBody>
+                    <a:bodyPr/>
+                    <a:lstStyle/>
+                    <a:p>
+                      <a:endParaRPr kumimoji="1" lang="ja-JP" altLang="en-US"/>
+                    </a:p>
+                  </a:txBody>
+                  <a:tcPr/>
+                </a:tc>
+                <a:tc hMerge="1">
+                  <a:txBody>
+                    <a:bodyPr/>
+                    <a:lstStyle/>
+                    <a:p>
+                      <a:endParaRPr kumimoji="1" lang="ja-JP" altLang="en-US"/>
+                    </a:p>
+                  </a:txBody>
+                  <a:tcPr/>
+                </a:tc>
+                <a:tc hMerge="1">
+                  <a:txBody>
+                    <a:bodyPr/>
+                    <a:lstStyle/>
+                    <a:p>
+                      <a:endParaRPr kumimoji="1" lang="ja-JP" altLang="en-US"/>
+                    </a:p>
+                  </a:txBody>
+                  <a:tcPr/>
+                </a:tc>
+                <a:tc hMerge="1">
+                  <a:txBody>
+                    <a:bodyPr/>
+                    <a:lstStyle/>
+                    <a:p>
+                      <a:endParaRPr kumimoji="1" lang="ja-JP" altLang="en-US"/>
+                    </a:p>
+                  </a:txBody>
+                  <a:tcPr/>
+                </a:tc>
+                <a:extLst>
+                  <a:ext uri="{0D108BD9-81ED-4DB2-BD59-A6C34878D82A}">
+                    <a16:rowId xmlns:a16="http://schemas.microsoft.com/office/drawing/2014/main" val="3268538651"/>
+                  </a:ext>
+                </a:extLst>
+              </a:tr>
             </a:tbl>
           </a:graphicData>
         </a:graphic>
@@ -18568,7 +19042,7 @@
     </p:spTree>
     <p:extLst>
       <p:ext uri="{BB962C8B-B14F-4D97-AF65-F5344CB8AC3E}">
-        <p14:creationId xmlns:p14="http://schemas.microsoft.com/office/powerpoint/2010/main" val="799422608"/>
+        <p14:creationId xmlns:p14="http://schemas.microsoft.com/office/powerpoint/2010/main" val="1936129359"/>
       </p:ext>
     </p:extLst>
   </p:cSld>
@@ -18585,7 +19059,7 @@
 </p:sld>
 </file>
 
-<file path=ppt/slides/slide16.xml><?xml version="1.0" encoding="utf-8"?>
+<file path=ppt/slides/slide17.xml><?xml version="1.0" encoding="utf-8"?>
 <p:sld xmlns:a="http://schemas.openxmlformats.org/drawingml/2006/main" xmlns:r="http://schemas.openxmlformats.org/officeDocument/2006/relationships" xmlns:p="http://schemas.openxmlformats.org/presentationml/2006/main">
   <p:cSld>
     <p:spTree>
@@ -18662,7 +19136,7 @@
 </p:sld>
 </file>
 
-<file path=ppt/slides/slide17.xml><?xml version="1.0" encoding="utf-8"?>
+<file path=ppt/slides/slide18.xml><?xml version="1.0" encoding="utf-8"?>
 <p:sld xmlns:a="http://schemas.openxmlformats.org/drawingml/2006/main" xmlns:r="http://schemas.openxmlformats.org/officeDocument/2006/relationships" xmlns:p="http://schemas.openxmlformats.org/presentationml/2006/main">
   <p:cSld>
     <p:spTree>
@@ -18732,7 +19206,7 @@
             </a:r>
             <a:r>
               <a:rPr lang="en-US" altLang="ja-JP" dirty="0" smtClean="0"/>
-              <a:t>1/1</a:t>
+              <a:t>1/2</a:t>
             </a:r>
             <a:r>
               <a:rPr lang="ja-JP" altLang="en-US" dirty="0" smtClean="0"/>
@@ -18920,6 +19394,215 @@
           </a:p>
         </p:txBody>
       </p:sp>
+      <p:sp>
+        <p:nvSpPr>
+          <p:cNvPr id="8" name="コンテンツ プレースホルダー 2"/>
+          <p:cNvSpPr txBox="1">
+            <a:spLocks/>
+          </p:cNvSpPr>
+          <p:nvPr/>
+        </p:nvSpPr>
+        <p:spPr bwMode="gray">
+          <a:xfrm>
+            <a:off x="6228230" y="3717039"/>
+            <a:ext cx="2556746" cy="1404159"/>
+          </a:xfrm>
+          <a:prstGeom prst="rect">
+            <a:avLst/>
+          </a:prstGeom>
+        </p:spPr>
+        <p:txBody>
+          <a:bodyPr vert="horz" lIns="91440" tIns="45720" rIns="91440" bIns="45720" rtlCol="0">
+            <a:normAutofit/>
+          </a:bodyPr>
+          <a:lstStyle>
+            <a:lvl1pPr marL="180000" indent="-180000" algn="l" rtl="0" eaLnBrk="1" fontAlgn="base" hangingPunct="0">
+              <a:spcBef>
+                <a:spcPts val="500"/>
+              </a:spcBef>
+              <a:spcAft>
+                <a:spcPct val="0"/>
+              </a:spcAft>
+              <a:buClr>
+                <a:schemeClr val="accent6"/>
+              </a:buClr>
+              <a:buFont typeface="Arial" panose="020B0604020202020204" pitchFamily="34" charset="0"/>
+              <a:buChar char="▌"/>
+              <a:defRPr kumimoji="1" lang="ja-JP" altLang="en-US" sz="2000" b="0" noProof="0" dirty="0" smtClean="0">
+                <a:solidFill>
+                  <a:schemeClr val="tx1"/>
+                </a:solidFill>
+                <a:latin typeface="+mn-lt"/>
+                <a:ea typeface="+mn-ea"/>
+                <a:cs typeface="+mn-cs"/>
+              </a:defRPr>
+            </a:lvl1pPr>
+            <a:lvl2pPr marL="360000" indent="-180000" algn="l" rtl="0" eaLnBrk="1" fontAlgn="base" hangingPunct="0">
+              <a:spcBef>
+                <a:spcPts val="500"/>
+              </a:spcBef>
+              <a:spcAft>
+                <a:spcPct val="0"/>
+              </a:spcAft>
+              <a:buClr>
+                <a:schemeClr val="accent6"/>
+              </a:buClr>
+              <a:buFont typeface="Wingdings" pitchFamily="2" charset="2"/>
+              <a:buChar char="l"/>
+              <a:defRPr kumimoji="1" lang="ja-JP" altLang="en-US" sz="1600" b="0" noProof="0" dirty="0" smtClean="0">
+                <a:solidFill>
+                  <a:schemeClr val="tx1"/>
+                </a:solidFill>
+                <a:latin typeface="+mn-lt"/>
+                <a:ea typeface="+mn-ea"/>
+              </a:defRPr>
+            </a:lvl2pPr>
+            <a:lvl3pPr marL="468000" indent="-108000" algn="l" rtl="0" eaLnBrk="1" fontAlgn="base" hangingPunct="0">
+              <a:spcBef>
+                <a:spcPts val="500"/>
+              </a:spcBef>
+              <a:spcAft>
+                <a:spcPct val="0"/>
+              </a:spcAft>
+              <a:buClr>
+                <a:schemeClr val="accent6"/>
+              </a:buClr>
+              <a:buFont typeface="Arial" panose="020B0604020202020204" pitchFamily="34" charset="0"/>
+              <a:buChar char="•"/>
+              <a:defRPr kumimoji="1" lang="ja-JP" altLang="en-US" sz="1400" b="0" noProof="0" dirty="0" smtClean="0">
+                <a:solidFill>
+                  <a:schemeClr val="tx1"/>
+                </a:solidFill>
+                <a:latin typeface="+mn-lt"/>
+                <a:ea typeface="+mn-ea"/>
+              </a:defRPr>
+            </a:lvl3pPr>
+            <a:lvl4pPr marL="576000" indent="-108000" algn="l" rtl="0" eaLnBrk="1" fontAlgn="base" hangingPunct="0">
+              <a:spcBef>
+                <a:spcPts val="500"/>
+              </a:spcBef>
+              <a:spcAft>
+                <a:spcPct val="0"/>
+              </a:spcAft>
+              <a:buClr>
+                <a:schemeClr val="accent6"/>
+              </a:buClr>
+              <a:buFont typeface="Tahoma" pitchFamily="34" charset="0"/>
+              <a:buChar char="–"/>
+              <a:defRPr kumimoji="1" lang="ja-JP" altLang="en-US" sz="1200" b="0" noProof="0" dirty="0" smtClean="0">
+                <a:solidFill>
+                  <a:schemeClr val="tx1"/>
+                </a:solidFill>
+                <a:latin typeface="+mn-lt"/>
+                <a:ea typeface="+mn-ea"/>
+              </a:defRPr>
+            </a:lvl4pPr>
+            <a:lvl5pPr marL="735013" indent="-157163" algn="l" rtl="0" eaLnBrk="0" fontAlgn="base" hangingPunct="0">
+              <a:spcBef>
+                <a:spcPct val="20000"/>
+              </a:spcBef>
+              <a:spcAft>
+                <a:spcPct val="0"/>
+              </a:spcAft>
+              <a:buClr>
+                <a:schemeClr val="accent6"/>
+              </a:buClr>
+              <a:buChar char="≫"/>
+              <a:defRPr kumimoji="1" sz="1200" b="1">
+                <a:solidFill>
+                  <a:schemeClr val="tx1"/>
+                </a:solidFill>
+                <a:latin typeface="+mj-lt"/>
+                <a:ea typeface="+mn-ea"/>
+              </a:defRPr>
+            </a:lvl5pPr>
+            <a:lvl6pPr marL="2514600" indent="-228600" algn="l" rtl="0" fontAlgn="base">
+              <a:spcBef>
+                <a:spcPct val="20000"/>
+              </a:spcBef>
+              <a:spcAft>
+                <a:spcPct val="0"/>
+              </a:spcAft>
+              <a:buChar char="≫"/>
+              <a:defRPr kumimoji="1" sz="2000">
+                <a:solidFill>
+                  <a:schemeClr val="tx1"/>
+                </a:solidFill>
+                <a:latin typeface="Arial" charset="0"/>
+                <a:ea typeface="+mn-ea"/>
+              </a:defRPr>
+            </a:lvl6pPr>
+            <a:lvl7pPr marL="2971800" indent="-228600" algn="l" rtl="0" fontAlgn="base">
+              <a:spcBef>
+                <a:spcPct val="20000"/>
+              </a:spcBef>
+              <a:spcAft>
+                <a:spcPct val="0"/>
+              </a:spcAft>
+              <a:buChar char="≫"/>
+              <a:defRPr kumimoji="1" sz="2000">
+                <a:solidFill>
+                  <a:schemeClr val="tx1"/>
+                </a:solidFill>
+                <a:latin typeface="Arial" charset="0"/>
+                <a:ea typeface="+mn-ea"/>
+              </a:defRPr>
+            </a:lvl7pPr>
+            <a:lvl8pPr marL="3429000" indent="-228600" algn="l" rtl="0" fontAlgn="base">
+              <a:spcBef>
+                <a:spcPct val="20000"/>
+              </a:spcBef>
+              <a:spcAft>
+                <a:spcPct val="0"/>
+              </a:spcAft>
+              <a:buChar char="≫"/>
+              <a:defRPr kumimoji="1" sz="2000">
+                <a:solidFill>
+                  <a:schemeClr val="tx1"/>
+                </a:solidFill>
+                <a:latin typeface="Arial" charset="0"/>
+                <a:ea typeface="+mn-ea"/>
+              </a:defRPr>
+            </a:lvl8pPr>
+            <a:lvl9pPr marL="3886200" indent="-228600" algn="l" rtl="0" fontAlgn="base">
+              <a:spcBef>
+                <a:spcPct val="20000"/>
+              </a:spcBef>
+              <a:spcAft>
+                <a:spcPct val="0"/>
+              </a:spcAft>
+              <a:buChar char="≫"/>
+              <a:defRPr kumimoji="1" sz="2000">
+                <a:solidFill>
+                  <a:schemeClr val="tx1"/>
+                </a:solidFill>
+                <a:latin typeface="Arial" charset="0"/>
+                <a:ea typeface="+mn-ea"/>
+              </a:defRPr>
+            </a:lvl9pPr>
+          </a:lstStyle>
+          <a:p>
+            <a:pPr marL="180000" lvl="1" indent="0">
+              <a:buNone/>
+            </a:pPr>
+            <a:r>
+              <a:rPr lang="ja-JP" altLang="en-US" kern="0" dirty="0"/>
+              <a:t>以下</a:t>
+            </a:r>
+            <a:r>
+              <a:rPr lang="ja-JP" altLang="en-US" kern="0" dirty="0" smtClean="0"/>
+              <a:t>の機能は</a:t>
+            </a:r>
+          </a:p>
+          <a:p>
+            <a:pPr marL="0" indent="0">
+              <a:buFont typeface="Arial" panose="020B0604020202020204" pitchFamily="34" charset="0"/>
+              <a:buNone/>
+            </a:pPr>
+            <a:endParaRPr lang="ja-JP" altLang="en-US" kern="0" dirty="0"/>
+          </a:p>
+        </p:txBody>
+      </p:sp>
     </p:spTree>
     <p:extLst>
       <p:ext uri="{BB962C8B-B14F-4D97-AF65-F5344CB8AC3E}">
@@ -18940,7 +19623,7 @@
 </p:sld>
 </file>
 
-<file path=ppt/slides/slide18.xml><?xml version="1.0" encoding="utf-8"?>
+<file path=ppt/slides/slide19.xml><?xml version="1.0" encoding="utf-8"?>
 <p:sld xmlns:a="http://schemas.openxmlformats.org/drawingml/2006/main" xmlns:r="http://schemas.openxmlformats.org/officeDocument/2006/relationships" xmlns:p="http://schemas.openxmlformats.org/presentationml/2006/main">
   <p:cSld>
     <p:spTree>
@@ -18957,10 +19640,309 @@
           <a:chExt cx="0" cy="0"/>
         </a:xfrm>
       </p:grpSpPr>
+      <p:sp>
+        <p:nvSpPr>
+          <p:cNvPr id="2" name="タイトル 1"/>
+          <p:cNvSpPr>
+            <a:spLocks noGrp="1"/>
+          </p:cNvSpPr>
+          <p:nvPr>
+            <p:ph type="title"/>
+          </p:nvPr>
+        </p:nvSpPr>
+        <p:spPr/>
+        <p:txBody>
+          <a:bodyPr/>
+          <a:lstStyle/>
+          <a:p>
+            <a:r>
+              <a:rPr lang="en-US" altLang="ja-JP" dirty="0" smtClean="0"/>
+              <a:t>4.2</a:t>
+            </a:r>
+            <a:r>
+              <a:rPr lang="ja-JP" altLang="en-US" dirty="0"/>
+              <a:t>　動作確認</a:t>
+            </a:r>
+            <a:r>
+              <a:rPr lang="ja-JP" altLang="en-US" dirty="0" smtClean="0"/>
+              <a:t>（</a:t>
+            </a:r>
+            <a:r>
+              <a:rPr lang="en-US" altLang="ja-JP" dirty="0" smtClean="0"/>
+              <a:t>2/2</a:t>
+            </a:r>
+            <a:r>
+              <a:rPr lang="ja-JP" altLang="en-US" dirty="0" smtClean="0"/>
+              <a:t>）</a:t>
+            </a:r>
+            <a:endParaRPr kumimoji="1" lang="ja-JP" altLang="en-US" dirty="0"/>
+          </a:p>
+        </p:txBody>
+      </p:sp>
+      <p:sp>
+        <p:nvSpPr>
+          <p:cNvPr id="3" name="コンテンツ プレースホルダー 2"/>
+          <p:cNvSpPr>
+            <a:spLocks noGrp="1"/>
+          </p:cNvSpPr>
+          <p:nvPr>
+            <p:ph sz="quarter" idx="10"/>
+          </p:nvPr>
+        </p:nvSpPr>
+        <p:spPr>
+          <a:xfrm>
+            <a:off x="179512" y="836712"/>
+            <a:ext cx="8784976" cy="2016208"/>
+          </a:xfrm>
+        </p:spPr>
+        <p:txBody>
+          <a:bodyPr>
+            <a:normAutofit/>
+          </a:bodyPr>
+          <a:lstStyle/>
+          <a:p>
+            <a:r>
+              <a:rPr lang="ja-JP" altLang="en-US" dirty="0" smtClean="0"/>
+              <a:t>削除</a:t>
+            </a:r>
+            <a:r>
+              <a:rPr lang="ja-JP" altLang="en-US" dirty="0" smtClean="0"/>
+              <a:t>された機能について</a:t>
+            </a:r>
+            <a:endParaRPr lang="en-US" altLang="ja-JP" dirty="0" smtClean="0"/>
+          </a:p>
+          <a:p>
+            <a:pPr marL="0" indent="0">
+              <a:buNone/>
+            </a:pPr>
+            <a:endParaRPr lang="en-US" altLang="ja-JP" dirty="0"/>
+          </a:p>
+          <a:p>
+            <a:pPr marL="0" indent="0">
+              <a:buNone/>
+            </a:pPr>
+            <a:r>
+              <a:rPr lang="ja-JP" altLang="en-US" dirty="0" smtClean="0"/>
+              <a:t>下記の機能は記載のバージョンで削除されました。</a:t>
+            </a:r>
+            <a:endParaRPr lang="en-US" altLang="ja-JP" dirty="0" smtClean="0"/>
+          </a:p>
+          <a:p>
+            <a:pPr marL="0" indent="0">
+              <a:buNone/>
+            </a:pPr>
+            <a:r>
+              <a:rPr lang="ja-JP" altLang="en-US" dirty="0" smtClean="0"/>
+              <a:t>バージョンアップ前にインストールしてある機能はそのまま残りますが、</a:t>
+            </a:r>
+            <a:endParaRPr lang="en-US" altLang="ja-JP" dirty="0" smtClean="0"/>
+          </a:p>
+          <a:p>
+            <a:pPr marL="0" indent="0">
+              <a:buNone/>
+            </a:pPr>
+            <a:r>
+              <a:rPr lang="ja-JP" altLang="en-US" dirty="0" smtClean="0"/>
+              <a:t>記載のバージョン以降</a:t>
+            </a:r>
+            <a:r>
+              <a:rPr lang="ja-JP" altLang="en-US" dirty="0" smtClean="0"/>
+              <a:t>は正常に動作しない可能性があります。</a:t>
+            </a:r>
+            <a:endParaRPr lang="en-US" altLang="ja-JP" dirty="0" smtClean="0"/>
+          </a:p>
+        </p:txBody>
+      </p:sp>
+      <p:graphicFrame>
+        <p:nvGraphicFramePr>
+          <p:cNvPr id="4" name="表 3"/>
+          <p:cNvGraphicFramePr>
+            <a:graphicFrameLocks noGrp="1"/>
+          </p:cNvGraphicFramePr>
+          <p:nvPr>
+            <p:extLst>
+              <p:ext uri="{D42A27DB-BD31-4B8C-83A1-F6EECF244321}">
+                <p14:modId xmlns:p14="http://schemas.microsoft.com/office/powerpoint/2010/main" val="3842770267"/>
+              </p:ext>
+            </p:extLst>
+          </p:nvPr>
+        </p:nvGraphicFramePr>
+        <p:xfrm>
+          <a:off x="1691600" y="2996940"/>
+          <a:ext cx="5040700" cy="1483360"/>
+        </p:xfrm>
+        <a:graphic>
+          <a:graphicData uri="http://schemas.openxmlformats.org/drawingml/2006/table">
+            <a:tbl>
+              <a:tblPr firstRow="1" bandRow="1">
+                <a:tableStyleId>{93296810-A885-4BE3-A3E7-6D5BEEA58F35}</a:tableStyleId>
+              </a:tblPr>
+              <a:tblGrid>
+                <a:gridCol w="2520350">
+                  <a:extLst>
+                    <a:ext uri="{9D8B030D-6E8A-4147-A177-3AD203B41FA5}">
+                      <a16:colId xmlns:a16="http://schemas.microsoft.com/office/drawing/2014/main" val="3287607087"/>
+                    </a:ext>
+                  </a:extLst>
+                </a:gridCol>
+                <a:gridCol w="2520350">
+                  <a:extLst>
+                    <a:ext uri="{9D8B030D-6E8A-4147-A177-3AD203B41FA5}">
+                      <a16:colId xmlns:a16="http://schemas.microsoft.com/office/drawing/2014/main" val="3286387620"/>
+                    </a:ext>
+                  </a:extLst>
+                </a:gridCol>
+              </a:tblGrid>
+              <a:tr h="370840">
+                <a:tc>
+                  <a:txBody>
+                    <a:bodyPr/>
+                    <a:lstStyle/>
+                    <a:p>
+                      <a:pPr algn="ctr"/>
+                      <a:r>
+                        <a:rPr kumimoji="1" lang="ja-JP" altLang="en-US" sz="1600" dirty="0" smtClean="0"/>
+                        <a:t>機能名</a:t>
+                      </a:r>
+                      <a:endParaRPr kumimoji="1" lang="ja-JP" altLang="en-US" sz="1600" dirty="0"/>
+                    </a:p>
+                  </a:txBody>
+                  <a:tcPr anchor="ctr"/>
+                </a:tc>
+                <a:tc>
+                  <a:txBody>
+                    <a:bodyPr/>
+                    <a:lstStyle/>
+                    <a:p>
+                      <a:pPr algn="ctr"/>
+                      <a:r>
+                        <a:rPr kumimoji="1" lang="ja-JP" altLang="en-US" sz="1600" dirty="0" smtClean="0"/>
+                        <a:t>廃止バージョン</a:t>
+                      </a:r>
+                      <a:endParaRPr kumimoji="1" lang="ja-JP" altLang="en-US" sz="1600" dirty="0"/>
+                    </a:p>
+                  </a:txBody>
+                  <a:tcPr anchor="ctr"/>
+                </a:tc>
+                <a:extLst>
+                  <a:ext uri="{0D108BD9-81ED-4DB2-BD59-A6C34878D82A}">
+                    <a16:rowId xmlns:a16="http://schemas.microsoft.com/office/drawing/2014/main" val="3804090706"/>
+                  </a:ext>
+                </a:extLst>
+              </a:tr>
+              <a:tr h="370840">
+                <a:tc>
+                  <a:txBody>
+                    <a:bodyPr/>
+                    <a:lstStyle/>
+                    <a:p>
+                      <a:r>
+                        <a:rPr kumimoji="1" lang="en-US" altLang="ja-JP" sz="1600" dirty="0" smtClean="0"/>
+                        <a:t>DSC-Driver</a:t>
+                      </a:r>
+                      <a:endParaRPr kumimoji="1" lang="ja-JP" altLang="en-US" sz="1600" dirty="0"/>
+                    </a:p>
+                  </a:txBody>
+                  <a:tcPr/>
+                </a:tc>
+                <a:tc>
+                  <a:txBody>
+                    <a:bodyPr/>
+                    <a:lstStyle/>
+                    <a:p>
+                      <a:r>
+                        <a:rPr kumimoji="1" lang="en-US" altLang="ja-JP" sz="1600" dirty="0" smtClean="0"/>
+                        <a:t>v1.5.0</a:t>
+                      </a:r>
+                      <a:endParaRPr kumimoji="1" lang="ja-JP" altLang="en-US" sz="1600" dirty="0"/>
+                    </a:p>
+                  </a:txBody>
+                  <a:tcPr/>
+                </a:tc>
+                <a:extLst>
+                  <a:ext uri="{0D108BD9-81ED-4DB2-BD59-A6C34878D82A}">
+                    <a16:rowId xmlns:a16="http://schemas.microsoft.com/office/drawing/2014/main" val="2228172427"/>
+                  </a:ext>
+                </a:extLst>
+              </a:tr>
+              <a:tr h="370840">
+                <a:tc>
+                  <a:txBody>
+                    <a:bodyPr/>
+                    <a:lstStyle/>
+                    <a:p>
+                      <a:r>
+                        <a:rPr kumimoji="1" lang="en-US" altLang="ja-JP" sz="1600" dirty="0" smtClean="0"/>
+                        <a:t>OpenStack-Driver</a:t>
+                      </a:r>
+                      <a:endParaRPr kumimoji="1" lang="ja-JP" altLang="en-US" sz="1600" dirty="0"/>
+                    </a:p>
+                  </a:txBody>
+                  <a:tcPr/>
+                </a:tc>
+                <a:tc>
+                  <a:txBody>
+                    <a:bodyPr/>
+                    <a:lstStyle/>
+                    <a:p>
+                      <a:r>
+                        <a:rPr kumimoji="1" lang="en-US" altLang="ja-JP" sz="1600" dirty="0" smtClean="0"/>
+                        <a:t>v1.6.1</a:t>
+                      </a:r>
+                      <a:endParaRPr kumimoji="1" lang="ja-JP" altLang="en-US" sz="1600" dirty="0"/>
+                    </a:p>
+                  </a:txBody>
+                  <a:tcPr/>
+                </a:tc>
+                <a:extLst>
+                  <a:ext uri="{0D108BD9-81ED-4DB2-BD59-A6C34878D82A}">
+                    <a16:rowId xmlns:a16="http://schemas.microsoft.com/office/drawing/2014/main" val="3872625748"/>
+                  </a:ext>
+                </a:extLst>
+              </a:tr>
+              <a:tr h="370840">
+                <a:tc>
+                  <a:txBody>
+                    <a:bodyPr/>
+                    <a:lstStyle/>
+                    <a:p>
+                      <a:r>
+                        <a:rPr kumimoji="1" lang="ja-JP" altLang="en-US" sz="1600" dirty="0" smtClean="0"/>
+                        <a:t>構築資材管理機能</a:t>
+                      </a:r>
+                      <a:endParaRPr kumimoji="1" lang="ja-JP" altLang="en-US" sz="1600" dirty="0"/>
+                    </a:p>
+                  </a:txBody>
+                  <a:tcPr/>
+                </a:tc>
+                <a:tc>
+                  <a:txBody>
+                    <a:bodyPr/>
+                    <a:lstStyle/>
+                    <a:p>
+                      <a:r>
+                        <a:rPr kumimoji="1" lang="en-US" altLang="ja-JP" sz="1600" dirty="0" smtClean="0"/>
+                        <a:t>v1.8.0</a:t>
+                      </a:r>
+                      <a:endParaRPr kumimoji="1" lang="ja-JP" altLang="en-US" sz="1600" dirty="0"/>
+                    </a:p>
+                  </a:txBody>
+                  <a:tcPr/>
+                </a:tc>
+                <a:extLst>
+                  <a:ext uri="{0D108BD9-81ED-4DB2-BD59-A6C34878D82A}">
+                    <a16:rowId xmlns:a16="http://schemas.microsoft.com/office/drawing/2014/main" val="3168334662"/>
+                  </a:ext>
+                </a:extLst>
+              </a:tr>
+            </a:tbl>
+          </a:graphicData>
+        </a:graphic>
+      </p:graphicFrame>
     </p:spTree>
     <p:extLst>
       <p:ext uri="{BB962C8B-B14F-4D97-AF65-F5344CB8AC3E}">
-        <p14:creationId xmlns:p14="http://schemas.microsoft.com/office/powerpoint/2010/main" val="3218686016"/>
+        <p14:creationId xmlns:p14="http://schemas.microsoft.com/office/powerpoint/2010/main" val="1838158926"/>
       </p:ext>
     </p:extLst>
   </p:cSld>
@@ -19237,10 +20219,10 @@
               <a:t>（</a:t>
             </a:r>
             <a:r>
-              <a:rPr lang="en-US" altLang="ja-JP" sz="1400" dirty="0" smtClean="0">
+              <a:rPr lang="en-US" altLang="ja-JP" sz="1400" dirty="0">
                 <a:latin typeface="+mn-ea"/>
               </a:rPr>
-              <a:t>1/6</a:t>
+              <a:t>1/7</a:t>
             </a:r>
             <a:r>
               <a:rPr lang="ja-JP" altLang="en-US" sz="1400" dirty="0" smtClean="0">
@@ -19282,10 +20264,10 @@
               <a:t>（</a:t>
             </a:r>
             <a:r>
-              <a:rPr lang="en-US" altLang="ja-JP" sz="1400" dirty="0" smtClean="0">
+              <a:rPr lang="en-US" altLang="ja-JP" sz="1400" dirty="0">
                 <a:latin typeface="+mn-ea"/>
               </a:rPr>
-              <a:t>2/6</a:t>
+              <a:t>2/7</a:t>
             </a:r>
             <a:r>
               <a:rPr lang="ja-JP" altLang="en-US" sz="1400" dirty="0" smtClean="0">
@@ -19327,10 +20309,10 @@
               <a:t>（</a:t>
             </a:r>
             <a:r>
-              <a:rPr lang="en-US" altLang="ja-JP" sz="1400" dirty="0" smtClean="0">
+              <a:rPr lang="en-US" altLang="ja-JP" sz="1400" dirty="0">
                 <a:latin typeface="+mn-ea"/>
               </a:rPr>
-              <a:t>3/6</a:t>
+              <a:t>3/7</a:t>
             </a:r>
             <a:r>
               <a:rPr lang="ja-JP" altLang="en-US" sz="1400" dirty="0" smtClean="0">
@@ -19372,10 +20354,10 @@
               <a:t>（</a:t>
             </a:r>
             <a:r>
-              <a:rPr lang="en-US" altLang="ja-JP" sz="1400" dirty="0" smtClean="0">
+              <a:rPr lang="en-US" altLang="ja-JP" sz="1400" dirty="0">
                 <a:latin typeface="+mn-ea"/>
               </a:rPr>
-              <a:t>4/6</a:t>
+              <a:t>4/7</a:t>
             </a:r>
             <a:r>
               <a:rPr lang="ja-JP" altLang="en-US" sz="1400" dirty="0" smtClean="0">
@@ -19417,10 +20399,10 @@
               <a:t>（</a:t>
             </a:r>
             <a:r>
-              <a:rPr lang="en-US" altLang="ja-JP" sz="1400" dirty="0" smtClean="0">
+              <a:rPr lang="en-US" altLang="ja-JP" sz="1400" dirty="0">
                 <a:latin typeface="+mn-ea"/>
               </a:rPr>
-              <a:t>5/6</a:t>
+              <a:t>5/7</a:t>
             </a:r>
             <a:r>
               <a:rPr lang="ja-JP" altLang="en-US" sz="1400" dirty="0" smtClean="0">
@@ -19465,13 +20447,64 @@
               <a:rPr lang="en-US" altLang="ja-JP" sz="1400" dirty="0">
                 <a:latin typeface="+mn-ea"/>
               </a:rPr>
-              <a:t>6</a:t>
+              <a:t>6/7</a:t>
+            </a:r>
+            <a:r>
+              <a:rPr lang="ja-JP" altLang="en-US" sz="1400" dirty="0" smtClean="0">
+                <a:latin typeface="+mn-ea"/>
+              </a:rPr>
+              <a:t>）</a:t>
+            </a:r>
+            <a:endParaRPr lang="ja-JP" altLang="en-US" sz="1400" dirty="0">
+              <a:latin typeface="+mn-ea"/>
+            </a:endParaRPr>
+          </a:p>
+          <a:p>
+            <a:r>
+              <a:rPr lang="ja-JP" altLang="en-US" sz="1400" dirty="0" smtClean="0">
+                <a:latin typeface="+mn-ea"/>
+              </a:rPr>
+              <a:t> </a:t>
+            </a:r>
+            <a:r>
+              <a:rPr lang="ja-JP" altLang="en-US" sz="1400" dirty="0">
+                <a:latin typeface="+mn-ea"/>
+              </a:rPr>
+              <a:t>　</a:t>
             </a:r>
             <a:r>
               <a:rPr lang="en-US" altLang="ja-JP" sz="1400" dirty="0" smtClean="0">
                 <a:latin typeface="+mn-ea"/>
               </a:rPr>
-              <a:t>/6</a:t>
+              <a:t>3.9</a:t>
+            </a:r>
+            <a:r>
+              <a:rPr lang="ja-JP" altLang="en-US" sz="1400" dirty="0">
+                <a:latin typeface="+mn-ea"/>
+              </a:rPr>
+              <a:t>　</a:t>
+            </a:r>
+            <a:r>
+              <a:rPr lang="ja-JP" altLang="en-US" sz="1400" dirty="0"/>
+              <a:t>バージョンアップ</a:t>
+            </a:r>
+            <a:r>
+              <a:rPr lang="ja-JP" altLang="en-US" sz="1400" dirty="0" smtClean="0">
+                <a:latin typeface="+mn-ea"/>
+              </a:rPr>
+              <a:t>（</a:t>
+            </a:r>
+            <a:r>
+              <a:rPr lang="en-US" altLang="ja-JP" sz="1400" dirty="0" smtClean="0">
+                <a:latin typeface="+mn-ea"/>
+              </a:rPr>
+              <a:t>7/</a:t>
+            </a:r>
+            <a:r>
+              <a:rPr lang="en-US" altLang="ja-JP" sz="1400" dirty="0">
+                <a:latin typeface="+mn-ea"/>
+              </a:rPr>
+              <a:t>7</a:t>
             </a:r>
             <a:r>
               <a:rPr lang="ja-JP" altLang="en-US" sz="1400" dirty="0" smtClean="0">
@@ -19530,7 +20563,48 @@
               <a:rPr lang="en-US" altLang="zh-TW" sz="1400" dirty="0" smtClean="0">
                 <a:latin typeface="+mn-ea"/>
               </a:rPr>
-              <a:t>1/1</a:t>
+              <a:t>1/2</a:t>
+            </a:r>
+            <a:r>
+              <a:rPr lang="zh-TW" altLang="en-US" sz="1400" dirty="0" smtClean="0">
+                <a:latin typeface="+mn-ea"/>
+              </a:rPr>
+              <a:t>）</a:t>
+            </a:r>
+            <a:endParaRPr lang="en-US" altLang="zh-TW" sz="1400" dirty="0" smtClean="0">
+              <a:latin typeface="+mn-ea"/>
+            </a:endParaRPr>
+          </a:p>
+          <a:p>
+            <a:r>
+              <a:rPr lang="en-US" altLang="zh-TW" sz="1400" dirty="0">
+                <a:latin typeface="+mn-ea"/>
+              </a:rPr>
+              <a:t>  </a:t>
+            </a:r>
+            <a:r>
+              <a:rPr lang="en-US" altLang="zh-TW" sz="1400" dirty="0" smtClean="0">
+                <a:latin typeface="+mn-ea"/>
+              </a:rPr>
+              <a:t>  4.2</a:t>
+            </a:r>
+            <a:r>
+              <a:rPr lang="zh-TW" altLang="en-US" sz="1400" dirty="0">
+                <a:latin typeface="+mn-ea"/>
+              </a:rPr>
+              <a:t>　 動作確認</a:t>
+            </a:r>
+            <a:r>
+              <a:rPr lang="zh-TW" altLang="en-US" sz="1400" dirty="0" smtClean="0">
+                <a:latin typeface="+mn-ea"/>
+              </a:rPr>
+              <a:t>（</a:t>
+            </a:r>
+            <a:r>
+              <a:rPr lang="en-US" altLang="zh-TW" sz="1400" dirty="0" smtClean="0">
+                <a:latin typeface="+mn-ea"/>
+              </a:rPr>
+              <a:t>2/2</a:t>
             </a:r>
             <a:r>
               <a:rPr lang="zh-TW" altLang="en-US" sz="1400" dirty="0" smtClean="0">
@@ -19548,6 +20622,43 @@
     <p:extLst>
       <p:ext uri="{BB962C8B-B14F-4D97-AF65-F5344CB8AC3E}">
         <p14:creationId xmlns:p14="http://schemas.microsoft.com/office/powerpoint/2010/main" val="497929968"/>
+      </p:ext>
+    </p:extLst>
+  </p:cSld>
+  <p:clrMapOvr>
+    <a:masterClrMapping/>
+  </p:clrMapOvr>
+  <p:timing>
+    <p:tnLst>
+      <p:par>
+        <p:cTn id="1" dur="indefinite" restart="never" nodeType="tmRoot"/>
+      </p:par>
+    </p:tnLst>
+  </p:timing>
+</p:sld>
+</file>
+
+<file path=ppt/slides/slide20.xml><?xml version="1.0" encoding="utf-8"?>
+<p:sld xmlns:a="http://schemas.openxmlformats.org/drawingml/2006/main" xmlns:r="http://schemas.openxmlformats.org/officeDocument/2006/relationships" xmlns:p="http://schemas.openxmlformats.org/presentationml/2006/main">
+  <p:cSld>
+    <p:spTree>
+      <p:nvGrpSpPr>
+        <p:cNvPr id="1" name=""/>
+        <p:cNvGrpSpPr/>
+        <p:nvPr/>
+      </p:nvGrpSpPr>
+      <p:grpSpPr>
+        <a:xfrm>
+          <a:off x="0" y="0"/>
+          <a:ext cx="0" cy="0"/>
+          <a:chOff x="0" y="0"/>
+          <a:chExt cx="0" cy="0"/>
+        </a:xfrm>
+      </p:grpSpPr>
+    </p:spTree>
+    <p:extLst>
+      <p:ext uri="{BB962C8B-B14F-4D97-AF65-F5344CB8AC3E}">
+        <p14:creationId xmlns:p14="http://schemas.microsoft.com/office/powerpoint/2010/main" val="3218686016"/>
       </p:ext>
     </p:extLst>
   </p:cSld>

--- a/asset/Learn_ja/ITA-version-up_ja.pptx
+++ b/asset/Learn_ja/ITA-version-up_ja.pptx
@@ -320,7 +320,7 @@
               <a:rPr kumimoji="1" lang="ja-JP" altLang="en-US" smtClean="0">
                 <a:ea typeface="メイリオ" panose="020B0604030504040204" pitchFamily="50" charset="-128"/>
               </a:rPr>
-              <a:t>2021/11/25</a:t>
+              <a:t>2022/2/9</a:t>
             </a:fld>
             <a:endParaRPr kumimoji="1" lang="ja-JP" altLang="en-US" dirty="0">
               <a:ea typeface="メイリオ" panose="020B0604030504040204" pitchFamily="50" charset="-128"/>
@@ -466,7 +466,7 @@
             <a:fld id="{4B26993D-C081-44EB-B0F5-A9F467792B62}" type="datetimeFigureOut">
               <a:rPr lang="ja-JP" altLang="en-US" smtClean="0"/>
               <a:pPr/>
-              <a:t>2021/11/25</a:t>
+              <a:t>2022/2/9</a:t>
             </a:fld>
             <a:endParaRPr lang="ja-JP" altLang="en-US" dirty="0"/>
           </a:p>
@@ -1089,7 +1089,7 @@
           <a:p>
             <a:fld id="{56F9016B-CCA6-43BE-8BEE-59565A35F4F7}" type="datetimeFigureOut">
               <a:rPr kumimoji="1" lang="ja-JP" altLang="en-US" smtClean="0"/>
-              <a:t>2021/11/25</a:t>
+              <a:t>2022/2/9</a:t>
             </a:fld>
             <a:endParaRPr kumimoji="1" lang="ja-JP" altLang="en-US"/>
           </a:p>
@@ -1291,7 +1291,7 @@
           <a:p>
             <a:fld id="{56F9016B-CCA6-43BE-8BEE-59565A35F4F7}" type="datetimeFigureOut">
               <a:rPr kumimoji="1" lang="ja-JP" altLang="en-US" smtClean="0"/>
-              <a:t>2021/11/25</a:t>
+              <a:t>2022/2/9</a:t>
             </a:fld>
             <a:endParaRPr kumimoji="1" lang="ja-JP" altLang="en-US"/>
           </a:p>
@@ -1537,7 +1537,7 @@
           <a:p>
             <a:fld id="{56F9016B-CCA6-43BE-8BEE-59565A35F4F7}" type="datetimeFigureOut">
               <a:rPr kumimoji="1" lang="ja-JP" altLang="en-US" smtClean="0"/>
-              <a:t>2021/11/25</a:t>
+              <a:t>2022/2/9</a:t>
             </a:fld>
             <a:endParaRPr kumimoji="1" lang="ja-JP" altLang="en-US"/>
           </a:p>
@@ -1833,7 +1833,7 @@
           <a:p>
             <a:fld id="{56F9016B-CCA6-43BE-8BEE-59565A35F4F7}" type="datetimeFigureOut">
               <a:rPr kumimoji="1" lang="ja-JP" altLang="en-US" smtClean="0"/>
-              <a:t>2021/11/25</a:t>
+              <a:t>2022/2/9</a:t>
             </a:fld>
             <a:endParaRPr kumimoji="1" lang="ja-JP" altLang="en-US"/>
           </a:p>
@@ -2264,7 +2264,7 @@
           <a:p>
             <a:fld id="{56F9016B-CCA6-43BE-8BEE-59565A35F4F7}" type="datetimeFigureOut">
               <a:rPr kumimoji="1" lang="ja-JP" altLang="en-US" smtClean="0"/>
-              <a:t>2021/11/25</a:t>
+              <a:t>2022/2/9</a:t>
             </a:fld>
             <a:endParaRPr kumimoji="1" lang="ja-JP" altLang="en-US"/>
           </a:p>
@@ -2382,7 +2382,7 @@
           <a:p>
             <a:fld id="{56F9016B-CCA6-43BE-8BEE-59565A35F4F7}" type="datetimeFigureOut">
               <a:rPr kumimoji="1" lang="ja-JP" altLang="en-US" smtClean="0"/>
-              <a:t>2021/11/25</a:t>
+              <a:t>2022/2/9</a:t>
             </a:fld>
             <a:endParaRPr kumimoji="1" lang="ja-JP" altLang="en-US"/>
           </a:p>
@@ -2477,7 +2477,7 @@
           <a:p>
             <a:fld id="{56F9016B-CCA6-43BE-8BEE-59565A35F4F7}" type="datetimeFigureOut">
               <a:rPr kumimoji="1" lang="ja-JP" altLang="en-US" smtClean="0"/>
-              <a:t>2021/11/25</a:t>
+              <a:t>2022/2/9</a:t>
             </a:fld>
             <a:endParaRPr kumimoji="1" lang="ja-JP" altLang="en-US"/>
           </a:p>
@@ -2786,7 +2786,7 @@
           <a:p>
             <a:fld id="{56F9016B-CCA6-43BE-8BEE-59565A35F4F7}" type="datetimeFigureOut">
               <a:rPr kumimoji="1" lang="ja-JP" altLang="en-US" smtClean="0"/>
-              <a:t>2021/11/25</a:t>
+              <a:t>2022/2/9</a:t>
             </a:fld>
             <a:endParaRPr kumimoji="1" lang="ja-JP" altLang="en-US"/>
           </a:p>
@@ -3039,7 +3039,7 @@
           <a:p>
             <a:fld id="{56F9016B-CCA6-43BE-8BEE-59565A35F4F7}" type="datetimeFigureOut">
               <a:rPr kumimoji="1" lang="ja-JP" altLang="en-US" smtClean="0"/>
-              <a:t>2021/11/25</a:t>
+              <a:t>2022/2/9</a:t>
             </a:fld>
             <a:endParaRPr kumimoji="1" lang="ja-JP" altLang="en-US"/>
           </a:p>
@@ -3316,7 +3316,7 @@
           <a:p>
             <a:fld id="{56F9016B-CCA6-43BE-8BEE-59565A35F4F7}" type="datetimeFigureOut">
               <a:rPr kumimoji="1" lang="ja-JP" altLang="en-US" smtClean="0"/>
-              <a:t>2021/11/25</a:t>
+              <a:t>2022/2/9</a:t>
             </a:fld>
             <a:endParaRPr kumimoji="1" lang="ja-JP" altLang="en-US"/>
           </a:p>
@@ -3528,7 +3528,7 @@
           <a:p>
             <a:fld id="{56F9016B-CCA6-43BE-8BEE-59565A35F4F7}" type="datetimeFigureOut">
               <a:rPr kumimoji="1" lang="ja-JP" altLang="en-US" smtClean="0"/>
-              <a:t>2021/11/25</a:t>
+              <a:t>2022/2/9</a:t>
             </a:fld>
             <a:endParaRPr kumimoji="1" lang="ja-JP" altLang="en-US"/>
           </a:p>
@@ -6587,7 +6587,7 @@
           <a:p>
             <a:fld id="{56F9016B-CCA6-43BE-8BEE-59565A35F4F7}" type="datetimeFigureOut">
               <a:rPr kumimoji="1" lang="ja-JP" altLang="en-US" smtClean="0"/>
-              <a:t>2021/11/25</a:t>
+              <a:t>2022/2/9</a:t>
             </a:fld>
             <a:endParaRPr kumimoji="1" lang="ja-JP" altLang="en-US"/>
           </a:p>
@@ -18138,11 +18138,7 @@
             </a:r>
             <a:r>
               <a:rPr lang="ja-JP" altLang="en-US" dirty="0" smtClean="0"/>
-              <a:t>バージョンアップ</a:t>
-            </a:r>
-            <a:r>
-              <a:rPr lang="ja-JP" altLang="en-US" dirty="0" smtClean="0"/>
-              <a:t>（</a:t>
+              <a:t>バージョンアップ（</a:t>
             </a:r>
             <a:r>
               <a:rPr lang="en-US" altLang="ja-JP" dirty="0" smtClean="0"/>
@@ -18165,14 +18161,14 @@
           <p:nvPr>
             <p:extLst>
               <p:ext uri="{D42A27DB-BD31-4B8C-83A1-F6EECF244321}">
-                <p14:modId xmlns:p14="http://schemas.microsoft.com/office/powerpoint/2010/main" val="2816200761"/>
+                <p14:modId xmlns:p14="http://schemas.microsoft.com/office/powerpoint/2010/main" val="3945660395"/>
               </p:ext>
             </p:extLst>
           </p:nvPr>
         </p:nvGraphicFramePr>
         <p:xfrm>
           <a:off x="179512" y="908650"/>
-          <a:ext cx="8819131" cy="1219966"/>
+          <a:ext cx="8819131" cy="1422275"/>
         </p:xfrm>
         <a:graphic>
           <a:graphicData uri="http://schemas.openxmlformats.org/drawingml/2006/table">
@@ -18971,13 +18967,7 @@
                         <a:rPr lang="ja-JP" altLang="en-US" sz="1050" kern="100" dirty="0" smtClean="0">
                           <a:effectLst/>
                         </a:rPr>
-                        <a:t>で</a:t>
-                      </a:r>
-                      <a:r>
-                        <a:rPr lang="ja-JP" altLang="en-US" sz="1050" kern="100" dirty="0" smtClean="0">
-                          <a:effectLst/>
-                        </a:rPr>
-                        <a:t>追加されたライブラリはありません。</a:t>
+                        <a:t>で追加されたライブラリはありません。</a:t>
                       </a:r>
                       <a:endParaRPr lang="ja-JP" altLang="ja-JP" sz="1050" kern="100" dirty="0" smtClean="0">
                         <a:effectLst/>
@@ -19032,6 +19022,147 @@
                 <a:extLst>
                   <a:ext uri="{0D108BD9-81ED-4DB2-BD59-A6C34878D82A}">
                     <a16:rowId xmlns:a16="http://schemas.microsoft.com/office/drawing/2014/main" val="3268538651"/>
+                  </a:ext>
+                </a:extLst>
+              </a:tr>
+              <a:tr h="202309">
+                <a:tc>
+                  <a:txBody>
+                    <a:bodyPr/>
+                    <a:lstStyle/>
+                    <a:p>
+                      <a:pPr marL="0" marR="0" lvl="0" indent="0" algn="just" defTabSz="914400" rtl="0" eaLnBrk="1" fontAlgn="auto" latinLnBrk="0" hangingPunct="1">
+                        <a:lnSpc>
+                          <a:spcPct val="100000"/>
+                        </a:lnSpc>
+                        <a:spcBef>
+                          <a:spcPts val="0"/>
+                        </a:spcBef>
+                        <a:spcAft>
+                          <a:spcPts val="0"/>
+                        </a:spcAft>
+                        <a:buClrTx/>
+                        <a:buSzTx/>
+                        <a:buFontTx/>
+                        <a:buNone/>
+                        <a:tabLst/>
+                        <a:defRPr/>
+                      </a:pPr>
+                      <a:r>
+                        <a:rPr lang="en-US" altLang="ja-JP" sz="1000" kern="0" dirty="0" smtClean="0">
+                          <a:effectLst/>
+                        </a:rPr>
+                        <a:t>1.9.1</a:t>
+                      </a:r>
+                      <a:endParaRPr lang="ja-JP" altLang="ja-JP" sz="1000" kern="100" dirty="0" smtClean="0">
+                        <a:effectLst/>
+                        <a:latin typeface="Century" panose="02040604050505020304" pitchFamily="18" charset="0"/>
+                        <a:ea typeface="ＭＳ 明朝" panose="02020609040205080304" pitchFamily="17" charset="-128"/>
+                        <a:cs typeface="Times New Roman" panose="02020603050405020304" pitchFamily="18" charset="0"/>
+                      </a:endParaRPr>
+                    </a:p>
+                  </a:txBody>
+                  <a:tcPr marL="68580" marR="68580" marT="0" marB="0" anchor="ctr"/>
+                </a:tc>
+                <a:tc gridSpan="5">
+                  <a:txBody>
+                    <a:bodyPr/>
+                    <a:lstStyle/>
+                    <a:p>
+                      <a:pPr marL="0" marR="0" lvl="0" indent="0" algn="ctr" defTabSz="914400" rtl="0" eaLnBrk="1" fontAlgn="auto" latinLnBrk="0" hangingPunct="1">
+                        <a:lnSpc>
+                          <a:spcPct val="100000"/>
+                        </a:lnSpc>
+                        <a:spcBef>
+                          <a:spcPts val="0"/>
+                        </a:spcBef>
+                        <a:spcAft>
+                          <a:spcPts val="0"/>
+                        </a:spcAft>
+                        <a:buClrTx/>
+                        <a:buSzTx/>
+                        <a:buFontTx/>
+                        <a:buNone/>
+                        <a:tabLst/>
+                        <a:defRPr/>
+                      </a:pPr>
+                      <a:r>
+                        <a:rPr lang="ja-JP" altLang="en-US" sz="1050" kern="100" dirty="0" smtClean="0">
+                          <a:effectLst/>
+                        </a:rPr>
+                        <a:t>バージョン</a:t>
+                      </a:r>
+                      <a:r>
+                        <a:rPr lang="en-US" altLang="ja-JP" sz="1050" kern="100" dirty="0" smtClean="0">
+                          <a:effectLst/>
+                        </a:rPr>
+                        <a:t>1.9.1</a:t>
+                      </a:r>
+                      <a:r>
+                        <a:rPr lang="ja-JP" altLang="en-US" sz="1050" kern="100" dirty="0" smtClean="0">
+                          <a:effectLst/>
+                        </a:rPr>
+                        <a:t>で</a:t>
+                      </a:r>
+                      <a:r>
+                        <a:rPr lang="ja-JP" altLang="en-US" sz="1050" kern="100" dirty="0" smtClean="0">
+                          <a:effectLst/>
+                        </a:rPr>
+                        <a:t>追加されたライブラリはありません。</a:t>
+                      </a:r>
+                      <a:endParaRPr lang="ja-JP" altLang="ja-JP" sz="1050" kern="100" dirty="0" smtClean="0">
+                        <a:effectLst/>
+                        <a:latin typeface="+mn-ea"/>
+                        <a:ea typeface="+mn-ea"/>
+                        <a:cs typeface="Times New Roman" panose="02020603050405020304" pitchFamily="18" charset="0"/>
+                      </a:endParaRPr>
+                    </a:p>
+                  </a:txBody>
+                  <a:tcPr marL="68580" marR="68580" marT="0" marB="0" anchor="ctr"/>
+                </a:tc>
+                <a:tc hMerge="1">
+                  <a:txBody>
+                    <a:bodyPr/>
+                    <a:lstStyle/>
+                    <a:p>
+                      <a:endParaRPr kumimoji="1" lang="ja-JP" altLang="en-US"/>
+                    </a:p>
+                  </a:txBody>
+                  <a:tcPr/>
+                </a:tc>
+                <a:tc hMerge="1">
+                  <a:txBody>
+                    <a:bodyPr/>
+                    <a:lstStyle/>
+                    <a:p>
+                      <a:endParaRPr kumimoji="1" lang="ja-JP" altLang="en-US"/>
+                    </a:p>
+                  </a:txBody>
+                  <a:tcPr/>
+                </a:tc>
+                <a:tc hMerge="1">
+                  <a:txBody>
+                    <a:bodyPr/>
+                    <a:lstStyle/>
+                    <a:p>
+                      <a:endParaRPr kumimoji="1" lang="ja-JP" altLang="en-US"/>
+                    </a:p>
+                  </a:txBody>
+                  <a:tcPr/>
+                </a:tc>
+                <a:tc hMerge="1">
+                  <a:txBody>
+                    <a:bodyPr/>
+                    <a:lstStyle/>
+                    <a:p>
+                      <a:endParaRPr kumimoji="1" lang="ja-JP" altLang="en-US"/>
+                    </a:p>
+                  </a:txBody>
+                  <a:tcPr/>
+                </a:tc>
+                <a:extLst>
+                  <a:ext uri="{0D108BD9-81ED-4DB2-BD59-A6C34878D82A}">
+                    <a16:rowId xmlns:a16="http://schemas.microsoft.com/office/drawing/2014/main" val="852719572"/>
                   </a:ext>
                 </a:extLst>
               </a:tr>
@@ -19394,215 +19525,6 @@
           </a:p>
         </p:txBody>
       </p:sp>
-      <p:sp>
-        <p:nvSpPr>
-          <p:cNvPr id="8" name="コンテンツ プレースホルダー 2"/>
-          <p:cNvSpPr txBox="1">
-            <a:spLocks/>
-          </p:cNvSpPr>
-          <p:nvPr/>
-        </p:nvSpPr>
-        <p:spPr bwMode="gray">
-          <a:xfrm>
-            <a:off x="6228230" y="3717039"/>
-            <a:ext cx="2556746" cy="1404159"/>
-          </a:xfrm>
-          <a:prstGeom prst="rect">
-            <a:avLst/>
-          </a:prstGeom>
-        </p:spPr>
-        <p:txBody>
-          <a:bodyPr vert="horz" lIns="91440" tIns="45720" rIns="91440" bIns="45720" rtlCol="0">
-            <a:normAutofit/>
-          </a:bodyPr>
-          <a:lstStyle>
-            <a:lvl1pPr marL="180000" indent="-180000" algn="l" rtl="0" eaLnBrk="1" fontAlgn="base" hangingPunct="0">
-              <a:spcBef>
-                <a:spcPts val="500"/>
-              </a:spcBef>
-              <a:spcAft>
-                <a:spcPct val="0"/>
-              </a:spcAft>
-              <a:buClr>
-                <a:schemeClr val="accent6"/>
-              </a:buClr>
-              <a:buFont typeface="Arial" panose="020B0604020202020204" pitchFamily="34" charset="0"/>
-              <a:buChar char="▌"/>
-              <a:defRPr kumimoji="1" lang="ja-JP" altLang="en-US" sz="2000" b="0" noProof="0" dirty="0" smtClean="0">
-                <a:solidFill>
-                  <a:schemeClr val="tx1"/>
-                </a:solidFill>
-                <a:latin typeface="+mn-lt"/>
-                <a:ea typeface="+mn-ea"/>
-                <a:cs typeface="+mn-cs"/>
-              </a:defRPr>
-            </a:lvl1pPr>
-            <a:lvl2pPr marL="360000" indent="-180000" algn="l" rtl="0" eaLnBrk="1" fontAlgn="base" hangingPunct="0">
-              <a:spcBef>
-                <a:spcPts val="500"/>
-              </a:spcBef>
-              <a:spcAft>
-                <a:spcPct val="0"/>
-              </a:spcAft>
-              <a:buClr>
-                <a:schemeClr val="accent6"/>
-              </a:buClr>
-              <a:buFont typeface="Wingdings" pitchFamily="2" charset="2"/>
-              <a:buChar char="l"/>
-              <a:defRPr kumimoji="1" lang="ja-JP" altLang="en-US" sz="1600" b="0" noProof="0" dirty="0" smtClean="0">
-                <a:solidFill>
-                  <a:schemeClr val="tx1"/>
-                </a:solidFill>
-                <a:latin typeface="+mn-lt"/>
-                <a:ea typeface="+mn-ea"/>
-              </a:defRPr>
-            </a:lvl2pPr>
-            <a:lvl3pPr marL="468000" indent="-108000" algn="l" rtl="0" eaLnBrk="1" fontAlgn="base" hangingPunct="0">
-              <a:spcBef>
-                <a:spcPts val="500"/>
-              </a:spcBef>
-              <a:spcAft>
-                <a:spcPct val="0"/>
-              </a:spcAft>
-              <a:buClr>
-                <a:schemeClr val="accent6"/>
-              </a:buClr>
-              <a:buFont typeface="Arial" panose="020B0604020202020204" pitchFamily="34" charset="0"/>
-              <a:buChar char="•"/>
-              <a:defRPr kumimoji="1" lang="ja-JP" altLang="en-US" sz="1400" b="0" noProof="0" dirty="0" smtClean="0">
-                <a:solidFill>
-                  <a:schemeClr val="tx1"/>
-                </a:solidFill>
-                <a:latin typeface="+mn-lt"/>
-                <a:ea typeface="+mn-ea"/>
-              </a:defRPr>
-            </a:lvl3pPr>
-            <a:lvl4pPr marL="576000" indent="-108000" algn="l" rtl="0" eaLnBrk="1" fontAlgn="base" hangingPunct="0">
-              <a:spcBef>
-                <a:spcPts val="500"/>
-              </a:spcBef>
-              <a:spcAft>
-                <a:spcPct val="0"/>
-              </a:spcAft>
-              <a:buClr>
-                <a:schemeClr val="accent6"/>
-              </a:buClr>
-              <a:buFont typeface="Tahoma" pitchFamily="34" charset="0"/>
-              <a:buChar char="–"/>
-              <a:defRPr kumimoji="1" lang="ja-JP" altLang="en-US" sz="1200" b="0" noProof="0" dirty="0" smtClean="0">
-                <a:solidFill>
-                  <a:schemeClr val="tx1"/>
-                </a:solidFill>
-                <a:latin typeface="+mn-lt"/>
-                <a:ea typeface="+mn-ea"/>
-              </a:defRPr>
-            </a:lvl4pPr>
-            <a:lvl5pPr marL="735013" indent="-157163" algn="l" rtl="0" eaLnBrk="0" fontAlgn="base" hangingPunct="0">
-              <a:spcBef>
-                <a:spcPct val="20000"/>
-              </a:spcBef>
-              <a:spcAft>
-                <a:spcPct val="0"/>
-              </a:spcAft>
-              <a:buClr>
-                <a:schemeClr val="accent6"/>
-              </a:buClr>
-              <a:buChar char="≫"/>
-              <a:defRPr kumimoji="1" sz="1200" b="1">
-                <a:solidFill>
-                  <a:schemeClr val="tx1"/>
-                </a:solidFill>
-                <a:latin typeface="+mj-lt"/>
-                <a:ea typeface="+mn-ea"/>
-              </a:defRPr>
-            </a:lvl5pPr>
-            <a:lvl6pPr marL="2514600" indent="-228600" algn="l" rtl="0" fontAlgn="base">
-              <a:spcBef>
-                <a:spcPct val="20000"/>
-              </a:spcBef>
-              <a:spcAft>
-                <a:spcPct val="0"/>
-              </a:spcAft>
-              <a:buChar char="≫"/>
-              <a:defRPr kumimoji="1" sz="2000">
-                <a:solidFill>
-                  <a:schemeClr val="tx1"/>
-                </a:solidFill>
-                <a:latin typeface="Arial" charset="0"/>
-                <a:ea typeface="+mn-ea"/>
-              </a:defRPr>
-            </a:lvl6pPr>
-            <a:lvl7pPr marL="2971800" indent="-228600" algn="l" rtl="0" fontAlgn="base">
-              <a:spcBef>
-                <a:spcPct val="20000"/>
-              </a:spcBef>
-              <a:spcAft>
-                <a:spcPct val="0"/>
-              </a:spcAft>
-              <a:buChar char="≫"/>
-              <a:defRPr kumimoji="1" sz="2000">
-                <a:solidFill>
-                  <a:schemeClr val="tx1"/>
-                </a:solidFill>
-                <a:latin typeface="Arial" charset="0"/>
-                <a:ea typeface="+mn-ea"/>
-              </a:defRPr>
-            </a:lvl7pPr>
-            <a:lvl8pPr marL="3429000" indent="-228600" algn="l" rtl="0" fontAlgn="base">
-              <a:spcBef>
-                <a:spcPct val="20000"/>
-              </a:spcBef>
-              <a:spcAft>
-                <a:spcPct val="0"/>
-              </a:spcAft>
-              <a:buChar char="≫"/>
-              <a:defRPr kumimoji="1" sz="2000">
-                <a:solidFill>
-                  <a:schemeClr val="tx1"/>
-                </a:solidFill>
-                <a:latin typeface="Arial" charset="0"/>
-                <a:ea typeface="+mn-ea"/>
-              </a:defRPr>
-            </a:lvl8pPr>
-            <a:lvl9pPr marL="3886200" indent="-228600" algn="l" rtl="0" fontAlgn="base">
-              <a:spcBef>
-                <a:spcPct val="20000"/>
-              </a:spcBef>
-              <a:spcAft>
-                <a:spcPct val="0"/>
-              </a:spcAft>
-              <a:buChar char="≫"/>
-              <a:defRPr kumimoji="1" sz="2000">
-                <a:solidFill>
-                  <a:schemeClr val="tx1"/>
-                </a:solidFill>
-                <a:latin typeface="Arial" charset="0"/>
-                <a:ea typeface="+mn-ea"/>
-              </a:defRPr>
-            </a:lvl9pPr>
-          </a:lstStyle>
-          <a:p>
-            <a:pPr marL="180000" lvl="1" indent="0">
-              <a:buNone/>
-            </a:pPr>
-            <a:r>
-              <a:rPr lang="ja-JP" altLang="en-US" kern="0" dirty="0"/>
-              <a:t>以下</a:t>
-            </a:r>
-            <a:r>
-              <a:rPr lang="ja-JP" altLang="en-US" kern="0" dirty="0" smtClean="0"/>
-              <a:t>の機能は</a:t>
-            </a:r>
-          </a:p>
-          <a:p>
-            <a:pPr marL="0" indent="0">
-              <a:buFont typeface="Arial" panose="020B0604020202020204" pitchFamily="34" charset="0"/>
-              <a:buNone/>
-            </a:pPr>
-            <a:endParaRPr lang="ja-JP" altLang="en-US" kern="0" dirty="0"/>
-          </a:p>
-        </p:txBody>
-      </p:sp>
     </p:spTree>
     <p:extLst>
       <p:ext uri="{BB962C8B-B14F-4D97-AF65-F5344CB8AC3E}">
@@ -19703,11 +19625,7 @@
           <a:p>
             <a:r>
               <a:rPr lang="ja-JP" altLang="en-US" dirty="0" smtClean="0"/>
-              <a:t>削除</a:t>
-            </a:r>
-            <a:r>
-              <a:rPr lang="ja-JP" altLang="en-US" dirty="0" smtClean="0"/>
-              <a:t>された機能について</a:t>
+              <a:t>削除された機能について</a:t>
             </a:r>
             <a:endParaRPr lang="en-US" altLang="ja-JP" dirty="0" smtClean="0"/>
           </a:p>
@@ -19743,11 +19661,7 @@
             </a:pPr>
             <a:r>
               <a:rPr lang="ja-JP" altLang="en-US" dirty="0" smtClean="0"/>
-              <a:t>記載のバージョン以降</a:t>
-            </a:r>
-            <a:r>
-              <a:rPr lang="ja-JP" altLang="en-US" dirty="0" smtClean="0"/>
-              <a:t>は正常に動作しない可能性があります。</a:t>
+              <a:t>記載のバージョン以降は正常に動作しない可能性があります。</a:t>
             </a:r>
             <a:endParaRPr lang="en-US" altLang="ja-JP" dirty="0" smtClean="0"/>
           </a:p>

--- a/asset/Learn_ja/ITA-version-up_ja.pptx
+++ b/asset/Learn_ja/ITA-version-up_ja.pptx
@@ -6,10 +6,10 @@
     <p:sldMasterId id="2147483703" r:id="rId2"/>
   </p:sldMasterIdLst>
   <p:notesMasterIdLst>
-    <p:notesMasterId r:id="rId23"/>
+    <p:notesMasterId r:id="rId25"/>
   </p:notesMasterIdLst>
   <p:handoutMasterIdLst>
-    <p:handoutMasterId r:id="rId24"/>
+    <p:handoutMasterId r:id="rId26"/>
   </p:handoutMasterIdLst>
   <p:sldIdLst>
     <p:sldId id="262" r:id="rId3"/>
@@ -28,10 +28,12 @@
     <p:sldId id="522" r:id="rId16"/>
     <p:sldId id="523" r:id="rId17"/>
     <p:sldId id="537" r:id="rId18"/>
-    <p:sldId id="524" r:id="rId19"/>
-    <p:sldId id="527" r:id="rId20"/>
-    <p:sldId id="538" r:id="rId21"/>
-    <p:sldId id="318" r:id="rId22"/>
+    <p:sldId id="539" r:id="rId19"/>
+    <p:sldId id="540" r:id="rId20"/>
+    <p:sldId id="524" r:id="rId21"/>
+    <p:sldId id="527" r:id="rId22"/>
+    <p:sldId id="538" r:id="rId23"/>
+    <p:sldId id="318" r:id="rId24"/>
   </p:sldIdLst>
   <p:sldSz cx="9144000" cy="6858000" type="screen4x3"/>
   <p:notesSz cx="6807200" cy="9939338"/>
@@ -164,6 +166,8 @@
             <p14:sldId id="522"/>
             <p14:sldId id="523"/>
             <p14:sldId id="537"/>
+            <p14:sldId id="539"/>
+            <p14:sldId id="540"/>
           </p14:sldIdLst>
         </p14:section>
         <p14:section name="4.　ITA動作確認" id="{997E25C5-536A-441F-84BA-3CB1FBC6F6F3}">
@@ -320,7 +324,7 @@
               <a:rPr kumimoji="1" lang="ja-JP" altLang="en-US" smtClean="0">
                 <a:ea typeface="メイリオ" panose="020B0604030504040204" pitchFamily="50" charset="-128"/>
               </a:rPr>
-              <a:t>2022/2/9</a:t>
+              <a:t>2022/4/27</a:t>
             </a:fld>
             <a:endParaRPr kumimoji="1" lang="ja-JP" altLang="en-US" dirty="0">
               <a:ea typeface="メイリオ" panose="020B0604030504040204" pitchFamily="50" charset="-128"/>
@@ -466,7 +470,7 @@
             <a:fld id="{4B26993D-C081-44EB-B0F5-A9F467792B62}" type="datetimeFigureOut">
               <a:rPr lang="ja-JP" altLang="en-US" smtClean="0"/>
               <a:pPr/>
-              <a:t>2022/2/9</a:t>
+              <a:t>2022/4/27</a:t>
             </a:fld>
             <a:endParaRPr lang="ja-JP" altLang="en-US" dirty="0"/>
           </a:p>
@@ -1089,7 +1093,7 @@
           <a:p>
             <a:fld id="{56F9016B-CCA6-43BE-8BEE-59565A35F4F7}" type="datetimeFigureOut">
               <a:rPr kumimoji="1" lang="ja-JP" altLang="en-US" smtClean="0"/>
-              <a:t>2022/2/9</a:t>
+              <a:t>2022/4/27</a:t>
             </a:fld>
             <a:endParaRPr kumimoji="1" lang="ja-JP" altLang="en-US"/>
           </a:p>
@@ -1291,7 +1295,7 @@
           <a:p>
             <a:fld id="{56F9016B-CCA6-43BE-8BEE-59565A35F4F7}" type="datetimeFigureOut">
               <a:rPr kumimoji="1" lang="ja-JP" altLang="en-US" smtClean="0"/>
-              <a:t>2022/2/9</a:t>
+              <a:t>2022/4/27</a:t>
             </a:fld>
             <a:endParaRPr kumimoji="1" lang="ja-JP" altLang="en-US"/>
           </a:p>
@@ -1537,7 +1541,7 @@
           <a:p>
             <a:fld id="{56F9016B-CCA6-43BE-8BEE-59565A35F4F7}" type="datetimeFigureOut">
               <a:rPr kumimoji="1" lang="ja-JP" altLang="en-US" smtClean="0"/>
-              <a:t>2022/2/9</a:t>
+              <a:t>2022/4/27</a:t>
             </a:fld>
             <a:endParaRPr kumimoji="1" lang="ja-JP" altLang="en-US"/>
           </a:p>
@@ -1833,7 +1837,7 @@
           <a:p>
             <a:fld id="{56F9016B-CCA6-43BE-8BEE-59565A35F4F7}" type="datetimeFigureOut">
               <a:rPr kumimoji="1" lang="ja-JP" altLang="en-US" smtClean="0"/>
-              <a:t>2022/2/9</a:t>
+              <a:t>2022/4/27</a:t>
             </a:fld>
             <a:endParaRPr kumimoji="1" lang="ja-JP" altLang="en-US"/>
           </a:p>
@@ -2264,7 +2268,7 @@
           <a:p>
             <a:fld id="{56F9016B-CCA6-43BE-8BEE-59565A35F4F7}" type="datetimeFigureOut">
               <a:rPr kumimoji="1" lang="ja-JP" altLang="en-US" smtClean="0"/>
-              <a:t>2022/2/9</a:t>
+              <a:t>2022/4/27</a:t>
             </a:fld>
             <a:endParaRPr kumimoji="1" lang="ja-JP" altLang="en-US"/>
           </a:p>
@@ -2382,7 +2386,7 @@
           <a:p>
             <a:fld id="{56F9016B-CCA6-43BE-8BEE-59565A35F4F7}" type="datetimeFigureOut">
               <a:rPr kumimoji="1" lang="ja-JP" altLang="en-US" smtClean="0"/>
-              <a:t>2022/2/9</a:t>
+              <a:t>2022/4/27</a:t>
             </a:fld>
             <a:endParaRPr kumimoji="1" lang="ja-JP" altLang="en-US"/>
           </a:p>
@@ -2477,7 +2481,7 @@
           <a:p>
             <a:fld id="{56F9016B-CCA6-43BE-8BEE-59565A35F4F7}" type="datetimeFigureOut">
               <a:rPr kumimoji="1" lang="ja-JP" altLang="en-US" smtClean="0"/>
-              <a:t>2022/2/9</a:t>
+              <a:t>2022/4/27</a:t>
             </a:fld>
             <a:endParaRPr kumimoji="1" lang="ja-JP" altLang="en-US"/>
           </a:p>
@@ -2786,7 +2790,7 @@
           <a:p>
             <a:fld id="{56F9016B-CCA6-43BE-8BEE-59565A35F4F7}" type="datetimeFigureOut">
               <a:rPr kumimoji="1" lang="ja-JP" altLang="en-US" smtClean="0"/>
-              <a:t>2022/2/9</a:t>
+              <a:t>2022/4/27</a:t>
             </a:fld>
             <a:endParaRPr kumimoji="1" lang="ja-JP" altLang="en-US"/>
           </a:p>
@@ -3039,7 +3043,7 @@
           <a:p>
             <a:fld id="{56F9016B-CCA6-43BE-8BEE-59565A35F4F7}" type="datetimeFigureOut">
               <a:rPr kumimoji="1" lang="ja-JP" altLang="en-US" smtClean="0"/>
-              <a:t>2022/2/9</a:t>
+              <a:t>2022/4/27</a:t>
             </a:fld>
             <a:endParaRPr kumimoji="1" lang="ja-JP" altLang="en-US"/>
           </a:p>
@@ -3316,7 +3320,7 @@
           <a:p>
             <a:fld id="{56F9016B-CCA6-43BE-8BEE-59565A35F4F7}" type="datetimeFigureOut">
               <a:rPr kumimoji="1" lang="ja-JP" altLang="en-US" smtClean="0"/>
-              <a:t>2022/2/9</a:t>
+              <a:t>2022/4/27</a:t>
             </a:fld>
             <a:endParaRPr kumimoji="1" lang="ja-JP" altLang="en-US"/>
           </a:p>
@@ -3528,7 +3532,7 @@
           <a:p>
             <a:fld id="{56F9016B-CCA6-43BE-8BEE-59565A35F4F7}" type="datetimeFigureOut">
               <a:rPr kumimoji="1" lang="ja-JP" altLang="en-US" smtClean="0"/>
-              <a:t>2022/2/9</a:t>
+              <a:t>2022/4/27</a:t>
             </a:fld>
             <a:endParaRPr kumimoji="1" lang="ja-JP" altLang="en-US"/>
           </a:p>
@@ -6587,7 +6591,7 @@
           <a:p>
             <a:fld id="{56F9016B-CCA6-43BE-8BEE-59565A35F4F7}" type="datetimeFigureOut">
               <a:rPr kumimoji="1" lang="ja-JP" altLang="en-US" smtClean="0"/>
-              <a:t>2022/2/9</a:t>
+              <a:t>2022/4/27</a:t>
             </a:fld>
             <a:endParaRPr kumimoji="1" lang="ja-JP" altLang="en-US"/>
           </a:p>
@@ -7029,7 +7033,7 @@
             </a:r>
             <a:r>
               <a:rPr lang="en-US" altLang="ja-JP" dirty="0" smtClean="0"/>
-              <a:t>1.9 </a:t>
+              <a:t>1.10 </a:t>
             </a:r>
             <a:endParaRPr lang="en-US" altLang="ja-JP" dirty="0"/>
           </a:p>
@@ -7625,7 +7629,7 @@
             </a:r>
             <a:r>
               <a:rPr lang="en-US" altLang="ja-JP" dirty="0" smtClean="0"/>
-              <a:t>1/7</a:t>
+              <a:t>1/9</a:t>
             </a:r>
             <a:r>
               <a:rPr lang="ja-JP" altLang="en-US" dirty="0" smtClean="0"/>
@@ -8100,7 +8104,7 @@
             </a:r>
             <a:r>
               <a:rPr lang="en-US" altLang="ja-JP" dirty="0" smtClean="0"/>
-              <a:t>2/7</a:t>
+              <a:t>2/9</a:t>
             </a:r>
             <a:r>
               <a:rPr lang="ja-JP" altLang="en-US" dirty="0" smtClean="0"/>
@@ -10772,7 +10776,7 @@
             </a:r>
             <a:r>
               <a:rPr lang="en-US" altLang="ja-JP" dirty="0" smtClean="0"/>
-              <a:t>3/7</a:t>
+              <a:t>3/9</a:t>
             </a:r>
             <a:r>
               <a:rPr lang="ja-JP" altLang="en-US" dirty="0" smtClean="0"/>
@@ -11062,7 +11066,7 @@
             </a:r>
             <a:r>
               <a:rPr lang="en-US" altLang="ja-JP" dirty="0" smtClean="0"/>
-              <a:t>4/7</a:t>
+              <a:t>4/9</a:t>
             </a:r>
             <a:r>
               <a:rPr lang="ja-JP" altLang="en-US" dirty="0" smtClean="0"/>
@@ -14510,7 +14514,7 @@
             </a:r>
             <a:r>
               <a:rPr lang="en-US" altLang="ja-JP" dirty="0" smtClean="0"/>
-              <a:t>5/7</a:t>
+              <a:t>5/9</a:t>
             </a:r>
             <a:r>
               <a:rPr lang="ja-JP" altLang="en-US" dirty="0" smtClean="0"/>
@@ -14886,7 +14890,7 @@
             </a:r>
             <a:r>
               <a:rPr lang="en-US" altLang="ja-JP" dirty="0" smtClean="0"/>
-              <a:t>6/7</a:t>
+              <a:t>6/9</a:t>
             </a:r>
             <a:r>
               <a:rPr lang="ja-JP" altLang="en-US" dirty="0" smtClean="0"/>
@@ -18130,7 +18134,7 @@
           <a:p>
             <a:r>
               <a:rPr lang="en-US" altLang="ja-JP" dirty="0" smtClean="0"/>
-              <a:t>3.8</a:t>
+              <a:t>3.9</a:t>
             </a:r>
             <a:r>
               <a:rPr lang="ja-JP" altLang="en-US" dirty="0"/>
@@ -18142,7 +18146,7 @@
             </a:r>
             <a:r>
               <a:rPr lang="en-US" altLang="ja-JP" dirty="0" smtClean="0"/>
-              <a:t>7/7</a:t>
+              <a:t>7/9</a:t>
             </a:r>
             <a:r>
               <a:rPr lang="ja-JP" altLang="en-US" dirty="0" smtClean="0"/>
@@ -18161,14 +18165,14 @@
           <p:nvPr>
             <p:extLst>
               <p:ext uri="{D42A27DB-BD31-4B8C-83A1-F6EECF244321}">
-                <p14:modId xmlns:p14="http://schemas.microsoft.com/office/powerpoint/2010/main" val="3945660395"/>
+                <p14:modId xmlns:p14="http://schemas.microsoft.com/office/powerpoint/2010/main" val="3454341733"/>
               </p:ext>
             </p:extLst>
           </p:nvPr>
         </p:nvGraphicFramePr>
         <p:xfrm>
           <a:off x="179512" y="908650"/>
-          <a:ext cx="8819131" cy="1422275"/>
+          <a:ext cx="8819131" cy="1826893"/>
         </p:xfrm>
         <a:graphic>
           <a:graphicData uri="http://schemas.openxmlformats.org/drawingml/2006/table">
@@ -18184,24 +18188,24 @@
                     </a:ext>
                   </a:extLst>
                 </a:gridCol>
-                <a:gridCol w="1115060">
+                <a:gridCol w="1224048">
                   <a:extLst>
                     <a:ext uri="{9D8B030D-6E8A-4147-A177-3AD203B41FA5}">
                       <a16:colId xmlns:a16="http://schemas.microsoft.com/office/drawing/2014/main" val="152993547"/>
                     </a:ext>
                   </a:extLst>
                 </a:gridCol>
-                <a:gridCol w="1035050">
+                <a:gridCol w="1080150">
                   <a:extLst>
                     <a:ext uri="{9D8B030D-6E8A-4147-A177-3AD203B41FA5}">
-                      <a16:colId xmlns:a16="http://schemas.microsoft.com/office/drawing/2014/main" val="20001"/>
+                      <a16:colId xmlns:a16="http://schemas.microsoft.com/office/drawing/2014/main" val="3789717126"/>
                     </a:ext>
                   </a:extLst>
                 </a:gridCol>
-                <a:gridCol w="1798511">
+                <a:gridCol w="1644423">
                   <a:extLst>
                     <a:ext uri="{9D8B030D-6E8A-4147-A177-3AD203B41FA5}">
-                      <a16:colId xmlns:a16="http://schemas.microsoft.com/office/drawing/2014/main" val="20002"/>
+                      <a16:colId xmlns:a16="http://schemas.microsoft.com/office/drawing/2014/main" val="627429885"/>
                     </a:ext>
                   </a:extLst>
                 </a:gridCol>
@@ -18499,40 +18503,20 @@
                     <a:bodyPr/>
                     <a:lstStyle/>
                     <a:p>
-                      <a:pPr algn="just">
-                        <a:spcAft>
-                          <a:spcPts val="0"/>
-                        </a:spcAft>
-                      </a:pPr>
-                      <a:endParaRPr lang="ja-JP" sz="1050" kern="100" dirty="0">
-                        <a:effectLst/>
-                        <a:latin typeface="Century" panose="02040604050505020304" pitchFamily="18" charset="0"/>
-                        <a:ea typeface="ＭＳ 明朝" panose="02020609040205080304" pitchFamily="17" charset="-128"/>
-                        <a:cs typeface="Times New Roman" panose="02020603050405020304" pitchFamily="18" charset="0"/>
-                      </a:endParaRPr>
+                      <a:endParaRPr kumimoji="1" lang="ja-JP" altLang="en-US"/>
                     </a:p>
                   </a:txBody>
-                  <a:tcPr marL="68580" marR="68580" marT="0" marB="0" anchor="ctr"/>
+                  <a:tcPr/>
                 </a:tc>
                 <a:tc hMerge="1">
                   <a:txBody>
                     <a:bodyPr/>
                     <a:lstStyle/>
                     <a:p>
-                      <a:pPr algn="just">
-                        <a:spcAft>
-                          <a:spcPts val="0"/>
-                        </a:spcAft>
-                      </a:pPr>
-                      <a:endParaRPr lang="ja-JP" sz="1050" kern="100" dirty="0">
-                        <a:effectLst/>
-                        <a:latin typeface="Segoe UI" panose="020B0502040204020203" pitchFamily="34" charset="0"/>
-                        <a:ea typeface="ＭＳ 明朝" panose="02020609040205080304" pitchFamily="17" charset="-128"/>
-                        <a:cs typeface="Segoe UI" panose="020B0502040204020203" pitchFamily="34" charset="0"/>
-                      </a:endParaRPr>
+                      <a:endParaRPr kumimoji="1" lang="ja-JP" altLang="en-US"/>
                     </a:p>
                   </a:txBody>
-                  <a:tcPr marL="68580" marR="68580" marT="0" marB="0" anchor="ctr"/>
+                  <a:tcPr/>
                 </a:tc>
                 <a:tc hMerge="1">
                   <a:txBody>
@@ -18674,40 +18658,20 @@
                     <a:bodyPr/>
                     <a:lstStyle/>
                     <a:p>
-                      <a:pPr algn="just">
-                        <a:spcAft>
-                          <a:spcPts val="0"/>
-                        </a:spcAft>
-                      </a:pPr>
-                      <a:endParaRPr lang="ja-JP" sz="1050" kern="100" dirty="0">
-                        <a:effectLst/>
-                        <a:latin typeface="Century" panose="02040604050505020304" pitchFamily="18" charset="0"/>
-                        <a:ea typeface="ＭＳ 明朝" panose="02020609040205080304" pitchFamily="17" charset="-128"/>
-                        <a:cs typeface="Times New Roman" panose="02020603050405020304" pitchFamily="18" charset="0"/>
-                      </a:endParaRPr>
+                      <a:endParaRPr kumimoji="1" lang="ja-JP" altLang="en-US"/>
                     </a:p>
                   </a:txBody>
-                  <a:tcPr marL="68580" marR="68580" marT="0" marB="0" anchor="ctr"/>
+                  <a:tcPr/>
                 </a:tc>
                 <a:tc hMerge="1">
                   <a:txBody>
                     <a:bodyPr/>
                     <a:lstStyle/>
                     <a:p>
-                      <a:pPr algn="just">
-                        <a:spcAft>
-                          <a:spcPts val="0"/>
-                        </a:spcAft>
-                      </a:pPr>
-                      <a:endParaRPr lang="ja-JP" sz="1050" kern="100" dirty="0">
-                        <a:effectLst/>
-                        <a:latin typeface="Segoe UI" panose="020B0502040204020203" pitchFamily="34" charset="0"/>
-                        <a:ea typeface="ＭＳ 明朝" panose="02020609040205080304" pitchFamily="17" charset="-128"/>
-                        <a:cs typeface="Segoe UI" panose="020B0502040204020203" pitchFamily="34" charset="0"/>
-                      </a:endParaRPr>
+                      <a:endParaRPr kumimoji="1" lang="ja-JP" altLang="en-US"/>
                     </a:p>
                   </a:txBody>
-                  <a:tcPr marL="68580" marR="68580" marT="0" marB="0" anchor="ctr"/>
+                  <a:tcPr/>
                 </a:tc>
                 <a:tc hMerge="1">
                   <a:txBody>
@@ -19102,13 +19066,7 @@
                         <a:rPr lang="ja-JP" altLang="en-US" sz="1050" kern="100" dirty="0" smtClean="0">
                           <a:effectLst/>
                         </a:rPr>
-                        <a:t>で</a:t>
-                      </a:r>
-                      <a:r>
-                        <a:rPr lang="ja-JP" altLang="en-US" sz="1050" kern="100" dirty="0" smtClean="0">
-                          <a:effectLst/>
-                        </a:rPr>
-                        <a:t>追加されたライブラリはありません。</a:t>
+                        <a:t>で追加されたライブラリはありません。</a:t>
                       </a:r>
                       <a:endParaRPr lang="ja-JP" altLang="ja-JP" sz="1050" kern="100" dirty="0" smtClean="0">
                         <a:effectLst/>
@@ -19166,6 +19124,395 @@
                   </a:ext>
                 </a:extLst>
               </a:tr>
+              <a:tr h="202309">
+                <a:tc rowSpan="2">
+                  <a:txBody>
+                    <a:bodyPr/>
+                    <a:lstStyle/>
+                    <a:p>
+                      <a:pPr algn="just">
+                        <a:spcAft>
+                          <a:spcPts val="0"/>
+                        </a:spcAft>
+                      </a:pPr>
+                      <a:r>
+                        <a:rPr lang="en-US" sz="1000" kern="0" dirty="0" smtClean="0">
+                          <a:effectLst/>
+                        </a:rPr>
+                        <a:t>1.</a:t>
+                      </a:r>
+                      <a:r>
+                        <a:rPr lang="en-US" altLang="ja-JP" sz="1000" kern="0" dirty="0" smtClean="0">
+                          <a:effectLst/>
+                        </a:rPr>
+                        <a:t>10</a:t>
+                      </a:r>
+                      <a:r>
+                        <a:rPr lang="en-US" sz="1000" kern="0" dirty="0" smtClean="0">
+                          <a:effectLst/>
+                        </a:rPr>
+                        <a:t>.0</a:t>
+                      </a:r>
+                      <a:endParaRPr lang="ja-JP" sz="1000" kern="100" dirty="0">
+                        <a:effectLst/>
+                        <a:latin typeface="Century" panose="02040604050505020304" pitchFamily="18" charset="0"/>
+                        <a:ea typeface="ＭＳ 明朝" panose="02020609040205080304" pitchFamily="17" charset="-128"/>
+                        <a:cs typeface="Times New Roman" panose="02020603050405020304" pitchFamily="18" charset="0"/>
+                      </a:endParaRPr>
+                    </a:p>
+                  </a:txBody>
+                  <a:tcPr marL="68580" marR="68580" marT="0" marB="0" anchor="ctr"/>
+                </a:tc>
+                <a:tc>
+                  <a:txBody>
+                    <a:bodyPr/>
+                    <a:lstStyle/>
+                    <a:p>
+                      <a:pPr algn="just">
+                        <a:spcAft>
+                          <a:spcPts val="0"/>
+                        </a:spcAft>
+                      </a:pPr>
+                      <a:r>
+                        <a:rPr lang="en-US" altLang="ja-JP" sz="1050" kern="100" dirty="0" err="1" smtClean="0">
+                          <a:effectLst/>
+                        </a:rPr>
+                        <a:t>ansible</a:t>
+                      </a:r>
+                      <a:r>
+                        <a:rPr lang="en-US" altLang="ja-JP" sz="1050" kern="100" dirty="0" smtClean="0">
+                          <a:effectLst/>
+                        </a:rPr>
+                        <a:t>-driver</a:t>
+                      </a:r>
+                      <a:endParaRPr lang="ja-JP" sz="1050" kern="100" dirty="0">
+                        <a:effectLst/>
+                        <a:latin typeface="Century" panose="02040604050505020304" pitchFamily="18" charset="0"/>
+                        <a:ea typeface="ＭＳ 明朝" panose="02020609040205080304" pitchFamily="17" charset="-128"/>
+                        <a:cs typeface="Times New Roman" panose="02020603050405020304" pitchFamily="18" charset="0"/>
+                      </a:endParaRPr>
+                    </a:p>
+                  </a:txBody>
+                  <a:tcPr marL="68580" marR="68580" marT="0" marB="0" anchor="ctr"/>
+                </a:tc>
+                <a:tc>
+                  <a:txBody>
+                    <a:bodyPr/>
+                    <a:lstStyle/>
+                    <a:p>
+                      <a:pPr algn="just">
+                        <a:spcAft>
+                          <a:spcPts val="0"/>
+                        </a:spcAft>
+                      </a:pPr>
+                      <a:r>
+                        <a:rPr lang="en-US" altLang="ja-JP" sz="1050" kern="100" dirty="0" err="1" smtClean="0">
+                          <a:effectLst/>
+                          <a:latin typeface="+mn-lt"/>
+                          <a:ea typeface="+mn-ea"/>
+                          <a:cs typeface="+mn-cs"/>
+                        </a:rPr>
+                        <a:t>git</a:t>
+                      </a:r>
+                      <a:endParaRPr lang="ja-JP" sz="1050" kern="100" dirty="0">
+                        <a:effectLst/>
+                        <a:latin typeface="Century" panose="02040604050505020304" pitchFamily="18" charset="0"/>
+                        <a:ea typeface="ＭＳ 明朝" panose="02020609040205080304" pitchFamily="17" charset="-128"/>
+                        <a:cs typeface="Times New Roman" panose="02020603050405020304" pitchFamily="18" charset="0"/>
+                      </a:endParaRPr>
+                    </a:p>
+                  </a:txBody>
+                  <a:tcPr marL="68580" marR="68580" marT="0" marB="0" anchor="ctr"/>
+                </a:tc>
+                <a:tc>
+                  <a:txBody>
+                    <a:bodyPr/>
+                    <a:lstStyle/>
+                    <a:p>
+                      <a:pPr algn="just">
+                        <a:spcAft>
+                          <a:spcPts val="0"/>
+                        </a:spcAft>
+                      </a:pPr>
+                      <a:r>
+                        <a:rPr lang="en-US" sz="1050" kern="100" dirty="0" smtClean="0">
+                          <a:effectLst/>
+                        </a:rPr>
+                        <a:t>yum </a:t>
+                      </a:r>
+                      <a:r>
+                        <a:rPr lang="en-US" sz="1050" kern="100" dirty="0" smtClean="0">
+                          <a:effectLst/>
+                        </a:rPr>
+                        <a:t>install </a:t>
+                      </a:r>
+                      <a:r>
+                        <a:rPr lang="en-US" sz="1050" kern="100" dirty="0" smtClean="0">
+                          <a:effectLst/>
+                        </a:rPr>
+                        <a:t>–y </a:t>
+                      </a:r>
+                      <a:r>
+                        <a:rPr lang="en-US" sz="1050" kern="100" dirty="0" err="1" smtClean="0">
+                          <a:effectLst/>
+                        </a:rPr>
+                        <a:t>git</a:t>
+                      </a:r>
+                      <a:endParaRPr lang="ja-JP" sz="1050" kern="100" dirty="0">
+                        <a:effectLst/>
+                        <a:latin typeface="Segoe UI" panose="020B0502040204020203" pitchFamily="34" charset="0"/>
+                        <a:ea typeface="ＭＳ 明朝" panose="02020609040205080304" pitchFamily="17" charset="-128"/>
+                        <a:cs typeface="Segoe UI" panose="020B0502040204020203" pitchFamily="34" charset="0"/>
+                      </a:endParaRPr>
+                    </a:p>
+                  </a:txBody>
+                  <a:tcPr marL="68580" marR="68580" marT="0" marB="0" anchor="ctr"/>
+                </a:tc>
+                <a:tc>
+                  <a:txBody>
+                    <a:bodyPr/>
+                    <a:lstStyle/>
+                    <a:p>
+                      <a:pPr algn="ctr">
+                        <a:spcAft>
+                          <a:spcPts val="0"/>
+                        </a:spcAft>
+                      </a:pPr>
+                      <a:r>
+                        <a:rPr lang="en-US" altLang="ja-JP" sz="1050" kern="100" dirty="0" smtClean="0">
+                          <a:effectLst/>
+                        </a:rPr>
+                        <a:t>-</a:t>
+                      </a:r>
+                      <a:endParaRPr lang="ja-JP" sz="1050" kern="100" dirty="0">
+                        <a:effectLst/>
+                        <a:latin typeface="+mn-lt"/>
+                        <a:ea typeface="ＭＳ 明朝" panose="02020609040205080304" pitchFamily="17" charset="-128"/>
+                        <a:cs typeface="Segoe UI" panose="020B0502040204020203" pitchFamily="34" charset="0"/>
+                      </a:endParaRPr>
+                    </a:p>
+                  </a:txBody>
+                  <a:tcPr marL="68580" marR="68580" marT="0" marB="0" anchor="ctr"/>
+                </a:tc>
+                <a:tc>
+                  <a:txBody>
+                    <a:bodyPr/>
+                    <a:lstStyle/>
+                    <a:p>
+                      <a:pPr algn="just">
+                        <a:spcAft>
+                          <a:spcPts val="0"/>
+                        </a:spcAft>
+                      </a:pPr>
+                      <a:r>
+                        <a:rPr lang="en-US" altLang="ja-JP" sz="1050" kern="100" dirty="0" err="1" smtClean="0">
+                          <a:effectLst/>
+                        </a:rPr>
+                        <a:t>Ansible</a:t>
+                      </a:r>
+                      <a:r>
+                        <a:rPr lang="en-US" altLang="ja-JP" sz="1050" kern="100" dirty="0" smtClean="0">
+                          <a:effectLst/>
+                        </a:rPr>
+                        <a:t> Automation Controller</a:t>
+                      </a:r>
+                      <a:r>
+                        <a:rPr lang="ja-JP" altLang="en-US" sz="1050" kern="100" dirty="0" smtClean="0">
+                          <a:effectLst/>
+                        </a:rPr>
+                        <a:t>との連携で使用</a:t>
+                      </a:r>
+                      <a:r>
+                        <a:rPr lang="ja-JP" altLang="en-US" sz="1050" kern="100" dirty="0" smtClean="0">
+                          <a:effectLst/>
+                        </a:rPr>
+                        <a:t>。</a:t>
+                      </a:r>
+                      <a:endParaRPr lang="ja-JP" sz="1050" kern="100" dirty="0">
+                        <a:effectLst/>
+                        <a:latin typeface="+mn-ea"/>
+                        <a:ea typeface="+mn-ea"/>
+                        <a:cs typeface="Segoe UI" panose="020B0502040204020203" pitchFamily="34" charset="0"/>
+                      </a:endParaRPr>
+                    </a:p>
+                  </a:txBody>
+                  <a:tcPr marL="68580" marR="68580" marT="0" marB="0" anchor="ctr"/>
+                </a:tc>
+                <a:extLst>
+                  <a:ext uri="{0D108BD9-81ED-4DB2-BD59-A6C34878D82A}">
+                    <a16:rowId xmlns:a16="http://schemas.microsoft.com/office/drawing/2014/main" val="3240197867"/>
+                  </a:ext>
+                </a:extLst>
+              </a:tr>
+              <a:tr h="202309">
+                <a:tc vMerge="1">
+                  <a:txBody>
+                    <a:bodyPr/>
+                    <a:lstStyle/>
+                    <a:p>
+                      <a:pPr algn="just">
+                        <a:spcAft>
+                          <a:spcPts val="0"/>
+                        </a:spcAft>
+                      </a:pPr>
+                      <a:endParaRPr lang="ja-JP" sz="1000" kern="100" dirty="0">
+                        <a:effectLst/>
+                        <a:latin typeface="Century" panose="02040604050505020304" pitchFamily="18" charset="0"/>
+                        <a:ea typeface="ＭＳ 明朝" panose="02020609040205080304" pitchFamily="17" charset="-128"/>
+                        <a:cs typeface="Times New Roman" panose="02020603050405020304" pitchFamily="18" charset="0"/>
+                      </a:endParaRPr>
+                    </a:p>
+                  </a:txBody>
+                  <a:tcPr marL="68580" marR="68580" marT="0" marB="0" anchor="ctr"/>
+                </a:tc>
+                <a:tc>
+                  <a:txBody>
+                    <a:bodyPr/>
+                    <a:lstStyle/>
+                    <a:p>
+                      <a:pPr algn="just">
+                        <a:spcAft>
+                          <a:spcPts val="0"/>
+                        </a:spcAft>
+                      </a:pPr>
+                      <a:r>
+                        <a:rPr lang="en-US" altLang="ja-JP" sz="1050" kern="100" dirty="0" smtClean="0">
+                          <a:effectLst/>
+                        </a:rPr>
+                        <a:t>terraform-driver</a:t>
+                      </a:r>
+                      <a:endParaRPr lang="ja-JP" sz="1050" kern="100" dirty="0">
+                        <a:effectLst/>
+                        <a:latin typeface="Century" panose="02040604050505020304" pitchFamily="18" charset="0"/>
+                        <a:ea typeface="ＭＳ 明朝" panose="02020609040205080304" pitchFamily="17" charset="-128"/>
+                        <a:cs typeface="Times New Roman" panose="02020603050405020304" pitchFamily="18" charset="0"/>
+                      </a:endParaRPr>
+                    </a:p>
+                  </a:txBody>
+                  <a:tcPr marL="68580" marR="68580" marT="0" marB="0" anchor="ctr"/>
+                </a:tc>
+                <a:tc>
+                  <a:txBody>
+                    <a:bodyPr/>
+                    <a:lstStyle/>
+                    <a:p>
+                      <a:pPr algn="just">
+                        <a:spcAft>
+                          <a:spcPts val="0"/>
+                        </a:spcAft>
+                      </a:pPr>
+                      <a:r>
+                        <a:rPr lang="en-US" altLang="ja-JP" sz="1050" kern="100" dirty="0" smtClean="0">
+                          <a:effectLst/>
+                          <a:latin typeface="+mn-lt"/>
+                          <a:ea typeface="+mn-ea"/>
+                          <a:cs typeface="+mn-cs"/>
+                        </a:rPr>
+                        <a:t>python-hcl2</a:t>
+                      </a:r>
+                      <a:endParaRPr lang="ja-JP" sz="1050" kern="100" dirty="0">
+                        <a:effectLst/>
+                        <a:latin typeface="Century" panose="02040604050505020304" pitchFamily="18" charset="0"/>
+                        <a:ea typeface="ＭＳ 明朝" panose="02020609040205080304" pitchFamily="17" charset="-128"/>
+                        <a:cs typeface="Times New Roman" panose="02020603050405020304" pitchFamily="18" charset="0"/>
+                      </a:endParaRPr>
+                    </a:p>
+                  </a:txBody>
+                  <a:tcPr marL="68580" marR="68580" marT="0" marB="0" anchor="ctr"/>
+                </a:tc>
+                <a:tc>
+                  <a:txBody>
+                    <a:bodyPr/>
+                    <a:lstStyle/>
+                    <a:p>
+                      <a:pPr algn="just">
+                        <a:spcAft>
+                          <a:spcPts val="0"/>
+                        </a:spcAft>
+                      </a:pPr>
+                      <a:r>
+                        <a:rPr lang="en-US" altLang="ja-JP" sz="1050" kern="100" dirty="0" smtClean="0">
+                          <a:effectLst/>
+                          <a:latin typeface="Segoe UI" panose="020B0502040204020203" pitchFamily="34" charset="0"/>
+                          <a:ea typeface="ＭＳ 明朝" panose="02020609040205080304" pitchFamily="17" charset="-128"/>
+                          <a:cs typeface="Segoe UI" panose="020B0502040204020203" pitchFamily="34" charset="0"/>
+                        </a:rPr>
+                        <a:t>pip3 install python-hcl2</a:t>
+                      </a:r>
+                      <a:endParaRPr lang="ja-JP" sz="1050" kern="100" dirty="0">
+                        <a:effectLst/>
+                        <a:latin typeface="Segoe UI" panose="020B0502040204020203" pitchFamily="34" charset="0"/>
+                        <a:ea typeface="ＭＳ 明朝" panose="02020609040205080304" pitchFamily="17" charset="-128"/>
+                        <a:cs typeface="Segoe UI" panose="020B0502040204020203" pitchFamily="34" charset="0"/>
+                      </a:endParaRPr>
+                    </a:p>
+                  </a:txBody>
+                  <a:tcPr marL="68580" marR="68580" marT="0" marB="0" anchor="ctr"/>
+                </a:tc>
+                <a:tc>
+                  <a:txBody>
+                    <a:bodyPr/>
+                    <a:lstStyle/>
+                    <a:p>
+                      <a:pPr algn="ctr">
+                        <a:spcAft>
+                          <a:spcPts val="0"/>
+                        </a:spcAft>
+                      </a:pPr>
+                      <a:r>
+                        <a:rPr lang="en-US" altLang="ja-JP" sz="1050" kern="100" dirty="0" smtClean="0">
+                          <a:effectLst/>
+                        </a:rPr>
+                        <a:t>-</a:t>
+                      </a:r>
+                      <a:endParaRPr lang="ja-JP" sz="1050" kern="100" dirty="0">
+                        <a:effectLst/>
+                        <a:latin typeface="+mn-lt"/>
+                        <a:ea typeface="ＭＳ 明朝" panose="02020609040205080304" pitchFamily="17" charset="-128"/>
+                        <a:cs typeface="Segoe UI" panose="020B0502040204020203" pitchFamily="34" charset="0"/>
+                      </a:endParaRPr>
+                    </a:p>
+                  </a:txBody>
+                  <a:tcPr marL="68580" marR="68580" marT="0" marB="0" anchor="ctr"/>
+                </a:tc>
+                <a:tc>
+                  <a:txBody>
+                    <a:bodyPr/>
+                    <a:lstStyle/>
+                    <a:p>
+                      <a:pPr algn="just">
+                        <a:spcAft>
+                          <a:spcPts val="0"/>
+                        </a:spcAft>
+                      </a:pPr>
+                      <a:r>
+                        <a:rPr lang="en-US" altLang="ja-JP" sz="1050" kern="100" dirty="0" err="1" smtClean="0">
+                          <a:effectLst/>
+                        </a:rPr>
+                        <a:t>tf</a:t>
+                      </a:r>
+                      <a:r>
+                        <a:rPr lang="ja-JP" altLang="en-US" sz="1050" kern="100" dirty="0" smtClean="0">
+                          <a:effectLst/>
+                        </a:rPr>
+                        <a:t>ファイルの解析に使用。</a:t>
+                      </a:r>
+                      <a:endParaRPr lang="ja-JP" sz="1050" kern="100" dirty="0">
+                        <a:effectLst/>
+                        <a:latin typeface="+mn-ea"/>
+                        <a:ea typeface="+mn-ea"/>
+                        <a:cs typeface="Segoe UI" panose="020B0502040204020203" pitchFamily="34" charset="0"/>
+                      </a:endParaRPr>
+                    </a:p>
+                  </a:txBody>
+                  <a:tcPr marL="68580" marR="68580" marT="0" marB="0" anchor="ctr"/>
+                </a:tc>
+                <a:extLst>
+                  <a:ext uri="{0D108BD9-81ED-4DB2-BD59-A6C34878D82A}">
+                    <a16:rowId xmlns:a16="http://schemas.microsoft.com/office/drawing/2014/main" val="2781552190"/>
+                  </a:ext>
+                </a:extLst>
+              </a:tr>
             </a:tbl>
           </a:graphicData>
         </a:graphic>
@@ -19217,6 +19564,747 @@
             <p:ph type="title"/>
           </p:nvPr>
         </p:nvSpPr>
+        <p:spPr/>
+        <p:txBody>
+          <a:bodyPr/>
+          <a:lstStyle/>
+          <a:p>
+            <a:r>
+              <a:rPr lang="en-US" altLang="ja-JP" dirty="0" smtClean="0"/>
+              <a:t>3.10</a:t>
+            </a:r>
+            <a:r>
+              <a:rPr lang="ja-JP" altLang="en-US" dirty="0"/>
+              <a:t>　</a:t>
+            </a:r>
+            <a:r>
+              <a:rPr lang="ja-JP" altLang="en-US" dirty="0" smtClean="0"/>
+              <a:t>バージョンアップ</a:t>
+            </a:r>
+            <a:r>
+              <a:rPr lang="ja-JP" altLang="en-US" dirty="0" smtClean="0"/>
+              <a:t>（</a:t>
+            </a:r>
+            <a:r>
+              <a:rPr lang="en-US" altLang="ja-JP" dirty="0" smtClean="0"/>
+              <a:t>8/9</a:t>
+            </a:r>
+            <a:r>
+              <a:rPr lang="ja-JP" altLang="en-US" dirty="0" smtClean="0"/>
+              <a:t>）</a:t>
+            </a:r>
+            <a:endParaRPr kumimoji="1" lang="ja-JP" altLang="en-US" dirty="0"/>
+          </a:p>
+        </p:txBody>
+      </p:sp>
+      <p:sp>
+        <p:nvSpPr>
+          <p:cNvPr id="3" name="コンテンツ プレースホルダー 2"/>
+          <p:cNvSpPr>
+            <a:spLocks noGrp="1"/>
+          </p:cNvSpPr>
+          <p:nvPr>
+            <p:ph sz="quarter" idx="10"/>
+          </p:nvPr>
+        </p:nvSpPr>
+        <p:spPr>
+          <a:xfrm>
+            <a:off x="179512" y="836712"/>
+            <a:ext cx="8964487" cy="5616476"/>
+          </a:xfrm>
+        </p:spPr>
+        <p:txBody>
+          <a:bodyPr>
+            <a:normAutofit/>
+          </a:bodyPr>
+          <a:lstStyle/>
+          <a:p>
+            <a:r>
+              <a:rPr lang="ja-JP" altLang="en-US" dirty="0" smtClean="0"/>
+              <a:t>バージョンアップ時のサービス起動について</a:t>
+            </a:r>
+            <a:endParaRPr lang="en-US" altLang="ja-JP" dirty="0" smtClean="0"/>
+          </a:p>
+          <a:p>
+            <a:pPr marL="0" indent="0">
+              <a:buNone/>
+            </a:pPr>
+            <a:endParaRPr lang="en-US" altLang="ja-JP" dirty="0" smtClean="0"/>
+          </a:p>
+          <a:p>
+            <a:pPr marL="180000" lvl="1" indent="0">
+              <a:buNone/>
+            </a:pPr>
+            <a:r>
+              <a:rPr lang="ja-JP" altLang="en-US" dirty="0" smtClean="0"/>
+              <a:t>バージョンアップを行うと、</a:t>
+            </a:r>
+            <a:r>
+              <a:rPr lang="en-US" altLang="ja-JP" dirty="0" smtClean="0"/>
+              <a:t>ITA</a:t>
+            </a:r>
+            <a:r>
+              <a:rPr lang="ja-JP" altLang="en-US" dirty="0" smtClean="0"/>
+              <a:t>のサービスはすべて再起動されます。</a:t>
+            </a:r>
+            <a:endParaRPr lang="en-US" altLang="ja-JP" dirty="0" smtClean="0"/>
+          </a:p>
+          <a:p>
+            <a:pPr marL="180000" lvl="1" indent="0">
+              <a:buNone/>
+            </a:pPr>
+            <a:r>
+              <a:rPr lang="ja-JP" altLang="en-US" dirty="0"/>
+              <a:t>手動</a:t>
+            </a:r>
+            <a:r>
+              <a:rPr lang="ja-JP" altLang="en-US" dirty="0" smtClean="0"/>
+              <a:t>で停止していたサービスがある場合もすべて起動されますので、必要であれば再度停止をお願いします。</a:t>
+            </a:r>
+            <a:endParaRPr lang="en-US" altLang="ja-JP" dirty="0" smtClean="0"/>
+          </a:p>
+          <a:p>
+            <a:pPr marL="180000" lvl="1" indent="0">
+              <a:buNone/>
+            </a:pPr>
+            <a:endParaRPr lang="en-US" altLang="ja-JP" dirty="0"/>
+          </a:p>
+          <a:p>
+            <a:r>
+              <a:rPr lang="en-US" altLang="ja-JP" dirty="0"/>
+              <a:t>PHP</a:t>
+            </a:r>
+            <a:r>
+              <a:rPr lang="ja-JP" altLang="en-US" dirty="0"/>
+              <a:t>のバージョンについて</a:t>
+            </a:r>
+            <a:endParaRPr lang="en-US" altLang="ja-JP" dirty="0"/>
+          </a:p>
+          <a:p>
+            <a:pPr marL="0" indent="0">
+              <a:buNone/>
+            </a:pPr>
+            <a:endParaRPr lang="en-US" altLang="ja-JP" dirty="0"/>
+          </a:p>
+          <a:p>
+            <a:pPr marL="180000" lvl="1" indent="0">
+              <a:buNone/>
+            </a:pPr>
+            <a:r>
+              <a:rPr lang="en-US" altLang="ja-JP" dirty="0"/>
+              <a:t>ITA v1.9.1</a:t>
+            </a:r>
+            <a:r>
+              <a:rPr lang="ja-JP" altLang="en-US" dirty="0"/>
+              <a:t>以前は</a:t>
+            </a:r>
+            <a:r>
+              <a:rPr lang="en-US" altLang="ja-JP" dirty="0"/>
+              <a:t>PHP7.2</a:t>
+            </a:r>
+            <a:r>
+              <a:rPr lang="ja-JP" altLang="en-US" dirty="0"/>
+              <a:t>が必須でしたが、</a:t>
+            </a:r>
+            <a:r>
+              <a:rPr lang="en-US" altLang="ja-JP" dirty="0"/>
+              <a:t> ITA v1.10.0</a:t>
+            </a:r>
+            <a:r>
+              <a:rPr lang="ja-JP" altLang="en-US" dirty="0"/>
+              <a:t>から</a:t>
+            </a:r>
+            <a:r>
+              <a:rPr lang="en-US" altLang="ja-JP" dirty="0"/>
+              <a:t>PHP7.2</a:t>
+            </a:r>
+            <a:r>
+              <a:rPr lang="ja-JP" altLang="en-US" dirty="0"/>
+              <a:t>と</a:t>
+            </a:r>
+            <a:r>
+              <a:rPr lang="en-US" altLang="ja-JP" dirty="0"/>
+              <a:t>7.4</a:t>
+            </a:r>
+            <a:r>
+              <a:rPr lang="ja-JP" altLang="en-US" dirty="0"/>
+              <a:t>の両方に対応可能となりました。</a:t>
+            </a:r>
+            <a:endParaRPr lang="en-US" altLang="ja-JP" dirty="0"/>
+          </a:p>
+          <a:p>
+            <a:pPr marL="180000" lvl="1" indent="0">
+              <a:buNone/>
+            </a:pPr>
+            <a:r>
+              <a:rPr lang="en-US" altLang="ja-JP" dirty="0"/>
+              <a:t>ITA</a:t>
+            </a:r>
+            <a:r>
+              <a:rPr lang="ja-JP" altLang="en-US" dirty="0"/>
+              <a:t>インストーラを使用して</a:t>
+            </a:r>
+            <a:r>
+              <a:rPr lang="en-US" altLang="ja-JP" dirty="0"/>
+              <a:t>ITA v1.10.0</a:t>
+            </a:r>
+            <a:r>
+              <a:rPr lang="ja-JP" altLang="en-US" dirty="0"/>
+              <a:t>を新規インストールした場合は</a:t>
+            </a:r>
+            <a:r>
+              <a:rPr lang="en-US" altLang="ja-JP" dirty="0"/>
+              <a:t>PHP7.4</a:t>
+            </a:r>
+            <a:r>
+              <a:rPr lang="ja-JP" altLang="en-US" dirty="0"/>
+              <a:t>がインストールされますが、</a:t>
+            </a:r>
+            <a:endParaRPr lang="en-US" altLang="ja-JP" dirty="0"/>
+          </a:p>
+          <a:p>
+            <a:pPr marL="180000" lvl="1" indent="0">
+              <a:buNone/>
+            </a:pPr>
+            <a:r>
+              <a:rPr lang="en-US" altLang="ja-JP" dirty="0"/>
+              <a:t>ITA v1.9.1</a:t>
+            </a:r>
+            <a:r>
+              <a:rPr lang="ja-JP" altLang="en-US" dirty="0"/>
+              <a:t>以前から</a:t>
+            </a:r>
+            <a:r>
+              <a:rPr lang="en-US" altLang="ja-JP" dirty="0"/>
+              <a:t>ITA </a:t>
+            </a:r>
+            <a:r>
+              <a:rPr lang="en-US" altLang="ja-JP" dirty="0" smtClean="0"/>
+              <a:t>v1.10.0</a:t>
+            </a:r>
+            <a:r>
+              <a:rPr lang="ja-JP" altLang="en-US" dirty="0" smtClean="0"/>
+              <a:t>以降に</a:t>
+            </a:r>
+            <a:r>
+              <a:rPr lang="ja-JP" altLang="en-US" dirty="0"/>
+              <a:t>バージョンアップした場合、</a:t>
+            </a:r>
+            <a:r>
+              <a:rPr lang="en-US" altLang="ja-JP" dirty="0"/>
+              <a:t>PHP</a:t>
+            </a:r>
+            <a:r>
+              <a:rPr lang="ja-JP" altLang="en-US" dirty="0"/>
+              <a:t>のバージョンは自動で</a:t>
+            </a:r>
+            <a:r>
+              <a:rPr lang="en-US" altLang="ja-JP" dirty="0"/>
+              <a:t>7.4</a:t>
+            </a:r>
+            <a:r>
+              <a:rPr lang="ja-JP" altLang="en-US" dirty="0" err="1"/>
+              <a:t>には</a:t>
+            </a:r>
+            <a:r>
+              <a:rPr lang="ja-JP" altLang="en-US" dirty="0"/>
+              <a:t>ならずに</a:t>
+            </a:r>
+            <a:r>
+              <a:rPr lang="en-US" altLang="ja-JP" dirty="0"/>
+              <a:t>7.2</a:t>
+            </a:r>
+            <a:r>
+              <a:rPr lang="ja-JP" altLang="en-US" dirty="0"/>
+              <a:t>のままとなります。</a:t>
+            </a:r>
+            <a:endParaRPr lang="en-US" altLang="ja-JP" dirty="0"/>
+          </a:p>
+          <a:p>
+            <a:pPr marL="180000" lvl="1" indent="0">
+              <a:buNone/>
+            </a:pPr>
+            <a:r>
+              <a:rPr lang="en-US" altLang="ja-JP" dirty="0"/>
+              <a:t>7.4</a:t>
+            </a:r>
+            <a:r>
+              <a:rPr lang="ja-JP" altLang="en-US" dirty="0"/>
+              <a:t>に上げたい場合は手動での</a:t>
+            </a:r>
+            <a:r>
+              <a:rPr lang="en-US" altLang="ja-JP" dirty="0"/>
+              <a:t>PHP</a:t>
+            </a:r>
+            <a:r>
+              <a:rPr lang="ja-JP" altLang="en-US" dirty="0"/>
+              <a:t>バージョンアップをお願いします。</a:t>
+            </a:r>
+            <a:endParaRPr lang="en-US" altLang="ja-JP" dirty="0"/>
+          </a:p>
+          <a:p>
+            <a:pPr marL="180000" lvl="1" indent="0">
+              <a:buNone/>
+            </a:pPr>
+            <a:endParaRPr lang="en-US" altLang="ja-JP" dirty="0" smtClean="0"/>
+          </a:p>
+        </p:txBody>
+      </p:sp>
+    </p:spTree>
+    <p:extLst>
+      <p:ext uri="{BB962C8B-B14F-4D97-AF65-F5344CB8AC3E}">
+        <p14:creationId xmlns:p14="http://schemas.microsoft.com/office/powerpoint/2010/main" val="274773175"/>
+      </p:ext>
+    </p:extLst>
+  </p:cSld>
+  <p:clrMapOvr>
+    <a:masterClrMapping/>
+  </p:clrMapOvr>
+  <p:timing>
+    <p:tnLst>
+      <p:par>
+        <p:cTn id="1" dur="indefinite" restart="never" nodeType="tmRoot"/>
+      </p:par>
+    </p:tnLst>
+  </p:timing>
+</p:sld>
+</file>
+
+<file path=ppt/slides/slide18.xml><?xml version="1.0" encoding="utf-8"?>
+<p:sld xmlns:a="http://schemas.openxmlformats.org/drawingml/2006/main" xmlns:r="http://schemas.openxmlformats.org/officeDocument/2006/relationships" xmlns:p="http://schemas.openxmlformats.org/presentationml/2006/main">
+  <p:cSld>
+    <p:spTree>
+      <p:nvGrpSpPr>
+        <p:cNvPr id="1" name=""/>
+        <p:cNvGrpSpPr/>
+        <p:nvPr/>
+      </p:nvGrpSpPr>
+      <p:grpSpPr>
+        <a:xfrm>
+          <a:off x="0" y="0"/>
+          <a:ext cx="0" cy="0"/>
+          <a:chOff x="0" y="0"/>
+          <a:chExt cx="0" cy="0"/>
+        </a:xfrm>
+      </p:grpSpPr>
+      <p:sp>
+        <p:nvSpPr>
+          <p:cNvPr id="2" name="タイトル 1"/>
+          <p:cNvSpPr>
+            <a:spLocks noGrp="1"/>
+          </p:cNvSpPr>
+          <p:nvPr>
+            <p:ph type="title"/>
+          </p:nvPr>
+        </p:nvSpPr>
+        <p:spPr/>
+        <p:txBody>
+          <a:bodyPr/>
+          <a:lstStyle/>
+          <a:p>
+            <a:r>
+              <a:rPr lang="en-US" altLang="ja-JP" dirty="0" smtClean="0"/>
+              <a:t>3.11</a:t>
+            </a:r>
+            <a:r>
+              <a:rPr lang="ja-JP" altLang="en-US" dirty="0"/>
+              <a:t>　</a:t>
+            </a:r>
+            <a:r>
+              <a:rPr lang="ja-JP" altLang="en-US" dirty="0" smtClean="0"/>
+              <a:t>バージョンアップ</a:t>
+            </a:r>
+            <a:r>
+              <a:rPr lang="ja-JP" altLang="en-US" dirty="0" smtClean="0"/>
+              <a:t>（</a:t>
+            </a:r>
+            <a:r>
+              <a:rPr lang="en-US" altLang="ja-JP" dirty="0" smtClean="0"/>
+              <a:t>9/9</a:t>
+            </a:r>
+            <a:r>
+              <a:rPr lang="ja-JP" altLang="en-US" dirty="0" smtClean="0"/>
+              <a:t>）</a:t>
+            </a:r>
+            <a:endParaRPr kumimoji="1" lang="ja-JP" altLang="en-US" dirty="0"/>
+          </a:p>
+        </p:txBody>
+      </p:sp>
+      <p:sp>
+        <p:nvSpPr>
+          <p:cNvPr id="3" name="コンテンツ プレースホルダー 2"/>
+          <p:cNvSpPr>
+            <a:spLocks noGrp="1"/>
+          </p:cNvSpPr>
+          <p:nvPr>
+            <p:ph sz="quarter" idx="10"/>
+          </p:nvPr>
+        </p:nvSpPr>
+        <p:spPr>
+          <a:xfrm>
+            <a:off x="179512" y="836712"/>
+            <a:ext cx="8964487" cy="5616476"/>
+          </a:xfrm>
+        </p:spPr>
+        <p:txBody>
+          <a:bodyPr>
+            <a:normAutofit/>
+          </a:bodyPr>
+          <a:lstStyle/>
+          <a:p>
+            <a:r>
+              <a:rPr lang="en-US" altLang="ja-JP" dirty="0" err="1" smtClean="0"/>
+              <a:t>Ansible</a:t>
+            </a:r>
+            <a:r>
+              <a:rPr lang="en-US" altLang="ja-JP" dirty="0" smtClean="0"/>
+              <a:t> Automation Controller4.x</a:t>
+            </a:r>
+            <a:r>
+              <a:rPr lang="ja-JP" altLang="en-US" dirty="0" smtClean="0"/>
+              <a:t>対応について</a:t>
+            </a:r>
+            <a:endParaRPr lang="en-US" altLang="ja-JP" dirty="0"/>
+          </a:p>
+          <a:p>
+            <a:pPr marL="180000" lvl="1" indent="0">
+              <a:buNone/>
+            </a:pPr>
+            <a:r>
+              <a:rPr lang="en-US" altLang="ja-JP" dirty="0"/>
+              <a:t>ITA v1.10.0</a:t>
+            </a:r>
+            <a:r>
+              <a:rPr lang="ja-JP" altLang="en-US" dirty="0" smtClean="0"/>
+              <a:t>から</a:t>
+            </a:r>
+            <a:r>
+              <a:rPr lang="en-US" altLang="ja-JP" dirty="0" err="1" smtClean="0"/>
+              <a:t>Ansible</a:t>
+            </a:r>
+            <a:r>
+              <a:rPr lang="en-US" altLang="ja-JP" dirty="0" smtClean="0"/>
+              <a:t> Tower3.x</a:t>
+            </a:r>
+            <a:r>
+              <a:rPr lang="ja-JP" altLang="en-US" dirty="0" smtClean="0"/>
+              <a:t>の後継機である</a:t>
+            </a:r>
+            <a:r>
+              <a:rPr lang="en-US" altLang="ja-JP" dirty="0" err="1" smtClean="0"/>
+              <a:t>Ansible</a:t>
+            </a:r>
+            <a:r>
+              <a:rPr lang="en-US" altLang="ja-JP" dirty="0" smtClean="0"/>
+              <a:t> Automation Controller4.x</a:t>
+            </a:r>
+            <a:r>
+              <a:rPr lang="ja-JP" altLang="en-US" dirty="0" smtClean="0"/>
+              <a:t>と連携可能となりました。</a:t>
+            </a:r>
+            <a:endParaRPr lang="en-US" altLang="ja-JP" dirty="0" smtClean="0"/>
+          </a:p>
+          <a:p>
+            <a:pPr marL="180000" lvl="1" indent="0">
+              <a:buNone/>
+            </a:pPr>
+            <a:r>
+              <a:rPr lang="ja-JP" altLang="en-US" dirty="0"/>
+              <a:t>連携するため</a:t>
+            </a:r>
+            <a:r>
+              <a:rPr lang="ja-JP" altLang="en-US" dirty="0" smtClean="0"/>
+              <a:t>に必要な設定は「</a:t>
+            </a:r>
+            <a:r>
+              <a:rPr lang="en-US" altLang="ja-JP" dirty="0"/>
+              <a:t> </a:t>
+            </a:r>
+            <a:r>
+              <a:rPr lang="en-US" altLang="ja-JP" dirty="0" err="1">
+                <a:hlinkClick r:id="rId2"/>
+              </a:rPr>
+              <a:t>Exastro</a:t>
+            </a:r>
+            <a:r>
+              <a:rPr lang="en-US" altLang="ja-JP" dirty="0">
+                <a:hlinkClick r:id="rId2"/>
+              </a:rPr>
+              <a:t>-ITA_</a:t>
+            </a:r>
+            <a:r>
+              <a:rPr lang="ja-JP" altLang="en-US" dirty="0">
+                <a:hlinkClick r:id="rId2"/>
+              </a:rPr>
+              <a:t>システム構成／環境構築ガイド</a:t>
+            </a:r>
+            <a:r>
+              <a:rPr lang="en-US" altLang="ja-JP" dirty="0">
+                <a:hlinkClick r:id="rId2"/>
+              </a:rPr>
+              <a:t>_</a:t>
+            </a:r>
+            <a:r>
+              <a:rPr lang="en-US" altLang="ja-JP" dirty="0" err="1">
+                <a:hlinkClick r:id="rId2"/>
+              </a:rPr>
+              <a:t>Ansible</a:t>
+            </a:r>
+            <a:r>
+              <a:rPr lang="en-US" altLang="ja-JP" dirty="0">
+                <a:hlinkClick r:id="rId2"/>
+              </a:rPr>
+              <a:t>-driver</a:t>
+            </a:r>
+            <a:r>
+              <a:rPr lang="ja-JP" altLang="en-US" dirty="0" smtClean="0">
+                <a:hlinkClick r:id="rId2"/>
+              </a:rPr>
+              <a:t>編</a:t>
+            </a:r>
+            <a:r>
+              <a:rPr lang="ja-JP" altLang="en-US" dirty="0" smtClean="0"/>
+              <a:t>」を参照してください。</a:t>
+            </a:r>
+            <a:endParaRPr lang="en-US" altLang="ja-JP" dirty="0" smtClean="0"/>
+          </a:p>
+          <a:p>
+            <a:pPr marL="180000" lvl="1" indent="0">
+              <a:buNone/>
+            </a:pPr>
+            <a:endParaRPr lang="en-US" altLang="ja-JP" dirty="0" smtClean="0"/>
+          </a:p>
+          <a:p>
+            <a:pPr marL="180000" lvl="1" indent="0">
+              <a:buNone/>
+            </a:pPr>
+            <a:r>
+              <a:rPr lang="ja-JP" altLang="en-US" dirty="0" smtClean="0"/>
+              <a:t>また、</a:t>
+            </a:r>
+            <a:r>
+              <a:rPr lang="en-US" altLang="ja-JP" dirty="0" err="1" smtClean="0"/>
+              <a:t>Ansible</a:t>
+            </a:r>
+            <a:r>
+              <a:rPr lang="en-US" altLang="ja-JP" dirty="0" smtClean="0"/>
+              <a:t> Tower3.x</a:t>
+            </a:r>
+            <a:r>
+              <a:rPr lang="ja-JP" altLang="en-US" dirty="0" smtClean="0"/>
+              <a:t>との連携も一部方式が変更になっています。</a:t>
+            </a:r>
+            <a:endParaRPr lang="en-US" altLang="ja-JP" dirty="0" smtClean="0"/>
+          </a:p>
+          <a:p>
+            <a:pPr marL="180000" lvl="1" indent="0">
+              <a:buNone/>
+            </a:pPr>
+            <a:r>
+              <a:rPr lang="en-US" altLang="ja-JP" dirty="0"/>
+              <a:t>ITA v1.9.1</a:t>
+            </a:r>
+            <a:r>
+              <a:rPr lang="ja-JP" altLang="en-US" dirty="0"/>
+              <a:t>以前から</a:t>
+            </a:r>
+            <a:r>
+              <a:rPr lang="en-US" altLang="ja-JP" dirty="0"/>
+              <a:t>ITA </a:t>
+            </a:r>
+            <a:r>
+              <a:rPr lang="en-US" altLang="ja-JP" dirty="0" smtClean="0"/>
+              <a:t>v1.10.0</a:t>
+            </a:r>
+            <a:r>
+              <a:rPr lang="ja-JP" altLang="en-US" dirty="0" smtClean="0"/>
+              <a:t>以降に</a:t>
+            </a:r>
+            <a:r>
+              <a:rPr lang="ja-JP" altLang="en-US" dirty="0"/>
+              <a:t>バージョンアップ</a:t>
+            </a:r>
+            <a:r>
+              <a:rPr lang="ja-JP" altLang="en-US" dirty="0" smtClean="0"/>
+              <a:t>して</a:t>
+            </a:r>
+            <a:r>
+              <a:rPr lang="en-US" altLang="ja-JP" dirty="0" err="1"/>
+              <a:t>Ansible</a:t>
+            </a:r>
+            <a:r>
+              <a:rPr lang="en-US" altLang="ja-JP" dirty="0"/>
+              <a:t> Tower3.x </a:t>
+            </a:r>
+            <a:r>
+              <a:rPr lang="ja-JP" altLang="en-US" dirty="0" smtClean="0"/>
+              <a:t>と連携する場合、「</a:t>
+            </a:r>
+            <a:r>
+              <a:rPr lang="en-US" altLang="ja-JP" dirty="0" smtClean="0"/>
+              <a:t> </a:t>
+            </a:r>
+            <a:r>
+              <a:rPr lang="en-US" altLang="ja-JP" dirty="0" err="1">
+                <a:hlinkClick r:id="rId2"/>
+              </a:rPr>
+              <a:t>Exastro</a:t>
+            </a:r>
+            <a:r>
+              <a:rPr lang="en-US" altLang="ja-JP" dirty="0">
+                <a:hlinkClick r:id="rId2"/>
+              </a:rPr>
+              <a:t>-ITA_</a:t>
+            </a:r>
+            <a:r>
+              <a:rPr lang="ja-JP" altLang="en-US" dirty="0">
+                <a:hlinkClick r:id="rId2"/>
+              </a:rPr>
+              <a:t>システム構成／環境構築ガイド</a:t>
+            </a:r>
+            <a:r>
+              <a:rPr lang="en-US" altLang="ja-JP" dirty="0">
+                <a:hlinkClick r:id="rId2"/>
+              </a:rPr>
+              <a:t>_</a:t>
+            </a:r>
+            <a:r>
+              <a:rPr lang="en-US" altLang="ja-JP" dirty="0" err="1">
+                <a:hlinkClick r:id="rId2"/>
+              </a:rPr>
+              <a:t>Ansible</a:t>
+            </a:r>
+            <a:r>
+              <a:rPr lang="en-US" altLang="ja-JP" dirty="0">
+                <a:hlinkClick r:id="rId2"/>
+              </a:rPr>
+              <a:t>-driver</a:t>
+            </a:r>
+            <a:r>
+              <a:rPr lang="ja-JP" altLang="en-US" dirty="0">
+                <a:hlinkClick r:id="rId2"/>
+              </a:rPr>
+              <a:t>編</a:t>
+            </a:r>
+            <a:r>
+              <a:rPr lang="ja-JP" altLang="en-US" dirty="0" smtClean="0"/>
+              <a:t>」の「</a:t>
+            </a:r>
+            <a:r>
+              <a:rPr lang="en-US" altLang="ja-JP" dirty="0" smtClean="0"/>
+              <a:t>5.2</a:t>
+            </a:r>
+            <a:r>
+              <a:rPr lang="en-US" altLang="ja-JP" dirty="0"/>
+              <a:t>. ITA </a:t>
+            </a:r>
+            <a:r>
+              <a:rPr lang="ja-JP" altLang="en-US" dirty="0"/>
+              <a:t>作業用ディレクトリの</a:t>
+            </a:r>
+            <a:r>
+              <a:rPr lang="ja-JP" altLang="en-US" dirty="0" smtClean="0"/>
+              <a:t>準備」の設定を実施してください。</a:t>
+            </a:r>
+            <a:endParaRPr lang="en-US" altLang="ja-JP" dirty="0" smtClean="0"/>
+          </a:p>
+          <a:p>
+            <a:pPr marL="180000" lvl="1" indent="0">
+              <a:buNone/>
+            </a:pPr>
+            <a:endParaRPr lang="en-US" altLang="ja-JP" dirty="0"/>
+          </a:p>
+          <a:p>
+            <a:pPr lvl="1"/>
+            <a:endParaRPr lang="en-US" altLang="ja-JP" dirty="0" smtClean="0"/>
+          </a:p>
+          <a:p>
+            <a:pPr lvl="1"/>
+            <a:endParaRPr lang="en-US" altLang="ja-JP" dirty="0"/>
+          </a:p>
+          <a:p>
+            <a:pPr lvl="1"/>
+            <a:endParaRPr lang="en-US" altLang="ja-JP" dirty="0" smtClean="0"/>
+          </a:p>
+          <a:p>
+            <a:pPr lvl="1"/>
+            <a:endParaRPr lang="en-US" altLang="ja-JP" dirty="0"/>
+          </a:p>
+          <a:p>
+            <a:pPr lvl="1"/>
+            <a:endParaRPr lang="en-US" altLang="ja-JP" dirty="0" smtClean="0"/>
+          </a:p>
+          <a:p>
+            <a:pPr lvl="1"/>
+            <a:endParaRPr lang="en-US" altLang="ja-JP" dirty="0"/>
+          </a:p>
+          <a:p>
+            <a:pPr lvl="1"/>
+            <a:endParaRPr lang="en-US" altLang="ja-JP" dirty="0" smtClean="0"/>
+          </a:p>
+          <a:p>
+            <a:pPr lvl="1"/>
+            <a:endParaRPr lang="en-US" altLang="ja-JP" dirty="0"/>
+          </a:p>
+          <a:p>
+            <a:pPr lvl="1"/>
+            <a:endParaRPr lang="en-US" altLang="ja-JP" dirty="0" smtClean="0"/>
+          </a:p>
+          <a:p>
+            <a:pPr marL="180000" lvl="1" indent="0">
+              <a:buNone/>
+            </a:pPr>
+            <a:endParaRPr lang="en-US" altLang="ja-JP" dirty="0" smtClean="0"/>
+          </a:p>
+        </p:txBody>
+      </p:sp>
+    </p:spTree>
+    <p:extLst>
+      <p:ext uri="{BB962C8B-B14F-4D97-AF65-F5344CB8AC3E}">
+        <p14:creationId xmlns:p14="http://schemas.microsoft.com/office/powerpoint/2010/main" val="1543460418"/>
+      </p:ext>
+    </p:extLst>
+  </p:cSld>
+  <p:clrMapOvr>
+    <a:masterClrMapping/>
+  </p:clrMapOvr>
+  <p:timing>
+    <p:tnLst>
+      <p:par>
+        <p:cTn id="1" dur="indefinite" restart="never" nodeType="tmRoot"/>
+      </p:par>
+    </p:tnLst>
+  </p:timing>
+</p:sld>
+</file>
+
+<file path=ppt/slides/slide19.xml><?xml version="1.0" encoding="utf-8"?>
+<p:sld xmlns:a="http://schemas.openxmlformats.org/drawingml/2006/main" xmlns:r="http://schemas.openxmlformats.org/officeDocument/2006/relationships" xmlns:p="http://schemas.openxmlformats.org/presentationml/2006/main">
+  <p:cSld>
+    <p:spTree>
+      <p:nvGrpSpPr>
+        <p:cNvPr id="1" name=""/>
+        <p:cNvGrpSpPr/>
+        <p:nvPr/>
+      </p:nvGrpSpPr>
+      <p:grpSpPr>
+        <a:xfrm>
+          <a:off x="0" y="0"/>
+          <a:ext cx="0" cy="0"/>
+          <a:chOff x="0" y="0"/>
+          <a:chExt cx="0" cy="0"/>
+        </a:xfrm>
+      </p:grpSpPr>
+      <p:sp>
+        <p:nvSpPr>
+          <p:cNvPr id="2" name="タイトル 1"/>
+          <p:cNvSpPr>
+            <a:spLocks noGrp="1"/>
+          </p:cNvSpPr>
+          <p:nvPr>
+            <p:ph type="title"/>
+          </p:nvPr>
+        </p:nvSpPr>
         <p:spPr>
           <a:xfrm>
             <a:off x="179388" y="3045072"/>
@@ -19267,7 +20355,760 @@
 </p:sld>
 </file>
 
-<file path=ppt/slides/slide18.xml><?xml version="1.0" encoding="utf-8"?>
+<file path=ppt/slides/slide2.xml><?xml version="1.0" encoding="utf-8"?>
+<p:sld xmlns:a="http://schemas.openxmlformats.org/drawingml/2006/main" xmlns:r="http://schemas.openxmlformats.org/officeDocument/2006/relationships" xmlns:p="http://schemas.openxmlformats.org/presentationml/2006/main">
+  <p:cSld>
+    <p:spTree>
+      <p:nvGrpSpPr>
+        <p:cNvPr id="1" name=""/>
+        <p:cNvGrpSpPr/>
+        <p:nvPr/>
+      </p:nvGrpSpPr>
+      <p:grpSpPr>
+        <a:xfrm>
+          <a:off x="0" y="0"/>
+          <a:ext cx="0" cy="0"/>
+          <a:chOff x="0" y="0"/>
+          <a:chExt cx="0" cy="0"/>
+        </a:xfrm>
+      </p:grpSpPr>
+      <p:sp>
+        <p:nvSpPr>
+          <p:cNvPr id="2" name="タイトル 1"/>
+          <p:cNvSpPr>
+            <a:spLocks noGrp="1"/>
+          </p:cNvSpPr>
+          <p:nvPr>
+            <p:ph type="title"/>
+          </p:nvPr>
+        </p:nvSpPr>
+        <p:spPr>
+          <a:xfrm>
+            <a:off x="1619672" y="116540"/>
+            <a:ext cx="7344000" cy="405683"/>
+          </a:xfrm>
+        </p:spPr>
+        <p:txBody>
+          <a:bodyPr/>
+          <a:lstStyle/>
+          <a:p>
+            <a:r>
+              <a:rPr kumimoji="1" lang="ja-JP" altLang="en-US" dirty="0" smtClean="0"/>
+              <a:t>目次</a:t>
+            </a:r>
+            <a:endParaRPr kumimoji="1" lang="ja-JP" altLang="en-US" dirty="0"/>
+          </a:p>
+        </p:txBody>
+      </p:sp>
+      <p:sp>
+        <p:nvSpPr>
+          <p:cNvPr id="4" name="正方形/長方形 3"/>
+          <p:cNvSpPr/>
+          <p:nvPr/>
+        </p:nvSpPr>
+        <p:spPr bwMode="auto">
+          <a:xfrm>
+            <a:off x="1619590" y="522116"/>
+            <a:ext cx="7345020" cy="6335884"/>
+          </a:xfrm>
+          <a:prstGeom prst="rect">
+            <a:avLst/>
+          </a:prstGeom>
+          <a:noFill/>
+          <a:ln w="12700">
+            <a:noFill/>
+          </a:ln>
+          <a:effectLst/>
+          <a:extLst/>
+        </p:spPr>
+        <p:txBody>
+          <a:bodyPr rot="0" spcFirstLastPara="0" vertOverflow="overflow" horzOverflow="overflow" vert="horz" wrap="none" lIns="72000" tIns="72000" rIns="72000" bIns="72000" numCol="1" spcCol="0" rtlCol="0" fromWordArt="0" anchor="t" anchorCtr="0" forceAA="0" compatLnSpc="1">
+            <a:prstTxWarp prst="textNoShape">
+              <a:avLst/>
+            </a:prstTxWarp>
+            <a:noAutofit/>
+          </a:bodyPr>
+          <a:lstStyle/>
+          <a:p>
+            <a:pPr marL="342900" indent="-342900">
+              <a:buFont typeface="+mj-lt"/>
+              <a:buAutoNum type="arabicPeriod"/>
+            </a:pPr>
+            <a:r>
+              <a:rPr lang="ja-JP" altLang="en-US" sz="1400" dirty="0">
+                <a:latin typeface="+mn-ea"/>
+              </a:rPr>
+              <a:t>はじめに</a:t>
+            </a:r>
+            <a:endParaRPr lang="en-US" altLang="ja-JP" sz="1400" dirty="0">
+              <a:latin typeface="+mn-ea"/>
+            </a:endParaRPr>
+          </a:p>
+          <a:p>
+            <a:r>
+              <a:rPr lang="ja-JP" altLang="en-US" sz="1400" dirty="0">
+                <a:latin typeface="+mn-ea"/>
+              </a:rPr>
+              <a:t>　</a:t>
+            </a:r>
+            <a:r>
+              <a:rPr lang="en-US" altLang="ja-JP" sz="1400" dirty="0">
+                <a:latin typeface="+mn-ea"/>
+              </a:rPr>
+              <a:t> 1.1</a:t>
+            </a:r>
+            <a:r>
+              <a:rPr lang="ja-JP" altLang="en-US" sz="1400" dirty="0">
+                <a:latin typeface="+mn-ea"/>
+              </a:rPr>
+              <a:t>　 本資料について</a:t>
+            </a:r>
+            <a:endParaRPr lang="en-US" altLang="ja-JP" sz="1400" dirty="0">
+              <a:latin typeface="+mn-ea"/>
+            </a:endParaRPr>
+          </a:p>
+          <a:p>
+            <a:endParaRPr lang="en-US" altLang="ja-JP" sz="1400" dirty="0">
+              <a:latin typeface="+mn-ea"/>
+            </a:endParaRPr>
+          </a:p>
+          <a:p>
+            <a:pPr marL="342900" indent="-342900">
+              <a:buFont typeface="+mj-lt"/>
+              <a:buAutoNum type="arabicPeriod" startAt="2"/>
+            </a:pPr>
+            <a:r>
+              <a:rPr lang="ja-JP" altLang="en-US" sz="1400" dirty="0">
+                <a:latin typeface="+mn-ea"/>
+              </a:rPr>
+              <a:t>システム構成</a:t>
+            </a:r>
+            <a:endParaRPr lang="en-US" altLang="ja-JP" sz="1400" dirty="0">
+              <a:latin typeface="+mn-ea"/>
+            </a:endParaRPr>
+          </a:p>
+          <a:p>
+            <a:r>
+              <a:rPr lang="ja-JP" altLang="en-US" sz="1400" dirty="0">
+                <a:latin typeface="+mn-ea"/>
+              </a:rPr>
+              <a:t>　 </a:t>
+            </a:r>
+            <a:r>
+              <a:rPr lang="en-US" altLang="ja-JP" sz="1400" dirty="0" smtClean="0">
+                <a:latin typeface="+mn-ea"/>
+              </a:rPr>
+              <a:t>2.1</a:t>
+            </a:r>
+            <a:r>
+              <a:rPr lang="ja-JP" altLang="en-US" sz="1400" dirty="0">
+                <a:latin typeface="+mn-ea"/>
+              </a:rPr>
+              <a:t>　 動作環境・条件</a:t>
+            </a:r>
+            <a:endParaRPr lang="en-US" altLang="ja-JP" sz="1400" dirty="0">
+              <a:latin typeface="+mn-ea"/>
+            </a:endParaRPr>
+          </a:p>
+          <a:p>
+            <a:endParaRPr lang="en-US" altLang="ja-JP" sz="1400" dirty="0">
+              <a:latin typeface="+mn-ea"/>
+            </a:endParaRPr>
+          </a:p>
+          <a:p>
+            <a:pPr marL="342900" indent="-342900">
+              <a:buFont typeface="+mj-lt"/>
+              <a:buAutoNum type="arabicPeriod" startAt="3"/>
+            </a:pPr>
+            <a:r>
+              <a:rPr lang="en-US" altLang="ja-JP" sz="1400" dirty="0" smtClean="0">
+                <a:latin typeface="+mn-ea"/>
+              </a:rPr>
+              <a:t>ITA</a:t>
+            </a:r>
+            <a:r>
+              <a:rPr lang="ja-JP" altLang="en-US" sz="1400" dirty="0" smtClean="0">
+                <a:latin typeface="+mn-ea"/>
+              </a:rPr>
+              <a:t>バージョンアップ</a:t>
+            </a:r>
+            <a:r>
+              <a:rPr lang="zh-TW" altLang="en-US" sz="1400" dirty="0" smtClean="0">
+                <a:latin typeface="+mn-ea"/>
+              </a:rPr>
+              <a:t>手順</a:t>
+            </a:r>
+            <a:endParaRPr lang="en-US" altLang="ja-JP" sz="1400" dirty="0">
+              <a:latin typeface="+mn-ea"/>
+            </a:endParaRPr>
+          </a:p>
+          <a:p>
+            <a:r>
+              <a:rPr lang="ja-JP" altLang="en-US" sz="1400" dirty="0">
+                <a:latin typeface="+mn-ea"/>
+              </a:rPr>
+              <a:t>　 </a:t>
+            </a:r>
+            <a:r>
+              <a:rPr lang="en-US" altLang="ja-JP" sz="1400" dirty="0" smtClean="0">
+                <a:latin typeface="+mn-ea"/>
+              </a:rPr>
+              <a:t>3.1</a:t>
+            </a:r>
+            <a:r>
+              <a:rPr lang="ja-JP" altLang="en-US" sz="1400" dirty="0">
+                <a:latin typeface="+mn-ea"/>
+              </a:rPr>
+              <a:t>　 事前準備（</a:t>
+            </a:r>
+            <a:r>
+              <a:rPr lang="en-US" altLang="ja-JP" sz="1400" dirty="0" smtClean="0">
+                <a:latin typeface="+mn-ea"/>
+              </a:rPr>
+              <a:t>1/1</a:t>
+            </a:r>
+            <a:r>
+              <a:rPr lang="ja-JP" altLang="en-US" sz="1400" dirty="0" smtClean="0">
+                <a:latin typeface="+mn-ea"/>
+              </a:rPr>
+              <a:t>）</a:t>
+            </a:r>
+            <a:endParaRPr lang="ja-JP" altLang="en-US" sz="1400" dirty="0">
+              <a:latin typeface="+mn-ea"/>
+            </a:endParaRPr>
+          </a:p>
+          <a:p>
+            <a:r>
+              <a:rPr lang="en-US" altLang="ja-JP" sz="1400" dirty="0" smtClean="0">
+                <a:latin typeface="+mn-ea"/>
+              </a:rPr>
+              <a:t>    3.2    ITA</a:t>
+            </a:r>
+            <a:r>
+              <a:rPr lang="ja-JP" altLang="en-US" sz="1400" dirty="0" smtClean="0">
+                <a:latin typeface="+mn-ea"/>
+              </a:rPr>
+              <a:t>バージョンアップフロー</a:t>
+            </a:r>
+          </a:p>
+          <a:p>
+            <a:r>
+              <a:rPr lang="en-US" altLang="ja-JP" sz="1400" dirty="0" smtClean="0">
+                <a:latin typeface="+mn-ea"/>
+              </a:rPr>
+              <a:t>    3.3</a:t>
+            </a:r>
+            <a:r>
+              <a:rPr lang="ja-JP" altLang="en-US" sz="1400" dirty="0">
+                <a:latin typeface="+mn-ea"/>
+              </a:rPr>
+              <a:t>　</a:t>
+            </a:r>
+            <a:r>
+              <a:rPr lang="ja-JP" altLang="en-US" sz="1400" dirty="0"/>
+              <a:t>バージョンアップ</a:t>
+            </a:r>
+            <a:r>
+              <a:rPr lang="ja-JP" altLang="en-US" sz="1400" dirty="0" smtClean="0">
+                <a:latin typeface="+mn-ea"/>
+              </a:rPr>
+              <a:t>（</a:t>
+            </a:r>
+            <a:r>
+              <a:rPr lang="en-US" altLang="ja-JP" sz="1400" dirty="0" smtClean="0">
+                <a:latin typeface="+mn-ea"/>
+              </a:rPr>
+              <a:t>1/9</a:t>
+            </a:r>
+            <a:r>
+              <a:rPr lang="ja-JP" altLang="en-US" sz="1400" dirty="0" smtClean="0">
+                <a:latin typeface="+mn-ea"/>
+              </a:rPr>
+              <a:t>）</a:t>
+            </a:r>
+            <a:endParaRPr lang="ja-JP" altLang="en-US" sz="1400" dirty="0">
+              <a:latin typeface="+mn-ea"/>
+            </a:endParaRPr>
+          </a:p>
+          <a:p>
+            <a:r>
+              <a:rPr lang="en-US" altLang="ja-JP" sz="1400" dirty="0">
+                <a:latin typeface="+mn-ea"/>
+              </a:rPr>
+              <a:t>    </a:t>
+            </a:r>
+            <a:r>
+              <a:rPr lang="en-US" altLang="ja-JP" sz="1400" dirty="0" smtClean="0">
+                <a:latin typeface="+mn-ea"/>
+              </a:rPr>
+              <a:t>3.4</a:t>
+            </a:r>
+            <a:r>
+              <a:rPr lang="ja-JP" altLang="en-US" sz="1400" dirty="0">
+                <a:latin typeface="+mn-ea"/>
+              </a:rPr>
+              <a:t>　</a:t>
+            </a:r>
+            <a:r>
+              <a:rPr lang="ja-JP" altLang="en-US" sz="1400" dirty="0"/>
+              <a:t>バージョンアップ</a:t>
+            </a:r>
+            <a:r>
+              <a:rPr lang="ja-JP" altLang="en-US" sz="1400" dirty="0" smtClean="0">
+                <a:latin typeface="+mn-ea"/>
+              </a:rPr>
+              <a:t>（</a:t>
+            </a:r>
+            <a:r>
+              <a:rPr lang="en-US" altLang="ja-JP" sz="1400" dirty="0">
+                <a:latin typeface="+mn-ea"/>
+              </a:rPr>
+              <a:t>2/9</a:t>
+            </a:r>
+            <a:r>
+              <a:rPr lang="ja-JP" altLang="en-US" sz="1400" dirty="0" smtClean="0">
+                <a:latin typeface="+mn-ea"/>
+              </a:rPr>
+              <a:t>）</a:t>
+            </a:r>
+            <a:endParaRPr lang="ja-JP" altLang="en-US" sz="1400" dirty="0">
+              <a:latin typeface="+mn-ea"/>
+            </a:endParaRPr>
+          </a:p>
+          <a:p>
+            <a:r>
+              <a:rPr lang="en-US" altLang="ja-JP" sz="1400" dirty="0">
+                <a:latin typeface="+mn-ea"/>
+              </a:rPr>
+              <a:t>    </a:t>
+            </a:r>
+            <a:r>
+              <a:rPr lang="en-US" altLang="ja-JP" sz="1400" dirty="0" smtClean="0">
+                <a:latin typeface="+mn-ea"/>
+              </a:rPr>
+              <a:t>3.5</a:t>
+            </a:r>
+            <a:r>
+              <a:rPr lang="ja-JP" altLang="en-US" sz="1400" dirty="0">
+                <a:latin typeface="+mn-ea"/>
+              </a:rPr>
+              <a:t>　</a:t>
+            </a:r>
+            <a:r>
+              <a:rPr lang="ja-JP" altLang="en-US" sz="1400" dirty="0"/>
+              <a:t>バージョンアップ</a:t>
+            </a:r>
+            <a:r>
+              <a:rPr lang="ja-JP" altLang="en-US" sz="1400" dirty="0" smtClean="0">
+                <a:latin typeface="+mn-ea"/>
+              </a:rPr>
+              <a:t>（</a:t>
+            </a:r>
+            <a:r>
+              <a:rPr lang="en-US" altLang="ja-JP" sz="1400" dirty="0">
+                <a:latin typeface="+mn-ea"/>
+              </a:rPr>
+              <a:t>3/9</a:t>
+            </a:r>
+            <a:r>
+              <a:rPr lang="ja-JP" altLang="en-US" sz="1400" dirty="0" smtClean="0">
+                <a:latin typeface="+mn-ea"/>
+              </a:rPr>
+              <a:t>）</a:t>
+            </a:r>
+            <a:endParaRPr lang="ja-JP" altLang="en-US" sz="1400" dirty="0">
+              <a:latin typeface="+mn-ea"/>
+            </a:endParaRPr>
+          </a:p>
+          <a:p>
+            <a:r>
+              <a:rPr lang="en-US" altLang="ja-JP" sz="1400" dirty="0">
+                <a:latin typeface="+mn-ea"/>
+              </a:rPr>
+              <a:t>    </a:t>
+            </a:r>
+            <a:r>
+              <a:rPr lang="en-US" altLang="ja-JP" sz="1400" dirty="0" smtClean="0">
+                <a:latin typeface="+mn-ea"/>
+              </a:rPr>
+              <a:t>3.6</a:t>
+            </a:r>
+            <a:r>
+              <a:rPr lang="ja-JP" altLang="en-US" sz="1400" dirty="0">
+                <a:latin typeface="+mn-ea"/>
+              </a:rPr>
+              <a:t>　</a:t>
+            </a:r>
+            <a:r>
+              <a:rPr lang="ja-JP" altLang="en-US" sz="1400" dirty="0"/>
+              <a:t>バージョンアップ</a:t>
+            </a:r>
+            <a:r>
+              <a:rPr lang="ja-JP" altLang="en-US" sz="1400" dirty="0" smtClean="0">
+                <a:latin typeface="+mn-ea"/>
+              </a:rPr>
+              <a:t>（</a:t>
+            </a:r>
+            <a:r>
+              <a:rPr lang="en-US" altLang="ja-JP" sz="1400" dirty="0">
+                <a:latin typeface="+mn-ea"/>
+              </a:rPr>
+              <a:t>4/9</a:t>
+            </a:r>
+            <a:r>
+              <a:rPr lang="ja-JP" altLang="en-US" sz="1400" dirty="0" smtClean="0">
+                <a:latin typeface="+mn-ea"/>
+              </a:rPr>
+              <a:t>）</a:t>
+            </a:r>
+            <a:endParaRPr lang="ja-JP" altLang="en-US" sz="1400" dirty="0">
+              <a:latin typeface="+mn-ea"/>
+            </a:endParaRPr>
+          </a:p>
+          <a:p>
+            <a:r>
+              <a:rPr lang="en-US" altLang="ja-JP" sz="1400" dirty="0">
+                <a:latin typeface="+mn-ea"/>
+              </a:rPr>
+              <a:t>    </a:t>
+            </a:r>
+            <a:r>
+              <a:rPr lang="en-US" altLang="ja-JP" sz="1400" dirty="0" smtClean="0">
+                <a:latin typeface="+mn-ea"/>
+              </a:rPr>
+              <a:t>3.7</a:t>
+            </a:r>
+            <a:r>
+              <a:rPr lang="ja-JP" altLang="en-US" sz="1400" dirty="0">
+                <a:latin typeface="+mn-ea"/>
+              </a:rPr>
+              <a:t>　</a:t>
+            </a:r>
+            <a:r>
+              <a:rPr lang="ja-JP" altLang="en-US" sz="1400" dirty="0"/>
+              <a:t>バージョンアップ</a:t>
+            </a:r>
+            <a:r>
+              <a:rPr lang="ja-JP" altLang="en-US" sz="1400" dirty="0" smtClean="0">
+                <a:latin typeface="+mn-ea"/>
+              </a:rPr>
+              <a:t>（</a:t>
+            </a:r>
+            <a:r>
+              <a:rPr lang="en-US" altLang="ja-JP" sz="1400" dirty="0">
+                <a:latin typeface="+mn-ea"/>
+              </a:rPr>
+              <a:t>5/9</a:t>
+            </a:r>
+            <a:r>
+              <a:rPr lang="ja-JP" altLang="en-US" sz="1400" dirty="0" smtClean="0">
+                <a:latin typeface="+mn-ea"/>
+              </a:rPr>
+              <a:t>）</a:t>
+            </a:r>
+            <a:endParaRPr lang="en-US" altLang="ja-JP" sz="1400" dirty="0" smtClean="0">
+              <a:latin typeface="+mn-ea"/>
+            </a:endParaRPr>
+          </a:p>
+          <a:p>
+            <a:r>
+              <a:rPr lang="ja-JP" altLang="en-US" sz="1400" dirty="0" smtClean="0">
+                <a:latin typeface="+mn-ea"/>
+              </a:rPr>
+              <a:t>　 </a:t>
+            </a:r>
+            <a:r>
+              <a:rPr lang="en-US" altLang="ja-JP" sz="1400" dirty="0" smtClean="0">
+                <a:latin typeface="+mn-ea"/>
+              </a:rPr>
+              <a:t>3.8</a:t>
+            </a:r>
+            <a:r>
+              <a:rPr lang="ja-JP" altLang="en-US" sz="1400" dirty="0">
+                <a:latin typeface="+mn-ea"/>
+              </a:rPr>
+              <a:t>　</a:t>
+            </a:r>
+            <a:r>
+              <a:rPr lang="ja-JP" altLang="en-US" sz="1400" dirty="0"/>
+              <a:t>バージョンアップ</a:t>
+            </a:r>
+            <a:r>
+              <a:rPr lang="ja-JP" altLang="en-US" sz="1400" dirty="0" smtClean="0">
+                <a:latin typeface="+mn-ea"/>
+              </a:rPr>
+              <a:t>（</a:t>
+            </a:r>
+            <a:r>
+              <a:rPr lang="en-US" altLang="ja-JP" sz="1400" dirty="0">
+                <a:latin typeface="+mn-ea"/>
+              </a:rPr>
+              <a:t>6/9</a:t>
+            </a:r>
+            <a:r>
+              <a:rPr lang="ja-JP" altLang="en-US" sz="1400" dirty="0" smtClean="0">
+                <a:latin typeface="+mn-ea"/>
+              </a:rPr>
+              <a:t>）</a:t>
+            </a:r>
+            <a:endParaRPr lang="ja-JP" altLang="en-US" sz="1400" dirty="0">
+              <a:latin typeface="+mn-ea"/>
+            </a:endParaRPr>
+          </a:p>
+          <a:p>
+            <a:r>
+              <a:rPr lang="ja-JP" altLang="en-US" sz="1400" dirty="0" smtClean="0">
+                <a:latin typeface="+mn-ea"/>
+              </a:rPr>
+              <a:t> </a:t>
+            </a:r>
+            <a:r>
+              <a:rPr lang="ja-JP" altLang="en-US" sz="1400" dirty="0">
+                <a:latin typeface="+mn-ea"/>
+              </a:rPr>
+              <a:t>　</a:t>
+            </a:r>
+            <a:r>
+              <a:rPr lang="en-US" altLang="ja-JP" sz="1400" dirty="0" smtClean="0">
+                <a:latin typeface="+mn-ea"/>
+              </a:rPr>
+              <a:t>3.9</a:t>
+            </a:r>
+            <a:r>
+              <a:rPr lang="ja-JP" altLang="en-US" sz="1400" dirty="0">
+                <a:latin typeface="+mn-ea"/>
+              </a:rPr>
+              <a:t>　</a:t>
+            </a:r>
+            <a:r>
+              <a:rPr lang="ja-JP" altLang="en-US" sz="1400" dirty="0"/>
+              <a:t>バージョンアップ</a:t>
+            </a:r>
+            <a:r>
+              <a:rPr lang="ja-JP" altLang="en-US" sz="1400" dirty="0" smtClean="0">
+                <a:latin typeface="+mn-ea"/>
+              </a:rPr>
+              <a:t>（</a:t>
+            </a:r>
+            <a:r>
+              <a:rPr lang="en-US" altLang="ja-JP" sz="1400" dirty="0">
+                <a:latin typeface="+mn-ea"/>
+              </a:rPr>
+              <a:t>7/9</a:t>
+            </a:r>
+            <a:r>
+              <a:rPr lang="ja-JP" altLang="en-US" sz="1400" dirty="0" smtClean="0">
+                <a:latin typeface="+mn-ea"/>
+              </a:rPr>
+              <a:t>）</a:t>
+            </a:r>
+            <a:endParaRPr lang="ja-JP" altLang="en-US" sz="1400" dirty="0">
+              <a:latin typeface="+mn-ea"/>
+            </a:endParaRPr>
+          </a:p>
+          <a:p>
+            <a:r>
+              <a:rPr lang="ja-JP" altLang="en-US" sz="1400" dirty="0">
+                <a:latin typeface="+mn-ea"/>
+              </a:rPr>
+              <a:t> 　</a:t>
+            </a:r>
+            <a:r>
+              <a:rPr lang="en-US" altLang="ja-JP" sz="1400" dirty="0" smtClean="0">
+                <a:latin typeface="+mn-ea"/>
+              </a:rPr>
+              <a:t>3.10 </a:t>
+            </a:r>
+            <a:r>
+              <a:rPr lang="ja-JP" altLang="en-US" sz="1400" dirty="0" smtClean="0"/>
+              <a:t>バージョンアップ</a:t>
+            </a:r>
+            <a:r>
+              <a:rPr lang="ja-JP" altLang="en-US" sz="1400" dirty="0" smtClean="0">
+                <a:latin typeface="+mn-ea"/>
+              </a:rPr>
+              <a:t>（</a:t>
+            </a:r>
+            <a:r>
+              <a:rPr lang="en-US" altLang="ja-JP" sz="1400" dirty="0" smtClean="0">
+                <a:latin typeface="+mn-ea"/>
+              </a:rPr>
+              <a:t>8/9</a:t>
+            </a:r>
+            <a:r>
+              <a:rPr lang="ja-JP" altLang="en-US" sz="1400" dirty="0" smtClean="0">
+                <a:latin typeface="+mn-ea"/>
+              </a:rPr>
+              <a:t>）</a:t>
+            </a:r>
+            <a:endParaRPr lang="ja-JP" altLang="en-US" sz="1400" dirty="0">
+              <a:latin typeface="+mn-ea"/>
+            </a:endParaRPr>
+          </a:p>
+          <a:p>
+            <a:r>
+              <a:rPr lang="ja-JP" altLang="en-US" sz="1400" dirty="0">
+                <a:latin typeface="+mn-ea"/>
+              </a:rPr>
+              <a:t> 　</a:t>
+            </a:r>
+            <a:r>
+              <a:rPr lang="en-US" altLang="ja-JP" sz="1400" dirty="0" smtClean="0">
+                <a:latin typeface="+mn-ea"/>
+              </a:rPr>
+              <a:t>3.11</a:t>
+            </a:r>
+            <a:r>
+              <a:rPr lang="ja-JP" altLang="en-US" sz="1400" dirty="0" smtClean="0">
+                <a:latin typeface="+mn-ea"/>
+              </a:rPr>
+              <a:t> </a:t>
+            </a:r>
+            <a:r>
+              <a:rPr lang="ja-JP" altLang="en-US" sz="1400" dirty="0" smtClean="0"/>
+              <a:t>バージョンアップ</a:t>
+            </a:r>
+            <a:r>
+              <a:rPr lang="ja-JP" altLang="en-US" sz="1400" dirty="0" smtClean="0">
+                <a:latin typeface="+mn-ea"/>
+              </a:rPr>
+              <a:t>（</a:t>
+            </a:r>
+            <a:r>
+              <a:rPr lang="en-US" altLang="ja-JP" sz="1400" dirty="0" smtClean="0">
+                <a:latin typeface="+mn-ea"/>
+              </a:rPr>
+              <a:t>9/9</a:t>
+            </a:r>
+            <a:r>
+              <a:rPr lang="ja-JP" altLang="en-US" sz="1400" dirty="0" smtClean="0">
+                <a:latin typeface="+mn-ea"/>
+              </a:rPr>
+              <a:t>）</a:t>
+            </a:r>
+            <a:endParaRPr lang="ja-JP" altLang="en-US" sz="1400" dirty="0">
+              <a:latin typeface="+mn-ea"/>
+            </a:endParaRPr>
+          </a:p>
+          <a:p>
+            <a:endParaRPr lang="en-US" altLang="ja-JP" sz="1400" dirty="0" smtClean="0">
+              <a:latin typeface="+mn-ea"/>
+            </a:endParaRPr>
+          </a:p>
+          <a:p>
+            <a:pPr marL="342900" indent="-342900">
+              <a:buFont typeface="+mj-lt"/>
+              <a:buAutoNum type="arabicPeriod" startAt="4"/>
+            </a:pPr>
+            <a:r>
+              <a:rPr lang="en-US" altLang="ja-JP" sz="1400" dirty="0" smtClean="0">
+                <a:latin typeface="+mn-ea"/>
+              </a:rPr>
+              <a:t>ITA</a:t>
+            </a:r>
+            <a:r>
+              <a:rPr lang="ja-JP" altLang="en-US" sz="1400" dirty="0">
+                <a:latin typeface="+mn-ea"/>
+              </a:rPr>
+              <a:t>動作確認</a:t>
+            </a:r>
+            <a:endParaRPr lang="en-US" altLang="ja-JP" sz="1400" dirty="0">
+              <a:latin typeface="+mn-ea"/>
+            </a:endParaRPr>
+          </a:p>
+          <a:p>
+            <a:r>
+              <a:rPr lang="en-US" altLang="zh-TW" sz="1400" dirty="0">
+                <a:latin typeface="+mn-ea"/>
+              </a:rPr>
+              <a:t>    4.1</a:t>
+            </a:r>
+            <a:r>
+              <a:rPr lang="zh-TW" altLang="en-US" sz="1400" dirty="0">
+                <a:latin typeface="+mn-ea"/>
+              </a:rPr>
+              <a:t>　 動作確認（</a:t>
+            </a:r>
+            <a:r>
+              <a:rPr lang="en-US" altLang="zh-TW" sz="1400" dirty="0" smtClean="0">
+                <a:latin typeface="+mn-ea"/>
+              </a:rPr>
+              <a:t>1/2</a:t>
+            </a:r>
+            <a:r>
+              <a:rPr lang="zh-TW" altLang="en-US" sz="1400" dirty="0" smtClean="0">
+                <a:latin typeface="+mn-ea"/>
+              </a:rPr>
+              <a:t>）</a:t>
+            </a:r>
+            <a:endParaRPr lang="en-US" altLang="zh-TW" sz="1400" dirty="0" smtClean="0">
+              <a:latin typeface="+mn-ea"/>
+            </a:endParaRPr>
+          </a:p>
+          <a:p>
+            <a:r>
+              <a:rPr lang="en-US" altLang="zh-TW" sz="1400" dirty="0">
+                <a:latin typeface="+mn-ea"/>
+              </a:rPr>
+              <a:t>  </a:t>
+            </a:r>
+            <a:r>
+              <a:rPr lang="en-US" altLang="zh-TW" sz="1400" dirty="0" smtClean="0">
+                <a:latin typeface="+mn-ea"/>
+              </a:rPr>
+              <a:t>  4.2</a:t>
+            </a:r>
+            <a:r>
+              <a:rPr lang="zh-TW" altLang="en-US" sz="1400" dirty="0">
+                <a:latin typeface="+mn-ea"/>
+              </a:rPr>
+              <a:t>　 動作確認</a:t>
+            </a:r>
+            <a:r>
+              <a:rPr lang="zh-TW" altLang="en-US" sz="1400" dirty="0" smtClean="0">
+                <a:latin typeface="+mn-ea"/>
+              </a:rPr>
+              <a:t>（</a:t>
+            </a:r>
+            <a:r>
+              <a:rPr lang="en-US" altLang="zh-TW" sz="1400" dirty="0" smtClean="0">
+                <a:latin typeface="+mn-ea"/>
+              </a:rPr>
+              <a:t>2/2</a:t>
+            </a:r>
+            <a:r>
+              <a:rPr lang="zh-TW" altLang="en-US" sz="1400" dirty="0" smtClean="0">
+                <a:latin typeface="+mn-ea"/>
+              </a:rPr>
+              <a:t>）</a:t>
+            </a:r>
+            <a:endParaRPr lang="zh-TW" altLang="en-US" sz="1400" dirty="0">
+              <a:latin typeface="+mn-ea"/>
+            </a:endParaRPr>
+          </a:p>
+        </p:txBody>
+      </p:sp>
+    </p:spTree>
+    <p:extLst>
+      <p:ext uri="{BB962C8B-B14F-4D97-AF65-F5344CB8AC3E}">
+        <p14:creationId xmlns:p14="http://schemas.microsoft.com/office/powerpoint/2010/main" val="497929968"/>
+      </p:ext>
+    </p:extLst>
+  </p:cSld>
+  <p:clrMapOvr>
+    <a:masterClrMapping/>
+  </p:clrMapOvr>
+  <p:timing>
+    <p:tnLst>
+      <p:par>
+        <p:cTn id="1" dur="indefinite" restart="never" nodeType="tmRoot"/>
+      </p:par>
+    </p:tnLst>
+  </p:timing>
+</p:sld>
+</file>
+
+<file path=ppt/slides/slide20.xml><?xml version="1.0" encoding="utf-8"?>
 <p:sld xmlns:a="http://schemas.openxmlformats.org/drawingml/2006/main" xmlns:r="http://schemas.openxmlformats.org/officeDocument/2006/relationships" xmlns:p="http://schemas.openxmlformats.org/presentationml/2006/main">
   <p:cSld>
     <p:spTree>
@@ -19545,7 +21386,7 @@
 </p:sld>
 </file>
 
-<file path=ppt/slides/slide19.xml><?xml version="1.0" encoding="utf-8"?>
+<file path=ppt/slides/slide21.xml><?xml version="1.0" encoding="utf-8"?>
 <p:sld xmlns:a="http://schemas.openxmlformats.org/drawingml/2006/main" xmlns:r="http://schemas.openxmlformats.org/officeDocument/2006/relationships" xmlns:p="http://schemas.openxmlformats.org/presentationml/2006/main">
   <p:cSld>
     <p:spTree>
@@ -19873,686 +21714,7 @@
 </p:sld>
 </file>
 
-<file path=ppt/slides/slide2.xml><?xml version="1.0" encoding="utf-8"?>
-<p:sld xmlns:a="http://schemas.openxmlformats.org/drawingml/2006/main" xmlns:r="http://schemas.openxmlformats.org/officeDocument/2006/relationships" xmlns:p="http://schemas.openxmlformats.org/presentationml/2006/main">
-  <p:cSld>
-    <p:spTree>
-      <p:nvGrpSpPr>
-        <p:cNvPr id="1" name=""/>
-        <p:cNvGrpSpPr/>
-        <p:nvPr/>
-      </p:nvGrpSpPr>
-      <p:grpSpPr>
-        <a:xfrm>
-          <a:off x="0" y="0"/>
-          <a:ext cx="0" cy="0"/>
-          <a:chOff x="0" y="0"/>
-          <a:chExt cx="0" cy="0"/>
-        </a:xfrm>
-      </p:grpSpPr>
-      <p:sp>
-        <p:nvSpPr>
-          <p:cNvPr id="2" name="タイトル 1"/>
-          <p:cNvSpPr>
-            <a:spLocks noGrp="1"/>
-          </p:cNvSpPr>
-          <p:nvPr>
-            <p:ph type="title"/>
-          </p:nvPr>
-        </p:nvSpPr>
-        <p:spPr>
-          <a:xfrm>
-            <a:off x="1619672" y="116540"/>
-            <a:ext cx="7344000" cy="405683"/>
-          </a:xfrm>
-        </p:spPr>
-        <p:txBody>
-          <a:bodyPr/>
-          <a:lstStyle/>
-          <a:p>
-            <a:r>
-              <a:rPr kumimoji="1" lang="ja-JP" altLang="en-US" dirty="0" smtClean="0"/>
-              <a:t>目次</a:t>
-            </a:r>
-            <a:endParaRPr kumimoji="1" lang="ja-JP" altLang="en-US" dirty="0"/>
-          </a:p>
-        </p:txBody>
-      </p:sp>
-      <p:sp>
-        <p:nvSpPr>
-          <p:cNvPr id="4" name="正方形/長方形 3"/>
-          <p:cNvSpPr/>
-          <p:nvPr/>
-        </p:nvSpPr>
-        <p:spPr bwMode="auto">
-          <a:xfrm>
-            <a:off x="1619590" y="522116"/>
-            <a:ext cx="7345020" cy="6335884"/>
-          </a:xfrm>
-          <a:prstGeom prst="rect">
-            <a:avLst/>
-          </a:prstGeom>
-          <a:noFill/>
-          <a:ln w="12700">
-            <a:noFill/>
-          </a:ln>
-          <a:effectLst/>
-          <a:extLst/>
-        </p:spPr>
-        <p:txBody>
-          <a:bodyPr rot="0" spcFirstLastPara="0" vertOverflow="overflow" horzOverflow="overflow" vert="horz" wrap="none" lIns="72000" tIns="72000" rIns="72000" bIns="72000" numCol="1" spcCol="0" rtlCol="0" fromWordArt="0" anchor="t" anchorCtr="0" forceAA="0" compatLnSpc="1">
-            <a:prstTxWarp prst="textNoShape">
-              <a:avLst/>
-            </a:prstTxWarp>
-            <a:noAutofit/>
-          </a:bodyPr>
-          <a:lstStyle/>
-          <a:p>
-            <a:pPr marL="342900" indent="-342900">
-              <a:buFont typeface="+mj-lt"/>
-              <a:buAutoNum type="arabicPeriod"/>
-            </a:pPr>
-            <a:r>
-              <a:rPr lang="ja-JP" altLang="en-US" sz="1400" dirty="0">
-                <a:latin typeface="+mn-ea"/>
-              </a:rPr>
-              <a:t>はじめに</a:t>
-            </a:r>
-            <a:endParaRPr lang="en-US" altLang="ja-JP" sz="1400" dirty="0">
-              <a:latin typeface="+mn-ea"/>
-            </a:endParaRPr>
-          </a:p>
-          <a:p>
-            <a:r>
-              <a:rPr lang="ja-JP" altLang="en-US" sz="1400" dirty="0">
-                <a:latin typeface="+mn-ea"/>
-              </a:rPr>
-              <a:t>　</a:t>
-            </a:r>
-            <a:r>
-              <a:rPr lang="en-US" altLang="ja-JP" sz="1400" dirty="0">
-                <a:latin typeface="+mn-ea"/>
-              </a:rPr>
-              <a:t> 1.1</a:t>
-            </a:r>
-            <a:r>
-              <a:rPr lang="ja-JP" altLang="en-US" sz="1400" dirty="0">
-                <a:latin typeface="+mn-ea"/>
-              </a:rPr>
-              <a:t>　 本資料について</a:t>
-            </a:r>
-            <a:endParaRPr lang="en-US" altLang="ja-JP" sz="1400" dirty="0">
-              <a:latin typeface="+mn-ea"/>
-            </a:endParaRPr>
-          </a:p>
-          <a:p>
-            <a:endParaRPr lang="en-US" altLang="ja-JP" sz="1400" dirty="0">
-              <a:latin typeface="+mn-ea"/>
-            </a:endParaRPr>
-          </a:p>
-          <a:p>
-            <a:pPr marL="342900" indent="-342900">
-              <a:buFont typeface="+mj-lt"/>
-              <a:buAutoNum type="arabicPeriod" startAt="2"/>
-            </a:pPr>
-            <a:r>
-              <a:rPr lang="ja-JP" altLang="en-US" sz="1400" dirty="0">
-                <a:latin typeface="+mn-ea"/>
-              </a:rPr>
-              <a:t>システム構成</a:t>
-            </a:r>
-            <a:endParaRPr lang="en-US" altLang="ja-JP" sz="1400" dirty="0">
-              <a:latin typeface="+mn-ea"/>
-            </a:endParaRPr>
-          </a:p>
-          <a:p>
-            <a:r>
-              <a:rPr lang="ja-JP" altLang="en-US" sz="1400" dirty="0">
-                <a:latin typeface="+mn-ea"/>
-              </a:rPr>
-              <a:t>　 </a:t>
-            </a:r>
-            <a:r>
-              <a:rPr lang="en-US" altLang="ja-JP" sz="1400" dirty="0" smtClean="0">
-                <a:latin typeface="+mn-ea"/>
-              </a:rPr>
-              <a:t>2.1</a:t>
-            </a:r>
-            <a:r>
-              <a:rPr lang="ja-JP" altLang="en-US" sz="1400" dirty="0">
-                <a:latin typeface="+mn-ea"/>
-              </a:rPr>
-              <a:t>　 動作環境・条件</a:t>
-            </a:r>
-            <a:endParaRPr lang="en-US" altLang="ja-JP" sz="1400" dirty="0">
-              <a:latin typeface="+mn-ea"/>
-            </a:endParaRPr>
-          </a:p>
-          <a:p>
-            <a:endParaRPr lang="en-US" altLang="ja-JP" sz="1400" dirty="0">
-              <a:latin typeface="+mn-ea"/>
-            </a:endParaRPr>
-          </a:p>
-          <a:p>
-            <a:pPr marL="342900" indent="-342900">
-              <a:buFont typeface="+mj-lt"/>
-              <a:buAutoNum type="arabicPeriod" startAt="3"/>
-            </a:pPr>
-            <a:r>
-              <a:rPr lang="en-US" altLang="ja-JP" sz="1400" dirty="0" smtClean="0">
-                <a:latin typeface="+mn-ea"/>
-              </a:rPr>
-              <a:t>ITA</a:t>
-            </a:r>
-            <a:r>
-              <a:rPr lang="ja-JP" altLang="en-US" sz="1400" dirty="0" smtClean="0">
-                <a:latin typeface="+mn-ea"/>
-              </a:rPr>
-              <a:t>バージョンアップ</a:t>
-            </a:r>
-            <a:r>
-              <a:rPr lang="zh-TW" altLang="en-US" sz="1400" dirty="0" smtClean="0">
-                <a:latin typeface="+mn-ea"/>
-              </a:rPr>
-              <a:t>手順</a:t>
-            </a:r>
-            <a:endParaRPr lang="en-US" altLang="ja-JP" sz="1400" dirty="0">
-              <a:latin typeface="+mn-ea"/>
-            </a:endParaRPr>
-          </a:p>
-          <a:p>
-            <a:r>
-              <a:rPr lang="ja-JP" altLang="en-US" sz="1400" dirty="0">
-                <a:latin typeface="+mn-ea"/>
-              </a:rPr>
-              <a:t>　 </a:t>
-            </a:r>
-            <a:r>
-              <a:rPr lang="en-US" altLang="ja-JP" sz="1400" dirty="0" smtClean="0">
-                <a:latin typeface="+mn-ea"/>
-              </a:rPr>
-              <a:t>3.1</a:t>
-            </a:r>
-            <a:r>
-              <a:rPr lang="ja-JP" altLang="en-US" sz="1400" dirty="0">
-                <a:latin typeface="+mn-ea"/>
-              </a:rPr>
-              <a:t>　 事前準備（</a:t>
-            </a:r>
-            <a:r>
-              <a:rPr lang="en-US" altLang="ja-JP" sz="1400" dirty="0" smtClean="0">
-                <a:latin typeface="+mn-ea"/>
-              </a:rPr>
-              <a:t>1/1</a:t>
-            </a:r>
-            <a:r>
-              <a:rPr lang="ja-JP" altLang="en-US" sz="1400" dirty="0" smtClean="0">
-                <a:latin typeface="+mn-ea"/>
-              </a:rPr>
-              <a:t>）</a:t>
-            </a:r>
-            <a:endParaRPr lang="ja-JP" altLang="en-US" sz="1400" dirty="0">
-              <a:latin typeface="+mn-ea"/>
-            </a:endParaRPr>
-          </a:p>
-          <a:p>
-            <a:r>
-              <a:rPr lang="en-US" altLang="ja-JP" sz="1400" dirty="0" smtClean="0">
-                <a:latin typeface="+mn-ea"/>
-              </a:rPr>
-              <a:t>    3.2    ITA</a:t>
-            </a:r>
-            <a:r>
-              <a:rPr lang="ja-JP" altLang="en-US" sz="1400" dirty="0" smtClean="0">
-                <a:latin typeface="+mn-ea"/>
-              </a:rPr>
-              <a:t>バージョンアップフロー</a:t>
-            </a:r>
-          </a:p>
-          <a:p>
-            <a:r>
-              <a:rPr lang="en-US" altLang="ja-JP" sz="1400" dirty="0" smtClean="0">
-                <a:latin typeface="+mn-ea"/>
-              </a:rPr>
-              <a:t>    3.3</a:t>
-            </a:r>
-            <a:r>
-              <a:rPr lang="ja-JP" altLang="en-US" sz="1400" dirty="0">
-                <a:latin typeface="+mn-ea"/>
-              </a:rPr>
-              <a:t>　</a:t>
-            </a:r>
-            <a:r>
-              <a:rPr lang="ja-JP" altLang="en-US" sz="1400" dirty="0"/>
-              <a:t>バージョンアップ</a:t>
-            </a:r>
-            <a:r>
-              <a:rPr lang="ja-JP" altLang="en-US" sz="1400" dirty="0" smtClean="0">
-                <a:latin typeface="+mn-ea"/>
-              </a:rPr>
-              <a:t>（</a:t>
-            </a:r>
-            <a:r>
-              <a:rPr lang="en-US" altLang="ja-JP" sz="1400" dirty="0">
-                <a:latin typeface="+mn-ea"/>
-              </a:rPr>
-              <a:t>1/7</a:t>
-            </a:r>
-            <a:r>
-              <a:rPr lang="ja-JP" altLang="en-US" sz="1400" dirty="0" smtClean="0">
-                <a:latin typeface="+mn-ea"/>
-              </a:rPr>
-              <a:t>）</a:t>
-            </a:r>
-            <a:endParaRPr lang="ja-JP" altLang="en-US" sz="1400" dirty="0">
-              <a:latin typeface="+mn-ea"/>
-            </a:endParaRPr>
-          </a:p>
-          <a:p>
-            <a:r>
-              <a:rPr lang="en-US" altLang="ja-JP" sz="1400" dirty="0">
-                <a:latin typeface="+mn-ea"/>
-              </a:rPr>
-              <a:t>    </a:t>
-            </a:r>
-            <a:r>
-              <a:rPr lang="en-US" altLang="ja-JP" sz="1400" dirty="0" smtClean="0">
-                <a:latin typeface="+mn-ea"/>
-              </a:rPr>
-              <a:t>3.4</a:t>
-            </a:r>
-            <a:r>
-              <a:rPr lang="ja-JP" altLang="en-US" sz="1400" dirty="0">
-                <a:latin typeface="+mn-ea"/>
-              </a:rPr>
-              <a:t>　</a:t>
-            </a:r>
-            <a:r>
-              <a:rPr lang="ja-JP" altLang="en-US" sz="1400" dirty="0"/>
-              <a:t>バージョンアップ</a:t>
-            </a:r>
-            <a:r>
-              <a:rPr lang="ja-JP" altLang="en-US" sz="1400" dirty="0" smtClean="0">
-                <a:latin typeface="+mn-ea"/>
-              </a:rPr>
-              <a:t>（</a:t>
-            </a:r>
-            <a:r>
-              <a:rPr lang="en-US" altLang="ja-JP" sz="1400" dirty="0">
-                <a:latin typeface="+mn-ea"/>
-              </a:rPr>
-              <a:t>2/7</a:t>
-            </a:r>
-            <a:r>
-              <a:rPr lang="ja-JP" altLang="en-US" sz="1400" dirty="0" smtClean="0">
-                <a:latin typeface="+mn-ea"/>
-              </a:rPr>
-              <a:t>）</a:t>
-            </a:r>
-            <a:endParaRPr lang="ja-JP" altLang="en-US" sz="1400" dirty="0">
-              <a:latin typeface="+mn-ea"/>
-            </a:endParaRPr>
-          </a:p>
-          <a:p>
-            <a:r>
-              <a:rPr lang="en-US" altLang="ja-JP" sz="1400" dirty="0">
-                <a:latin typeface="+mn-ea"/>
-              </a:rPr>
-              <a:t>    </a:t>
-            </a:r>
-            <a:r>
-              <a:rPr lang="en-US" altLang="ja-JP" sz="1400" dirty="0" smtClean="0">
-                <a:latin typeface="+mn-ea"/>
-              </a:rPr>
-              <a:t>3.5</a:t>
-            </a:r>
-            <a:r>
-              <a:rPr lang="ja-JP" altLang="en-US" sz="1400" dirty="0">
-                <a:latin typeface="+mn-ea"/>
-              </a:rPr>
-              <a:t>　</a:t>
-            </a:r>
-            <a:r>
-              <a:rPr lang="ja-JP" altLang="en-US" sz="1400" dirty="0"/>
-              <a:t>バージョンアップ</a:t>
-            </a:r>
-            <a:r>
-              <a:rPr lang="ja-JP" altLang="en-US" sz="1400" dirty="0" smtClean="0">
-                <a:latin typeface="+mn-ea"/>
-              </a:rPr>
-              <a:t>（</a:t>
-            </a:r>
-            <a:r>
-              <a:rPr lang="en-US" altLang="ja-JP" sz="1400" dirty="0">
-                <a:latin typeface="+mn-ea"/>
-              </a:rPr>
-              <a:t>3/7</a:t>
-            </a:r>
-            <a:r>
-              <a:rPr lang="ja-JP" altLang="en-US" sz="1400" dirty="0" smtClean="0">
-                <a:latin typeface="+mn-ea"/>
-              </a:rPr>
-              <a:t>）</a:t>
-            </a:r>
-            <a:endParaRPr lang="ja-JP" altLang="en-US" sz="1400" dirty="0">
-              <a:latin typeface="+mn-ea"/>
-            </a:endParaRPr>
-          </a:p>
-          <a:p>
-            <a:r>
-              <a:rPr lang="en-US" altLang="ja-JP" sz="1400" dirty="0">
-                <a:latin typeface="+mn-ea"/>
-              </a:rPr>
-              <a:t>    </a:t>
-            </a:r>
-            <a:r>
-              <a:rPr lang="en-US" altLang="ja-JP" sz="1400" dirty="0" smtClean="0">
-                <a:latin typeface="+mn-ea"/>
-              </a:rPr>
-              <a:t>3.6</a:t>
-            </a:r>
-            <a:r>
-              <a:rPr lang="ja-JP" altLang="en-US" sz="1400" dirty="0">
-                <a:latin typeface="+mn-ea"/>
-              </a:rPr>
-              <a:t>　</a:t>
-            </a:r>
-            <a:r>
-              <a:rPr lang="ja-JP" altLang="en-US" sz="1400" dirty="0"/>
-              <a:t>バージョンアップ</a:t>
-            </a:r>
-            <a:r>
-              <a:rPr lang="ja-JP" altLang="en-US" sz="1400" dirty="0" smtClean="0">
-                <a:latin typeface="+mn-ea"/>
-              </a:rPr>
-              <a:t>（</a:t>
-            </a:r>
-            <a:r>
-              <a:rPr lang="en-US" altLang="ja-JP" sz="1400" dirty="0">
-                <a:latin typeface="+mn-ea"/>
-              </a:rPr>
-              <a:t>4/7</a:t>
-            </a:r>
-            <a:r>
-              <a:rPr lang="ja-JP" altLang="en-US" sz="1400" dirty="0" smtClean="0">
-                <a:latin typeface="+mn-ea"/>
-              </a:rPr>
-              <a:t>）</a:t>
-            </a:r>
-            <a:endParaRPr lang="ja-JP" altLang="en-US" sz="1400" dirty="0">
-              <a:latin typeface="+mn-ea"/>
-            </a:endParaRPr>
-          </a:p>
-          <a:p>
-            <a:r>
-              <a:rPr lang="en-US" altLang="ja-JP" sz="1400" dirty="0">
-                <a:latin typeface="+mn-ea"/>
-              </a:rPr>
-              <a:t>    </a:t>
-            </a:r>
-            <a:r>
-              <a:rPr lang="en-US" altLang="ja-JP" sz="1400" dirty="0" smtClean="0">
-                <a:latin typeface="+mn-ea"/>
-              </a:rPr>
-              <a:t>3.7</a:t>
-            </a:r>
-            <a:r>
-              <a:rPr lang="ja-JP" altLang="en-US" sz="1400" dirty="0">
-                <a:latin typeface="+mn-ea"/>
-              </a:rPr>
-              <a:t>　</a:t>
-            </a:r>
-            <a:r>
-              <a:rPr lang="ja-JP" altLang="en-US" sz="1400" dirty="0"/>
-              <a:t>バージョンアップ</a:t>
-            </a:r>
-            <a:r>
-              <a:rPr lang="ja-JP" altLang="en-US" sz="1400" dirty="0" smtClean="0">
-                <a:latin typeface="+mn-ea"/>
-              </a:rPr>
-              <a:t>（</a:t>
-            </a:r>
-            <a:r>
-              <a:rPr lang="en-US" altLang="ja-JP" sz="1400" dirty="0">
-                <a:latin typeface="+mn-ea"/>
-              </a:rPr>
-              <a:t>5/7</a:t>
-            </a:r>
-            <a:r>
-              <a:rPr lang="ja-JP" altLang="en-US" sz="1400" dirty="0" smtClean="0">
-                <a:latin typeface="+mn-ea"/>
-              </a:rPr>
-              <a:t>）</a:t>
-            </a:r>
-            <a:endParaRPr lang="en-US" altLang="ja-JP" sz="1400" dirty="0" smtClean="0">
-              <a:latin typeface="+mn-ea"/>
-            </a:endParaRPr>
-          </a:p>
-          <a:p>
-            <a:r>
-              <a:rPr lang="ja-JP" altLang="en-US" sz="1400" dirty="0" smtClean="0">
-                <a:latin typeface="+mn-ea"/>
-              </a:rPr>
-              <a:t>　 </a:t>
-            </a:r>
-            <a:r>
-              <a:rPr lang="en-US" altLang="ja-JP" sz="1400" dirty="0" smtClean="0">
-                <a:latin typeface="+mn-ea"/>
-              </a:rPr>
-              <a:t>3.8</a:t>
-            </a:r>
-            <a:r>
-              <a:rPr lang="ja-JP" altLang="en-US" sz="1400" dirty="0">
-                <a:latin typeface="+mn-ea"/>
-              </a:rPr>
-              <a:t>　</a:t>
-            </a:r>
-            <a:r>
-              <a:rPr lang="ja-JP" altLang="en-US" sz="1400" dirty="0"/>
-              <a:t>バージョンアップ</a:t>
-            </a:r>
-            <a:r>
-              <a:rPr lang="ja-JP" altLang="en-US" sz="1400" dirty="0" smtClean="0">
-                <a:latin typeface="+mn-ea"/>
-              </a:rPr>
-              <a:t>（</a:t>
-            </a:r>
-            <a:r>
-              <a:rPr lang="en-US" altLang="ja-JP" sz="1400" dirty="0">
-                <a:latin typeface="+mn-ea"/>
-              </a:rPr>
-              <a:t>6/7</a:t>
-            </a:r>
-            <a:r>
-              <a:rPr lang="ja-JP" altLang="en-US" sz="1400" dirty="0" smtClean="0">
-                <a:latin typeface="+mn-ea"/>
-              </a:rPr>
-              <a:t>）</a:t>
-            </a:r>
-            <a:endParaRPr lang="ja-JP" altLang="en-US" sz="1400" dirty="0">
-              <a:latin typeface="+mn-ea"/>
-            </a:endParaRPr>
-          </a:p>
-          <a:p>
-            <a:r>
-              <a:rPr lang="ja-JP" altLang="en-US" sz="1400" dirty="0" smtClean="0">
-                <a:latin typeface="+mn-ea"/>
-              </a:rPr>
-              <a:t> </a:t>
-            </a:r>
-            <a:r>
-              <a:rPr lang="ja-JP" altLang="en-US" sz="1400" dirty="0">
-                <a:latin typeface="+mn-ea"/>
-              </a:rPr>
-              <a:t>　</a:t>
-            </a:r>
-            <a:r>
-              <a:rPr lang="en-US" altLang="ja-JP" sz="1400" dirty="0" smtClean="0">
-                <a:latin typeface="+mn-ea"/>
-              </a:rPr>
-              <a:t>3.9</a:t>
-            </a:r>
-            <a:r>
-              <a:rPr lang="ja-JP" altLang="en-US" sz="1400" dirty="0">
-                <a:latin typeface="+mn-ea"/>
-              </a:rPr>
-              <a:t>　</a:t>
-            </a:r>
-            <a:r>
-              <a:rPr lang="ja-JP" altLang="en-US" sz="1400" dirty="0"/>
-              <a:t>バージョンアップ</a:t>
-            </a:r>
-            <a:r>
-              <a:rPr lang="ja-JP" altLang="en-US" sz="1400" dirty="0" smtClean="0">
-                <a:latin typeface="+mn-ea"/>
-              </a:rPr>
-              <a:t>（</a:t>
-            </a:r>
-            <a:r>
-              <a:rPr lang="en-US" altLang="ja-JP" sz="1400" dirty="0" smtClean="0">
-                <a:latin typeface="+mn-ea"/>
-              </a:rPr>
-              <a:t>7/</a:t>
-            </a:r>
-            <a:r>
-              <a:rPr lang="en-US" altLang="ja-JP" sz="1400" dirty="0">
-                <a:latin typeface="+mn-ea"/>
-              </a:rPr>
-              <a:t>7</a:t>
-            </a:r>
-            <a:r>
-              <a:rPr lang="ja-JP" altLang="en-US" sz="1400" dirty="0" smtClean="0">
-                <a:latin typeface="+mn-ea"/>
-              </a:rPr>
-              <a:t>）</a:t>
-            </a:r>
-            <a:endParaRPr lang="ja-JP" altLang="en-US" sz="1400" dirty="0">
-              <a:latin typeface="+mn-ea"/>
-            </a:endParaRPr>
-          </a:p>
-          <a:p>
-            <a:pPr marL="342900" indent="-342900">
-              <a:buFont typeface="+mj-lt"/>
-              <a:buAutoNum type="arabicPeriod" startAt="3"/>
-            </a:pPr>
-            <a:endParaRPr lang="en-US" altLang="ja-JP" sz="1400" dirty="0">
-              <a:latin typeface="+mn-ea"/>
-            </a:endParaRPr>
-          </a:p>
-          <a:p>
-            <a:pPr marL="342900" indent="-342900">
-              <a:buFont typeface="+mj-lt"/>
-              <a:buAutoNum type="arabicPeriod" startAt="4"/>
-            </a:pPr>
-            <a:r>
-              <a:rPr lang="en-US" altLang="ja-JP" sz="1400" dirty="0">
-                <a:latin typeface="+mn-ea"/>
-              </a:rPr>
-              <a:t>ITA</a:t>
-            </a:r>
-            <a:r>
-              <a:rPr lang="ja-JP" altLang="en-US" sz="1400" dirty="0">
-                <a:latin typeface="+mn-ea"/>
-              </a:rPr>
-              <a:t>動作確認</a:t>
-            </a:r>
-            <a:endParaRPr lang="en-US" altLang="ja-JP" sz="1400" dirty="0">
-              <a:latin typeface="+mn-ea"/>
-            </a:endParaRPr>
-          </a:p>
-          <a:p>
-            <a:r>
-              <a:rPr lang="en-US" altLang="zh-TW" sz="1400" dirty="0">
-                <a:latin typeface="+mn-ea"/>
-              </a:rPr>
-              <a:t>    4.1</a:t>
-            </a:r>
-            <a:r>
-              <a:rPr lang="zh-TW" altLang="en-US" sz="1400" dirty="0">
-                <a:latin typeface="+mn-ea"/>
-              </a:rPr>
-              <a:t>　 動作確認（</a:t>
-            </a:r>
-            <a:r>
-              <a:rPr lang="en-US" altLang="zh-TW" sz="1400" dirty="0" smtClean="0">
-                <a:latin typeface="+mn-ea"/>
-              </a:rPr>
-              <a:t>1/2</a:t>
-            </a:r>
-            <a:r>
-              <a:rPr lang="zh-TW" altLang="en-US" sz="1400" dirty="0" smtClean="0">
-                <a:latin typeface="+mn-ea"/>
-              </a:rPr>
-              <a:t>）</a:t>
-            </a:r>
-            <a:endParaRPr lang="en-US" altLang="zh-TW" sz="1400" dirty="0" smtClean="0">
-              <a:latin typeface="+mn-ea"/>
-            </a:endParaRPr>
-          </a:p>
-          <a:p>
-            <a:r>
-              <a:rPr lang="en-US" altLang="zh-TW" sz="1400" dirty="0">
-                <a:latin typeface="+mn-ea"/>
-              </a:rPr>
-              <a:t>  </a:t>
-            </a:r>
-            <a:r>
-              <a:rPr lang="en-US" altLang="zh-TW" sz="1400" dirty="0" smtClean="0">
-                <a:latin typeface="+mn-ea"/>
-              </a:rPr>
-              <a:t>  4.2</a:t>
-            </a:r>
-            <a:r>
-              <a:rPr lang="zh-TW" altLang="en-US" sz="1400" dirty="0">
-                <a:latin typeface="+mn-ea"/>
-              </a:rPr>
-              <a:t>　 動作確認</a:t>
-            </a:r>
-            <a:r>
-              <a:rPr lang="zh-TW" altLang="en-US" sz="1400" dirty="0" smtClean="0">
-                <a:latin typeface="+mn-ea"/>
-              </a:rPr>
-              <a:t>（</a:t>
-            </a:r>
-            <a:r>
-              <a:rPr lang="en-US" altLang="zh-TW" sz="1400" dirty="0" smtClean="0">
-                <a:latin typeface="+mn-ea"/>
-              </a:rPr>
-              <a:t>2/2</a:t>
-            </a:r>
-            <a:r>
-              <a:rPr lang="zh-TW" altLang="en-US" sz="1400" dirty="0" smtClean="0">
-                <a:latin typeface="+mn-ea"/>
-              </a:rPr>
-              <a:t>）</a:t>
-            </a:r>
-            <a:endParaRPr lang="zh-TW" altLang="en-US" sz="1400" dirty="0">
-              <a:latin typeface="+mn-ea"/>
-            </a:endParaRPr>
-          </a:p>
-        </p:txBody>
-      </p:sp>
-    </p:spTree>
-    <p:extLst>
-      <p:ext uri="{BB962C8B-B14F-4D97-AF65-F5344CB8AC3E}">
-        <p14:creationId xmlns:p14="http://schemas.microsoft.com/office/powerpoint/2010/main" val="497929968"/>
-      </p:ext>
-    </p:extLst>
-  </p:cSld>
-  <p:clrMapOvr>
-    <a:masterClrMapping/>
-  </p:clrMapOvr>
-  <p:timing>
-    <p:tnLst>
-      <p:par>
-        <p:cTn id="1" dur="indefinite" restart="never" nodeType="tmRoot"/>
-      </p:par>
-    </p:tnLst>
-  </p:timing>
-</p:sld>
-</file>
-
-<file path=ppt/slides/slide20.xml><?xml version="1.0" encoding="utf-8"?>
+<file path=ppt/slides/slide22.xml><?xml version="1.0" encoding="utf-8"?>
 <p:sld xmlns:a="http://schemas.openxmlformats.org/drawingml/2006/main" xmlns:r="http://schemas.openxmlformats.org/officeDocument/2006/relationships" xmlns:p="http://schemas.openxmlformats.org/presentationml/2006/main">
   <p:cSld>
     <p:spTree>

--- a/asset/Learn_ja/ITA-version-up_ja.pptx
+++ b/asset/Learn_ja/ITA-version-up_ja.pptx
@@ -324,7 +324,7 @@
               <a:rPr kumimoji="1" lang="ja-JP" altLang="en-US" smtClean="0">
                 <a:ea typeface="メイリオ" panose="020B0604030504040204" pitchFamily="50" charset="-128"/>
               </a:rPr>
-              <a:t>2022/7/26</a:t>
+              <a:t>2022/7/28</a:t>
             </a:fld>
             <a:endParaRPr kumimoji="1" lang="ja-JP" altLang="en-US" dirty="0">
               <a:ea typeface="メイリオ" panose="020B0604030504040204" pitchFamily="50" charset="-128"/>
@@ -470,7 +470,7 @@
             <a:fld id="{4B26993D-C081-44EB-B0F5-A9F467792B62}" type="datetimeFigureOut">
               <a:rPr lang="ja-JP" altLang="en-US" smtClean="0"/>
               <a:pPr/>
-              <a:t>2022/7/26</a:t>
+              <a:t>2022/7/28</a:t>
             </a:fld>
             <a:endParaRPr lang="ja-JP" altLang="en-US" dirty="0"/>
           </a:p>
@@ -1074,7 +1074,7 @@
           <a:p>
             <a:fld id="{56F9016B-CCA6-43BE-8BEE-59565A35F4F7}" type="datetimeFigureOut">
               <a:rPr kumimoji="1" lang="ja-JP" altLang="en-US" smtClean="0"/>
-              <a:t>2022/7/26</a:t>
+              <a:t>2022/7/28</a:t>
             </a:fld>
             <a:endParaRPr kumimoji="1" lang="ja-JP" altLang="en-US"/>
           </a:p>
@@ -1274,7 +1274,7 @@
           <a:p>
             <a:fld id="{56F9016B-CCA6-43BE-8BEE-59565A35F4F7}" type="datetimeFigureOut">
               <a:rPr kumimoji="1" lang="ja-JP" altLang="en-US" smtClean="0"/>
-              <a:t>2022/7/26</a:t>
+              <a:t>2022/7/28</a:t>
             </a:fld>
             <a:endParaRPr kumimoji="1" lang="ja-JP" altLang="en-US"/>
           </a:p>
@@ -1519,7 +1519,7 @@
           <a:p>
             <a:fld id="{56F9016B-CCA6-43BE-8BEE-59565A35F4F7}" type="datetimeFigureOut">
               <a:rPr kumimoji="1" lang="ja-JP" altLang="en-US" smtClean="0"/>
-              <a:t>2022/7/26</a:t>
+              <a:t>2022/7/28</a:t>
             </a:fld>
             <a:endParaRPr kumimoji="1" lang="ja-JP" altLang="en-US"/>
           </a:p>
@@ -1812,7 +1812,7 @@
           <a:p>
             <a:fld id="{56F9016B-CCA6-43BE-8BEE-59565A35F4F7}" type="datetimeFigureOut">
               <a:rPr kumimoji="1" lang="ja-JP" altLang="en-US" smtClean="0"/>
-              <a:t>2022/7/26</a:t>
+              <a:t>2022/7/28</a:t>
             </a:fld>
             <a:endParaRPr kumimoji="1" lang="ja-JP" altLang="en-US"/>
           </a:p>
@@ -2240,7 +2240,7 @@
           <a:p>
             <a:fld id="{56F9016B-CCA6-43BE-8BEE-59565A35F4F7}" type="datetimeFigureOut">
               <a:rPr kumimoji="1" lang="ja-JP" altLang="en-US" smtClean="0"/>
-              <a:t>2022/7/26</a:t>
+              <a:t>2022/7/28</a:t>
             </a:fld>
             <a:endParaRPr kumimoji="1" lang="ja-JP" altLang="en-US"/>
           </a:p>
@@ -2357,7 +2357,7 @@
           <a:p>
             <a:fld id="{56F9016B-CCA6-43BE-8BEE-59565A35F4F7}" type="datetimeFigureOut">
               <a:rPr kumimoji="1" lang="ja-JP" altLang="en-US" smtClean="0"/>
-              <a:t>2022/7/26</a:t>
+              <a:t>2022/7/28</a:t>
             </a:fld>
             <a:endParaRPr kumimoji="1" lang="ja-JP" altLang="en-US"/>
           </a:p>
@@ -2452,7 +2452,7 @@
           <a:p>
             <a:fld id="{56F9016B-CCA6-43BE-8BEE-59565A35F4F7}" type="datetimeFigureOut">
               <a:rPr kumimoji="1" lang="ja-JP" altLang="en-US" smtClean="0"/>
-              <a:t>2022/7/26</a:t>
+              <a:t>2022/7/28</a:t>
             </a:fld>
             <a:endParaRPr kumimoji="1" lang="ja-JP" altLang="en-US"/>
           </a:p>
@@ -2759,7 +2759,7 @@
           <a:p>
             <a:fld id="{56F9016B-CCA6-43BE-8BEE-59565A35F4F7}" type="datetimeFigureOut">
               <a:rPr kumimoji="1" lang="ja-JP" altLang="en-US" smtClean="0"/>
-              <a:t>2022/7/26</a:t>
+              <a:t>2022/7/28</a:t>
             </a:fld>
             <a:endParaRPr kumimoji="1" lang="ja-JP" altLang="en-US"/>
           </a:p>
@@ -3011,7 +3011,7 @@
           <a:p>
             <a:fld id="{56F9016B-CCA6-43BE-8BEE-59565A35F4F7}" type="datetimeFigureOut">
               <a:rPr kumimoji="1" lang="ja-JP" altLang="en-US" smtClean="0"/>
-              <a:t>2022/7/26</a:t>
+              <a:t>2022/7/28</a:t>
             </a:fld>
             <a:endParaRPr kumimoji="1" lang="ja-JP" altLang="en-US"/>
           </a:p>
@@ -3278,7 +3278,7 @@
           <a:p>
             <a:fld id="{56F9016B-CCA6-43BE-8BEE-59565A35F4F7}" type="datetimeFigureOut">
               <a:rPr kumimoji="1" lang="ja-JP" altLang="en-US" smtClean="0"/>
-              <a:t>2022/7/26</a:t>
+              <a:t>2022/7/28</a:t>
             </a:fld>
             <a:endParaRPr kumimoji="1" lang="ja-JP" altLang="en-US"/>
           </a:p>
@@ -3488,7 +3488,7 @@
           <a:p>
             <a:fld id="{56F9016B-CCA6-43BE-8BEE-59565A35F4F7}" type="datetimeFigureOut">
               <a:rPr kumimoji="1" lang="ja-JP" altLang="en-US" smtClean="0"/>
-              <a:t>2022/7/26</a:t>
+              <a:t>2022/7/28</a:t>
             </a:fld>
             <a:endParaRPr kumimoji="1" lang="ja-JP" altLang="en-US"/>
           </a:p>
@@ -6476,7 +6476,7 @@
           <a:p>
             <a:fld id="{56F9016B-CCA6-43BE-8BEE-59565A35F4F7}" type="datetimeFigureOut">
               <a:rPr kumimoji="1" lang="ja-JP" altLang="en-US" smtClean="0"/>
-              <a:t>2022/7/26</a:t>
+              <a:t>2022/7/28</a:t>
             </a:fld>
             <a:endParaRPr kumimoji="1" lang="ja-JP" altLang="en-US"/>
           </a:p>
@@ -7511,7 +7511,7 @@
         </p:spPr>
         <p:txBody>
           <a:bodyPr>
-            <a:normAutofit fontScale="85000" lnSpcReduction="20000"/>
+            <a:normAutofit fontScale="77500" lnSpcReduction="20000"/>
           </a:bodyPr>
           <a:lstStyle/>
           <a:p>
@@ -8005,6 +8005,130 @@
             </a:r>
             <a:r>
               <a:rPr lang="en-US" altLang="ja-JP" sz="1400" dirty="0" err="1"/>
+              <a:t>install_scripts</a:t>
+            </a:r>
+            <a:endParaRPr lang="en-US" altLang="ja-JP" sz="1400" dirty="0"/>
+          </a:p>
+          <a:p>
+            <a:pPr marL="180000" lvl="1" indent="0">
+              <a:buNone/>
+            </a:pPr>
+            <a:endParaRPr lang="en-US" altLang="ja-JP" sz="1400" dirty="0"/>
+          </a:p>
+          <a:p>
+            <a:pPr marL="180000" lvl="1" indent="0">
+              <a:buNone/>
+            </a:pPr>
+            <a:r>
+              <a:rPr lang="ja-JP" altLang="en-US" sz="1300" b="0" i="0" dirty="0">
+                <a:solidFill>
+                  <a:srgbClr val="24292F"/>
+                </a:solidFill>
+                <a:effectLst/>
+                <a:latin typeface="-apple-system"/>
+              </a:rPr>
+              <a:t>　</a:t>
+            </a:r>
+            <a:r>
+              <a:rPr lang="en-US" altLang="ja-JP" sz="1300" b="0" i="0" dirty="0">
+                <a:solidFill>
+                  <a:srgbClr val="24292F"/>
+                </a:solidFill>
+                <a:effectLst/>
+                <a:latin typeface="-apple-system"/>
+              </a:rPr>
+              <a:t>※v1.10.1 </a:t>
+            </a:r>
+            <a:r>
+              <a:rPr lang="ja-JP" altLang="en-US" sz="1300" b="0" i="0" dirty="0">
+                <a:solidFill>
+                  <a:srgbClr val="24292F"/>
+                </a:solidFill>
+                <a:effectLst/>
+                <a:latin typeface="-apple-system"/>
+              </a:rPr>
+              <a:t>以降は</a:t>
+            </a:r>
+            <a:r>
+              <a:rPr kumimoji="1" lang="ja-JP" altLang="en-US" sz="1300" b="0" i="0" u="none" strike="noStrike" kern="0" cap="none" spc="0" normalizeH="0" baseline="0" noProof="0" dirty="0">
+                <a:ln>
+                  <a:noFill/>
+                </a:ln>
+                <a:solidFill>
+                  <a:srgbClr val="000000"/>
+                </a:solidFill>
+                <a:effectLst/>
+                <a:uLnTx/>
+                <a:uFillTx/>
+                <a:latin typeface="メイリオ"/>
+                <a:ea typeface="メイリオ"/>
+              </a:rPr>
+              <a:t>以下のコマンドです。</a:t>
+            </a:r>
+            <a:br>
+              <a:rPr lang="ja-JP" altLang="en-US" dirty="0"/>
+            </a:br>
+            <a:r>
+              <a:rPr lang="ja-JP" altLang="en-US" sz="1400" b="0" i="0" dirty="0">
+                <a:solidFill>
+                  <a:srgbClr val="24292F"/>
+                </a:solidFill>
+                <a:effectLst/>
+              </a:rPr>
+              <a:t>　</a:t>
+            </a:r>
+            <a:r>
+              <a:rPr lang="en-US" altLang="ja-JP" sz="1400" b="0" i="0" dirty="0">
+                <a:solidFill>
+                  <a:srgbClr val="24292F"/>
+                </a:solidFill>
+                <a:effectLst/>
+              </a:rPr>
+              <a:t># cd it-automation-</a:t>
+            </a:r>
+            <a:r>
+              <a:rPr lang="en-US" altLang="ja-JP" sz="1400" b="0" i="0" dirty="0" err="1">
+                <a:solidFill>
+                  <a:srgbClr val="FF0000"/>
+                </a:solidFill>
+                <a:effectLst/>
+              </a:rPr>
+              <a:t>x.x.x_tag</a:t>
+            </a:r>
+            <a:r>
+              <a:rPr lang="en-US" altLang="ja-JP" sz="1400" b="0" i="0" dirty="0">
+                <a:solidFill>
+                  <a:srgbClr val="24292F"/>
+                </a:solidFill>
+                <a:effectLst/>
+              </a:rPr>
+              <a:t>/</a:t>
+            </a:r>
+            <a:r>
+              <a:rPr lang="en-US" altLang="ja-JP" sz="1400" b="0" i="0" dirty="0" err="1">
+                <a:solidFill>
+                  <a:srgbClr val="24292F"/>
+                </a:solidFill>
+                <a:effectLst/>
+              </a:rPr>
+              <a:t>ita_install_package</a:t>
+            </a:r>
+            <a:r>
+              <a:rPr lang="en-US" altLang="ja-JP" sz="1400" b="0" i="0" dirty="0">
+                <a:solidFill>
+                  <a:srgbClr val="24292F"/>
+                </a:solidFill>
+                <a:effectLst/>
+              </a:rPr>
+              <a:t>/</a:t>
+            </a:r>
+            <a:r>
+              <a:rPr lang="en-US" altLang="ja-JP" sz="1400" b="0" i="0" dirty="0" err="1">
+                <a:solidFill>
+                  <a:srgbClr val="24292F"/>
+                </a:solidFill>
+                <a:effectLst/>
+              </a:rPr>
               <a:t>install_scripts</a:t>
             </a:r>
             <a:endParaRPr lang="en-US" altLang="ja-JP" dirty="0"/>

--- a/asset/Learn_ja/ITA-version-up_ja.pptx
+++ b/asset/Learn_ja/ITA-version-up_ja.pptx
@@ -324,7 +324,7 @@
               <a:rPr kumimoji="1" lang="ja-JP" altLang="en-US" smtClean="0">
                 <a:ea typeface="メイリオ" panose="020B0604030504040204" pitchFamily="50" charset="-128"/>
               </a:rPr>
-              <a:t>2022/7/28</a:t>
+              <a:t>2022/11/16</a:t>
             </a:fld>
             <a:endParaRPr kumimoji="1" lang="ja-JP" altLang="en-US" dirty="0">
               <a:ea typeface="メイリオ" panose="020B0604030504040204" pitchFamily="50" charset="-128"/>
@@ -470,7 +470,7 @@
             <a:fld id="{4B26993D-C081-44EB-B0F5-A9F467792B62}" type="datetimeFigureOut">
               <a:rPr lang="ja-JP" altLang="en-US" smtClean="0"/>
               <a:pPr/>
-              <a:t>2022/7/28</a:t>
+              <a:t>2022/11/16</a:t>
             </a:fld>
             <a:endParaRPr lang="ja-JP" altLang="en-US" dirty="0"/>
           </a:p>
@@ -1074,7 +1074,7 @@
           <a:p>
             <a:fld id="{56F9016B-CCA6-43BE-8BEE-59565A35F4F7}" type="datetimeFigureOut">
               <a:rPr kumimoji="1" lang="ja-JP" altLang="en-US" smtClean="0"/>
-              <a:t>2022/7/28</a:t>
+              <a:t>2022/11/16</a:t>
             </a:fld>
             <a:endParaRPr kumimoji="1" lang="ja-JP" altLang="en-US"/>
           </a:p>
@@ -1274,7 +1274,7 @@
           <a:p>
             <a:fld id="{56F9016B-CCA6-43BE-8BEE-59565A35F4F7}" type="datetimeFigureOut">
               <a:rPr kumimoji="1" lang="ja-JP" altLang="en-US" smtClean="0"/>
-              <a:t>2022/7/28</a:t>
+              <a:t>2022/11/16</a:t>
             </a:fld>
             <a:endParaRPr kumimoji="1" lang="ja-JP" altLang="en-US"/>
           </a:p>
@@ -1519,7 +1519,7 @@
           <a:p>
             <a:fld id="{56F9016B-CCA6-43BE-8BEE-59565A35F4F7}" type="datetimeFigureOut">
               <a:rPr kumimoji="1" lang="ja-JP" altLang="en-US" smtClean="0"/>
-              <a:t>2022/7/28</a:t>
+              <a:t>2022/11/16</a:t>
             </a:fld>
             <a:endParaRPr kumimoji="1" lang="ja-JP" altLang="en-US"/>
           </a:p>
@@ -1812,7 +1812,7 @@
           <a:p>
             <a:fld id="{56F9016B-CCA6-43BE-8BEE-59565A35F4F7}" type="datetimeFigureOut">
               <a:rPr kumimoji="1" lang="ja-JP" altLang="en-US" smtClean="0"/>
-              <a:t>2022/7/28</a:t>
+              <a:t>2022/11/16</a:t>
             </a:fld>
             <a:endParaRPr kumimoji="1" lang="ja-JP" altLang="en-US"/>
           </a:p>
@@ -2240,7 +2240,7 @@
           <a:p>
             <a:fld id="{56F9016B-CCA6-43BE-8BEE-59565A35F4F7}" type="datetimeFigureOut">
               <a:rPr kumimoji="1" lang="ja-JP" altLang="en-US" smtClean="0"/>
-              <a:t>2022/7/28</a:t>
+              <a:t>2022/11/16</a:t>
             </a:fld>
             <a:endParaRPr kumimoji="1" lang="ja-JP" altLang="en-US"/>
           </a:p>
@@ -2357,7 +2357,7 @@
           <a:p>
             <a:fld id="{56F9016B-CCA6-43BE-8BEE-59565A35F4F7}" type="datetimeFigureOut">
               <a:rPr kumimoji="1" lang="ja-JP" altLang="en-US" smtClean="0"/>
-              <a:t>2022/7/28</a:t>
+              <a:t>2022/11/16</a:t>
             </a:fld>
             <a:endParaRPr kumimoji="1" lang="ja-JP" altLang="en-US"/>
           </a:p>
@@ -2452,7 +2452,7 @@
           <a:p>
             <a:fld id="{56F9016B-CCA6-43BE-8BEE-59565A35F4F7}" type="datetimeFigureOut">
               <a:rPr kumimoji="1" lang="ja-JP" altLang="en-US" smtClean="0"/>
-              <a:t>2022/7/28</a:t>
+              <a:t>2022/11/16</a:t>
             </a:fld>
             <a:endParaRPr kumimoji="1" lang="ja-JP" altLang="en-US"/>
           </a:p>
@@ -2759,7 +2759,7 @@
           <a:p>
             <a:fld id="{56F9016B-CCA6-43BE-8BEE-59565A35F4F7}" type="datetimeFigureOut">
               <a:rPr kumimoji="1" lang="ja-JP" altLang="en-US" smtClean="0"/>
-              <a:t>2022/7/28</a:t>
+              <a:t>2022/11/16</a:t>
             </a:fld>
             <a:endParaRPr kumimoji="1" lang="ja-JP" altLang="en-US"/>
           </a:p>
@@ -3011,7 +3011,7 @@
           <a:p>
             <a:fld id="{56F9016B-CCA6-43BE-8BEE-59565A35F4F7}" type="datetimeFigureOut">
               <a:rPr kumimoji="1" lang="ja-JP" altLang="en-US" smtClean="0"/>
-              <a:t>2022/7/28</a:t>
+              <a:t>2022/11/16</a:t>
             </a:fld>
             <a:endParaRPr kumimoji="1" lang="ja-JP" altLang="en-US"/>
           </a:p>
@@ -3278,7 +3278,7 @@
           <a:p>
             <a:fld id="{56F9016B-CCA6-43BE-8BEE-59565A35F4F7}" type="datetimeFigureOut">
               <a:rPr kumimoji="1" lang="ja-JP" altLang="en-US" smtClean="0"/>
-              <a:t>2022/7/28</a:t>
+              <a:t>2022/11/16</a:t>
             </a:fld>
             <a:endParaRPr kumimoji="1" lang="ja-JP" altLang="en-US"/>
           </a:p>
@@ -3488,7 +3488,7 @@
           <a:p>
             <a:fld id="{56F9016B-CCA6-43BE-8BEE-59565A35F4F7}" type="datetimeFigureOut">
               <a:rPr kumimoji="1" lang="ja-JP" altLang="en-US" smtClean="0"/>
-              <a:t>2022/7/28</a:t>
+              <a:t>2022/11/16</a:t>
             </a:fld>
             <a:endParaRPr kumimoji="1" lang="ja-JP" altLang="en-US"/>
           </a:p>
@@ -6476,7 +6476,7 @@
           <a:p>
             <a:fld id="{56F9016B-CCA6-43BE-8BEE-59565A35F4F7}" type="datetimeFigureOut">
               <a:rPr kumimoji="1" lang="ja-JP" altLang="en-US" smtClean="0"/>
-              <a:t>2022/7/28</a:t>
+              <a:t>2022/11/16</a:t>
             </a:fld>
             <a:endParaRPr kumimoji="1" lang="ja-JP" altLang="en-US"/>
           </a:p>
@@ -17991,14 +17991,14 @@
           <p:nvPr>
             <p:extLst>
               <p:ext uri="{D42A27DB-BD31-4B8C-83A1-F6EECF244321}">
-                <p14:modId xmlns:p14="http://schemas.microsoft.com/office/powerpoint/2010/main" val="488517644"/>
+                <p14:modId xmlns:p14="http://schemas.microsoft.com/office/powerpoint/2010/main" val="1110437454"/>
               </p:ext>
             </p:extLst>
           </p:nvPr>
         </p:nvGraphicFramePr>
         <p:xfrm>
           <a:off x="179512" y="908650"/>
-          <a:ext cx="8819131" cy="2029202"/>
+          <a:ext cx="8819131" cy="2231511"/>
         </p:xfrm>
         <a:graphic>
           <a:graphicData uri="http://schemas.openxmlformats.org/drawingml/2006/table">
@@ -19453,6 +19453,141 @@
                 <a:extLst>
                   <a:ext uri="{0D108BD9-81ED-4DB2-BD59-A6C34878D82A}">
                     <a16:rowId xmlns:a16="http://schemas.microsoft.com/office/drawing/2014/main" val="377982340"/>
+                  </a:ext>
+                </a:extLst>
+              </a:tr>
+              <a:tr h="202309">
+                <a:tc>
+                  <a:txBody>
+                    <a:bodyPr/>
+                    <a:lstStyle/>
+                    <a:p>
+                      <a:pPr marL="0" marR="0" lvl="0" indent="0" algn="just" defTabSz="914400" rtl="0" eaLnBrk="1" fontAlgn="auto" latinLnBrk="0" hangingPunct="1">
+                        <a:lnSpc>
+                          <a:spcPct val="100000"/>
+                        </a:lnSpc>
+                        <a:spcBef>
+                          <a:spcPts val="0"/>
+                        </a:spcBef>
+                        <a:spcAft>
+                          <a:spcPts val="0"/>
+                        </a:spcAft>
+                        <a:buClrTx/>
+                        <a:buSzTx/>
+                        <a:buFontTx/>
+                        <a:buNone/>
+                        <a:tabLst/>
+                        <a:defRPr/>
+                      </a:pPr>
+                      <a:r>
+                        <a:rPr lang="en-US" altLang="ja-JP" sz="1000" kern="0" dirty="0">
+                          <a:effectLst/>
+                        </a:rPr>
+                        <a:t>1.10.2</a:t>
+                      </a:r>
+                      <a:endParaRPr lang="ja-JP" altLang="ja-JP" sz="1000" kern="100" dirty="0">
+                        <a:effectLst/>
+                        <a:latin typeface="Century" panose="02040604050505020304" pitchFamily="18" charset="0"/>
+                        <a:ea typeface="ＭＳ 明朝" panose="02020609040205080304" pitchFamily="17" charset="-128"/>
+                        <a:cs typeface="Times New Roman" panose="02020603050405020304" pitchFamily="18" charset="0"/>
+                      </a:endParaRPr>
+                    </a:p>
+                  </a:txBody>
+                  <a:tcPr marL="68580" marR="68580" marT="0" marB="0" anchor="ctr"/>
+                </a:tc>
+                <a:tc gridSpan="5">
+                  <a:txBody>
+                    <a:bodyPr/>
+                    <a:lstStyle/>
+                    <a:p>
+                      <a:pPr marL="0" marR="0" lvl="0" indent="0" algn="ctr" defTabSz="914400" rtl="0" eaLnBrk="1" fontAlgn="auto" latinLnBrk="0" hangingPunct="1">
+                        <a:lnSpc>
+                          <a:spcPct val="100000"/>
+                        </a:lnSpc>
+                        <a:spcBef>
+                          <a:spcPts val="0"/>
+                        </a:spcBef>
+                        <a:spcAft>
+                          <a:spcPts val="0"/>
+                        </a:spcAft>
+                        <a:buClrTx/>
+                        <a:buSzTx/>
+                        <a:buFontTx/>
+                        <a:buNone/>
+                        <a:tabLst/>
+                        <a:defRPr/>
+                      </a:pPr>
+                      <a:r>
+                        <a:rPr lang="ja-JP" altLang="en-US" sz="1050" kern="100" dirty="0">
+                          <a:effectLst/>
+                        </a:rPr>
+                        <a:t>バージョン</a:t>
+                      </a:r>
+                      <a:r>
+                        <a:rPr lang="en-US" altLang="ja-JP" sz="1050" kern="100" dirty="0">
+                          <a:effectLst/>
+                        </a:rPr>
+                        <a:t>1.10.2</a:t>
+                      </a:r>
+                      <a:r>
+                        <a:rPr lang="ja-JP" altLang="en-US" sz="1050" kern="100" dirty="0">
+                          <a:effectLst/>
+                        </a:rPr>
+                        <a:t>で追加されたライブラリはありません。</a:t>
+                      </a:r>
+                      <a:endParaRPr lang="ja-JP" altLang="ja-JP" sz="1050" kern="100" dirty="0">
+                        <a:effectLst/>
+                        <a:latin typeface="+mn-ea"/>
+                        <a:ea typeface="+mn-ea"/>
+                        <a:cs typeface="Times New Roman" panose="02020603050405020304" pitchFamily="18" charset="0"/>
+                      </a:endParaRPr>
+                    </a:p>
+                  </a:txBody>
+                  <a:tcPr marL="68580" marR="68580" marT="0" marB="0" anchor="ctr"/>
+                </a:tc>
+                <a:tc hMerge="1">
+                  <a:txBody>
+                    <a:bodyPr/>
+                    <a:lstStyle/>
+                    <a:p>
+                      <a:endParaRPr kumimoji="1" lang="ja-JP" altLang="en-US"/>
+                    </a:p>
+                  </a:txBody>
+                  <a:tcPr/>
+                </a:tc>
+                <a:tc hMerge="1">
+                  <a:txBody>
+                    <a:bodyPr/>
+                    <a:lstStyle/>
+                    <a:p>
+                      <a:endParaRPr kumimoji="1" lang="ja-JP" altLang="en-US"/>
+                    </a:p>
+                  </a:txBody>
+                  <a:tcPr/>
+                </a:tc>
+                <a:tc hMerge="1">
+                  <a:txBody>
+                    <a:bodyPr/>
+                    <a:lstStyle/>
+                    <a:p>
+                      <a:endParaRPr kumimoji="1" lang="ja-JP" altLang="en-US"/>
+                    </a:p>
+                  </a:txBody>
+                  <a:tcPr/>
+                </a:tc>
+                <a:tc hMerge="1">
+                  <a:txBody>
+                    <a:bodyPr/>
+                    <a:lstStyle/>
+                    <a:p>
+                      <a:endParaRPr kumimoji="1" lang="ja-JP" altLang="en-US"/>
+                    </a:p>
+                  </a:txBody>
+                  <a:tcPr/>
+                </a:tc>
+                <a:extLst>
+                  <a:ext uri="{0D108BD9-81ED-4DB2-BD59-A6C34878D82A}">
+                    <a16:rowId xmlns:a16="http://schemas.microsoft.com/office/drawing/2014/main" val="4120564097"/>
                   </a:ext>
                 </a:extLst>
               </a:tr>

--- a/asset/Learn_ja/ITA-version-up_ja.pptx
+++ b/asset/Learn_ja/ITA-version-up_ja.pptx
@@ -324,7 +324,7 @@
               <a:rPr kumimoji="1" lang="ja-JP" altLang="en-US" smtClean="0">
                 <a:ea typeface="メイリオ" panose="020B0604030504040204" pitchFamily="50" charset="-128"/>
               </a:rPr>
-              <a:t>2022/11/16</a:t>
+              <a:t>2023/1/13</a:t>
             </a:fld>
             <a:endParaRPr kumimoji="1" lang="ja-JP" altLang="en-US" dirty="0">
               <a:ea typeface="メイリオ" panose="020B0604030504040204" pitchFamily="50" charset="-128"/>
@@ -470,7 +470,7 @@
             <a:fld id="{4B26993D-C081-44EB-B0F5-A9F467792B62}" type="datetimeFigureOut">
               <a:rPr lang="ja-JP" altLang="en-US" smtClean="0"/>
               <a:pPr/>
-              <a:t>2022/11/16</a:t>
+              <a:t>2023/1/13</a:t>
             </a:fld>
             <a:endParaRPr lang="ja-JP" altLang="en-US" dirty="0"/>
           </a:p>
@@ -1074,7 +1074,7 @@
           <a:p>
             <a:fld id="{56F9016B-CCA6-43BE-8BEE-59565A35F4F7}" type="datetimeFigureOut">
               <a:rPr kumimoji="1" lang="ja-JP" altLang="en-US" smtClean="0"/>
-              <a:t>2022/11/16</a:t>
+              <a:t>2023/1/13</a:t>
             </a:fld>
             <a:endParaRPr kumimoji="1" lang="ja-JP" altLang="en-US"/>
           </a:p>
@@ -1274,7 +1274,7 @@
           <a:p>
             <a:fld id="{56F9016B-CCA6-43BE-8BEE-59565A35F4F7}" type="datetimeFigureOut">
               <a:rPr kumimoji="1" lang="ja-JP" altLang="en-US" smtClean="0"/>
-              <a:t>2022/11/16</a:t>
+              <a:t>2023/1/13</a:t>
             </a:fld>
             <a:endParaRPr kumimoji="1" lang="ja-JP" altLang="en-US"/>
           </a:p>
@@ -1519,7 +1519,7 @@
           <a:p>
             <a:fld id="{56F9016B-CCA6-43BE-8BEE-59565A35F4F7}" type="datetimeFigureOut">
               <a:rPr kumimoji="1" lang="ja-JP" altLang="en-US" smtClean="0"/>
-              <a:t>2022/11/16</a:t>
+              <a:t>2023/1/13</a:t>
             </a:fld>
             <a:endParaRPr kumimoji="1" lang="ja-JP" altLang="en-US"/>
           </a:p>
@@ -1812,7 +1812,7 @@
           <a:p>
             <a:fld id="{56F9016B-CCA6-43BE-8BEE-59565A35F4F7}" type="datetimeFigureOut">
               <a:rPr kumimoji="1" lang="ja-JP" altLang="en-US" smtClean="0"/>
-              <a:t>2022/11/16</a:t>
+              <a:t>2023/1/13</a:t>
             </a:fld>
             <a:endParaRPr kumimoji="1" lang="ja-JP" altLang="en-US"/>
           </a:p>
@@ -2240,7 +2240,7 @@
           <a:p>
             <a:fld id="{56F9016B-CCA6-43BE-8BEE-59565A35F4F7}" type="datetimeFigureOut">
               <a:rPr kumimoji="1" lang="ja-JP" altLang="en-US" smtClean="0"/>
-              <a:t>2022/11/16</a:t>
+              <a:t>2023/1/13</a:t>
             </a:fld>
             <a:endParaRPr kumimoji="1" lang="ja-JP" altLang="en-US"/>
           </a:p>
@@ -2357,7 +2357,7 @@
           <a:p>
             <a:fld id="{56F9016B-CCA6-43BE-8BEE-59565A35F4F7}" type="datetimeFigureOut">
               <a:rPr kumimoji="1" lang="ja-JP" altLang="en-US" smtClean="0"/>
-              <a:t>2022/11/16</a:t>
+              <a:t>2023/1/13</a:t>
             </a:fld>
             <a:endParaRPr kumimoji="1" lang="ja-JP" altLang="en-US"/>
           </a:p>
@@ -2452,7 +2452,7 @@
           <a:p>
             <a:fld id="{56F9016B-CCA6-43BE-8BEE-59565A35F4F7}" type="datetimeFigureOut">
               <a:rPr kumimoji="1" lang="ja-JP" altLang="en-US" smtClean="0"/>
-              <a:t>2022/11/16</a:t>
+              <a:t>2023/1/13</a:t>
             </a:fld>
             <a:endParaRPr kumimoji="1" lang="ja-JP" altLang="en-US"/>
           </a:p>
@@ -2759,7 +2759,7 @@
           <a:p>
             <a:fld id="{56F9016B-CCA6-43BE-8BEE-59565A35F4F7}" type="datetimeFigureOut">
               <a:rPr kumimoji="1" lang="ja-JP" altLang="en-US" smtClean="0"/>
-              <a:t>2022/11/16</a:t>
+              <a:t>2023/1/13</a:t>
             </a:fld>
             <a:endParaRPr kumimoji="1" lang="ja-JP" altLang="en-US"/>
           </a:p>
@@ -3011,7 +3011,7 @@
           <a:p>
             <a:fld id="{56F9016B-CCA6-43BE-8BEE-59565A35F4F7}" type="datetimeFigureOut">
               <a:rPr kumimoji="1" lang="ja-JP" altLang="en-US" smtClean="0"/>
-              <a:t>2022/11/16</a:t>
+              <a:t>2023/1/13</a:t>
             </a:fld>
             <a:endParaRPr kumimoji="1" lang="ja-JP" altLang="en-US"/>
           </a:p>
@@ -3278,7 +3278,7 @@
           <a:p>
             <a:fld id="{56F9016B-CCA6-43BE-8BEE-59565A35F4F7}" type="datetimeFigureOut">
               <a:rPr kumimoji="1" lang="ja-JP" altLang="en-US" smtClean="0"/>
-              <a:t>2022/11/16</a:t>
+              <a:t>2023/1/13</a:t>
             </a:fld>
             <a:endParaRPr kumimoji="1" lang="ja-JP" altLang="en-US"/>
           </a:p>
@@ -3488,7 +3488,7 @@
           <a:p>
             <a:fld id="{56F9016B-CCA6-43BE-8BEE-59565A35F4F7}" type="datetimeFigureOut">
               <a:rPr kumimoji="1" lang="ja-JP" altLang="en-US" smtClean="0"/>
-              <a:t>2022/11/16</a:t>
+              <a:t>2023/1/13</a:t>
             </a:fld>
             <a:endParaRPr kumimoji="1" lang="ja-JP" altLang="en-US"/>
           </a:p>
@@ -6476,7 +6476,7 @@
           <a:p>
             <a:fld id="{56F9016B-CCA6-43BE-8BEE-59565A35F4F7}" type="datetimeFigureOut">
               <a:rPr kumimoji="1" lang="ja-JP" altLang="en-US" smtClean="0"/>
-              <a:t>2022/11/16</a:t>
+              <a:t>2023/1/13</a:t>
             </a:fld>
             <a:endParaRPr kumimoji="1" lang="ja-JP" altLang="en-US"/>
           </a:p>
@@ -6907,7 +6907,7 @@
             </a:r>
             <a:r>
               <a:rPr lang="en-US" altLang="ja-JP" dirty="0"/>
-              <a:t> IT Automation Version 1.10 </a:t>
+              <a:t> IT Automation Version 1.11 </a:t>
             </a:r>
           </a:p>
           <a:p>
@@ -17991,14 +17991,14 @@
           <p:nvPr>
             <p:extLst>
               <p:ext uri="{D42A27DB-BD31-4B8C-83A1-F6EECF244321}">
-                <p14:modId xmlns:p14="http://schemas.microsoft.com/office/powerpoint/2010/main" val="1110437454"/>
+                <p14:modId xmlns:p14="http://schemas.microsoft.com/office/powerpoint/2010/main" val="1075211212"/>
               </p:ext>
             </p:extLst>
           </p:nvPr>
         </p:nvGraphicFramePr>
         <p:xfrm>
           <a:off x="179512" y="908650"/>
-          <a:ext cx="8819131" cy="2231511"/>
+          <a:ext cx="8819131" cy="2551551"/>
         </p:xfrm>
         <a:graphic>
           <a:graphicData uri="http://schemas.openxmlformats.org/drawingml/2006/table">
@@ -19588,6 +19588,208 @@
                 <a:extLst>
                   <a:ext uri="{0D108BD9-81ED-4DB2-BD59-A6C34878D82A}">
                     <a16:rowId xmlns:a16="http://schemas.microsoft.com/office/drawing/2014/main" val="4120564097"/>
+                  </a:ext>
+                </a:extLst>
+              </a:tr>
+              <a:tr h="202309">
+                <a:tc>
+                  <a:txBody>
+                    <a:bodyPr/>
+                    <a:lstStyle/>
+                    <a:p>
+                      <a:pPr marL="0" marR="0" lvl="0" indent="0" algn="just" defTabSz="914400" rtl="0" eaLnBrk="1" fontAlgn="auto" latinLnBrk="0" hangingPunct="1">
+                        <a:lnSpc>
+                          <a:spcPct val="100000"/>
+                        </a:lnSpc>
+                        <a:spcBef>
+                          <a:spcPts val="0"/>
+                        </a:spcBef>
+                        <a:spcAft>
+                          <a:spcPts val="0"/>
+                        </a:spcAft>
+                        <a:buClrTx/>
+                        <a:buSzTx/>
+                        <a:buFontTx/>
+                        <a:buNone/>
+                        <a:tabLst/>
+                        <a:defRPr/>
+                      </a:pPr>
+                      <a:r>
+                        <a:rPr lang="en-US" altLang="ja-JP" sz="1000" kern="100" dirty="0">
+                          <a:effectLst/>
+                          <a:latin typeface="Century" panose="02040604050505020304" pitchFamily="18" charset="0"/>
+                          <a:ea typeface="ＭＳ 明朝" panose="02020609040205080304" pitchFamily="17" charset="-128"/>
+                          <a:cs typeface="Times New Roman" panose="02020603050405020304" pitchFamily="18" charset="0"/>
+                        </a:rPr>
+                        <a:t>1.11.0</a:t>
+                      </a:r>
+                      <a:endParaRPr lang="ja-JP" altLang="ja-JP" sz="1000" kern="100" dirty="0">
+                        <a:effectLst/>
+                        <a:latin typeface="Century" panose="02040604050505020304" pitchFamily="18" charset="0"/>
+                        <a:ea typeface="ＭＳ 明朝" panose="02020609040205080304" pitchFamily="17" charset="-128"/>
+                        <a:cs typeface="Times New Roman" panose="02020603050405020304" pitchFamily="18" charset="0"/>
+                      </a:endParaRPr>
+                    </a:p>
+                  </a:txBody>
+                  <a:tcPr marL="68580" marR="68580" marT="0" marB="0" anchor="ctr"/>
+                </a:tc>
+                <a:tc>
+                  <a:txBody>
+                    <a:bodyPr/>
+                    <a:lstStyle/>
+                    <a:p>
+                      <a:pPr algn="just">
+                        <a:spcAft>
+                          <a:spcPts val="0"/>
+                        </a:spcAft>
+                      </a:pPr>
+                      <a:r>
+                        <a:rPr lang="en-US" altLang="ja-JP" sz="1050" kern="100" dirty="0" err="1">
+                          <a:effectLst/>
+                        </a:rPr>
+                        <a:t>terraformcli</a:t>
+                      </a:r>
+                      <a:r>
+                        <a:rPr lang="en-US" altLang="ja-JP" sz="1050" kern="100" dirty="0">
+                          <a:effectLst/>
+                        </a:rPr>
+                        <a:t>-driver</a:t>
+                      </a:r>
+                      <a:endParaRPr lang="ja-JP" sz="1050" kern="100" dirty="0">
+                        <a:effectLst/>
+                        <a:latin typeface="Century" panose="02040604050505020304" pitchFamily="18" charset="0"/>
+                        <a:ea typeface="ＭＳ 明朝" panose="02020609040205080304" pitchFamily="17" charset="-128"/>
+                        <a:cs typeface="Times New Roman" panose="02020603050405020304" pitchFamily="18" charset="0"/>
+                      </a:endParaRPr>
+                    </a:p>
+                  </a:txBody>
+                  <a:tcPr marL="68580" marR="68580" marT="0" marB="0" anchor="ctr"/>
+                </a:tc>
+                <a:tc>
+                  <a:txBody>
+                    <a:bodyPr/>
+                    <a:lstStyle/>
+                    <a:p>
+                      <a:pPr algn="just">
+                        <a:spcAft>
+                          <a:spcPts val="0"/>
+                        </a:spcAft>
+                      </a:pPr>
+                      <a:r>
+                        <a:rPr lang="en-US" altLang="ja-JP" sz="1050" kern="100" dirty="0">
+                          <a:effectLst/>
+                          <a:latin typeface="+mn-lt"/>
+                          <a:ea typeface="+mn-ea"/>
+                          <a:cs typeface="+mn-cs"/>
+                        </a:rPr>
+                        <a:t>terraform</a:t>
+                      </a:r>
+                      <a:endParaRPr lang="ja-JP" sz="1050" kern="100" dirty="0">
+                        <a:effectLst/>
+                        <a:latin typeface="Century" panose="02040604050505020304" pitchFamily="18" charset="0"/>
+                        <a:ea typeface="ＭＳ 明朝" panose="02020609040205080304" pitchFamily="17" charset="-128"/>
+                        <a:cs typeface="Times New Roman" panose="02020603050405020304" pitchFamily="18" charset="0"/>
+                      </a:endParaRPr>
+                    </a:p>
+                  </a:txBody>
+                  <a:tcPr marL="68580" marR="68580" marT="0" marB="0" anchor="ctr"/>
+                </a:tc>
+                <a:tc>
+                  <a:txBody>
+                    <a:bodyPr/>
+                    <a:lstStyle/>
+                    <a:p>
+                      <a:pPr algn="just">
+                        <a:spcAft>
+                          <a:spcPts val="0"/>
+                        </a:spcAft>
+                      </a:pPr>
+                      <a:r>
+                        <a:rPr lang="en-US" altLang="ja-JP" sz="1050" kern="100" dirty="0">
+                          <a:effectLst/>
+                          <a:latin typeface="Segoe UI" panose="020B0502040204020203" pitchFamily="34" charset="0"/>
+                          <a:ea typeface="ＭＳ 明朝" panose="02020609040205080304" pitchFamily="17" charset="-128"/>
+                          <a:cs typeface="Segoe UI" panose="020B0502040204020203" pitchFamily="34" charset="0"/>
+                        </a:rPr>
+                        <a:t>yum -y install terraform</a:t>
+                      </a:r>
+                      <a:endParaRPr lang="ja-JP" sz="1050" kern="100" dirty="0">
+                        <a:effectLst/>
+                        <a:latin typeface="Segoe UI" panose="020B0502040204020203" pitchFamily="34" charset="0"/>
+                        <a:ea typeface="ＭＳ 明朝" panose="02020609040205080304" pitchFamily="17" charset="-128"/>
+                        <a:cs typeface="Segoe UI" panose="020B0502040204020203" pitchFamily="34" charset="0"/>
+                      </a:endParaRPr>
+                    </a:p>
+                  </a:txBody>
+                  <a:tcPr marL="68580" marR="68580" marT="0" marB="0" anchor="ctr"/>
+                </a:tc>
+                <a:tc>
+                  <a:txBody>
+                    <a:bodyPr/>
+                    <a:lstStyle/>
+                    <a:p>
+                      <a:pPr algn="ctr">
+                        <a:spcAft>
+                          <a:spcPts val="0"/>
+                        </a:spcAft>
+                      </a:pPr>
+                      <a:r>
+                        <a:rPr lang="en-US" altLang="ja-JP" sz="1050" kern="100" dirty="0">
+                          <a:effectLst/>
+                        </a:rPr>
+                        <a:t>-</a:t>
+                      </a:r>
+                      <a:endParaRPr lang="ja-JP" sz="1050" kern="100" dirty="0">
+                        <a:effectLst/>
+                        <a:latin typeface="+mn-lt"/>
+                        <a:ea typeface="ＭＳ 明朝" panose="02020609040205080304" pitchFamily="17" charset="-128"/>
+                        <a:cs typeface="Segoe UI" panose="020B0502040204020203" pitchFamily="34" charset="0"/>
+                      </a:endParaRPr>
+                    </a:p>
+                  </a:txBody>
+                  <a:tcPr marL="68580" marR="68580" marT="0" marB="0" anchor="ctr"/>
+                </a:tc>
+                <a:tc>
+                  <a:txBody>
+                    <a:bodyPr/>
+                    <a:lstStyle/>
+                    <a:p>
+                      <a:pPr algn="just">
+                        <a:spcAft>
+                          <a:spcPts val="0"/>
+                        </a:spcAft>
+                      </a:pPr>
+                      <a:r>
+                        <a:rPr lang="en-US" altLang="ja-JP" sz="1050" kern="100" dirty="0">
+                          <a:effectLst/>
+                          <a:latin typeface="+mn-ea"/>
+                          <a:ea typeface="+mn-ea"/>
+                          <a:cs typeface="Segoe UI" panose="020B0502040204020203" pitchFamily="34" charset="0"/>
+                        </a:rPr>
+                        <a:t>terraform</a:t>
+                      </a:r>
+                      <a:r>
+                        <a:rPr lang="ja-JP" altLang="en-US" sz="1050" kern="100" dirty="0">
+                          <a:effectLst/>
+                          <a:latin typeface="+mn-ea"/>
+                          <a:ea typeface="+mn-ea"/>
+                          <a:cs typeface="Segoe UI" panose="020B0502040204020203" pitchFamily="34" charset="0"/>
+                        </a:rPr>
+                        <a:t>コマンド実行に使用</a:t>
+                      </a:r>
+                      <a:endParaRPr lang="ja-JP" sz="1050" kern="100" dirty="0">
+                        <a:effectLst/>
+                        <a:latin typeface="+mn-ea"/>
+                        <a:ea typeface="+mn-ea"/>
+                        <a:cs typeface="Segoe UI" panose="020B0502040204020203" pitchFamily="34" charset="0"/>
+                      </a:endParaRPr>
+                    </a:p>
+                  </a:txBody>
+                  <a:tcPr marL="68580" marR="68580" marT="0" marB="0" anchor="ctr"/>
+                </a:tc>
+                <a:extLst>
+                  <a:ext uri="{0D108BD9-81ED-4DB2-BD59-A6C34878D82A}">
+                    <a16:rowId xmlns:a16="http://schemas.microsoft.com/office/drawing/2014/main" val="4118503619"/>
                   </a:ext>
                 </a:extLst>
               </a:tr>

--- a/asset/Learn_ja/ITA-version-up_ja.pptx
+++ b/asset/Learn_ja/ITA-version-up_ja.pptx
@@ -6,10 +6,10 @@
     <p:sldMasterId id="2147483703" r:id="rId2"/>
   </p:sldMasterIdLst>
   <p:notesMasterIdLst>
-    <p:notesMasterId r:id="rId25"/>
+    <p:notesMasterId r:id="rId27"/>
   </p:notesMasterIdLst>
   <p:handoutMasterIdLst>
-    <p:handoutMasterId r:id="rId26"/>
+    <p:handoutMasterId r:id="rId28"/>
   </p:handoutMasterIdLst>
   <p:sldIdLst>
     <p:sldId id="262" r:id="rId3"/>
@@ -30,10 +30,12 @@
     <p:sldId id="537" r:id="rId18"/>
     <p:sldId id="539" r:id="rId19"/>
     <p:sldId id="540" r:id="rId20"/>
-    <p:sldId id="524" r:id="rId21"/>
-    <p:sldId id="527" r:id="rId22"/>
-    <p:sldId id="538" r:id="rId23"/>
-    <p:sldId id="318" r:id="rId24"/>
+    <p:sldId id="557" r:id="rId21"/>
+    <p:sldId id="558" r:id="rId22"/>
+    <p:sldId id="524" r:id="rId23"/>
+    <p:sldId id="527" r:id="rId24"/>
+    <p:sldId id="538" r:id="rId25"/>
+    <p:sldId id="318" r:id="rId26"/>
   </p:sldIdLst>
   <p:sldSz cx="9144000" cy="6858000" type="screen4x3"/>
   <p:notesSz cx="6807200" cy="9939338"/>
@@ -168,6 +170,8 @@
             <p14:sldId id="537"/>
             <p14:sldId id="539"/>
             <p14:sldId id="540"/>
+            <p14:sldId id="557"/>
+            <p14:sldId id="558"/>
           </p14:sldIdLst>
         </p14:section>
         <p14:section name="4.　ITA動作確認" id="{997E25C5-536A-441F-84BA-3CB1FBC6F6F3}">
@@ -324,7 +328,7 @@
               <a:rPr kumimoji="1" lang="ja-JP" altLang="en-US" smtClean="0">
                 <a:ea typeface="メイリオ" panose="020B0604030504040204" pitchFamily="50" charset="-128"/>
               </a:rPr>
-              <a:t>2023/1/13</a:t>
+              <a:t>2023/7/19</a:t>
             </a:fld>
             <a:endParaRPr kumimoji="1" lang="ja-JP" altLang="en-US" dirty="0">
               <a:ea typeface="メイリオ" panose="020B0604030504040204" pitchFamily="50" charset="-128"/>
@@ -470,7 +474,7 @@
             <a:fld id="{4B26993D-C081-44EB-B0F5-A9F467792B62}" type="datetimeFigureOut">
               <a:rPr lang="ja-JP" altLang="en-US" smtClean="0"/>
               <a:pPr/>
-              <a:t>2023/1/13</a:t>
+              <a:t>2023/7/19</a:t>
             </a:fld>
             <a:endParaRPr lang="ja-JP" altLang="en-US" dirty="0"/>
           </a:p>
@@ -1074,7 +1078,7 @@
           <a:p>
             <a:fld id="{56F9016B-CCA6-43BE-8BEE-59565A35F4F7}" type="datetimeFigureOut">
               <a:rPr kumimoji="1" lang="ja-JP" altLang="en-US" smtClean="0"/>
-              <a:t>2023/1/13</a:t>
+              <a:t>2023/7/19</a:t>
             </a:fld>
             <a:endParaRPr kumimoji="1" lang="ja-JP" altLang="en-US"/>
           </a:p>
@@ -1274,7 +1278,7 @@
           <a:p>
             <a:fld id="{56F9016B-CCA6-43BE-8BEE-59565A35F4F7}" type="datetimeFigureOut">
               <a:rPr kumimoji="1" lang="ja-JP" altLang="en-US" smtClean="0"/>
-              <a:t>2023/1/13</a:t>
+              <a:t>2023/7/19</a:t>
             </a:fld>
             <a:endParaRPr kumimoji="1" lang="ja-JP" altLang="en-US"/>
           </a:p>
@@ -1519,7 +1523,7 @@
           <a:p>
             <a:fld id="{56F9016B-CCA6-43BE-8BEE-59565A35F4F7}" type="datetimeFigureOut">
               <a:rPr kumimoji="1" lang="ja-JP" altLang="en-US" smtClean="0"/>
-              <a:t>2023/1/13</a:t>
+              <a:t>2023/7/19</a:t>
             </a:fld>
             <a:endParaRPr kumimoji="1" lang="ja-JP" altLang="en-US"/>
           </a:p>
@@ -1812,7 +1816,7 @@
           <a:p>
             <a:fld id="{56F9016B-CCA6-43BE-8BEE-59565A35F4F7}" type="datetimeFigureOut">
               <a:rPr kumimoji="1" lang="ja-JP" altLang="en-US" smtClean="0"/>
-              <a:t>2023/1/13</a:t>
+              <a:t>2023/7/19</a:t>
             </a:fld>
             <a:endParaRPr kumimoji="1" lang="ja-JP" altLang="en-US"/>
           </a:p>
@@ -2240,7 +2244,7 @@
           <a:p>
             <a:fld id="{56F9016B-CCA6-43BE-8BEE-59565A35F4F7}" type="datetimeFigureOut">
               <a:rPr kumimoji="1" lang="ja-JP" altLang="en-US" smtClean="0"/>
-              <a:t>2023/1/13</a:t>
+              <a:t>2023/7/19</a:t>
             </a:fld>
             <a:endParaRPr kumimoji="1" lang="ja-JP" altLang="en-US"/>
           </a:p>
@@ -2357,7 +2361,7 @@
           <a:p>
             <a:fld id="{56F9016B-CCA6-43BE-8BEE-59565A35F4F7}" type="datetimeFigureOut">
               <a:rPr kumimoji="1" lang="ja-JP" altLang="en-US" smtClean="0"/>
-              <a:t>2023/1/13</a:t>
+              <a:t>2023/7/19</a:t>
             </a:fld>
             <a:endParaRPr kumimoji="1" lang="ja-JP" altLang="en-US"/>
           </a:p>
@@ -2452,7 +2456,7 @@
           <a:p>
             <a:fld id="{56F9016B-CCA6-43BE-8BEE-59565A35F4F7}" type="datetimeFigureOut">
               <a:rPr kumimoji="1" lang="ja-JP" altLang="en-US" smtClean="0"/>
-              <a:t>2023/1/13</a:t>
+              <a:t>2023/7/19</a:t>
             </a:fld>
             <a:endParaRPr kumimoji="1" lang="ja-JP" altLang="en-US"/>
           </a:p>
@@ -2759,7 +2763,7 @@
           <a:p>
             <a:fld id="{56F9016B-CCA6-43BE-8BEE-59565A35F4F7}" type="datetimeFigureOut">
               <a:rPr kumimoji="1" lang="ja-JP" altLang="en-US" smtClean="0"/>
-              <a:t>2023/1/13</a:t>
+              <a:t>2023/7/19</a:t>
             </a:fld>
             <a:endParaRPr kumimoji="1" lang="ja-JP" altLang="en-US"/>
           </a:p>
@@ -3011,7 +3015,7 @@
           <a:p>
             <a:fld id="{56F9016B-CCA6-43BE-8BEE-59565A35F4F7}" type="datetimeFigureOut">
               <a:rPr kumimoji="1" lang="ja-JP" altLang="en-US" smtClean="0"/>
-              <a:t>2023/1/13</a:t>
+              <a:t>2023/7/19</a:t>
             </a:fld>
             <a:endParaRPr kumimoji="1" lang="ja-JP" altLang="en-US"/>
           </a:p>
@@ -3278,7 +3282,7 @@
           <a:p>
             <a:fld id="{56F9016B-CCA6-43BE-8BEE-59565A35F4F7}" type="datetimeFigureOut">
               <a:rPr kumimoji="1" lang="ja-JP" altLang="en-US" smtClean="0"/>
-              <a:t>2023/1/13</a:t>
+              <a:t>2023/7/19</a:t>
             </a:fld>
             <a:endParaRPr kumimoji="1" lang="ja-JP" altLang="en-US"/>
           </a:p>
@@ -3488,7 +3492,7 @@
           <a:p>
             <a:fld id="{56F9016B-CCA6-43BE-8BEE-59565A35F4F7}" type="datetimeFigureOut">
               <a:rPr kumimoji="1" lang="ja-JP" altLang="en-US" smtClean="0"/>
-              <a:t>2023/1/13</a:t>
+              <a:t>2023/7/19</a:t>
             </a:fld>
             <a:endParaRPr kumimoji="1" lang="ja-JP" altLang="en-US"/>
           </a:p>
@@ -6476,7 +6480,7 @@
           <a:p>
             <a:fld id="{56F9016B-CCA6-43BE-8BEE-59565A35F4F7}" type="datetimeFigureOut">
               <a:rPr kumimoji="1" lang="ja-JP" altLang="en-US" smtClean="0"/>
-              <a:t>2023/1/13</a:t>
+              <a:t>2023/7/19</a:t>
             </a:fld>
             <a:endParaRPr kumimoji="1" lang="ja-JP" altLang="en-US"/>
           </a:p>
@@ -7483,7 +7487,7 @@
             </a:r>
             <a:r>
               <a:rPr lang="en-US" altLang="ja-JP" dirty="0"/>
-              <a:t>1/9</a:t>
+              <a:t>1/11</a:t>
             </a:r>
             <a:r>
               <a:rPr lang="ja-JP" altLang="en-US" dirty="0"/>
@@ -8182,7 +8186,7 @@
           <a:p>
             <a:r>
               <a:rPr lang="en-US" altLang="ja-JP" dirty="0"/>
-              <a:t>3.4</a:t>
+              <a:t>3.3</a:t>
             </a:r>
             <a:r>
               <a:rPr lang="ja-JP" altLang="en-US" dirty="0"/>
@@ -8190,7 +8194,7 @@
             </a:r>
             <a:r>
               <a:rPr lang="en-US" altLang="ja-JP" dirty="0"/>
-              <a:t>2/9</a:t>
+              <a:t>2/11</a:t>
             </a:r>
             <a:r>
               <a:rPr lang="ja-JP" altLang="en-US" dirty="0"/>
@@ -10801,7 +10805,7 @@
           <a:p>
             <a:r>
               <a:rPr lang="en-US" altLang="ja-JP" dirty="0"/>
-              <a:t>3.5</a:t>
+              <a:t>3.3</a:t>
             </a:r>
             <a:r>
               <a:rPr lang="ja-JP" altLang="en-US" dirty="0"/>
@@ -10809,7 +10813,7 @@
             </a:r>
             <a:r>
               <a:rPr lang="en-US" altLang="ja-JP" dirty="0"/>
-              <a:t>3/9</a:t>
+              <a:t>3/11</a:t>
             </a:r>
             <a:r>
               <a:rPr lang="ja-JP" altLang="en-US" dirty="0"/>
@@ -11036,7 +11040,7 @@
           <a:p>
             <a:r>
               <a:rPr lang="en-US" altLang="ja-JP" dirty="0"/>
-              <a:t>3.6</a:t>
+              <a:t>3.3</a:t>
             </a:r>
             <a:r>
               <a:rPr lang="ja-JP" altLang="en-US" dirty="0"/>
@@ -11044,7 +11048,7 @@
             </a:r>
             <a:r>
               <a:rPr lang="en-US" altLang="ja-JP" dirty="0"/>
-              <a:t>4/9</a:t>
+              <a:t>4/11</a:t>
             </a:r>
             <a:r>
               <a:rPr lang="ja-JP" altLang="en-US" dirty="0"/>
@@ -14398,7 +14402,7 @@
           <a:p>
             <a:r>
               <a:rPr lang="en-US" altLang="ja-JP" dirty="0"/>
-              <a:t>3.7</a:t>
+              <a:t>3.3</a:t>
             </a:r>
             <a:r>
               <a:rPr lang="ja-JP" altLang="en-US" dirty="0"/>
@@ -14406,7 +14410,7 @@
             </a:r>
             <a:r>
               <a:rPr lang="en-US" altLang="ja-JP" dirty="0"/>
-              <a:t>5/9</a:t>
+              <a:t>5/11</a:t>
             </a:r>
             <a:r>
               <a:rPr lang="ja-JP" altLang="en-US" dirty="0"/>
@@ -14731,7 +14735,7 @@
           <a:p>
             <a:r>
               <a:rPr lang="en-US" altLang="ja-JP" dirty="0"/>
-              <a:t>3.8</a:t>
+              <a:t>3.3</a:t>
             </a:r>
             <a:r>
               <a:rPr lang="ja-JP" altLang="en-US" dirty="0"/>
@@ -14739,7 +14743,7 @@
             </a:r>
             <a:r>
               <a:rPr lang="en-US" altLang="ja-JP" dirty="0"/>
-              <a:t>6/9</a:t>
+              <a:t>6/11</a:t>
             </a:r>
             <a:r>
               <a:rPr lang="ja-JP" altLang="en-US" dirty="0"/>
@@ -17964,7 +17968,7 @@
           <a:p>
             <a:r>
               <a:rPr lang="en-US" altLang="ja-JP" dirty="0"/>
-              <a:t>3.9</a:t>
+              <a:t>3.3</a:t>
             </a:r>
             <a:r>
               <a:rPr lang="ja-JP" altLang="en-US" dirty="0"/>
@@ -17972,7 +17976,7 @@
             </a:r>
             <a:r>
               <a:rPr lang="en-US" altLang="ja-JP" dirty="0"/>
-              <a:t>7/9</a:t>
+              <a:t>7/11</a:t>
             </a:r>
             <a:r>
               <a:rPr lang="ja-JP" altLang="en-US" dirty="0"/>
@@ -17991,14 +17995,14 @@
           <p:nvPr>
             <p:extLst>
               <p:ext uri="{D42A27DB-BD31-4B8C-83A1-F6EECF244321}">
-                <p14:modId xmlns:p14="http://schemas.microsoft.com/office/powerpoint/2010/main" val="1075211212"/>
+                <p14:modId xmlns:p14="http://schemas.microsoft.com/office/powerpoint/2010/main" val="4020922551"/>
               </p:ext>
             </p:extLst>
           </p:nvPr>
         </p:nvGraphicFramePr>
         <p:xfrm>
           <a:off x="179512" y="908650"/>
-          <a:ext cx="8819131" cy="2551551"/>
+          <a:ext cx="8819131" cy="2753860"/>
         </p:xfrm>
         <a:graphic>
           <a:graphicData uri="http://schemas.openxmlformats.org/drawingml/2006/table">
@@ -19615,11 +19619,8 @@
                         <a:defRPr/>
                       </a:pPr>
                       <a:r>
-                        <a:rPr lang="en-US" altLang="ja-JP" sz="1000" kern="100" dirty="0">
-                          <a:effectLst/>
-                          <a:latin typeface="Century" panose="02040604050505020304" pitchFamily="18" charset="0"/>
-                          <a:ea typeface="ＭＳ 明朝" panose="02020609040205080304" pitchFamily="17" charset="-128"/>
-                          <a:cs typeface="Times New Roman" panose="02020603050405020304" pitchFamily="18" charset="0"/>
+                        <a:rPr lang="en-US" altLang="ja-JP" sz="1000" kern="0" dirty="0">
+                          <a:effectLst/>
                         </a:rPr>
                         <a:t>1.11.0</a:t>
                       </a:r>
@@ -19790,6 +19791,141 @@
                 <a:extLst>
                   <a:ext uri="{0D108BD9-81ED-4DB2-BD59-A6C34878D82A}">
                     <a16:rowId xmlns:a16="http://schemas.microsoft.com/office/drawing/2014/main" val="4118503619"/>
+                  </a:ext>
+                </a:extLst>
+              </a:tr>
+              <a:tr h="202309">
+                <a:tc>
+                  <a:txBody>
+                    <a:bodyPr/>
+                    <a:lstStyle/>
+                    <a:p>
+                      <a:pPr marL="0" marR="0" lvl="0" indent="0" algn="just" defTabSz="914400" rtl="0" eaLnBrk="1" fontAlgn="auto" latinLnBrk="0" hangingPunct="1">
+                        <a:lnSpc>
+                          <a:spcPct val="100000"/>
+                        </a:lnSpc>
+                        <a:spcBef>
+                          <a:spcPts val="0"/>
+                        </a:spcBef>
+                        <a:spcAft>
+                          <a:spcPts val="0"/>
+                        </a:spcAft>
+                        <a:buClrTx/>
+                        <a:buSzTx/>
+                        <a:buFontTx/>
+                        <a:buNone/>
+                        <a:tabLst/>
+                        <a:defRPr/>
+                      </a:pPr>
+                      <a:r>
+                        <a:rPr lang="en-US" altLang="ja-JP" sz="1000" kern="0" dirty="0">
+                          <a:effectLst/>
+                        </a:rPr>
+                        <a:t>1.11.1</a:t>
+                      </a:r>
+                      <a:endParaRPr lang="ja-JP" altLang="ja-JP" sz="1000" kern="100" dirty="0">
+                        <a:effectLst/>
+                        <a:latin typeface="Century" panose="02040604050505020304" pitchFamily="18" charset="0"/>
+                        <a:ea typeface="ＭＳ 明朝" panose="02020609040205080304" pitchFamily="17" charset="-128"/>
+                        <a:cs typeface="Times New Roman" panose="02020603050405020304" pitchFamily="18" charset="0"/>
+                      </a:endParaRPr>
+                    </a:p>
+                  </a:txBody>
+                  <a:tcPr marL="68580" marR="68580" marT="0" marB="0" anchor="ctr"/>
+                </a:tc>
+                <a:tc gridSpan="5">
+                  <a:txBody>
+                    <a:bodyPr/>
+                    <a:lstStyle/>
+                    <a:p>
+                      <a:pPr marL="0" marR="0" lvl="0" indent="0" algn="ctr" defTabSz="914400" rtl="0" eaLnBrk="1" fontAlgn="auto" latinLnBrk="0" hangingPunct="1">
+                        <a:lnSpc>
+                          <a:spcPct val="100000"/>
+                        </a:lnSpc>
+                        <a:spcBef>
+                          <a:spcPts val="0"/>
+                        </a:spcBef>
+                        <a:spcAft>
+                          <a:spcPts val="0"/>
+                        </a:spcAft>
+                        <a:buClrTx/>
+                        <a:buSzTx/>
+                        <a:buFontTx/>
+                        <a:buNone/>
+                        <a:tabLst/>
+                        <a:defRPr/>
+                      </a:pPr>
+                      <a:r>
+                        <a:rPr lang="ja-JP" altLang="en-US" sz="1050" kern="100" dirty="0">
+                          <a:effectLst/>
+                        </a:rPr>
+                        <a:t>バージョン</a:t>
+                      </a:r>
+                      <a:r>
+                        <a:rPr lang="en-US" altLang="ja-JP" sz="1050" kern="100" dirty="0">
+                          <a:effectLst/>
+                        </a:rPr>
+                        <a:t>1.11.1</a:t>
+                      </a:r>
+                      <a:r>
+                        <a:rPr lang="ja-JP" altLang="en-US" sz="1050" kern="100" dirty="0">
+                          <a:effectLst/>
+                        </a:rPr>
+                        <a:t>で追加されたライブラリはありません。</a:t>
+                      </a:r>
+                      <a:endParaRPr lang="ja-JP" altLang="ja-JP" sz="1050" kern="100" dirty="0">
+                        <a:effectLst/>
+                        <a:latin typeface="+mn-ea"/>
+                        <a:ea typeface="+mn-ea"/>
+                        <a:cs typeface="Times New Roman" panose="02020603050405020304" pitchFamily="18" charset="0"/>
+                      </a:endParaRPr>
+                    </a:p>
+                  </a:txBody>
+                  <a:tcPr marL="68580" marR="68580" marT="0" marB="0" anchor="ctr"/>
+                </a:tc>
+                <a:tc hMerge="1">
+                  <a:txBody>
+                    <a:bodyPr/>
+                    <a:lstStyle/>
+                    <a:p>
+                      <a:endParaRPr kumimoji="1" lang="ja-JP" altLang="en-US"/>
+                    </a:p>
+                  </a:txBody>
+                  <a:tcPr/>
+                </a:tc>
+                <a:tc hMerge="1">
+                  <a:txBody>
+                    <a:bodyPr/>
+                    <a:lstStyle/>
+                    <a:p>
+                      <a:endParaRPr kumimoji="1" lang="ja-JP" altLang="en-US"/>
+                    </a:p>
+                  </a:txBody>
+                  <a:tcPr/>
+                </a:tc>
+                <a:tc hMerge="1">
+                  <a:txBody>
+                    <a:bodyPr/>
+                    <a:lstStyle/>
+                    <a:p>
+                      <a:endParaRPr kumimoji="1" lang="ja-JP" altLang="en-US"/>
+                    </a:p>
+                  </a:txBody>
+                  <a:tcPr/>
+                </a:tc>
+                <a:tc hMerge="1">
+                  <a:txBody>
+                    <a:bodyPr/>
+                    <a:lstStyle/>
+                    <a:p>
+                      <a:endParaRPr kumimoji="1" lang="ja-JP" altLang="en-US"/>
+                    </a:p>
+                  </a:txBody>
+                  <a:tcPr/>
+                </a:tc>
+                <a:extLst>
+                  <a:ext uri="{0D108BD9-81ED-4DB2-BD59-A6C34878D82A}">
+                    <a16:rowId xmlns:a16="http://schemas.microsoft.com/office/drawing/2014/main" val="2562280391"/>
                   </a:ext>
                 </a:extLst>
               </a:tr>
@@ -19844,7 +19980,7 @@
           <a:p>
             <a:r>
               <a:rPr lang="en-US" altLang="ja-JP" dirty="0"/>
-              <a:t>3.10</a:t>
+              <a:t>3.3</a:t>
             </a:r>
             <a:r>
               <a:rPr lang="ja-JP" altLang="en-US" dirty="0"/>
@@ -19852,7 +19988,7 @@
             </a:r>
             <a:r>
               <a:rPr lang="en-US" altLang="ja-JP" dirty="0"/>
-              <a:t>8/9</a:t>
+              <a:t>8/11</a:t>
             </a:r>
             <a:r>
               <a:rPr lang="ja-JP" altLang="en-US" dirty="0"/>
@@ -20150,7 +20286,7 @@
           <a:p>
             <a:r>
               <a:rPr lang="en-US" altLang="ja-JP" dirty="0"/>
-              <a:t>3.11</a:t>
+              <a:t>3.3</a:t>
             </a:r>
             <a:r>
               <a:rPr lang="ja-JP" altLang="en-US" dirty="0"/>
@@ -20158,7 +20294,7 @@
             </a:r>
             <a:r>
               <a:rPr lang="en-US" altLang="ja-JP" dirty="0"/>
-              <a:t>9/9</a:t>
+              <a:t>9/11</a:t>
             </a:r>
             <a:r>
               <a:rPr lang="ja-JP" altLang="en-US" dirty="0"/>
@@ -20512,40 +20648,443 @@
             <p:ph type="title"/>
           </p:nvPr>
         </p:nvSpPr>
+        <p:spPr/>
+        <p:txBody>
+          <a:bodyPr/>
+          <a:lstStyle/>
+          <a:p>
+            <a:r>
+              <a:rPr lang="en-US" altLang="ja-JP" dirty="0"/>
+              <a:t>3.3</a:t>
+            </a:r>
+            <a:r>
+              <a:rPr lang="ja-JP" altLang="en-US" dirty="0"/>
+              <a:t>　バージョンアップ（</a:t>
+            </a:r>
+            <a:r>
+              <a:rPr lang="en-US" altLang="ja-JP" dirty="0"/>
+              <a:t>10/11</a:t>
+            </a:r>
+            <a:r>
+              <a:rPr lang="ja-JP" altLang="en-US" dirty="0"/>
+              <a:t>）</a:t>
+            </a:r>
+            <a:endParaRPr kumimoji="1" lang="ja-JP" altLang="en-US" dirty="0"/>
+          </a:p>
+        </p:txBody>
+      </p:sp>
+      <p:sp>
+        <p:nvSpPr>
+          <p:cNvPr id="3" name="コンテンツ プレースホルダー 2"/>
+          <p:cNvSpPr>
+            <a:spLocks noGrp="1"/>
+          </p:cNvSpPr>
+          <p:nvPr>
+            <p:ph sz="quarter" idx="10"/>
+          </p:nvPr>
+        </p:nvSpPr>
         <p:spPr>
           <a:xfrm>
-            <a:off x="179388" y="3045072"/>
-            <a:ext cx="8784000" cy="467239"/>
+            <a:off x="179512" y="836712"/>
+            <a:ext cx="8964487" cy="5616476"/>
           </a:xfrm>
         </p:spPr>
         <p:txBody>
-          <a:bodyPr/>
+          <a:bodyPr rIns="0">
+            <a:normAutofit/>
+          </a:bodyPr>
           <a:lstStyle/>
           <a:p>
             <a:r>
-              <a:rPr lang="en-US" altLang="ja-JP" dirty="0"/>
-              <a:t>4.</a:t>
-            </a:r>
-            <a:r>
-              <a:rPr lang="ja-JP" altLang="en-US" dirty="0"/>
-              <a:t>　</a:t>
-            </a:r>
-            <a:r>
-              <a:rPr lang="en-US" altLang="ja-JP" dirty="0"/>
+              <a:rPr lang="en-US" altLang="ja-JP" sz="2200" dirty="0">
+                <a:latin typeface="+mn-ea"/>
+              </a:rPr>
+              <a:t>MariaDB 11.0.2</a:t>
+            </a:r>
+            <a:r>
+              <a:rPr lang="ja-JP" altLang="en-US" sz="2200" dirty="0">
+                <a:latin typeface="+mn-ea"/>
+              </a:rPr>
+              <a:t>の仕様変更について</a:t>
+            </a:r>
+            <a:endParaRPr lang="en-US" altLang="ja-JP" sz="2200" dirty="0">
+              <a:latin typeface="+mn-ea"/>
+            </a:endParaRPr>
+          </a:p>
+          <a:p>
+            <a:pPr marL="0" indent="0">
+              <a:buNone/>
+            </a:pPr>
+            <a:endParaRPr lang="en-US" altLang="ja-JP" dirty="0">
+              <a:latin typeface="+mn-ea"/>
+            </a:endParaRPr>
+          </a:p>
+          <a:p>
+            <a:pPr marL="0" indent="0">
+              <a:buNone/>
+            </a:pPr>
+            <a:r>
+              <a:rPr lang="en-US" altLang="ja-JP" sz="1600" dirty="0">
+                <a:latin typeface="+mn-ea"/>
+              </a:rPr>
+              <a:t>2023</a:t>
+            </a:r>
+            <a:r>
+              <a:rPr lang="ja-JP" altLang="en-US" sz="1600" dirty="0">
+                <a:latin typeface="+mn-ea"/>
+              </a:rPr>
+              <a:t>年</a:t>
+            </a:r>
+            <a:r>
+              <a:rPr lang="en-US" altLang="ja-JP" sz="1600" dirty="0">
+                <a:latin typeface="+mn-ea"/>
+              </a:rPr>
+              <a:t>6</a:t>
+            </a:r>
+            <a:r>
+              <a:rPr lang="ja-JP" altLang="en-US" sz="1600" dirty="0">
+                <a:latin typeface="+mn-ea"/>
+              </a:rPr>
+              <a:t>月</a:t>
+            </a:r>
+            <a:r>
+              <a:rPr lang="en-US" altLang="ja-JP" sz="1600" dirty="0">
+                <a:latin typeface="+mn-ea"/>
+              </a:rPr>
+              <a:t>23</a:t>
+            </a:r>
+            <a:r>
+              <a:rPr lang="ja-JP" altLang="en-US" sz="1600" dirty="0">
+                <a:latin typeface="+mn-ea"/>
+              </a:rPr>
+              <a:t>日にリリースされた</a:t>
+            </a:r>
+            <a:r>
+              <a:rPr lang="en-US" altLang="ja-JP" sz="1600" dirty="0" err="1">
+                <a:latin typeface="+mn-ea"/>
+              </a:rPr>
+              <a:t>mariaDB</a:t>
+            </a:r>
+            <a:r>
+              <a:rPr lang="en-US" altLang="ja-JP" sz="1600" dirty="0">
+                <a:latin typeface="+mn-ea"/>
+              </a:rPr>
+              <a:t> 11.0.2</a:t>
+            </a:r>
+            <a:r>
+              <a:rPr lang="ja-JP" altLang="en-US" sz="1600" dirty="0">
+                <a:latin typeface="+mn-ea"/>
+              </a:rPr>
+              <a:t>にて「</a:t>
+            </a:r>
+            <a:r>
+              <a:rPr lang="en-US" altLang="ja-JP" sz="1600" dirty="0" err="1">
+                <a:latin typeface="+mn-ea"/>
+              </a:rPr>
+              <a:t>mysql</a:t>
+            </a:r>
+            <a:r>
+              <a:rPr lang="en-US" altLang="ja-JP" sz="1600" dirty="0">
+                <a:latin typeface="+mn-ea"/>
+              </a:rPr>
+              <a:t>*</a:t>
+            </a:r>
+            <a:r>
+              <a:rPr lang="ja-JP" altLang="en-US" sz="1600" dirty="0">
+                <a:latin typeface="+mn-ea"/>
+              </a:rPr>
+              <a:t>」コマンドが非推奨となり、 「</a:t>
+            </a:r>
+            <a:r>
+              <a:rPr lang="en-US" altLang="ja-JP" sz="1600" dirty="0" err="1">
+                <a:latin typeface="+mn-ea"/>
+              </a:rPr>
+              <a:t>mysql</a:t>
+            </a:r>
+            <a:r>
+              <a:rPr lang="en-US" altLang="ja-JP" sz="1600" dirty="0">
+                <a:latin typeface="+mn-ea"/>
+              </a:rPr>
+              <a:t>*</a:t>
+            </a:r>
+            <a:r>
+              <a:rPr lang="ja-JP" altLang="en-US" sz="1600" dirty="0">
+                <a:latin typeface="+mn-ea"/>
+              </a:rPr>
+              <a:t>」コマンド実行時に以下の警告が出力されるように仕様変更されました。</a:t>
+            </a:r>
+            <a:endParaRPr lang="en-US" altLang="ja-JP" sz="1600" dirty="0">
+              <a:latin typeface="+mn-ea"/>
+            </a:endParaRPr>
+          </a:p>
+          <a:p>
+            <a:pPr marL="0" indent="0">
+              <a:buNone/>
+            </a:pPr>
+            <a:r>
+              <a:rPr lang="en-US" altLang="ja-JP" sz="1200" i="1" dirty="0" err="1">
+                <a:solidFill>
+                  <a:srgbClr val="FF0000"/>
+                </a:solidFill>
+                <a:latin typeface="+mn-ea"/>
+              </a:rPr>
+              <a:t>mysql</a:t>
+            </a:r>
+            <a:r>
+              <a:rPr lang="en-US" altLang="ja-JP" sz="1200" i="1" dirty="0">
+                <a:solidFill>
+                  <a:srgbClr val="FF0000"/>
+                </a:solidFill>
+                <a:latin typeface="+mn-ea"/>
+              </a:rPr>
+              <a:t>: Deprecated program name. It will be removed in a future release, use '/</a:t>
+            </a:r>
+            <a:r>
+              <a:rPr lang="en-US" altLang="ja-JP" sz="1200" i="1" dirty="0" err="1">
+                <a:solidFill>
+                  <a:srgbClr val="FF0000"/>
+                </a:solidFill>
+                <a:latin typeface="+mn-ea"/>
+              </a:rPr>
+              <a:t>usr</a:t>
+            </a:r>
+            <a:r>
+              <a:rPr lang="en-US" altLang="ja-JP" sz="1200" i="1" dirty="0">
+                <a:solidFill>
+                  <a:srgbClr val="FF0000"/>
+                </a:solidFill>
+                <a:latin typeface="+mn-ea"/>
+              </a:rPr>
+              <a:t>/bin/</a:t>
+            </a:r>
+            <a:r>
+              <a:rPr lang="en-US" altLang="ja-JP" sz="1200" i="1" dirty="0" err="1">
+                <a:solidFill>
+                  <a:srgbClr val="FF0000"/>
+                </a:solidFill>
+                <a:latin typeface="+mn-ea"/>
+              </a:rPr>
+              <a:t>mariadb</a:t>
+            </a:r>
+            <a:r>
+              <a:rPr lang="en-US" altLang="ja-JP" sz="1200" i="1" dirty="0">
+                <a:solidFill>
+                  <a:srgbClr val="FF0000"/>
+                </a:solidFill>
+                <a:latin typeface="+mn-ea"/>
+              </a:rPr>
+              <a:t>' instead</a:t>
+            </a:r>
+          </a:p>
+          <a:p>
+            <a:pPr marL="0" indent="0">
+              <a:buNone/>
+            </a:pPr>
+            <a:endParaRPr lang="en-US" altLang="ja-JP" sz="2000" dirty="0">
+              <a:latin typeface="+mn-ea"/>
+            </a:endParaRPr>
+          </a:p>
+          <a:p>
+            <a:pPr marL="0" indent="0">
+              <a:buNone/>
+            </a:pPr>
+            <a:r>
+              <a:rPr lang="en-US" altLang="ja-JP" sz="1600" dirty="0">
+                <a:latin typeface="+mn-ea"/>
+              </a:rPr>
+              <a:t>ITA1.11.0</a:t>
+            </a:r>
+            <a:r>
+              <a:rPr lang="ja-JP" altLang="en-US" sz="1600" dirty="0">
+                <a:latin typeface="+mn-ea"/>
+              </a:rPr>
+              <a:t>までのインストーラでは「</a:t>
+            </a:r>
+            <a:r>
+              <a:rPr lang="en-US" altLang="ja-JP" sz="1600" dirty="0" err="1">
+                <a:latin typeface="+mn-ea"/>
+              </a:rPr>
+              <a:t>mysql</a:t>
+            </a:r>
+            <a:r>
+              <a:rPr lang="en-US" altLang="ja-JP" sz="1600" dirty="0">
+                <a:latin typeface="+mn-ea"/>
+              </a:rPr>
+              <a:t>*</a:t>
+            </a:r>
+            <a:r>
+              <a:rPr lang="ja-JP" altLang="en-US" sz="1600" dirty="0">
+                <a:latin typeface="+mn-ea"/>
+              </a:rPr>
+              <a:t>」コマンドを使用しているため、</a:t>
+            </a:r>
+            <a:r>
+              <a:rPr lang="en-US" altLang="ja-JP" sz="1600" dirty="0">
+                <a:latin typeface="+mn-ea"/>
+              </a:rPr>
+              <a:t> </a:t>
+            </a:r>
+          </a:p>
+          <a:p>
+            <a:pPr marL="0" indent="0">
+              <a:buNone/>
+            </a:pPr>
+            <a:r>
+              <a:rPr lang="ja-JP" altLang="en-US" sz="1600" dirty="0">
+                <a:latin typeface="+mn-ea"/>
+              </a:rPr>
+              <a:t>以下の条件の場合にバージョンアップが次ページのエラー出力例のように失敗します。</a:t>
+            </a:r>
+            <a:endParaRPr lang="en-US" altLang="ja-JP" sz="1600" dirty="0">
+              <a:latin typeface="+mn-ea"/>
+            </a:endParaRPr>
+          </a:p>
+          <a:p>
+            <a:pPr marL="0" indent="0">
+              <a:buNone/>
+            </a:pPr>
+            <a:r>
+              <a:rPr lang="ja-JP" altLang="en-US" sz="1600" dirty="0">
+                <a:latin typeface="+mn-ea"/>
+              </a:rPr>
+              <a:t>・</a:t>
+            </a:r>
+            <a:r>
+              <a:rPr lang="en-US" altLang="ja-JP" sz="1600" dirty="0">
+                <a:latin typeface="+mn-ea"/>
+              </a:rPr>
+              <a:t>MariaDB 11.0.2</a:t>
+            </a:r>
+            <a:r>
+              <a:rPr lang="ja-JP" altLang="en-US" sz="1600" dirty="0">
+                <a:latin typeface="+mn-ea"/>
+              </a:rPr>
+              <a:t>以降を使用</a:t>
+            </a:r>
+            <a:endParaRPr lang="en-US" altLang="ja-JP" sz="1600" dirty="0">
+              <a:latin typeface="+mn-ea"/>
+            </a:endParaRPr>
+          </a:p>
+          <a:p>
+            <a:pPr marL="0" indent="0">
+              <a:buNone/>
+            </a:pPr>
+            <a:r>
+              <a:rPr kumimoji="1" lang="ja-JP" altLang="en-US" sz="1600" dirty="0">
+                <a:latin typeface="+mn-ea"/>
+              </a:rPr>
+              <a:t>・とある</a:t>
+            </a:r>
+            <a:r>
+              <a:rPr kumimoji="1" lang="en-US" altLang="ja-JP" sz="1600" dirty="0">
+                <a:latin typeface="+mn-ea"/>
+              </a:rPr>
               <a:t>ITA</a:t>
             </a:r>
             <a:r>
-              <a:rPr lang="ja-JP" altLang="en-US" dirty="0"/>
-              <a:t>動作確認</a:t>
-            </a:r>
-            <a:endParaRPr kumimoji="1" lang="ja-JP" altLang="en-US" dirty="0"/>
+              <a:rPr kumimoji="1" lang="ja-JP" altLang="en-US" sz="1600" dirty="0">
+                <a:latin typeface="+mn-ea"/>
+              </a:rPr>
+              <a:t>のバージョンから</a:t>
+            </a:r>
+            <a:r>
+              <a:rPr kumimoji="1" lang="en-US" altLang="ja-JP" sz="1600" dirty="0">
+                <a:latin typeface="+mn-ea"/>
+              </a:rPr>
+              <a:t>1.11.0</a:t>
+            </a:r>
+            <a:r>
+              <a:rPr kumimoji="1" lang="ja-JP" altLang="en-US" sz="1600" dirty="0">
+                <a:latin typeface="+mn-ea"/>
+              </a:rPr>
+              <a:t>以前のバージョンにバージョンアップ</a:t>
+            </a:r>
+            <a:endParaRPr kumimoji="1" lang="en-US" altLang="ja-JP" sz="1600" dirty="0"/>
+          </a:p>
+          <a:p>
+            <a:pPr marL="0" indent="0">
+              <a:buNone/>
+            </a:pPr>
+            <a:endParaRPr lang="en-US" altLang="ja-JP" sz="1600" dirty="0">
+              <a:latin typeface="+mn-ea"/>
+            </a:endParaRPr>
+          </a:p>
+          <a:p>
+            <a:pPr marL="0" indent="0">
+              <a:buNone/>
+            </a:pPr>
+            <a:r>
+              <a:rPr lang="ja-JP" altLang="en-US" sz="1600" dirty="0">
+                <a:latin typeface="+mn-ea"/>
+              </a:rPr>
+              <a:t>上記条件でバージョンアップを行う場合は、次ページの修正を行ってからバージョンアップの実施をお願いします。</a:t>
+            </a:r>
+            <a:endParaRPr lang="en-US" altLang="ja-JP" sz="1600" dirty="0">
+              <a:latin typeface="+mn-ea"/>
+            </a:endParaRPr>
+          </a:p>
+          <a:p>
+            <a:pPr marL="0" indent="0">
+              <a:buNone/>
+            </a:pPr>
+            <a:endParaRPr lang="en-US" altLang="ja-JP" sz="1600" dirty="0">
+              <a:latin typeface="+mn-ea"/>
+            </a:endParaRPr>
+          </a:p>
+          <a:p>
+            <a:pPr marL="0" indent="0">
+              <a:buNone/>
+            </a:pPr>
+            <a:r>
+              <a:rPr lang="en-US" altLang="ja-JP" sz="1600" dirty="0">
+                <a:latin typeface="+mn-ea"/>
+              </a:rPr>
+              <a:t>ITA1.11.1</a:t>
+            </a:r>
+            <a:r>
+              <a:rPr lang="ja-JP" altLang="en-US" sz="1600" dirty="0">
+                <a:latin typeface="+mn-ea"/>
+              </a:rPr>
+              <a:t>以降では修正済みなので、</a:t>
+            </a:r>
+            <a:r>
+              <a:rPr lang="en-US" altLang="ja-JP" sz="1600" dirty="0">
+                <a:latin typeface="+mn-ea"/>
+              </a:rPr>
+              <a:t> ITA1.11.1</a:t>
+            </a:r>
+            <a:r>
+              <a:rPr lang="ja-JP" altLang="en-US" sz="1600" dirty="0">
+                <a:latin typeface="+mn-ea"/>
+              </a:rPr>
+              <a:t>以降にバージョンアップする場合は問題ありません。</a:t>
+            </a:r>
+            <a:endParaRPr lang="en-US" altLang="ja-JP" sz="1600" dirty="0">
+              <a:latin typeface="+mn-ea"/>
+            </a:endParaRPr>
+          </a:p>
+          <a:p>
+            <a:pPr marL="0" indent="0">
+              <a:buNone/>
+            </a:pPr>
+            <a:endParaRPr lang="en-US" altLang="ja-JP" sz="1600" dirty="0">
+              <a:latin typeface="+mn-ea"/>
+            </a:endParaRPr>
+          </a:p>
+          <a:p>
+            <a:pPr marL="180000" lvl="1" indent="0">
+              <a:buNone/>
+            </a:pPr>
+            <a:endParaRPr lang="en-US" altLang="ja-JP" sz="1700" dirty="0">
+              <a:latin typeface="+mn-ea"/>
+            </a:endParaRPr>
           </a:p>
         </p:txBody>
       </p:sp>
     </p:spTree>
     <p:extLst>
       <p:ext uri="{BB962C8B-B14F-4D97-AF65-F5344CB8AC3E}">
-        <p14:creationId xmlns:p14="http://schemas.microsoft.com/office/powerpoint/2010/main" val="3066568291"/>
+        <p14:creationId xmlns:p14="http://schemas.microsoft.com/office/powerpoint/2010/main" val="2841284417"/>
       </p:ext>
     </p:extLst>
   </p:cSld>
@@ -20757,19 +21296,21 @@
               <a:rPr lang="ja-JP" altLang="en-US" sz="1400" dirty="0">
                 <a:latin typeface="+mn-ea"/>
               </a:rPr>
-              <a:t>　 事前準備（</a:t>
-            </a:r>
+              <a:t>　 事前準備</a:t>
+            </a:r>
+          </a:p>
+          <a:p>
             <a:r>
               <a:rPr lang="en-US" altLang="ja-JP" sz="1400" dirty="0">
                 <a:latin typeface="+mn-ea"/>
               </a:rPr>
-              <a:t>1/1</a:t>
+              <a:t>    3.2    ITA</a:t>
             </a:r>
             <a:r>
               <a:rPr lang="ja-JP" altLang="en-US" sz="1400" dirty="0">
                 <a:latin typeface="+mn-ea"/>
               </a:rPr>
-              <a:t>）</a:t>
+              <a:t>バージョンアップフロー</a:t>
             </a:r>
           </a:p>
           <a:p>
@@ -20777,359 +21318,21 @@
               <a:rPr lang="en-US" altLang="ja-JP" sz="1400" dirty="0">
                 <a:latin typeface="+mn-ea"/>
               </a:rPr>
-              <a:t>    3.2    ITA</a:t>
+              <a:t>    3.3</a:t>
             </a:r>
             <a:r>
               <a:rPr lang="ja-JP" altLang="en-US" sz="1400" dirty="0">
                 <a:latin typeface="+mn-ea"/>
               </a:rPr>
-              <a:t>バージョンアップフロー</a:t>
-            </a:r>
-          </a:p>
-          <a:p>
-            <a:r>
-              <a:rPr lang="en-US" altLang="ja-JP" sz="1400" dirty="0">
-                <a:latin typeface="+mn-ea"/>
-              </a:rPr>
-              <a:t>    3.3</a:t>
-            </a:r>
-            <a:r>
-              <a:rPr lang="ja-JP" altLang="en-US" sz="1400" dirty="0">
-                <a:latin typeface="+mn-ea"/>
-              </a:rPr>
               <a:t>　</a:t>
             </a:r>
             <a:r>
               <a:rPr lang="ja-JP" altLang="en-US" sz="1400" dirty="0"/>
               <a:t>バージョンアップ</a:t>
             </a:r>
-            <a:r>
-              <a:rPr lang="ja-JP" altLang="en-US" sz="1400" dirty="0">
-                <a:latin typeface="+mn-ea"/>
-              </a:rPr>
-              <a:t>（</a:t>
-            </a:r>
-            <a:r>
-              <a:rPr lang="en-US" altLang="ja-JP" sz="1400" dirty="0">
-                <a:latin typeface="+mn-ea"/>
-              </a:rPr>
-              <a:t>1/9</a:t>
-            </a:r>
-            <a:r>
-              <a:rPr lang="ja-JP" altLang="en-US" sz="1400" dirty="0">
-                <a:latin typeface="+mn-ea"/>
-              </a:rPr>
-              <a:t>）</a:t>
-            </a:r>
-          </a:p>
-          <a:p>
-            <a:r>
-              <a:rPr lang="en-US" altLang="ja-JP" sz="1400" dirty="0">
-                <a:latin typeface="+mn-ea"/>
-              </a:rPr>
-              <a:t>    3.4</a:t>
-            </a:r>
-            <a:r>
-              <a:rPr lang="ja-JP" altLang="en-US" sz="1400" dirty="0">
-                <a:latin typeface="+mn-ea"/>
-              </a:rPr>
-              <a:t>　</a:t>
-            </a:r>
-            <a:r>
-              <a:rPr lang="ja-JP" altLang="en-US" sz="1400" dirty="0"/>
-              <a:t>バージョンアップ</a:t>
-            </a:r>
-            <a:r>
-              <a:rPr lang="ja-JP" altLang="en-US" sz="1400" dirty="0">
-                <a:latin typeface="+mn-ea"/>
-              </a:rPr>
-              <a:t>（</a:t>
-            </a:r>
-            <a:r>
-              <a:rPr lang="en-US" altLang="ja-JP" sz="1400" dirty="0">
-                <a:latin typeface="+mn-ea"/>
-              </a:rPr>
-              <a:t>2/9</a:t>
-            </a:r>
-            <a:r>
-              <a:rPr lang="ja-JP" altLang="en-US" sz="1400" dirty="0">
-                <a:latin typeface="+mn-ea"/>
-              </a:rPr>
-              <a:t>）</a:t>
-            </a:r>
-          </a:p>
-          <a:p>
-            <a:r>
-              <a:rPr lang="en-US" altLang="ja-JP" sz="1400" dirty="0">
-                <a:latin typeface="+mn-ea"/>
-              </a:rPr>
-              <a:t>    3.5</a:t>
-            </a:r>
-            <a:r>
-              <a:rPr lang="ja-JP" altLang="en-US" sz="1400" dirty="0">
-                <a:latin typeface="+mn-ea"/>
-              </a:rPr>
-              <a:t>　</a:t>
-            </a:r>
-            <a:r>
-              <a:rPr lang="ja-JP" altLang="en-US" sz="1400" dirty="0"/>
-              <a:t>バージョンアップ</a:t>
-            </a:r>
-            <a:r>
-              <a:rPr lang="ja-JP" altLang="en-US" sz="1400" dirty="0">
-                <a:latin typeface="+mn-ea"/>
-              </a:rPr>
-              <a:t>（</a:t>
-            </a:r>
-            <a:r>
-              <a:rPr lang="en-US" altLang="ja-JP" sz="1400" dirty="0">
-                <a:latin typeface="+mn-ea"/>
-              </a:rPr>
-              <a:t>3/9</a:t>
-            </a:r>
-            <a:r>
-              <a:rPr lang="ja-JP" altLang="en-US" sz="1400" dirty="0">
-                <a:latin typeface="+mn-ea"/>
-              </a:rPr>
-              <a:t>）</a:t>
-            </a:r>
-          </a:p>
-          <a:p>
-            <a:r>
-              <a:rPr lang="en-US" altLang="ja-JP" sz="1400" dirty="0">
-                <a:latin typeface="+mn-ea"/>
-              </a:rPr>
-              <a:t>    3.6</a:t>
-            </a:r>
-            <a:r>
-              <a:rPr lang="ja-JP" altLang="en-US" sz="1400" dirty="0">
-                <a:latin typeface="+mn-ea"/>
-              </a:rPr>
-              <a:t>　</a:t>
-            </a:r>
-            <a:r>
-              <a:rPr lang="ja-JP" altLang="en-US" sz="1400" dirty="0"/>
-              <a:t>バージョンアップ</a:t>
-            </a:r>
-            <a:r>
-              <a:rPr lang="ja-JP" altLang="en-US" sz="1400" dirty="0">
-                <a:latin typeface="+mn-ea"/>
-              </a:rPr>
-              <a:t>（</a:t>
-            </a:r>
-            <a:r>
-              <a:rPr lang="en-US" altLang="ja-JP" sz="1400" dirty="0">
-                <a:latin typeface="+mn-ea"/>
-              </a:rPr>
-              <a:t>4/9</a:t>
-            </a:r>
-            <a:r>
-              <a:rPr lang="ja-JP" altLang="en-US" sz="1400" dirty="0">
-                <a:latin typeface="+mn-ea"/>
-              </a:rPr>
-              <a:t>）</a:t>
-            </a:r>
-          </a:p>
-          <a:p>
-            <a:r>
-              <a:rPr lang="en-US" altLang="ja-JP" sz="1400" dirty="0">
-                <a:latin typeface="+mn-ea"/>
-              </a:rPr>
-              <a:t>    3.7</a:t>
-            </a:r>
-            <a:r>
-              <a:rPr lang="ja-JP" altLang="en-US" sz="1400" dirty="0">
-                <a:latin typeface="+mn-ea"/>
-              </a:rPr>
-              <a:t>　</a:t>
-            </a:r>
-            <a:r>
-              <a:rPr lang="ja-JP" altLang="en-US" sz="1400" dirty="0"/>
-              <a:t>バージョンアップ</a:t>
-            </a:r>
-            <a:r>
-              <a:rPr lang="ja-JP" altLang="en-US" sz="1400" dirty="0">
-                <a:latin typeface="+mn-ea"/>
-              </a:rPr>
-              <a:t>（</a:t>
-            </a:r>
-            <a:r>
-              <a:rPr lang="en-US" altLang="ja-JP" sz="1400" dirty="0">
-                <a:latin typeface="+mn-ea"/>
-              </a:rPr>
-              <a:t>5/9</a:t>
-            </a:r>
-            <a:r>
-              <a:rPr lang="ja-JP" altLang="en-US" sz="1400" dirty="0">
-                <a:latin typeface="+mn-ea"/>
-              </a:rPr>
-              <a:t>）</a:t>
-            </a:r>
-            <a:endParaRPr lang="en-US" altLang="ja-JP" sz="1400" dirty="0">
+            <a:endParaRPr lang="ja-JP" altLang="en-US" sz="1400" dirty="0">
               <a:latin typeface="+mn-ea"/>
             </a:endParaRPr>
-          </a:p>
-          <a:p>
-            <a:r>
-              <a:rPr lang="ja-JP" altLang="en-US" sz="1400" dirty="0">
-                <a:latin typeface="+mn-ea"/>
-              </a:rPr>
-              <a:t>　 </a:t>
-            </a:r>
-            <a:r>
-              <a:rPr lang="en-US" altLang="ja-JP" sz="1400" dirty="0">
-                <a:latin typeface="+mn-ea"/>
-              </a:rPr>
-              <a:t>3.8</a:t>
-            </a:r>
-            <a:r>
-              <a:rPr lang="ja-JP" altLang="en-US" sz="1400" dirty="0">
-                <a:latin typeface="+mn-ea"/>
-              </a:rPr>
-              <a:t>　</a:t>
-            </a:r>
-            <a:r>
-              <a:rPr lang="ja-JP" altLang="en-US" sz="1400" dirty="0"/>
-              <a:t>バージョンアップ</a:t>
-            </a:r>
-            <a:r>
-              <a:rPr lang="ja-JP" altLang="en-US" sz="1400" dirty="0">
-                <a:latin typeface="+mn-ea"/>
-              </a:rPr>
-              <a:t>（</a:t>
-            </a:r>
-            <a:r>
-              <a:rPr lang="en-US" altLang="ja-JP" sz="1400" dirty="0">
-                <a:latin typeface="+mn-ea"/>
-              </a:rPr>
-              <a:t>6/9</a:t>
-            </a:r>
-            <a:r>
-              <a:rPr lang="ja-JP" altLang="en-US" sz="1400" dirty="0">
-                <a:latin typeface="+mn-ea"/>
-              </a:rPr>
-              <a:t>）</a:t>
-            </a:r>
-          </a:p>
-          <a:p>
-            <a:r>
-              <a:rPr lang="ja-JP" altLang="en-US" sz="1400" dirty="0">
-                <a:latin typeface="+mn-ea"/>
-              </a:rPr>
-              <a:t> 　</a:t>
-            </a:r>
-            <a:r>
-              <a:rPr lang="en-US" altLang="ja-JP" sz="1400" dirty="0">
-                <a:latin typeface="+mn-ea"/>
-              </a:rPr>
-              <a:t>3.9</a:t>
-            </a:r>
-            <a:r>
-              <a:rPr lang="ja-JP" altLang="en-US" sz="1400" dirty="0">
-                <a:latin typeface="+mn-ea"/>
-              </a:rPr>
-              <a:t>　</a:t>
-            </a:r>
-            <a:r>
-              <a:rPr lang="ja-JP" altLang="en-US" sz="1400" dirty="0"/>
-              <a:t>バージョンアップ</a:t>
-            </a:r>
-            <a:r>
-              <a:rPr lang="ja-JP" altLang="en-US" sz="1400" dirty="0">
-                <a:latin typeface="+mn-ea"/>
-              </a:rPr>
-              <a:t>（</a:t>
-            </a:r>
-            <a:r>
-              <a:rPr lang="en-US" altLang="ja-JP" sz="1400" dirty="0">
-                <a:latin typeface="+mn-ea"/>
-              </a:rPr>
-              <a:t>7/9</a:t>
-            </a:r>
-            <a:r>
-              <a:rPr lang="ja-JP" altLang="en-US" sz="1400" dirty="0">
-                <a:latin typeface="+mn-ea"/>
-              </a:rPr>
-              <a:t>）</a:t>
-            </a:r>
-          </a:p>
-          <a:p>
-            <a:r>
-              <a:rPr lang="ja-JP" altLang="en-US" sz="1400" dirty="0">
-                <a:latin typeface="+mn-ea"/>
-              </a:rPr>
-              <a:t> 　</a:t>
-            </a:r>
-            <a:r>
-              <a:rPr lang="en-US" altLang="ja-JP" sz="1400" dirty="0">
-                <a:latin typeface="+mn-ea"/>
-              </a:rPr>
-              <a:t>3.10 </a:t>
-            </a:r>
-            <a:r>
-              <a:rPr lang="ja-JP" altLang="en-US" sz="1400" dirty="0"/>
-              <a:t>バージョンアップ</a:t>
-            </a:r>
-            <a:r>
-              <a:rPr lang="ja-JP" altLang="en-US" sz="1400" dirty="0">
-                <a:latin typeface="+mn-ea"/>
-              </a:rPr>
-              <a:t>（</a:t>
-            </a:r>
-            <a:r>
-              <a:rPr lang="en-US" altLang="ja-JP" sz="1400" dirty="0">
-                <a:latin typeface="+mn-ea"/>
-              </a:rPr>
-              <a:t>8/9</a:t>
-            </a:r>
-            <a:r>
-              <a:rPr lang="ja-JP" altLang="en-US" sz="1400" dirty="0">
-                <a:latin typeface="+mn-ea"/>
-              </a:rPr>
-              <a:t>）</a:t>
-            </a:r>
-          </a:p>
-          <a:p>
-            <a:r>
-              <a:rPr lang="ja-JP" altLang="en-US" sz="1400" dirty="0">
-                <a:latin typeface="+mn-ea"/>
-              </a:rPr>
-              <a:t> 　</a:t>
-            </a:r>
-            <a:r>
-              <a:rPr lang="en-US" altLang="ja-JP" sz="1400" dirty="0">
-                <a:latin typeface="+mn-ea"/>
-              </a:rPr>
-              <a:t>3.11</a:t>
-            </a:r>
-            <a:r>
-              <a:rPr lang="ja-JP" altLang="en-US" sz="1400" dirty="0">
-                <a:latin typeface="+mn-ea"/>
-              </a:rPr>
-              <a:t> </a:t>
-            </a:r>
-            <a:r>
-              <a:rPr lang="ja-JP" altLang="en-US" sz="1400" dirty="0"/>
-              <a:t>バージョンアップ</a:t>
-            </a:r>
-            <a:r>
-              <a:rPr lang="ja-JP" altLang="en-US" sz="1400" dirty="0">
-                <a:latin typeface="+mn-ea"/>
-              </a:rPr>
-              <a:t>（</a:t>
-            </a:r>
-            <a:r>
-              <a:rPr lang="en-US" altLang="ja-JP" sz="1400" dirty="0">
-                <a:latin typeface="+mn-ea"/>
-              </a:rPr>
-              <a:t>9/9</a:t>
-            </a:r>
-            <a:r>
-              <a:rPr lang="ja-JP" altLang="en-US" sz="1400" dirty="0">
-                <a:latin typeface="+mn-ea"/>
-              </a:rPr>
-              <a:t>）</a:t>
-            </a:r>
           </a:p>
           <a:p>
             <a:endParaRPr lang="en-US" altLang="ja-JP" sz="1400" dirty="0">
@@ -21168,48 +21371,7 @@
               <a:rPr lang="zh-TW" altLang="en-US" sz="1400" dirty="0">
                 <a:latin typeface="+mn-ea"/>
               </a:rPr>
-              <a:t>　 動作確認（</a:t>
-            </a:r>
-            <a:r>
-              <a:rPr lang="en-US" altLang="zh-TW" sz="1400" dirty="0">
-                <a:latin typeface="+mn-ea"/>
-              </a:rPr>
-              <a:t>1/2</a:t>
-            </a:r>
-            <a:r>
-              <a:rPr lang="zh-TW" altLang="en-US" sz="1400" dirty="0">
-                <a:latin typeface="+mn-ea"/>
-              </a:rPr>
-              <a:t>）</a:t>
-            </a:r>
-            <a:endParaRPr lang="en-US" altLang="zh-TW" sz="1400" dirty="0">
-              <a:latin typeface="+mn-ea"/>
-            </a:endParaRPr>
-          </a:p>
-          <a:p>
-            <a:r>
-              <a:rPr lang="en-US" altLang="zh-TW" sz="1400" dirty="0">
-                <a:latin typeface="+mn-ea"/>
-              </a:rPr>
-              <a:t>    4.2</a:t>
-            </a:r>
-            <a:r>
-              <a:rPr lang="zh-TW" altLang="en-US" sz="1400" dirty="0">
-                <a:latin typeface="+mn-ea"/>
-              </a:rPr>
-              <a:t>　 動作確認（</a:t>
-            </a:r>
-            <a:r>
-              <a:rPr lang="en-US" altLang="zh-TW" sz="1400" dirty="0">
-                <a:latin typeface="+mn-ea"/>
-              </a:rPr>
-              <a:t>2/2</a:t>
-            </a:r>
-            <a:r>
-              <a:rPr lang="zh-TW" altLang="en-US" sz="1400" dirty="0">
-                <a:latin typeface="+mn-ea"/>
-              </a:rPr>
-              <a:t>）</a:t>
+              <a:t>　 動作確認</a:t>
             </a:r>
           </a:p>
         </p:txBody>
@@ -21228,6 +21390,510 @@
 </file>
 
 <file path=ppt/slides/slide20.xml><?xml version="1.0" encoding="utf-8"?>
+<p:sld xmlns:a="http://schemas.openxmlformats.org/drawingml/2006/main" xmlns:r="http://schemas.openxmlformats.org/officeDocument/2006/relationships" xmlns:p="http://schemas.openxmlformats.org/presentationml/2006/main">
+  <p:cSld>
+    <p:spTree>
+      <p:nvGrpSpPr>
+        <p:cNvPr id="1" name=""/>
+        <p:cNvGrpSpPr/>
+        <p:nvPr/>
+      </p:nvGrpSpPr>
+      <p:grpSpPr>
+        <a:xfrm>
+          <a:off x="0" y="0"/>
+          <a:ext cx="0" cy="0"/>
+          <a:chOff x="0" y="0"/>
+          <a:chExt cx="0" cy="0"/>
+        </a:xfrm>
+      </p:grpSpPr>
+      <p:sp>
+        <p:nvSpPr>
+          <p:cNvPr id="2" name="タイトル 1"/>
+          <p:cNvSpPr>
+            <a:spLocks noGrp="1"/>
+          </p:cNvSpPr>
+          <p:nvPr>
+            <p:ph type="title"/>
+          </p:nvPr>
+        </p:nvSpPr>
+        <p:spPr/>
+        <p:txBody>
+          <a:bodyPr/>
+          <a:lstStyle/>
+          <a:p>
+            <a:r>
+              <a:rPr lang="en-US" altLang="ja-JP" dirty="0"/>
+              <a:t>3.3</a:t>
+            </a:r>
+            <a:r>
+              <a:rPr lang="ja-JP" altLang="en-US" dirty="0"/>
+              <a:t>　バージョンアップ（</a:t>
+            </a:r>
+            <a:r>
+              <a:rPr lang="en-US" altLang="ja-JP" dirty="0"/>
+              <a:t>11/11</a:t>
+            </a:r>
+            <a:r>
+              <a:rPr lang="ja-JP" altLang="en-US" dirty="0"/>
+              <a:t>）</a:t>
+            </a:r>
+            <a:endParaRPr kumimoji="1" lang="ja-JP" altLang="en-US" dirty="0"/>
+          </a:p>
+        </p:txBody>
+      </p:sp>
+      <p:sp>
+        <p:nvSpPr>
+          <p:cNvPr id="3" name="コンテンツ プレースホルダー 2"/>
+          <p:cNvSpPr>
+            <a:spLocks noGrp="1"/>
+          </p:cNvSpPr>
+          <p:nvPr>
+            <p:ph sz="quarter" idx="10"/>
+          </p:nvPr>
+        </p:nvSpPr>
+        <p:spPr>
+          <a:xfrm>
+            <a:off x="179512" y="836712"/>
+            <a:ext cx="8964487" cy="5616476"/>
+          </a:xfrm>
+        </p:spPr>
+        <p:txBody>
+          <a:bodyPr rIns="0">
+            <a:normAutofit/>
+          </a:bodyPr>
+          <a:lstStyle/>
+          <a:p>
+            <a:pPr lvl="1"/>
+            <a:r>
+              <a:rPr lang="ja-JP" altLang="en-US" sz="1400" dirty="0"/>
+              <a:t>（参考）バージョンアップ時のエラー出力例</a:t>
+            </a:r>
+            <a:endParaRPr lang="en-US" altLang="ja-JP" sz="1800" dirty="0">
+              <a:latin typeface="+mn-ea"/>
+            </a:endParaRPr>
+          </a:p>
+          <a:p>
+            <a:pPr lvl="1"/>
+            <a:endParaRPr lang="en-US" altLang="ja-JP" sz="1400" dirty="0"/>
+          </a:p>
+          <a:p>
+            <a:pPr lvl="1"/>
+            <a:endParaRPr lang="en-US" altLang="ja-JP" sz="1400" dirty="0"/>
+          </a:p>
+          <a:p>
+            <a:pPr lvl="1"/>
+            <a:endParaRPr lang="en-US" altLang="ja-JP" sz="1400" dirty="0"/>
+          </a:p>
+          <a:p>
+            <a:pPr lvl="1"/>
+            <a:endParaRPr lang="en-US" altLang="ja-JP" sz="1400" dirty="0"/>
+          </a:p>
+          <a:p>
+            <a:pPr lvl="1"/>
+            <a:endParaRPr lang="en-US" altLang="ja-JP" sz="1400" dirty="0"/>
+          </a:p>
+          <a:p>
+            <a:pPr lvl="1"/>
+            <a:endParaRPr lang="en-US" altLang="ja-JP" sz="1400" dirty="0"/>
+          </a:p>
+          <a:p>
+            <a:pPr lvl="1"/>
+            <a:endParaRPr lang="en-US" altLang="ja-JP" sz="1400" dirty="0"/>
+          </a:p>
+          <a:p>
+            <a:pPr lvl="1"/>
+            <a:endParaRPr lang="en-US" altLang="ja-JP" sz="1400" dirty="0"/>
+          </a:p>
+          <a:p>
+            <a:pPr lvl="1"/>
+            <a:r>
+              <a:rPr lang="en-US" altLang="ja-JP" sz="1400" dirty="0"/>
+              <a:t>MariaDB 11.0.2</a:t>
+            </a:r>
+            <a:r>
+              <a:rPr lang="ja-JP" altLang="en-US" sz="1400" dirty="0"/>
+              <a:t>以降を使用、かつ</a:t>
+            </a:r>
+            <a:r>
+              <a:rPr lang="en-US" altLang="ja-JP" sz="1400" dirty="0"/>
+              <a:t>1.11.0</a:t>
+            </a:r>
+            <a:r>
+              <a:rPr lang="ja-JP" altLang="en-US" sz="1400" dirty="0"/>
+              <a:t>以前にバージョンアップする場合の修正</a:t>
+            </a:r>
+            <a:endParaRPr lang="en-US" altLang="ja-JP" sz="1400" dirty="0"/>
+          </a:p>
+          <a:p>
+            <a:pPr marL="180000" lvl="1" indent="0">
+              <a:buNone/>
+            </a:pPr>
+            <a:endParaRPr lang="en-US" altLang="ja-JP" sz="1800" dirty="0">
+              <a:latin typeface="+mn-ea"/>
+            </a:endParaRPr>
+          </a:p>
+          <a:p>
+            <a:pPr marL="180000" lvl="1" indent="0">
+              <a:buNone/>
+            </a:pPr>
+            <a:r>
+              <a:rPr lang="en-US" altLang="ja-JP" sz="1400" dirty="0"/>
+              <a:t>/(</a:t>
+            </a:r>
+            <a:r>
+              <a:rPr lang="ja-JP" altLang="en-US" sz="1400" dirty="0"/>
+              <a:t>インストール資材展開先</a:t>
+            </a:r>
+            <a:r>
+              <a:rPr lang="en-US" altLang="ja-JP" sz="1400" dirty="0"/>
+              <a:t>)/</a:t>
+            </a:r>
+            <a:r>
+              <a:rPr lang="en-US" altLang="ja-JP" sz="1400" kern="100" dirty="0"/>
+              <a:t>ita</a:t>
+            </a:r>
+            <a:r>
+              <a:rPr lang="en-US" altLang="ja-JP" sz="1400" dirty="0"/>
+              <a:t>_install_package/install_scripts/bin/ita_version_up.sh</a:t>
+            </a:r>
+          </a:p>
+          <a:p>
+            <a:pPr marL="180000" lvl="1" indent="0">
+              <a:buNone/>
+            </a:pPr>
+            <a:r>
+              <a:rPr lang="ja-JP" altLang="en-US" sz="1400" dirty="0"/>
+              <a:t>を以下のように修正して実行すれば正常に実行可能です。</a:t>
+            </a:r>
+            <a:endParaRPr lang="en-US" altLang="ja-JP" sz="1400" dirty="0"/>
+          </a:p>
+          <a:p>
+            <a:pPr marL="180000" lvl="1" indent="0">
+              <a:buNone/>
+            </a:pPr>
+            <a:endParaRPr lang="en-US" altLang="ja-JP" sz="1400" dirty="0"/>
+          </a:p>
+          <a:p>
+            <a:pPr marL="180000" lvl="1" indent="0">
+              <a:buNone/>
+            </a:pPr>
+            <a:r>
+              <a:rPr lang="en-US" altLang="ja-JP" sz="1400" dirty="0"/>
+              <a:t>ITA1.11.0</a:t>
+            </a:r>
+            <a:r>
+              <a:rPr lang="ja-JP" altLang="en-US" sz="1400" dirty="0"/>
+              <a:t>の修正例</a:t>
+            </a:r>
+            <a:endParaRPr lang="en-US" altLang="ja-JP" sz="1400" dirty="0"/>
+          </a:p>
+          <a:p>
+            <a:pPr marL="180000" lvl="1" indent="0">
+              <a:buNone/>
+            </a:pPr>
+            <a:r>
+              <a:rPr lang="en-US" altLang="ja-JP" sz="1400" dirty="0"/>
+              <a:t>618</a:t>
+            </a:r>
+            <a:r>
+              <a:rPr lang="ja-JP" altLang="en-US" sz="1400" dirty="0"/>
+              <a:t>行目（バージョンによって行数が異なる可能性があります）</a:t>
+            </a:r>
+            <a:endParaRPr lang="en-US" altLang="ja-JP" sz="1400" dirty="0"/>
+          </a:p>
+        </p:txBody>
+      </p:sp>
+      <p:sp>
+        <p:nvSpPr>
+          <p:cNvPr id="4" name="テキスト ボックス 3">
+            <a:extLst>
+              <a:ext uri="{FF2B5EF4-FFF2-40B4-BE49-F238E27FC236}">
+                <a16:creationId xmlns:a16="http://schemas.microsoft.com/office/drawing/2014/main" id="{BB2B9B1A-58C6-8E46-17A9-C31C93FA52A9}"/>
+              </a:ext>
+            </a:extLst>
+          </p:cNvPr>
+          <p:cNvSpPr txBox="1"/>
+          <p:nvPr/>
+        </p:nvSpPr>
+        <p:spPr>
+          <a:xfrm>
+            <a:off x="209071" y="1166737"/>
+            <a:ext cx="8683529" cy="1785104"/>
+          </a:xfrm>
+          <a:prstGeom prst="rect">
+            <a:avLst/>
+          </a:prstGeom>
+          <a:noFill/>
+          <a:ln>
+            <a:solidFill>
+              <a:schemeClr val="tx1"/>
+            </a:solidFill>
+          </a:ln>
+        </p:spPr>
+        <p:txBody>
+          <a:bodyPr wrap="square" rtlCol="0">
+            <a:spAutoFit/>
+          </a:bodyPr>
+          <a:lstStyle/>
+          <a:p>
+            <a:r>
+              <a:rPr kumimoji="1" lang="ja-JP" altLang="en-US" sz="1000" dirty="0"/>
+              <a:t>～～～～～～～～（略） ～～～～～～～～</a:t>
+            </a:r>
+            <a:endParaRPr kumimoji="1" lang="en-US" altLang="ja-JP" sz="1000" dirty="0"/>
+          </a:p>
+          <a:p>
+            <a:r>
+              <a:rPr kumimoji="1" lang="en-US" altLang="ja-JP" sz="1000" dirty="0"/>
+              <a:t>[2023-07-19 17:47:26] INFO : -----MODE[VERSIONUP] START-----</a:t>
+            </a:r>
+          </a:p>
+          <a:p>
+            <a:r>
+              <a:rPr kumimoji="1" lang="en-US" altLang="ja-JP" sz="1000" dirty="0"/>
+              <a:t>[2023-07-19 17:47:26] INFO : Authorization check.</a:t>
+            </a:r>
+          </a:p>
+          <a:p>
+            <a:r>
+              <a:rPr kumimoji="1" lang="en-US" altLang="ja-JP" sz="1000" dirty="0"/>
+              <a:t>[2023-07-19 17:47:26] INFO : Reading answer-file.</a:t>
+            </a:r>
+          </a:p>
+          <a:p>
+            <a:r>
+              <a:rPr kumimoji="1" lang="en-US" altLang="ja-JP" sz="1000" dirty="0"/>
+              <a:t>[2023-07-19 17:47:36] INFO : Version check.</a:t>
+            </a:r>
+          </a:p>
+          <a:p>
+            <a:r>
+              <a:rPr kumimoji="1" lang="en-US" altLang="ja-JP" sz="1000" dirty="0"/>
+              <a:t>[2023-07-19 17:47:36] INFO : Stopping Apache.</a:t>
+            </a:r>
+          </a:p>
+          <a:p>
+            <a:r>
+              <a:rPr kumimoji="1" lang="en-US" altLang="ja-JP" sz="1000" dirty="0"/>
+              <a:t>[2023-07-19 17:47:38] INFO : Stopping ITA services.</a:t>
+            </a:r>
+          </a:p>
+          <a:p>
+            <a:r>
+              <a:rPr kumimoji="1" lang="en-US" altLang="ja-JP" sz="1000" dirty="0"/>
+              <a:t>[2023-07-19 17:47:39] INFO : Updating tables.</a:t>
+            </a:r>
+          </a:p>
+          <a:p>
+            <a:r>
+              <a:rPr kumimoji="1" lang="en-US" altLang="ja-JP" sz="1000" dirty="0">
+                <a:solidFill>
+                  <a:srgbClr val="FF0000"/>
+                </a:solidFill>
+              </a:rPr>
+              <a:t>[2023-07-19 17:47:39] ERROR : SQL Error. Check logfile[/root/it-automation-1.11.0/</a:t>
+            </a:r>
+            <a:r>
+              <a:rPr kumimoji="1" lang="en-US" altLang="ja-JP" sz="1000" dirty="0" err="1">
+                <a:solidFill>
+                  <a:srgbClr val="FF0000"/>
+                </a:solidFill>
+              </a:rPr>
+              <a:t>ita_install_package</a:t>
+            </a:r>
+            <a:r>
+              <a:rPr kumimoji="1" lang="en-US" altLang="ja-JP" sz="1000" dirty="0">
+                <a:solidFill>
+                  <a:srgbClr val="FF0000"/>
+                </a:solidFill>
+              </a:rPr>
+              <a:t>/</a:t>
+            </a:r>
+            <a:r>
+              <a:rPr kumimoji="1" lang="en-US" altLang="ja-JP" sz="1000" dirty="0" err="1">
+                <a:solidFill>
+                  <a:srgbClr val="FF0000"/>
+                </a:solidFill>
+              </a:rPr>
+              <a:t>install_scripts</a:t>
+            </a:r>
+            <a:r>
+              <a:rPr kumimoji="1" lang="en-US" altLang="ja-JP" sz="1000" dirty="0">
+                <a:solidFill>
+                  <a:srgbClr val="FF0000"/>
+                </a:solidFill>
+              </a:rPr>
+              <a:t>/log/1.10.2_base_sql.log].</a:t>
+            </a:r>
+          </a:p>
+          <a:p>
+            <a:r>
+              <a:rPr kumimoji="1" lang="en-US" altLang="ja-JP" sz="1000" dirty="0"/>
+              <a:t>[2023-07-19 17:47:39] INFO : Abort version up.</a:t>
+            </a:r>
+          </a:p>
+        </p:txBody>
+      </p:sp>
+      <p:sp>
+        <p:nvSpPr>
+          <p:cNvPr id="5" name="テキスト ボックス 4">
+            <a:extLst>
+              <a:ext uri="{FF2B5EF4-FFF2-40B4-BE49-F238E27FC236}">
+                <a16:creationId xmlns:a16="http://schemas.microsoft.com/office/drawing/2014/main" id="{23714EDF-DD6D-A971-D7C4-AD9A1139E23F}"/>
+              </a:ext>
+            </a:extLst>
+          </p:cNvPr>
+          <p:cNvSpPr txBox="1"/>
+          <p:nvPr/>
+        </p:nvSpPr>
+        <p:spPr>
+          <a:xfrm>
+            <a:off x="251400" y="5517290"/>
+            <a:ext cx="8771447" cy="646331"/>
+          </a:xfrm>
+          <a:prstGeom prst="rect">
+            <a:avLst/>
+          </a:prstGeom>
+          <a:noFill/>
+          <a:ln>
+            <a:solidFill>
+              <a:schemeClr val="tx1"/>
+            </a:solidFill>
+          </a:ln>
+        </p:spPr>
+        <p:txBody>
+          <a:bodyPr wrap="square" rtlCol="0">
+            <a:spAutoFit/>
+          </a:bodyPr>
+          <a:lstStyle/>
+          <a:p>
+            <a:endParaRPr kumimoji="1" lang="en-US" altLang="ja-JP" sz="900" dirty="0"/>
+          </a:p>
+          <a:p>
+            <a:r>
+              <a:rPr kumimoji="1" lang="en-US" altLang="ja-JP" sz="900" dirty="0"/>
+              <a:t>env MYSQL_PWD=${DB_PASSWORD} </a:t>
+            </a:r>
+            <a:r>
+              <a:rPr kumimoji="1" lang="en-US" altLang="ja-JP" sz="900" dirty="0" err="1"/>
+              <a:t>mysql</a:t>
+            </a:r>
+            <a:r>
+              <a:rPr kumimoji="1" lang="en-US" altLang="ja-JP" sz="900" dirty="0"/>
+              <a:t> -u${DB_USERNAME} ${DB_NAME} -h ${DB_HOST} &lt; "$SQL_REPLACE" 1&gt;${SQL_LOGFILE} 2&gt;&amp;1</a:t>
+            </a:r>
+          </a:p>
+          <a:p>
+            <a:r>
+              <a:rPr lang="ja-JP" altLang="en-US" sz="900" dirty="0"/>
+              <a:t>↓</a:t>
+            </a:r>
+            <a:endParaRPr lang="en-US" altLang="ja-JP" sz="900" dirty="0"/>
+          </a:p>
+          <a:p>
+            <a:r>
+              <a:rPr kumimoji="1" lang="en-US" altLang="ja-JP" sz="900" dirty="0"/>
+              <a:t>env MYSQL_PWD=${DB_PASSWORD} </a:t>
+            </a:r>
+            <a:r>
+              <a:rPr kumimoji="1" lang="en-US" altLang="ja-JP" sz="900" dirty="0" err="1">
+                <a:solidFill>
+                  <a:srgbClr val="FF0000"/>
+                </a:solidFill>
+              </a:rPr>
+              <a:t>mariadb</a:t>
+            </a:r>
+            <a:r>
+              <a:rPr kumimoji="1" lang="en-US" altLang="ja-JP" sz="900" dirty="0"/>
+              <a:t> -u${DB_USERNAME} ${DB_NAME} -h ${DB_HOST} &lt; "$SQL_REPLACE" 1&gt;${SQL_LOGFILE} 2&gt;&amp;1</a:t>
+            </a:r>
+          </a:p>
+        </p:txBody>
+      </p:sp>
+    </p:spTree>
+    <p:extLst>
+      <p:ext uri="{BB962C8B-B14F-4D97-AF65-F5344CB8AC3E}">
+        <p14:creationId xmlns:p14="http://schemas.microsoft.com/office/powerpoint/2010/main" val="722182644"/>
+      </p:ext>
+    </p:extLst>
+  </p:cSld>
+  <p:clrMapOvr>
+    <a:masterClrMapping/>
+  </p:clrMapOvr>
+</p:sld>
+</file>
+
+<file path=ppt/slides/slide21.xml><?xml version="1.0" encoding="utf-8"?>
+<p:sld xmlns:a="http://schemas.openxmlformats.org/drawingml/2006/main" xmlns:r="http://schemas.openxmlformats.org/officeDocument/2006/relationships" xmlns:p="http://schemas.openxmlformats.org/presentationml/2006/main">
+  <p:cSld>
+    <p:spTree>
+      <p:nvGrpSpPr>
+        <p:cNvPr id="1" name=""/>
+        <p:cNvGrpSpPr/>
+        <p:nvPr/>
+      </p:nvGrpSpPr>
+      <p:grpSpPr>
+        <a:xfrm>
+          <a:off x="0" y="0"/>
+          <a:ext cx="0" cy="0"/>
+          <a:chOff x="0" y="0"/>
+          <a:chExt cx="0" cy="0"/>
+        </a:xfrm>
+      </p:grpSpPr>
+      <p:sp>
+        <p:nvSpPr>
+          <p:cNvPr id="2" name="タイトル 1"/>
+          <p:cNvSpPr>
+            <a:spLocks noGrp="1"/>
+          </p:cNvSpPr>
+          <p:nvPr>
+            <p:ph type="title"/>
+          </p:nvPr>
+        </p:nvSpPr>
+        <p:spPr>
+          <a:xfrm>
+            <a:off x="179388" y="3045072"/>
+            <a:ext cx="8784000" cy="467239"/>
+          </a:xfrm>
+        </p:spPr>
+        <p:txBody>
+          <a:bodyPr/>
+          <a:lstStyle/>
+          <a:p>
+            <a:r>
+              <a:rPr lang="en-US" altLang="ja-JP" dirty="0"/>
+              <a:t>4.</a:t>
+            </a:r>
+            <a:r>
+              <a:rPr lang="ja-JP" altLang="en-US" dirty="0"/>
+              <a:t>　</a:t>
+            </a:r>
+            <a:r>
+              <a:rPr lang="en-US" altLang="ja-JP" dirty="0"/>
+              <a:t>ITA</a:t>
+            </a:r>
+            <a:r>
+              <a:rPr lang="ja-JP" altLang="en-US" dirty="0"/>
+              <a:t>動作確認</a:t>
+            </a:r>
+            <a:endParaRPr kumimoji="1" lang="ja-JP" altLang="en-US" dirty="0"/>
+          </a:p>
+        </p:txBody>
+      </p:sp>
+    </p:spTree>
+    <p:extLst>
+      <p:ext uri="{BB962C8B-B14F-4D97-AF65-F5344CB8AC3E}">
+        <p14:creationId xmlns:p14="http://schemas.microsoft.com/office/powerpoint/2010/main" val="3066568291"/>
+      </p:ext>
+    </p:extLst>
+  </p:cSld>
+  <p:clrMapOvr>
+    <a:masterClrMapping/>
+  </p:clrMapOvr>
+</p:sld>
+</file>
+
+<file path=ppt/slides/slide22.xml><?xml version="1.0" encoding="utf-8"?>
 <p:sld xmlns:a="http://schemas.openxmlformats.org/drawingml/2006/main" xmlns:r="http://schemas.openxmlformats.org/officeDocument/2006/relationships" xmlns:p="http://schemas.openxmlformats.org/presentationml/2006/main">
   <p:cSld>
     <p:spTree>
@@ -21488,7 +22154,7 @@
 </p:sld>
 </file>
 
-<file path=ppt/slides/slide21.xml><?xml version="1.0" encoding="utf-8"?>
+<file path=ppt/slides/slide23.xml><?xml version="1.0" encoding="utf-8"?>
 <p:sld xmlns:a="http://schemas.openxmlformats.org/drawingml/2006/main" xmlns:r="http://schemas.openxmlformats.org/officeDocument/2006/relationships" xmlns:p="http://schemas.openxmlformats.org/presentationml/2006/main">
   <p:cSld>
     <p:spTree>
@@ -21522,7 +22188,7 @@
           <a:p>
             <a:r>
               <a:rPr lang="en-US" altLang="ja-JP" dirty="0"/>
-              <a:t>4.2</a:t>
+              <a:t>4.1</a:t>
             </a:r>
             <a:r>
               <a:rPr lang="ja-JP" altLang="en-US" dirty="0"/>
@@ -21802,7 +22468,7 @@
 </p:sld>
 </file>
 
-<file path=ppt/slides/slide22.xml><?xml version="1.0" encoding="utf-8"?>
+<file path=ppt/slides/slide24.xml><?xml version="1.0" encoding="utf-8"?>
 <p:sld xmlns:a="http://schemas.openxmlformats.org/drawingml/2006/main" xmlns:r="http://schemas.openxmlformats.org/officeDocument/2006/relationships" xmlns:p="http://schemas.openxmlformats.org/presentationml/2006/main">
   <p:cSld>
     <p:spTree>
@@ -22355,15 +23021,7 @@
             </a:r>
             <a:r>
               <a:rPr lang="ja-JP" altLang="en-US" dirty="0"/>
-              <a:t>　事前準備（</a:t>
-            </a:r>
-            <a:r>
-              <a:rPr lang="en-US" altLang="ja-JP" dirty="0"/>
-              <a:t>1/1</a:t>
-            </a:r>
-            <a:r>
-              <a:rPr lang="ja-JP" altLang="en-US" dirty="0"/>
-              <a:t>）</a:t>
+              <a:t>　事前準備</a:t>
             </a:r>
             <a:endParaRPr kumimoji="1" lang="ja-JP" altLang="en-US" dirty="0"/>
           </a:p>

--- a/asset/Learn_ja/ITA-version-up_ja.pptx
+++ b/asset/Learn_ja/ITA-version-up_ja.pptx
@@ -328,7 +328,7 @@
               <a:rPr kumimoji="1" lang="ja-JP" altLang="en-US" smtClean="0">
                 <a:ea typeface="メイリオ" panose="020B0604030504040204" pitchFamily="50" charset="-128"/>
               </a:rPr>
-              <a:t>2023/7/19</a:t>
+              <a:t>2025/5/19</a:t>
             </a:fld>
             <a:endParaRPr kumimoji="1" lang="ja-JP" altLang="en-US" dirty="0">
               <a:ea typeface="メイリオ" panose="020B0604030504040204" pitchFamily="50" charset="-128"/>
@@ -474,7 +474,7 @@
             <a:fld id="{4B26993D-C081-44EB-B0F5-A9F467792B62}" type="datetimeFigureOut">
               <a:rPr lang="ja-JP" altLang="en-US" smtClean="0"/>
               <a:pPr/>
-              <a:t>2023/7/19</a:t>
+              <a:t>2025/5/19</a:t>
             </a:fld>
             <a:endParaRPr lang="ja-JP" altLang="en-US" dirty="0"/>
           </a:p>
@@ -1078,7 +1078,7 @@
           <a:p>
             <a:fld id="{56F9016B-CCA6-43BE-8BEE-59565A35F4F7}" type="datetimeFigureOut">
               <a:rPr kumimoji="1" lang="ja-JP" altLang="en-US" smtClean="0"/>
-              <a:t>2023/7/19</a:t>
+              <a:t>2025/5/19</a:t>
             </a:fld>
             <a:endParaRPr kumimoji="1" lang="ja-JP" altLang="en-US"/>
           </a:p>
@@ -1278,7 +1278,7 @@
           <a:p>
             <a:fld id="{56F9016B-CCA6-43BE-8BEE-59565A35F4F7}" type="datetimeFigureOut">
               <a:rPr kumimoji="1" lang="ja-JP" altLang="en-US" smtClean="0"/>
-              <a:t>2023/7/19</a:t>
+              <a:t>2025/5/19</a:t>
             </a:fld>
             <a:endParaRPr kumimoji="1" lang="ja-JP" altLang="en-US"/>
           </a:p>
@@ -1523,7 +1523,7 @@
           <a:p>
             <a:fld id="{56F9016B-CCA6-43BE-8BEE-59565A35F4F7}" type="datetimeFigureOut">
               <a:rPr kumimoji="1" lang="ja-JP" altLang="en-US" smtClean="0"/>
-              <a:t>2023/7/19</a:t>
+              <a:t>2025/5/19</a:t>
             </a:fld>
             <a:endParaRPr kumimoji="1" lang="ja-JP" altLang="en-US"/>
           </a:p>
@@ -1816,7 +1816,7 @@
           <a:p>
             <a:fld id="{56F9016B-CCA6-43BE-8BEE-59565A35F4F7}" type="datetimeFigureOut">
               <a:rPr kumimoji="1" lang="ja-JP" altLang="en-US" smtClean="0"/>
-              <a:t>2023/7/19</a:t>
+              <a:t>2025/5/19</a:t>
             </a:fld>
             <a:endParaRPr kumimoji="1" lang="ja-JP" altLang="en-US"/>
           </a:p>
@@ -2244,7 +2244,7 @@
           <a:p>
             <a:fld id="{56F9016B-CCA6-43BE-8BEE-59565A35F4F7}" type="datetimeFigureOut">
               <a:rPr kumimoji="1" lang="ja-JP" altLang="en-US" smtClean="0"/>
-              <a:t>2023/7/19</a:t>
+              <a:t>2025/5/19</a:t>
             </a:fld>
             <a:endParaRPr kumimoji="1" lang="ja-JP" altLang="en-US"/>
           </a:p>
@@ -2361,7 +2361,7 @@
           <a:p>
             <a:fld id="{56F9016B-CCA6-43BE-8BEE-59565A35F4F7}" type="datetimeFigureOut">
               <a:rPr kumimoji="1" lang="ja-JP" altLang="en-US" smtClean="0"/>
-              <a:t>2023/7/19</a:t>
+              <a:t>2025/5/19</a:t>
             </a:fld>
             <a:endParaRPr kumimoji="1" lang="ja-JP" altLang="en-US"/>
           </a:p>
@@ -2456,7 +2456,7 @@
           <a:p>
             <a:fld id="{56F9016B-CCA6-43BE-8BEE-59565A35F4F7}" type="datetimeFigureOut">
               <a:rPr kumimoji="1" lang="ja-JP" altLang="en-US" smtClean="0"/>
-              <a:t>2023/7/19</a:t>
+              <a:t>2025/5/19</a:t>
             </a:fld>
             <a:endParaRPr kumimoji="1" lang="ja-JP" altLang="en-US"/>
           </a:p>
@@ -2763,7 +2763,7 @@
           <a:p>
             <a:fld id="{56F9016B-CCA6-43BE-8BEE-59565A35F4F7}" type="datetimeFigureOut">
               <a:rPr kumimoji="1" lang="ja-JP" altLang="en-US" smtClean="0"/>
-              <a:t>2023/7/19</a:t>
+              <a:t>2025/5/19</a:t>
             </a:fld>
             <a:endParaRPr kumimoji="1" lang="ja-JP" altLang="en-US"/>
           </a:p>
@@ -3015,7 +3015,7 @@
           <a:p>
             <a:fld id="{56F9016B-CCA6-43BE-8BEE-59565A35F4F7}" type="datetimeFigureOut">
               <a:rPr kumimoji="1" lang="ja-JP" altLang="en-US" smtClean="0"/>
-              <a:t>2023/7/19</a:t>
+              <a:t>2025/5/19</a:t>
             </a:fld>
             <a:endParaRPr kumimoji="1" lang="ja-JP" altLang="en-US"/>
           </a:p>
@@ -3282,7 +3282,7 @@
           <a:p>
             <a:fld id="{56F9016B-CCA6-43BE-8BEE-59565A35F4F7}" type="datetimeFigureOut">
               <a:rPr kumimoji="1" lang="ja-JP" altLang="en-US" smtClean="0"/>
-              <a:t>2023/7/19</a:t>
+              <a:t>2025/5/19</a:t>
             </a:fld>
             <a:endParaRPr kumimoji="1" lang="ja-JP" altLang="en-US"/>
           </a:p>
@@ -3492,7 +3492,7 @@
           <a:p>
             <a:fld id="{56F9016B-CCA6-43BE-8BEE-59565A35F4F7}" type="datetimeFigureOut">
               <a:rPr kumimoji="1" lang="ja-JP" altLang="en-US" smtClean="0"/>
-              <a:t>2023/7/19</a:t>
+              <a:t>2025/5/19</a:t>
             </a:fld>
             <a:endParaRPr kumimoji="1" lang="ja-JP" altLang="en-US"/>
           </a:p>
@@ -6480,7 +6480,7 @@
           <a:p>
             <a:fld id="{56F9016B-CCA6-43BE-8BEE-59565A35F4F7}" type="datetimeFigureOut">
               <a:rPr kumimoji="1" lang="ja-JP" altLang="en-US" smtClean="0"/>
-              <a:t>2023/7/19</a:t>
+              <a:t>2025/5/19</a:t>
             </a:fld>
             <a:endParaRPr kumimoji="1" lang="ja-JP" altLang="en-US"/>
           </a:p>
@@ -6911,7 +6911,7 @@
             </a:r>
             <a:r>
               <a:rPr lang="en-US" altLang="ja-JP" dirty="0"/>
-              <a:t> IT Automation Version 1.11 </a:t>
+              <a:t> IT Automation Version 1.12 </a:t>
             </a:r>
           </a:p>
           <a:p>
@@ -17995,14 +17995,14 @@
           <p:nvPr>
             <p:extLst>
               <p:ext uri="{D42A27DB-BD31-4B8C-83A1-F6EECF244321}">
-                <p14:modId xmlns:p14="http://schemas.microsoft.com/office/powerpoint/2010/main" val="4020922551"/>
+                <p14:modId xmlns:p14="http://schemas.microsoft.com/office/powerpoint/2010/main" val="2532169757"/>
               </p:ext>
             </p:extLst>
           </p:nvPr>
         </p:nvGraphicFramePr>
         <p:xfrm>
           <a:off x="179512" y="908650"/>
-          <a:ext cx="8819131" cy="2753860"/>
+          <a:ext cx="8819131" cy="2956169"/>
         </p:xfrm>
         <a:graphic>
           <a:graphicData uri="http://schemas.openxmlformats.org/drawingml/2006/table">
@@ -19866,6 +19866,141 @@
                           <a:effectLst/>
                         </a:rPr>
                         <a:t>1.11.1</a:t>
+                      </a:r>
+                      <a:r>
+                        <a:rPr lang="ja-JP" altLang="en-US" sz="1050" kern="100" dirty="0">
+                          <a:effectLst/>
+                        </a:rPr>
+                        <a:t>で追加されたライブラリはありません。</a:t>
+                      </a:r>
+                      <a:endParaRPr lang="ja-JP" altLang="ja-JP" sz="1050" kern="100" dirty="0">
+                        <a:effectLst/>
+                        <a:latin typeface="+mn-ea"/>
+                        <a:ea typeface="+mn-ea"/>
+                        <a:cs typeface="Times New Roman" panose="02020603050405020304" pitchFamily="18" charset="0"/>
+                      </a:endParaRPr>
+                    </a:p>
+                  </a:txBody>
+                  <a:tcPr marL="68580" marR="68580" marT="0" marB="0" anchor="ctr"/>
+                </a:tc>
+                <a:tc hMerge="1">
+                  <a:txBody>
+                    <a:bodyPr/>
+                    <a:lstStyle/>
+                    <a:p>
+                      <a:endParaRPr kumimoji="1" lang="ja-JP" altLang="en-US"/>
+                    </a:p>
+                  </a:txBody>
+                  <a:tcPr/>
+                </a:tc>
+                <a:tc hMerge="1">
+                  <a:txBody>
+                    <a:bodyPr/>
+                    <a:lstStyle/>
+                    <a:p>
+                      <a:endParaRPr kumimoji="1" lang="ja-JP" altLang="en-US"/>
+                    </a:p>
+                  </a:txBody>
+                  <a:tcPr/>
+                </a:tc>
+                <a:tc hMerge="1">
+                  <a:txBody>
+                    <a:bodyPr/>
+                    <a:lstStyle/>
+                    <a:p>
+                      <a:endParaRPr kumimoji="1" lang="ja-JP" altLang="en-US"/>
+                    </a:p>
+                  </a:txBody>
+                  <a:tcPr/>
+                </a:tc>
+                <a:tc hMerge="1">
+                  <a:txBody>
+                    <a:bodyPr/>
+                    <a:lstStyle/>
+                    <a:p>
+                      <a:endParaRPr kumimoji="1" lang="ja-JP" altLang="en-US"/>
+                    </a:p>
+                  </a:txBody>
+                  <a:tcPr/>
+                </a:tc>
+                <a:extLst>
+                  <a:ext uri="{0D108BD9-81ED-4DB2-BD59-A6C34878D82A}">
+                    <a16:rowId xmlns:a16="http://schemas.microsoft.com/office/drawing/2014/main" val="624565043"/>
+                  </a:ext>
+                </a:extLst>
+              </a:tr>
+              <a:tr h="202309">
+                <a:tc>
+                  <a:txBody>
+                    <a:bodyPr/>
+                    <a:lstStyle/>
+                    <a:p>
+                      <a:pPr marL="0" marR="0" lvl="0" indent="0" algn="just" defTabSz="914400" rtl="0" eaLnBrk="1" fontAlgn="auto" latinLnBrk="0" hangingPunct="1">
+                        <a:lnSpc>
+                          <a:spcPct val="100000"/>
+                        </a:lnSpc>
+                        <a:spcBef>
+                          <a:spcPts val="0"/>
+                        </a:spcBef>
+                        <a:spcAft>
+                          <a:spcPts val="0"/>
+                        </a:spcAft>
+                        <a:buClrTx/>
+                        <a:buSzTx/>
+                        <a:buFontTx/>
+                        <a:buNone/>
+                        <a:tabLst/>
+                        <a:defRPr/>
+                      </a:pPr>
+                      <a:r>
+                        <a:rPr lang="en-US" altLang="ja-JP" sz="1000" kern="0" dirty="0">
+                          <a:effectLst/>
+                        </a:rPr>
+                        <a:t>1.11.2</a:t>
+                      </a:r>
+                      <a:endParaRPr lang="ja-JP" altLang="ja-JP" sz="1000" kern="100" dirty="0">
+                        <a:effectLst/>
+                        <a:latin typeface="Century" panose="02040604050505020304" pitchFamily="18" charset="0"/>
+                        <a:ea typeface="ＭＳ 明朝" panose="02020609040205080304" pitchFamily="17" charset="-128"/>
+                        <a:cs typeface="Times New Roman" panose="02020603050405020304" pitchFamily="18" charset="0"/>
+                      </a:endParaRPr>
+                    </a:p>
+                  </a:txBody>
+                  <a:tcPr marL="68580" marR="68580" marT="0" marB="0" anchor="ctr"/>
+                </a:tc>
+                <a:tc gridSpan="5">
+                  <a:txBody>
+                    <a:bodyPr/>
+                    <a:lstStyle/>
+                    <a:p>
+                      <a:pPr marL="0" marR="0" lvl="0" indent="0" algn="ctr" defTabSz="914400" rtl="0" eaLnBrk="1" fontAlgn="auto" latinLnBrk="0" hangingPunct="1">
+                        <a:lnSpc>
+                          <a:spcPct val="100000"/>
+                        </a:lnSpc>
+                        <a:spcBef>
+                          <a:spcPts val="0"/>
+                        </a:spcBef>
+                        <a:spcAft>
+                          <a:spcPts val="0"/>
+                        </a:spcAft>
+                        <a:buClrTx/>
+                        <a:buSzTx/>
+                        <a:buFontTx/>
+                        <a:buNone/>
+                        <a:tabLst/>
+                        <a:defRPr/>
+                      </a:pPr>
+                      <a:r>
+                        <a:rPr lang="ja-JP" altLang="en-US" sz="1050" kern="100" dirty="0">
+                          <a:effectLst/>
+                        </a:rPr>
+                        <a:t>バージョン</a:t>
+                      </a:r>
+                      <a:r>
+                        <a:rPr lang="en-US" altLang="ja-JP" sz="1050" kern="100" dirty="0">
+                          <a:effectLst/>
+                        </a:rPr>
+                        <a:t>1.11.2</a:t>
                       </a:r>
                       <a:r>
                         <a:rPr lang="ja-JP" altLang="en-US" sz="1050" kern="100" dirty="0">
